--- a/进程.pptx
+++ b/进程.pptx
@@ -9,6 +9,7 @@
     <p:sldId id="258" r:id="rId3"/>
     <p:sldId id="265" r:id="rId4"/>
     <p:sldId id="266" r:id="rId5"/>
+    <p:sldId id="267" r:id="rId6"/>
   </p:sldIdLst>
   <p:sldSz cx="12192000" cy="6858000"/>
   <p:notesSz cx="6858000" cy="9144000"/>
@@ -5810,12 +5811,98 @@
           <a:chExt cx="0" cy="0"/>
         </a:xfrm>
       </p:grpSpPr>
+      <p:cxnSp>
+        <p:nvCxnSpPr>
+          <p:cNvPr id="5" name="直线箭头连接符 4">
+            <a:extLst>
+              <a:ext uri="{FF2B5EF4-FFF2-40B4-BE49-F238E27FC236}">
+                <a16:creationId xmlns:a16="http://schemas.microsoft.com/office/drawing/2014/main" id="{41E6D662-BB15-834D-B22E-B1EF22518908}"/>
+              </a:ext>
+            </a:extLst>
+          </p:cNvPr>
+          <p:cNvCxnSpPr>
+            <a:cxnSpLocks/>
+            <a:stCxn id="17" idx="3"/>
+            <a:endCxn id="44" idx="1"/>
+          </p:cNvCxnSpPr>
+          <p:nvPr/>
+        </p:nvCxnSpPr>
+        <p:spPr>
+          <a:xfrm flipV="1">
+            <a:off x="2756454" y="453102"/>
+            <a:ext cx="940279" cy="481318"/>
+          </a:xfrm>
+          <a:prstGeom prst="straightConnector1">
+            <a:avLst/>
+          </a:prstGeom>
+          <a:ln>
+            <a:tailEnd type="triangle"/>
+          </a:ln>
+        </p:spPr>
+        <p:style>
+          <a:lnRef idx="1">
+            <a:schemeClr val="accent1"/>
+          </a:lnRef>
+          <a:fillRef idx="0">
+            <a:schemeClr val="accent1"/>
+          </a:fillRef>
+          <a:effectRef idx="0">
+            <a:schemeClr val="accent1"/>
+          </a:effectRef>
+          <a:fontRef idx="minor">
+            <a:schemeClr val="tx1"/>
+          </a:fontRef>
+        </p:style>
+      </p:cxnSp>
+      <p:cxnSp>
+        <p:nvCxnSpPr>
+          <p:cNvPr id="48" name="直线箭头连接符 47">
+            <a:extLst>
+              <a:ext uri="{FF2B5EF4-FFF2-40B4-BE49-F238E27FC236}">
+                <a16:creationId xmlns:a16="http://schemas.microsoft.com/office/drawing/2014/main" id="{1F2F567C-06EE-F84D-AB04-8BFAEB39655B}"/>
+              </a:ext>
+            </a:extLst>
+          </p:cNvPr>
+          <p:cNvCxnSpPr>
+            <a:cxnSpLocks/>
+            <a:stCxn id="24" idx="3"/>
+            <a:endCxn id="38" idx="2"/>
+          </p:cNvCxnSpPr>
+          <p:nvPr/>
+        </p:nvCxnSpPr>
+        <p:spPr>
+          <a:xfrm flipV="1">
+            <a:off x="5707364" y="562194"/>
+            <a:ext cx="679253" cy="424150"/>
+          </a:xfrm>
+          <a:prstGeom prst="straightConnector1">
+            <a:avLst/>
+          </a:prstGeom>
+          <a:ln>
+            <a:tailEnd type="none"/>
+          </a:ln>
+        </p:spPr>
+        <p:style>
+          <a:lnRef idx="1">
+            <a:schemeClr val="accent1"/>
+          </a:lnRef>
+          <a:fillRef idx="0">
+            <a:schemeClr val="accent1"/>
+          </a:fillRef>
+          <a:effectRef idx="0">
+            <a:schemeClr val="accent1"/>
+          </a:effectRef>
+          <a:fontRef idx="minor">
+            <a:schemeClr val="tx1"/>
+          </a:fontRef>
+        </p:style>
+      </p:cxnSp>
       <p:grpSp>
         <p:nvGrpSpPr>
-          <p:cNvPr id="13" name="组合 12">
-            <a:extLst>
-              <a:ext uri="{FF2B5EF4-FFF2-40B4-BE49-F238E27FC236}">
-                <a16:creationId xmlns:a16="http://schemas.microsoft.com/office/drawing/2014/main" id="{737ACC6D-914B-A747-8767-812D2DD1C18B}"/>
+          <p:cNvPr id="9" name="组合 8">
+            <a:extLst>
+              <a:ext uri="{FF2B5EF4-FFF2-40B4-BE49-F238E27FC236}">
+                <a16:creationId xmlns:a16="http://schemas.microsoft.com/office/drawing/2014/main" id="{2F7918BB-C4D2-F14A-BE2B-D30CDC2F65E7}"/>
               </a:ext>
             </a:extLst>
           </p:cNvPr>
@@ -5824,154 +5911,18 @@
         </p:nvGrpSpPr>
         <p:grpSpPr>
           <a:xfrm>
-            <a:off x="320572" y="361462"/>
-            <a:ext cx="1213943" cy="2028498"/>
-            <a:chOff x="1135116" y="220716"/>
-            <a:chExt cx="1008994" cy="2028498"/>
+            <a:off x="6386013" y="488864"/>
+            <a:ext cx="807160" cy="981135"/>
+            <a:chOff x="6325010" y="153125"/>
+            <a:chExt cx="1660637" cy="1966131"/>
           </a:xfrm>
         </p:grpSpPr>
-        <p:grpSp>
-          <p:nvGrpSpPr>
-            <p:cNvPr id="14" name="组合 13">
+        <p:sp>
+          <p:nvSpPr>
+            <p:cNvPr id="35" name="矩形 34">
               <a:extLst>
                 <a:ext uri="{FF2B5EF4-FFF2-40B4-BE49-F238E27FC236}">
-                  <a16:creationId xmlns:a16="http://schemas.microsoft.com/office/drawing/2014/main" id="{D402AB2F-1F71-084A-BBF1-33028C35D489}"/>
-                </a:ext>
-              </a:extLst>
-            </p:cNvPr>
-            <p:cNvGrpSpPr/>
-            <p:nvPr/>
-          </p:nvGrpSpPr>
-          <p:grpSpPr>
-            <a:xfrm>
-              <a:off x="1135117" y="557048"/>
-              <a:ext cx="1008993" cy="1692166"/>
-              <a:chOff x="1135117" y="557048"/>
-              <a:chExt cx="1008993" cy="1692166"/>
-            </a:xfrm>
-          </p:grpSpPr>
-          <p:sp>
-            <p:nvSpPr>
-              <p:cNvPr id="16" name="矩形 15">
-                <a:extLst>
-                  <a:ext uri="{FF2B5EF4-FFF2-40B4-BE49-F238E27FC236}">
-                    <a16:creationId xmlns:a16="http://schemas.microsoft.com/office/drawing/2014/main" id="{5F3F1919-773F-5446-ACDB-F922F4027B3B}"/>
-                  </a:ext>
-                </a:extLst>
-              </p:cNvPr>
-              <p:cNvSpPr/>
-              <p:nvPr/>
-            </p:nvSpPr>
-            <p:spPr>
-              <a:xfrm>
-                <a:off x="1135117" y="557048"/>
-                <a:ext cx="1008993" cy="1692166"/>
-              </a:xfrm>
-              <a:prstGeom prst="rect">
-                <a:avLst/>
-              </a:prstGeom>
-              <a:noFill/>
-              <a:ln>
-                <a:solidFill>
-                  <a:schemeClr val="tx1"/>
-                </a:solidFill>
-              </a:ln>
-            </p:spPr>
-            <p:style>
-              <a:lnRef idx="2">
-                <a:schemeClr val="accent1">
-                  <a:shade val="50000"/>
-                </a:schemeClr>
-              </a:lnRef>
-              <a:fillRef idx="1">
-                <a:schemeClr val="accent1"/>
-              </a:fillRef>
-              <a:effectRef idx="0">
-                <a:schemeClr val="accent1"/>
-              </a:effectRef>
-              <a:fontRef idx="minor">
-                <a:schemeClr val="lt1"/>
-              </a:fontRef>
-            </p:style>
-            <p:txBody>
-              <a:bodyPr rtlCol="0" anchor="ctr"/>
-              <a:lstStyle/>
-              <a:p>
-                <a:pPr algn="ctr"/>
-                <a:endParaRPr kumimoji="1" lang="zh-CN" altLang="en-US" sz="1400">
-                  <a:solidFill>
-                    <a:schemeClr val="tx1"/>
-                  </a:solidFill>
-                </a:endParaRPr>
-              </a:p>
-            </p:txBody>
-          </p:sp>
-          <p:sp>
-            <p:nvSpPr>
-              <p:cNvPr id="17" name="矩形 16">
-                <a:extLst>
-                  <a:ext uri="{FF2B5EF4-FFF2-40B4-BE49-F238E27FC236}">
-                    <a16:creationId xmlns:a16="http://schemas.microsoft.com/office/drawing/2014/main" id="{3DDE1312-1BB7-5948-9E5A-01E1599F96DC}"/>
-                  </a:ext>
-                </a:extLst>
-              </p:cNvPr>
-              <p:cNvSpPr/>
-              <p:nvPr/>
-            </p:nvSpPr>
-            <p:spPr>
-              <a:xfrm>
-                <a:off x="1135117" y="1234965"/>
-                <a:ext cx="1008993" cy="336331"/>
-              </a:xfrm>
-              <a:prstGeom prst="rect">
-                <a:avLst/>
-              </a:prstGeom>
-              <a:noFill/>
-              <a:ln>
-                <a:solidFill>
-                  <a:schemeClr val="tx1"/>
-                </a:solidFill>
-              </a:ln>
-            </p:spPr>
-            <p:style>
-              <a:lnRef idx="2">
-                <a:schemeClr val="accent1">
-                  <a:shade val="50000"/>
-                </a:schemeClr>
-              </a:lnRef>
-              <a:fillRef idx="1">
-                <a:schemeClr val="accent1"/>
-              </a:fillRef>
-              <a:effectRef idx="0">
-                <a:schemeClr val="accent1"/>
-              </a:effectRef>
-              <a:fontRef idx="minor">
-                <a:schemeClr val="lt1"/>
-              </a:fontRef>
-            </p:style>
-            <p:txBody>
-              <a:bodyPr rtlCol="0" anchor="ctr"/>
-              <a:lstStyle/>
-              <a:p>
-                <a:pPr algn="ctr"/>
-                <a:r>
-                  <a:rPr lang="en-US" altLang="zh-CN" sz="1400">
-                    <a:solidFill>
-                      <a:schemeClr val="tx1"/>
-                    </a:solidFill>
-                  </a:rPr>
-                  <a:t>files_struct *</a:t>
-                </a:r>
-              </a:p>
-            </p:txBody>
-          </p:sp>
-        </p:grpSp>
-        <p:sp>
-          <p:nvSpPr>
-            <p:cNvPr id="15" name="矩形 14">
-              <a:extLst>
-                <a:ext uri="{FF2B5EF4-FFF2-40B4-BE49-F238E27FC236}">
-                  <a16:creationId xmlns:a16="http://schemas.microsoft.com/office/drawing/2014/main" id="{60D9614F-9F64-734F-B294-42BB31812767}"/>
+                  <a16:creationId xmlns:a16="http://schemas.microsoft.com/office/drawing/2014/main" id="{CDC58383-E47E-9E46-B150-C00466B865A0}"/>
                 </a:ext>
               </a:extLst>
             </p:cNvPr>
@@ -5980,15 +5931,19 @@
           </p:nvSpPr>
           <p:spPr>
             <a:xfrm>
-              <a:off x="1135116" y="220716"/>
-              <a:ext cx="1008993" cy="336331"/>
+              <a:off x="6325016" y="446082"/>
+              <a:ext cx="1660631" cy="1673174"/>
             </a:xfrm>
             <a:prstGeom prst="rect">
               <a:avLst/>
             </a:prstGeom>
-            <a:noFill/>
+            <a:solidFill>
+              <a:schemeClr val="bg1"/>
+            </a:solidFill>
             <a:ln>
-              <a:noFill/>
+              <a:solidFill>
+                <a:schemeClr val="tx1"/>
+              </a:solidFill>
             </a:ln>
           </p:spPr>
           <p:style>
@@ -6012,15 +5967,7 @@
             <a:lstStyle/>
             <a:p>
               <a:pPr algn="ctr"/>
-              <a:r>
-                <a:rPr kumimoji="1" lang="en-US" altLang="zh-CN" sz="1400">
-                  <a:solidFill>
-                    <a:schemeClr val="tx1"/>
-                  </a:solidFill>
-                </a:rPr>
-                <a:t>proc_struct</a:t>
-              </a:r>
-              <a:endParaRPr kumimoji="1" lang="zh-CN" altLang="en-US" sz="1400">
+              <a:endParaRPr kumimoji="1" lang="zh-CN" altLang="en-US" sz="800">
                 <a:solidFill>
                   <a:schemeClr val="tx1"/>
                 </a:solidFill>
@@ -6028,356 +5975,12 @@
             </a:p>
           </p:txBody>
         </p:sp>
-      </p:grpSp>
-      <p:cxnSp>
-        <p:nvCxnSpPr>
-          <p:cNvPr id="5" name="直线箭头连接符 4">
-            <a:extLst>
-              <a:ext uri="{FF2B5EF4-FFF2-40B4-BE49-F238E27FC236}">
-                <a16:creationId xmlns:a16="http://schemas.microsoft.com/office/drawing/2014/main" id="{41E6D662-BB15-834D-B22E-B1EF22518908}"/>
-              </a:ext>
-            </a:extLst>
-          </p:cNvPr>
-          <p:cNvCxnSpPr>
-            <a:cxnSpLocks/>
-            <a:stCxn id="17" idx="3"/>
-            <a:endCxn id="44" idx="1"/>
-          </p:cNvCxnSpPr>
-          <p:nvPr/>
-        </p:nvCxnSpPr>
-        <p:spPr>
-          <a:xfrm flipV="1">
-            <a:off x="1534515" y="1162374"/>
-            <a:ext cx="1066541" cy="381503"/>
-          </a:xfrm>
-          <a:prstGeom prst="straightConnector1">
-            <a:avLst/>
-          </a:prstGeom>
-          <a:ln>
-            <a:tailEnd type="triangle"/>
-          </a:ln>
-        </p:spPr>
-        <p:style>
-          <a:lnRef idx="1">
-            <a:schemeClr val="accent1"/>
-          </a:lnRef>
-          <a:fillRef idx="0">
-            <a:schemeClr val="accent1"/>
-          </a:fillRef>
-          <a:effectRef idx="0">
-            <a:schemeClr val="accent1"/>
-          </a:effectRef>
-          <a:fontRef idx="minor">
-            <a:schemeClr val="tx1"/>
-          </a:fontRef>
-        </p:style>
-      </p:cxnSp>
-      <p:cxnSp>
-        <p:nvCxnSpPr>
-          <p:cNvPr id="48" name="直线箭头连接符 47">
-            <a:extLst>
-              <a:ext uri="{FF2B5EF4-FFF2-40B4-BE49-F238E27FC236}">
-                <a16:creationId xmlns:a16="http://schemas.microsoft.com/office/drawing/2014/main" id="{1F2F567C-06EE-F84D-AB04-8BFAEB39655B}"/>
-              </a:ext>
-            </a:extLst>
-          </p:cNvPr>
-          <p:cNvCxnSpPr>
-            <a:cxnSpLocks/>
-            <a:stCxn id="24" idx="3"/>
-            <a:endCxn id="35" idx="1"/>
-          </p:cNvCxnSpPr>
-          <p:nvPr/>
-        </p:nvCxnSpPr>
-        <p:spPr>
-          <a:xfrm flipV="1">
-            <a:off x="5244412" y="2063813"/>
-            <a:ext cx="711054" cy="327699"/>
-          </a:xfrm>
-          <a:prstGeom prst="straightConnector1">
-            <a:avLst/>
-          </a:prstGeom>
-          <a:ln>
-            <a:tailEnd type="none"/>
-          </a:ln>
-        </p:spPr>
-        <p:style>
-          <a:lnRef idx="1">
-            <a:schemeClr val="accent1"/>
-          </a:lnRef>
-          <a:fillRef idx="0">
-            <a:schemeClr val="accent1"/>
-          </a:fillRef>
-          <a:effectRef idx="0">
-            <a:schemeClr val="accent1"/>
-          </a:effectRef>
-          <a:fontRef idx="minor">
-            <a:schemeClr val="tx1"/>
-          </a:fontRef>
-        </p:style>
-      </p:cxnSp>
-      <p:grpSp>
-        <p:nvGrpSpPr>
-          <p:cNvPr id="78" name="组合 77">
-            <a:extLst>
-              <a:ext uri="{FF2B5EF4-FFF2-40B4-BE49-F238E27FC236}">
-                <a16:creationId xmlns:a16="http://schemas.microsoft.com/office/drawing/2014/main" id="{6ADFF687-F89E-7542-8E48-F0317EC2CF31}"/>
-              </a:ext>
-            </a:extLst>
-          </p:cNvPr>
-          <p:cNvGrpSpPr/>
-          <p:nvPr/>
-        </p:nvGrpSpPr>
-        <p:grpSpPr>
-          <a:xfrm>
-            <a:off x="5955459" y="529627"/>
-            <a:ext cx="1660637" cy="2631980"/>
-            <a:chOff x="6442339" y="1712042"/>
-            <a:chExt cx="1660637" cy="2631980"/>
-          </a:xfrm>
-        </p:grpSpPr>
-        <p:grpSp>
-          <p:nvGrpSpPr>
-            <p:cNvPr id="32" name="组合 31">
+        <p:sp>
+          <p:nvSpPr>
+            <p:cNvPr id="36" name="矩形 35">
               <a:extLst>
                 <a:ext uri="{FF2B5EF4-FFF2-40B4-BE49-F238E27FC236}">
-                  <a16:creationId xmlns:a16="http://schemas.microsoft.com/office/drawing/2014/main" id="{7E804905-5DF5-094B-B868-6E20C1563CFA}"/>
-                </a:ext>
-              </a:extLst>
-            </p:cNvPr>
-            <p:cNvGrpSpPr/>
-            <p:nvPr/>
-          </p:nvGrpSpPr>
-          <p:grpSpPr>
-            <a:xfrm>
-              <a:off x="6442339" y="1712042"/>
-              <a:ext cx="1660637" cy="2631980"/>
-              <a:chOff x="1135113" y="220716"/>
-              <a:chExt cx="1008997" cy="2028498"/>
-            </a:xfrm>
-          </p:grpSpPr>
-          <p:grpSp>
-            <p:nvGrpSpPr>
-              <p:cNvPr id="33" name="组合 32">
-                <a:extLst>
-                  <a:ext uri="{FF2B5EF4-FFF2-40B4-BE49-F238E27FC236}">
-                    <a16:creationId xmlns:a16="http://schemas.microsoft.com/office/drawing/2014/main" id="{C343CD45-F124-8640-A88E-B6A440A021A5}"/>
-                  </a:ext>
-                </a:extLst>
-              </p:cNvPr>
-              <p:cNvGrpSpPr/>
-              <p:nvPr/>
-            </p:nvGrpSpPr>
-            <p:grpSpPr>
-              <a:xfrm>
-                <a:off x="1135113" y="557048"/>
-                <a:ext cx="1008997" cy="1692166"/>
-                <a:chOff x="1135113" y="557048"/>
-                <a:chExt cx="1008997" cy="1692166"/>
-              </a:xfrm>
-            </p:grpSpPr>
-            <p:sp>
-              <p:nvSpPr>
-                <p:cNvPr id="35" name="矩形 34">
-                  <a:extLst>
-                    <a:ext uri="{FF2B5EF4-FFF2-40B4-BE49-F238E27FC236}">
-                      <a16:creationId xmlns:a16="http://schemas.microsoft.com/office/drawing/2014/main" id="{CDC58383-E47E-9E46-B150-C00466B865A0}"/>
-                    </a:ext>
-                  </a:extLst>
-                </p:cNvPr>
-                <p:cNvSpPr/>
-                <p:nvPr/>
-              </p:nvSpPr>
-              <p:spPr>
-                <a:xfrm>
-                  <a:off x="1135117" y="557048"/>
-                  <a:ext cx="1008993" cy="1692166"/>
-                </a:xfrm>
-                <a:prstGeom prst="rect">
-                  <a:avLst/>
-                </a:prstGeom>
-                <a:solidFill>
-                  <a:schemeClr val="bg1"/>
-                </a:solidFill>
-                <a:ln>
-                  <a:solidFill>
-                    <a:schemeClr val="tx1"/>
-                  </a:solidFill>
-                </a:ln>
-              </p:spPr>
-              <p:style>
-                <a:lnRef idx="2">
-                  <a:schemeClr val="accent1">
-                    <a:shade val="50000"/>
-                  </a:schemeClr>
-                </a:lnRef>
-                <a:fillRef idx="1">
-                  <a:schemeClr val="accent1"/>
-                </a:fillRef>
-                <a:effectRef idx="0">
-                  <a:schemeClr val="accent1"/>
-                </a:effectRef>
-                <a:fontRef idx="minor">
-                  <a:schemeClr val="lt1"/>
-                </a:fontRef>
-              </p:style>
-              <p:txBody>
-                <a:bodyPr rtlCol="0" anchor="ctr"/>
-                <a:lstStyle/>
-                <a:p>
-                  <a:pPr algn="ctr"/>
-                  <a:endParaRPr kumimoji="1" lang="zh-CN" altLang="en-US" sz="1400">
-                    <a:solidFill>
-                      <a:schemeClr val="tx1"/>
-                    </a:solidFill>
-                  </a:endParaRPr>
-                </a:p>
-              </p:txBody>
-            </p:sp>
-            <p:sp>
-              <p:nvSpPr>
-                <p:cNvPr id="36" name="矩形 35">
-                  <a:extLst>
-                    <a:ext uri="{FF2B5EF4-FFF2-40B4-BE49-F238E27FC236}">
-                      <a16:creationId xmlns:a16="http://schemas.microsoft.com/office/drawing/2014/main" id="{C558548E-CA90-984D-9122-633BC8292A3A}"/>
-                    </a:ext>
-                  </a:extLst>
-                </p:cNvPr>
-                <p:cNvSpPr/>
-                <p:nvPr/>
-              </p:nvSpPr>
-              <p:spPr>
-                <a:xfrm>
-                  <a:off x="1135113" y="1910924"/>
-                  <a:ext cx="1008993" cy="336331"/>
-                </a:xfrm>
-                <a:prstGeom prst="rect">
-                  <a:avLst/>
-                </a:prstGeom>
-                <a:noFill/>
-                <a:ln>
-                  <a:solidFill>
-                    <a:schemeClr val="tx1"/>
-                  </a:solidFill>
-                </a:ln>
-              </p:spPr>
-              <p:style>
-                <a:lnRef idx="2">
-                  <a:schemeClr val="accent1">
-                    <a:shade val="50000"/>
-                  </a:schemeClr>
-                </a:lnRef>
-                <a:fillRef idx="1">
-                  <a:schemeClr val="accent1"/>
-                </a:fillRef>
-                <a:effectRef idx="0">
-                  <a:schemeClr val="accent1"/>
-                </a:effectRef>
-                <a:fontRef idx="minor">
-                  <a:schemeClr val="lt1"/>
-                </a:fontRef>
-              </p:style>
-              <p:txBody>
-                <a:bodyPr rtlCol="0" anchor="ctr"/>
-                <a:lstStyle/>
-                <a:p>
-                  <a:pPr algn="ctr"/>
-                  <a:r>
-                    <a:rPr lang="en-US" altLang="zh-CN" sz="1400" b="1">
-                      <a:solidFill>
-                        <a:schemeClr val="tx1"/>
-                      </a:solidFill>
-                    </a:rPr>
-                    <a:t>inode</a:t>
-                  </a:r>
-                  <a:r>
-                    <a:rPr lang="zh-CN" altLang="en-US" sz="1400">
-                      <a:solidFill>
-                        <a:schemeClr val="tx1"/>
-                      </a:solidFill>
-                    </a:rPr>
-                    <a:t> *</a:t>
-                  </a:r>
-                  <a:r>
-                    <a:rPr lang="en-US" altLang="zh-CN" sz="1400">
-                      <a:solidFill>
-                        <a:schemeClr val="tx1"/>
-                      </a:solidFill>
-                    </a:rPr>
-                    <a:t>node</a:t>
-                  </a:r>
-                </a:p>
-              </p:txBody>
-            </p:sp>
-          </p:grpSp>
-          <p:sp>
-            <p:nvSpPr>
-              <p:cNvPr id="34" name="矩形 33">
-                <a:extLst>
-                  <a:ext uri="{FF2B5EF4-FFF2-40B4-BE49-F238E27FC236}">
-                    <a16:creationId xmlns:a16="http://schemas.microsoft.com/office/drawing/2014/main" id="{622593B9-2391-504F-A49D-73A18F4F84A6}"/>
-                  </a:ext>
-                </a:extLst>
-              </p:cNvPr>
-              <p:cNvSpPr/>
-              <p:nvPr/>
-            </p:nvSpPr>
-            <p:spPr>
-              <a:xfrm>
-                <a:off x="1135116" y="220716"/>
-                <a:ext cx="1008993" cy="336331"/>
-              </a:xfrm>
-              <a:prstGeom prst="rect">
-                <a:avLst/>
-              </a:prstGeom>
-              <a:noFill/>
-              <a:ln>
-                <a:noFill/>
-              </a:ln>
-            </p:spPr>
-            <p:style>
-              <a:lnRef idx="2">
-                <a:schemeClr val="accent1">
-                  <a:shade val="50000"/>
-                </a:schemeClr>
-              </a:lnRef>
-              <a:fillRef idx="1">
-                <a:schemeClr val="accent1"/>
-              </a:fillRef>
-              <a:effectRef idx="0">
-                <a:schemeClr val="accent1"/>
-              </a:effectRef>
-              <a:fontRef idx="minor">
-                <a:schemeClr val="lt1"/>
-              </a:fontRef>
-            </p:style>
-            <p:txBody>
-              <a:bodyPr rtlCol="0" anchor="ctr"/>
-              <a:lstStyle/>
-              <a:p>
-                <a:pPr algn="ctr"/>
-                <a:r>
-                  <a:rPr kumimoji="1" lang="en-US" altLang="zh-CN" sz="1400">
-                    <a:solidFill>
-                      <a:schemeClr val="tx1"/>
-                    </a:solidFill>
-                  </a:rPr>
-                  <a:t>file</a:t>
-                </a:r>
-                <a:endParaRPr kumimoji="1" lang="zh-CN" altLang="en-US" sz="1400">
-                  <a:solidFill>
-                    <a:schemeClr val="tx1"/>
-                  </a:solidFill>
-                </a:endParaRPr>
-              </a:p>
-            </p:txBody>
-          </p:sp>
-        </p:grpSp>
-        <p:sp>
-          <p:nvSpPr>
-            <p:cNvPr id="51" name="矩形 50">
-              <a:extLst>
-                <a:ext uri="{FF2B5EF4-FFF2-40B4-BE49-F238E27FC236}">
-                  <a16:creationId xmlns:a16="http://schemas.microsoft.com/office/drawing/2014/main" id="{9B120BCD-7315-164F-B8A1-AD1AC6E033C9}"/>
+                  <a16:creationId xmlns:a16="http://schemas.microsoft.com/office/drawing/2014/main" id="{C558548E-CA90-984D-9122-633BC8292A3A}"/>
                 </a:ext>
               </a:extLst>
             </p:cNvPr>
@@ -6386,8 +5989,8 @@
           </p:nvSpPr>
           <p:spPr>
             <a:xfrm>
-              <a:off x="6442342" y="2573059"/>
-              <a:ext cx="1660633" cy="336331"/>
+              <a:off x="6325010" y="1556014"/>
+              <a:ext cx="1660631" cy="436391"/>
             </a:xfrm>
             <a:prstGeom prst="rect">
               <a:avLst/>
@@ -6421,7 +6024,82 @@
             <a:p>
               <a:pPr algn="ctr"/>
               <a:r>
-                <a:rPr lang="en-US" altLang="zh-CN" sz="1400" b="1">
+                <a:rPr lang="en-US" altLang="zh-CN" sz="800" b="1">
+                  <a:solidFill>
+                    <a:schemeClr val="tx1"/>
+                  </a:solidFill>
+                </a:rPr>
+                <a:t>inode</a:t>
+              </a:r>
+              <a:r>
+                <a:rPr lang="zh-CN" altLang="en-US" sz="800">
+                  <a:solidFill>
+                    <a:schemeClr val="tx1"/>
+                  </a:solidFill>
+                </a:rPr>
+                <a:t> *</a:t>
+              </a:r>
+              <a:r>
+                <a:rPr lang="en-US" altLang="zh-CN" sz="800">
+                  <a:solidFill>
+                    <a:schemeClr val="tx1"/>
+                  </a:solidFill>
+                </a:rPr>
+                <a:t>node</a:t>
+              </a:r>
+            </a:p>
+          </p:txBody>
+        </p:sp>
+        <p:sp>
+          <p:nvSpPr>
+            <p:cNvPr id="51" name="矩形 50">
+              <a:extLst>
+                <a:ext uri="{FF2B5EF4-FFF2-40B4-BE49-F238E27FC236}">
+                  <a16:creationId xmlns:a16="http://schemas.microsoft.com/office/drawing/2014/main" id="{9B120BCD-7315-164F-B8A1-AD1AC6E033C9}"/>
+                </a:ext>
+              </a:extLst>
+            </p:cNvPr>
+            <p:cNvSpPr/>
+            <p:nvPr/>
+          </p:nvSpPr>
+          <p:spPr>
+            <a:xfrm>
+              <a:off x="6325012" y="670531"/>
+              <a:ext cx="1660633" cy="336330"/>
+            </a:xfrm>
+            <a:prstGeom prst="rect">
+              <a:avLst/>
+            </a:prstGeom>
+            <a:noFill/>
+            <a:ln>
+              <a:solidFill>
+                <a:schemeClr val="tx1"/>
+              </a:solidFill>
+            </a:ln>
+          </p:spPr>
+          <p:style>
+            <a:lnRef idx="2">
+              <a:schemeClr val="accent1">
+                <a:shade val="50000"/>
+              </a:schemeClr>
+            </a:lnRef>
+            <a:fillRef idx="1">
+              <a:schemeClr val="accent1"/>
+            </a:fillRef>
+            <a:effectRef idx="0">
+              <a:schemeClr val="accent1"/>
+            </a:effectRef>
+            <a:fontRef idx="minor">
+              <a:schemeClr val="lt1"/>
+            </a:fontRef>
+          </p:style>
+          <p:txBody>
+            <a:bodyPr rtlCol="0" anchor="ctr"/>
+            <a:lstStyle/>
+            <a:p>
+              <a:pPr algn="ctr"/>
+              <a:r>
+                <a:rPr lang="en-US" altLang="zh-CN" sz="800" b="1">
                   <a:solidFill>
                     <a:schemeClr val="tx1"/>
                   </a:solidFill>
@@ -6431,13 +6109,141 @@
             </a:p>
           </p:txBody>
         </p:sp>
+        <p:sp>
+          <p:nvSpPr>
+            <p:cNvPr id="106" name="矩形 105">
+              <a:extLst>
+                <a:ext uri="{FF2B5EF4-FFF2-40B4-BE49-F238E27FC236}">
+                  <a16:creationId xmlns:a16="http://schemas.microsoft.com/office/drawing/2014/main" id="{6205DB5A-51FE-954C-82F8-3CC641FECD64}"/>
+                </a:ext>
+              </a:extLst>
+            </p:cNvPr>
+            <p:cNvSpPr/>
+            <p:nvPr/>
+          </p:nvSpPr>
+          <p:spPr>
+            <a:xfrm>
+              <a:off x="6325012" y="1128011"/>
+              <a:ext cx="1660633" cy="336330"/>
+            </a:xfrm>
+            <a:prstGeom prst="rect">
+              <a:avLst/>
+            </a:prstGeom>
+            <a:noFill/>
+            <a:ln>
+              <a:solidFill>
+                <a:schemeClr val="tx1"/>
+              </a:solidFill>
+            </a:ln>
+          </p:spPr>
+          <p:style>
+            <a:lnRef idx="2">
+              <a:schemeClr val="accent1">
+                <a:shade val="50000"/>
+              </a:schemeClr>
+            </a:lnRef>
+            <a:fillRef idx="1">
+              <a:schemeClr val="accent1"/>
+            </a:fillRef>
+            <a:effectRef idx="0">
+              <a:schemeClr val="accent1"/>
+            </a:effectRef>
+            <a:fontRef idx="minor">
+              <a:schemeClr val="lt1"/>
+            </a:fontRef>
+          </p:style>
+          <p:txBody>
+            <a:bodyPr rtlCol="0" anchor="ctr"/>
+            <a:lstStyle/>
+            <a:p>
+              <a:pPr algn="ctr"/>
+              <a:r>
+                <a:rPr lang="en-US" altLang="zh-CN" sz="800">
+                  <a:solidFill>
+                    <a:schemeClr val="tx1"/>
+                  </a:solidFill>
+                </a:rPr>
+                <a:t>r/w</a:t>
+              </a:r>
+            </a:p>
+          </p:txBody>
+        </p:sp>
+        <p:sp>
+          <p:nvSpPr>
+            <p:cNvPr id="38" name="同侧圆角矩形 37">
+              <a:extLst>
+                <a:ext uri="{FF2B5EF4-FFF2-40B4-BE49-F238E27FC236}">
+                  <a16:creationId xmlns:a16="http://schemas.microsoft.com/office/drawing/2014/main" id="{630B699D-B175-784E-80DD-BB88D9FCE551}"/>
+                </a:ext>
+              </a:extLst>
+            </p:cNvPr>
+            <p:cNvSpPr/>
+            <p:nvPr/>
+          </p:nvSpPr>
+          <p:spPr>
+            <a:xfrm>
+              <a:off x="6326252" y="153125"/>
+              <a:ext cx="1659388" cy="293897"/>
+            </a:xfrm>
+            <a:prstGeom prst="round2SameRect">
+              <a:avLst/>
+            </a:prstGeom>
+            <a:noFill/>
+            <a:ln>
+              <a:solidFill>
+                <a:schemeClr val="tx1"/>
+              </a:solidFill>
+            </a:ln>
+          </p:spPr>
+          <p:style>
+            <a:lnRef idx="2">
+              <a:schemeClr val="accent1">
+                <a:shade val="50000"/>
+              </a:schemeClr>
+            </a:lnRef>
+            <a:fillRef idx="1">
+              <a:schemeClr val="accent1"/>
+            </a:fillRef>
+            <a:effectRef idx="0">
+              <a:schemeClr val="accent1"/>
+            </a:effectRef>
+            <a:fontRef idx="minor">
+              <a:schemeClr val="lt1"/>
+            </a:fontRef>
+          </p:style>
+          <p:txBody>
+            <a:bodyPr rot="0" spcFirstLastPara="0" vertOverflow="overflow" horzOverflow="overflow" vert="horz" wrap="square" lIns="91440" tIns="45720" rIns="91440" bIns="45720" numCol="1" spcCol="0" rtlCol="0" fromWordArt="0" anchor="ctr" anchorCtr="0" forceAA="0" compatLnSpc="1">
+              <a:prstTxWarp prst="textNoShape">
+                <a:avLst/>
+              </a:prstTxWarp>
+              <a:noAutofit/>
+            </a:bodyPr>
+            <a:lstStyle/>
+            <a:p>
+              <a:pPr algn="ctr"/>
+              <a:r>
+                <a:rPr kumimoji="1" lang="en-US" altLang="zh-CN" sz="800">
+                  <a:solidFill>
+                    <a:schemeClr val="tx1"/>
+                  </a:solidFill>
+                </a:rPr>
+                <a:t>file</a:t>
+              </a:r>
+              <a:endParaRPr kumimoji="1" lang="zh-CN" altLang="en-US" sz="800">
+                <a:solidFill>
+                  <a:schemeClr val="tx1"/>
+                </a:solidFill>
+              </a:endParaRPr>
+            </a:p>
+          </p:txBody>
+        </p:sp>
       </p:grpSp>
       <p:grpSp>
         <p:nvGrpSpPr>
-          <p:cNvPr id="73" name="组合 72">
-            <a:extLst>
-              <a:ext uri="{FF2B5EF4-FFF2-40B4-BE49-F238E27FC236}">
-                <a16:creationId xmlns:a16="http://schemas.microsoft.com/office/drawing/2014/main" id="{11E11718-F873-3446-B82B-D3CE554E6752}"/>
+          <p:cNvPr id="2" name="组合 1">
+            <a:extLst>
+              <a:ext uri="{FF2B5EF4-FFF2-40B4-BE49-F238E27FC236}">
+                <a16:creationId xmlns:a16="http://schemas.microsoft.com/office/drawing/2014/main" id="{AC339EE2-E6CD-BD40-9B3E-12A248B8ACA6}"/>
               </a:ext>
             </a:extLst>
           </p:cNvPr>
@@ -6446,10 +6252,215 @@
         </p:nvGrpSpPr>
         <p:grpSpPr>
           <a:xfrm>
-            <a:off x="1645110" y="29124"/>
-            <a:ext cx="3751701" cy="3477234"/>
-            <a:chOff x="2496694" y="583529"/>
-            <a:chExt cx="3751701" cy="3477234"/>
+            <a:off x="1895428" y="480734"/>
+            <a:ext cx="861026" cy="1538020"/>
+            <a:chOff x="320566" y="403896"/>
+            <a:chExt cx="1213949" cy="3864594"/>
+          </a:xfrm>
+        </p:grpSpPr>
+        <p:sp>
+          <p:nvSpPr>
+            <p:cNvPr id="16" name="矩形 15">
+              <a:extLst>
+                <a:ext uri="{FF2B5EF4-FFF2-40B4-BE49-F238E27FC236}">
+                  <a16:creationId xmlns:a16="http://schemas.microsoft.com/office/drawing/2014/main" id="{5F3F1919-773F-5446-ACDB-F922F4027B3B}"/>
+                </a:ext>
+              </a:extLst>
+            </p:cNvPr>
+            <p:cNvSpPr/>
+            <p:nvPr/>
+          </p:nvSpPr>
+          <p:spPr>
+            <a:xfrm>
+              <a:off x="320573" y="697795"/>
+              <a:ext cx="1213942" cy="3570695"/>
+            </a:xfrm>
+            <a:prstGeom prst="rect">
+              <a:avLst/>
+            </a:prstGeom>
+            <a:noFill/>
+            <a:ln>
+              <a:solidFill>
+                <a:schemeClr val="tx1"/>
+              </a:solidFill>
+            </a:ln>
+          </p:spPr>
+          <p:style>
+            <a:lnRef idx="2">
+              <a:schemeClr val="accent1">
+                <a:shade val="50000"/>
+              </a:schemeClr>
+            </a:lnRef>
+            <a:fillRef idx="1">
+              <a:schemeClr val="accent1"/>
+            </a:fillRef>
+            <a:effectRef idx="0">
+              <a:schemeClr val="accent1"/>
+            </a:effectRef>
+            <a:fontRef idx="minor">
+              <a:schemeClr val="lt1"/>
+            </a:fontRef>
+          </p:style>
+          <p:txBody>
+            <a:bodyPr rtlCol="0" anchor="ctr"/>
+            <a:lstStyle/>
+            <a:p>
+              <a:pPr algn="ctr"/>
+              <a:endParaRPr kumimoji="1" lang="zh-CN" altLang="en-US" sz="800">
+                <a:solidFill>
+                  <a:schemeClr val="tx1"/>
+                </a:solidFill>
+              </a:endParaRPr>
+            </a:p>
+          </p:txBody>
+        </p:sp>
+        <p:sp>
+          <p:nvSpPr>
+            <p:cNvPr id="17" name="矩形 16">
+              <a:extLst>
+                <a:ext uri="{FF2B5EF4-FFF2-40B4-BE49-F238E27FC236}">
+                  <a16:creationId xmlns:a16="http://schemas.microsoft.com/office/drawing/2014/main" id="{3DDE1312-1BB7-5948-9E5A-01E1599F96DC}"/>
+                </a:ext>
+              </a:extLst>
+            </p:cNvPr>
+            <p:cNvSpPr/>
+            <p:nvPr/>
+          </p:nvSpPr>
+          <p:spPr>
+            <a:xfrm>
+              <a:off x="320573" y="1375711"/>
+              <a:ext cx="1213942" cy="336331"/>
+            </a:xfrm>
+            <a:prstGeom prst="rect">
+              <a:avLst/>
+            </a:prstGeom>
+            <a:noFill/>
+            <a:ln>
+              <a:solidFill>
+                <a:schemeClr val="tx1"/>
+              </a:solidFill>
+            </a:ln>
+          </p:spPr>
+          <p:style>
+            <a:lnRef idx="2">
+              <a:schemeClr val="accent1">
+                <a:shade val="50000"/>
+              </a:schemeClr>
+            </a:lnRef>
+            <a:fillRef idx="1">
+              <a:schemeClr val="accent1"/>
+            </a:fillRef>
+            <a:effectRef idx="0">
+              <a:schemeClr val="accent1"/>
+            </a:effectRef>
+            <a:fontRef idx="minor">
+              <a:schemeClr val="lt1"/>
+            </a:fontRef>
+          </p:style>
+          <p:txBody>
+            <a:bodyPr rtlCol="0" anchor="ctr"/>
+            <a:lstStyle/>
+            <a:p>
+              <a:pPr algn="ctr"/>
+              <a:r>
+                <a:rPr lang="en-US" altLang="zh-CN" sz="800">
+                  <a:solidFill>
+                    <a:schemeClr val="tx1"/>
+                  </a:solidFill>
+                </a:rPr>
+                <a:t>files_struct *</a:t>
+              </a:r>
+            </a:p>
+          </p:txBody>
+        </p:sp>
+        <p:sp>
+          <p:nvSpPr>
+            <p:cNvPr id="39" name="同侧圆角矩形 38">
+              <a:extLst>
+                <a:ext uri="{FF2B5EF4-FFF2-40B4-BE49-F238E27FC236}">
+                  <a16:creationId xmlns:a16="http://schemas.microsoft.com/office/drawing/2014/main" id="{E4CA7260-2447-544E-867E-D6CBDBC2D717}"/>
+                </a:ext>
+              </a:extLst>
+            </p:cNvPr>
+            <p:cNvSpPr/>
+            <p:nvPr/>
+          </p:nvSpPr>
+          <p:spPr>
+            <a:xfrm>
+              <a:off x="320566" y="403896"/>
+              <a:ext cx="1213942" cy="293897"/>
+            </a:xfrm>
+            <a:prstGeom prst="round2SameRect">
+              <a:avLst/>
+            </a:prstGeom>
+            <a:noFill/>
+            <a:ln>
+              <a:solidFill>
+                <a:schemeClr val="tx1"/>
+              </a:solidFill>
+            </a:ln>
+          </p:spPr>
+          <p:style>
+            <a:lnRef idx="2">
+              <a:schemeClr val="accent1">
+                <a:shade val="50000"/>
+              </a:schemeClr>
+            </a:lnRef>
+            <a:fillRef idx="1">
+              <a:schemeClr val="accent1"/>
+            </a:fillRef>
+            <a:effectRef idx="0">
+              <a:schemeClr val="accent1"/>
+            </a:effectRef>
+            <a:fontRef idx="minor">
+              <a:schemeClr val="lt1"/>
+            </a:fontRef>
+          </p:style>
+          <p:txBody>
+            <a:bodyPr rot="0" spcFirstLastPara="0" vertOverflow="overflow" horzOverflow="overflow" vert="horz" wrap="square" lIns="91440" tIns="45720" rIns="91440" bIns="45720" numCol="1" spcCol="0" rtlCol="0" fromWordArt="0" anchor="ctr" anchorCtr="0" forceAA="0" compatLnSpc="1">
+              <a:prstTxWarp prst="textNoShape">
+                <a:avLst/>
+              </a:prstTxWarp>
+              <a:noAutofit/>
+            </a:bodyPr>
+            <a:lstStyle/>
+            <a:p>
+              <a:pPr algn="ctr"/>
+              <a:r>
+                <a:rPr kumimoji="1" lang="en-US" altLang="zh-CN" sz="800">
+                  <a:solidFill>
+                    <a:schemeClr val="tx1"/>
+                  </a:solidFill>
+                </a:rPr>
+                <a:t>proc_struct</a:t>
+              </a:r>
+              <a:endParaRPr kumimoji="1" lang="zh-CN" altLang="en-US" sz="800">
+                <a:solidFill>
+                  <a:schemeClr val="tx1"/>
+                </a:solidFill>
+              </a:endParaRPr>
+            </a:p>
+          </p:txBody>
+        </p:sp>
+      </p:grpSp>
+      <p:grpSp>
+        <p:nvGrpSpPr>
+          <p:cNvPr id="10" name="组合 9">
+            <a:extLst>
+              <a:ext uri="{FF2B5EF4-FFF2-40B4-BE49-F238E27FC236}">
+                <a16:creationId xmlns:a16="http://schemas.microsoft.com/office/drawing/2014/main" id="{0B3D053E-8668-0040-BB23-886226ECBB73}"/>
+              </a:ext>
+            </a:extLst>
+          </p:cNvPr>
+          <p:cNvGrpSpPr/>
+          <p:nvPr/>
+        </p:nvGrpSpPr>
+        <p:grpSpPr>
+          <a:xfrm>
+            <a:off x="3057980" y="-38539"/>
+            <a:ext cx="2765304" cy="1509815"/>
+            <a:chOff x="1743997" y="300073"/>
+            <a:chExt cx="3635518" cy="3480174"/>
           </a:xfrm>
         </p:grpSpPr>
         <p:sp>
@@ -6466,7 +6477,7 @@
           </p:nvSpPr>
           <p:spPr>
             <a:xfrm>
-              <a:off x="3452643" y="583529"/>
+              <a:off x="2583763" y="300073"/>
               <a:ext cx="2795752" cy="575074"/>
             </a:xfrm>
             <a:prstGeom prst="rect">
@@ -6499,7 +6510,7 @@
             <a:p>
               <a:pPr algn="ctr"/>
               <a:r>
-                <a:rPr kumimoji="1" lang="en-US" altLang="zh-CN" sz="1400">
+                <a:rPr kumimoji="1" lang="en-US" altLang="zh-CN" sz="800">
                   <a:solidFill>
                     <a:schemeClr val="tx1"/>
                   </a:solidFill>
@@ -6507,7 +6518,7 @@
                 <a:t>page</a:t>
               </a:r>
               <a:r>
-                <a:rPr kumimoji="1" lang="zh-CN" altLang="en-US" sz="1400">
+                <a:rPr kumimoji="1" lang="zh-CN" altLang="en-US" sz="800">
                   <a:solidFill>
                     <a:schemeClr val="tx1"/>
                   </a:solidFill>
@@ -6515,14 +6526,14 @@
                 <a:t> </a:t>
               </a:r>
               <a:r>
-                <a:rPr kumimoji="1" lang="en-US" altLang="zh-CN" sz="1400">
+                <a:rPr kumimoji="1" lang="en-US" altLang="zh-CN" sz="800">
                   <a:solidFill>
                     <a:schemeClr val="tx1"/>
                   </a:solidFill>
                 </a:rPr>
                 <a:t>mem</a:t>
               </a:r>
-              <a:endParaRPr kumimoji="1" lang="zh-CN" altLang="en-US" sz="1400">
+              <a:endParaRPr kumimoji="1" lang="zh-CN" altLang="en-US" sz="800">
                 <a:solidFill>
                   <a:schemeClr val="tx1"/>
                 </a:solidFill>
@@ -6544,8 +6555,8 @@
           </p:nvSpPr>
           <p:spPr>
             <a:xfrm>
-              <a:off x="2496694" y="3014997"/>
-              <a:ext cx="748860" cy="307777"/>
+              <a:off x="1743997" y="2694244"/>
+              <a:ext cx="747695" cy="496606"/>
             </a:xfrm>
             <a:prstGeom prst="rect">
               <a:avLst/>
@@ -6558,683 +6569,663 @@
             </a:bodyPr>
             <a:lstStyle/>
             <a:p>
+              <a:pPr algn="r"/>
               <a:r>
-                <a:rPr kumimoji="1" lang="en-US" altLang="zh-CN" sz="1400"/>
+                <a:rPr kumimoji="1" lang="en-US" altLang="zh-CN" sz="800"/>
                 <a:t>filemap</a:t>
               </a:r>
-              <a:endParaRPr kumimoji="1" lang="zh-CN" altLang="en-US" sz="1400"/>
+              <a:endParaRPr kumimoji="1" lang="zh-CN" altLang="en-US" sz="800"/>
             </a:p>
           </p:txBody>
         </p:sp>
-        <p:grpSp>
-          <p:nvGrpSpPr>
-            <p:cNvPr id="45" name="组合 44">
+        <p:sp>
+          <p:nvSpPr>
+            <p:cNvPr id="26" name="矩形 25">
               <a:extLst>
                 <a:ext uri="{FF2B5EF4-FFF2-40B4-BE49-F238E27FC236}">
-                  <a16:creationId xmlns:a16="http://schemas.microsoft.com/office/drawing/2014/main" id="{A8111C0A-6566-EB45-AFF9-07C63CDAB64C}"/>
+                  <a16:creationId xmlns:a16="http://schemas.microsoft.com/office/drawing/2014/main" id="{AD06B5FE-AC8B-EA4F-A9AF-63EFCEB61605}"/>
                 </a:ext>
               </a:extLst>
             </p:cNvPr>
-            <p:cNvGrpSpPr/>
+            <p:cNvSpPr/>
             <p:nvPr/>
-          </p:nvGrpSpPr>
-          <p:grpSpPr>
+          </p:nvSpPr>
+          <p:spPr>
             <a:xfrm>
-              <a:off x="3452640" y="1154297"/>
-              <a:ext cx="2643360" cy="2906466"/>
-              <a:chOff x="3452640" y="1154297"/>
-              <a:chExt cx="2795755" cy="2906466"/>
+              <a:off x="3736508" y="875146"/>
+              <a:ext cx="1490612" cy="1118407"/>
             </a:xfrm>
-          </p:grpSpPr>
-          <p:sp>
-            <p:nvSpPr>
-              <p:cNvPr id="26" name="矩形 25">
-                <a:extLst>
-                  <a:ext uri="{FF2B5EF4-FFF2-40B4-BE49-F238E27FC236}">
-                    <a16:creationId xmlns:a16="http://schemas.microsoft.com/office/drawing/2014/main" id="{AD06B5FE-AC8B-EA4F-A9AF-63EFCEB61605}"/>
-                  </a:ext>
-                </a:extLst>
-              </p:cNvPr>
-              <p:cNvSpPr/>
-              <p:nvPr/>
-            </p:nvSpPr>
-            <p:spPr>
-              <a:xfrm>
-                <a:off x="4671846" y="1158602"/>
-                <a:ext cx="1576549" cy="1118407"/>
-              </a:xfrm>
-              <a:prstGeom prst="rect">
-                <a:avLst/>
-              </a:prstGeom>
-              <a:noFill/>
-              <a:ln>
+            <a:prstGeom prst="rect">
+              <a:avLst/>
+            </a:prstGeom>
+            <a:noFill/>
+            <a:ln>
+              <a:solidFill>
+                <a:schemeClr val="tx1"/>
+              </a:solidFill>
+            </a:ln>
+          </p:spPr>
+          <p:style>
+            <a:lnRef idx="2">
+              <a:schemeClr val="accent1">
+                <a:shade val="50000"/>
+              </a:schemeClr>
+            </a:lnRef>
+            <a:fillRef idx="1">
+              <a:schemeClr val="accent1"/>
+            </a:fillRef>
+            <a:effectRef idx="0">
+              <a:schemeClr val="accent1"/>
+            </a:effectRef>
+            <a:fontRef idx="minor">
+              <a:schemeClr val="lt1"/>
+            </a:fontRef>
+          </p:style>
+          <p:txBody>
+            <a:bodyPr rtlCol="0" anchor="ctr"/>
+            <a:lstStyle/>
+            <a:p>
+              <a:pPr algn="ctr"/>
+              <a:endParaRPr lang="en-US" altLang="zh-CN" sz="800">
                 <a:solidFill>
                   <a:schemeClr val="tx1"/>
                 </a:solidFill>
-              </a:ln>
-            </p:spPr>
-            <p:style>
-              <a:lnRef idx="2">
-                <a:schemeClr val="accent1">
-                  <a:shade val="50000"/>
-                </a:schemeClr>
-              </a:lnRef>
-              <a:fillRef idx="1">
-                <a:schemeClr val="accent1"/>
-              </a:fillRef>
-              <a:effectRef idx="0">
-                <a:schemeClr val="accent1"/>
-              </a:effectRef>
-              <a:fontRef idx="minor">
-                <a:schemeClr val="lt1"/>
-              </a:fontRef>
-            </p:style>
-            <p:txBody>
-              <a:bodyPr rtlCol="0" anchor="ctr"/>
-              <a:lstStyle/>
-              <a:p>
-                <a:pPr algn="ctr"/>
-                <a:endParaRPr lang="en-US" altLang="zh-CN" sz="1400">
+              </a:endParaRPr>
+            </a:p>
+          </p:txBody>
+        </p:sp>
+        <p:sp>
+          <p:nvSpPr>
+            <p:cNvPr id="27" name="矩形 26">
+              <a:extLst>
+                <a:ext uri="{FF2B5EF4-FFF2-40B4-BE49-F238E27FC236}">
+                  <a16:creationId xmlns:a16="http://schemas.microsoft.com/office/drawing/2014/main" id="{7A090C8D-BF5A-EF4D-8ADE-45345990319E}"/>
+                </a:ext>
+              </a:extLst>
+            </p:cNvPr>
+            <p:cNvSpPr/>
+            <p:nvPr/>
+          </p:nvSpPr>
+          <p:spPr>
+            <a:xfrm>
+              <a:off x="3736508" y="870841"/>
+              <a:ext cx="1490612" cy="275317"/>
+            </a:xfrm>
+            <a:prstGeom prst="rect">
+              <a:avLst/>
+            </a:prstGeom>
+            <a:noFill/>
+            <a:ln>
+              <a:solidFill>
+                <a:schemeClr val="tx1"/>
+              </a:solidFill>
+            </a:ln>
+          </p:spPr>
+          <p:style>
+            <a:lnRef idx="2">
+              <a:schemeClr val="accent1">
+                <a:shade val="50000"/>
+              </a:schemeClr>
+            </a:lnRef>
+            <a:fillRef idx="1">
+              <a:schemeClr val="accent1"/>
+            </a:fillRef>
+            <a:effectRef idx="0">
+              <a:schemeClr val="accent1"/>
+            </a:effectRef>
+            <a:fontRef idx="minor">
+              <a:schemeClr val="lt1"/>
+            </a:fontRef>
+          </p:style>
+          <p:txBody>
+            <a:bodyPr rtlCol="0" anchor="ctr"/>
+            <a:lstStyle/>
+            <a:p>
+              <a:pPr algn="ctr"/>
+              <a:r>
+                <a:rPr lang="en-US" altLang="zh-CN" sz="800">
                   <a:solidFill>
                     <a:schemeClr val="tx1"/>
                   </a:solidFill>
-                </a:endParaRPr>
-              </a:p>
-            </p:txBody>
-          </p:sp>
-          <p:sp>
-            <p:nvSpPr>
-              <p:cNvPr id="27" name="矩形 26">
-                <a:extLst>
-                  <a:ext uri="{FF2B5EF4-FFF2-40B4-BE49-F238E27FC236}">
-                    <a16:creationId xmlns:a16="http://schemas.microsoft.com/office/drawing/2014/main" id="{7A090C8D-BF5A-EF4D-8ADE-45345990319E}"/>
-                  </a:ext>
-                </a:extLst>
-              </p:cNvPr>
-              <p:cNvSpPr/>
-              <p:nvPr/>
-            </p:nvSpPr>
-            <p:spPr>
-              <a:xfrm>
-                <a:off x="4671846" y="1154297"/>
-                <a:ext cx="1576549" cy="275317"/>
-              </a:xfrm>
-              <a:prstGeom prst="rect">
-                <a:avLst/>
-              </a:prstGeom>
-              <a:noFill/>
-              <a:ln>
-                <a:solidFill>
-                  <a:schemeClr val="tx1"/>
-                </a:solidFill>
-              </a:ln>
-            </p:spPr>
-            <p:style>
-              <a:lnRef idx="2">
-                <a:schemeClr val="accent1">
-                  <a:shade val="50000"/>
-                </a:schemeClr>
-              </a:lnRef>
-              <a:fillRef idx="1">
-                <a:schemeClr val="accent1"/>
-              </a:fillRef>
-              <a:effectRef idx="0">
-                <a:schemeClr val="accent1"/>
-              </a:effectRef>
-              <a:fontRef idx="minor">
-                <a:schemeClr val="lt1"/>
-              </a:fontRef>
-            </p:style>
-            <p:txBody>
-              <a:bodyPr rtlCol="0" anchor="ctr"/>
-              <a:lstStyle/>
-              <a:p>
-                <a:pPr algn="ctr"/>
-                <a:r>
-                  <a:rPr lang="en-US" altLang="zh-CN" sz="1400">
-                    <a:solidFill>
-                      <a:schemeClr val="tx1"/>
-                    </a:solidFill>
-                  </a:rPr>
-                  <a:t>inode</a:t>
-                </a:r>
-                <a:r>
-                  <a:rPr lang="zh-CN" altLang="en-US" sz="1400">
-                    <a:solidFill>
-                      <a:schemeClr val="tx1"/>
-                    </a:solidFill>
-                  </a:rPr>
-                  <a:t>* </a:t>
-                </a:r>
-                <a:r>
-                  <a:rPr lang="en-US" altLang="zh-CN" sz="1400">
-                    <a:solidFill>
-                      <a:schemeClr val="tx1"/>
-                    </a:solidFill>
-                  </a:rPr>
-                  <a:t>pwd</a:t>
-                </a:r>
-              </a:p>
-            </p:txBody>
-          </p:sp>
-          <p:sp>
-            <p:nvSpPr>
-              <p:cNvPr id="28" name="矩形 27">
-                <a:extLst>
-                  <a:ext uri="{FF2B5EF4-FFF2-40B4-BE49-F238E27FC236}">
-                    <a16:creationId xmlns:a16="http://schemas.microsoft.com/office/drawing/2014/main" id="{DED8DE0C-8C1E-8142-828B-CC94649B0F12}"/>
-                  </a:ext>
-                </a:extLst>
-              </p:cNvPr>
-              <p:cNvSpPr/>
-              <p:nvPr/>
-            </p:nvSpPr>
-            <p:spPr>
-              <a:xfrm>
-                <a:off x="4671843" y="1429614"/>
-                <a:ext cx="1576549" cy="275317"/>
-              </a:xfrm>
-              <a:prstGeom prst="rect">
-                <a:avLst/>
-              </a:prstGeom>
-              <a:noFill/>
-              <a:ln>
-                <a:solidFill>
-                  <a:schemeClr val="tx1"/>
-                </a:solidFill>
-              </a:ln>
-            </p:spPr>
-            <p:style>
-              <a:lnRef idx="2">
-                <a:schemeClr val="accent1">
-                  <a:shade val="50000"/>
-                </a:schemeClr>
-              </a:lnRef>
-              <a:fillRef idx="1">
-                <a:schemeClr val="accent1"/>
-              </a:fillRef>
-              <a:effectRef idx="0">
-                <a:schemeClr val="accent1"/>
-              </a:effectRef>
-              <a:fontRef idx="minor">
-                <a:schemeClr val="lt1"/>
-              </a:fontRef>
-            </p:style>
-            <p:txBody>
-              <a:bodyPr rtlCol="0" anchor="ctr"/>
-              <a:lstStyle/>
-              <a:p>
-                <a:pPr algn="ctr"/>
-                <a:r>
-                  <a:rPr lang="en-US" altLang="zh-CN" sz="1400">
-                    <a:solidFill>
-                      <a:schemeClr val="tx1"/>
-                    </a:solidFill>
-                  </a:rPr>
-                  <a:t>file *fd_array</a:t>
-                </a:r>
-              </a:p>
-            </p:txBody>
-          </p:sp>
-          <p:sp>
-            <p:nvSpPr>
-              <p:cNvPr id="29" name="矩形 28">
-                <a:extLst>
-                  <a:ext uri="{FF2B5EF4-FFF2-40B4-BE49-F238E27FC236}">
-                    <a16:creationId xmlns:a16="http://schemas.microsoft.com/office/drawing/2014/main" id="{D327CA6F-6006-E74C-AE40-205E87410F54}"/>
-                  </a:ext>
-                </a:extLst>
-              </p:cNvPr>
-              <p:cNvSpPr/>
-              <p:nvPr/>
-            </p:nvSpPr>
-            <p:spPr>
-              <a:xfrm>
-                <a:off x="4671842" y="1698727"/>
-                <a:ext cx="1576549" cy="275317"/>
-              </a:xfrm>
-              <a:prstGeom prst="rect">
-                <a:avLst/>
-              </a:prstGeom>
-              <a:noFill/>
-              <a:ln>
-                <a:solidFill>
-                  <a:schemeClr val="tx1"/>
-                </a:solidFill>
-              </a:ln>
-            </p:spPr>
-            <p:style>
-              <a:lnRef idx="2">
-                <a:schemeClr val="accent1">
-                  <a:shade val="50000"/>
-                </a:schemeClr>
-              </a:lnRef>
-              <a:fillRef idx="1">
-                <a:schemeClr val="accent1"/>
-              </a:fillRef>
-              <a:effectRef idx="0">
-                <a:schemeClr val="accent1"/>
-              </a:effectRef>
-              <a:fontRef idx="minor">
-                <a:schemeClr val="lt1"/>
-              </a:fontRef>
-            </p:style>
-            <p:txBody>
-              <a:bodyPr rtlCol="0" anchor="ctr"/>
-              <a:lstStyle/>
-              <a:p>
-                <a:pPr algn="ctr"/>
-                <a:r>
-                  <a:rPr lang="en-US" altLang="zh-CN" sz="1400">
-                    <a:solidFill>
-                      <a:schemeClr val="tx1"/>
-                    </a:solidFill>
-                  </a:rPr>
-                  <a:t>files_count</a:t>
-                </a:r>
-              </a:p>
-            </p:txBody>
-          </p:sp>
-          <p:sp>
-            <p:nvSpPr>
-              <p:cNvPr id="30" name="矩形 29">
-                <a:extLst>
-                  <a:ext uri="{FF2B5EF4-FFF2-40B4-BE49-F238E27FC236}">
-                    <a16:creationId xmlns:a16="http://schemas.microsoft.com/office/drawing/2014/main" id="{5D4BA86B-E750-DC4D-A8B5-5F3B4F75973C}"/>
-                  </a:ext>
-                </a:extLst>
-              </p:cNvPr>
-              <p:cNvSpPr/>
-              <p:nvPr/>
-            </p:nvSpPr>
-            <p:spPr>
-              <a:xfrm>
-                <a:off x="4671842" y="1978350"/>
-                <a:ext cx="1576549" cy="298658"/>
-              </a:xfrm>
-              <a:prstGeom prst="rect">
-                <a:avLst/>
-              </a:prstGeom>
-              <a:noFill/>
-              <a:ln>
-                <a:solidFill>
-                  <a:schemeClr val="tx1"/>
-                </a:solidFill>
-              </a:ln>
-            </p:spPr>
-            <p:style>
-              <a:lnRef idx="2">
-                <a:schemeClr val="accent1">
-                  <a:shade val="50000"/>
-                </a:schemeClr>
-              </a:lnRef>
-              <a:fillRef idx="1">
-                <a:schemeClr val="accent1"/>
-              </a:fillRef>
-              <a:effectRef idx="0">
-                <a:schemeClr val="accent1"/>
-              </a:effectRef>
-              <a:fontRef idx="minor">
-                <a:schemeClr val="lt1"/>
-              </a:fontRef>
-            </p:style>
-            <p:txBody>
-              <a:bodyPr rtlCol="0" anchor="ctr"/>
-              <a:lstStyle/>
-              <a:p>
-                <a:pPr algn="ctr"/>
-                <a:r>
-                  <a:rPr lang="en-US" altLang="zh-CN" sz="1400">
-                    <a:solidFill>
-                      <a:schemeClr val="tx1"/>
-                    </a:solidFill>
-                  </a:rPr>
-                  <a:t>files_se</a:t>
-                </a:r>
-              </a:p>
-            </p:txBody>
-          </p:sp>
-          <p:sp>
-            <p:nvSpPr>
-              <p:cNvPr id="23" name="矩形 22">
-                <a:extLst>
-                  <a:ext uri="{FF2B5EF4-FFF2-40B4-BE49-F238E27FC236}">
-                    <a16:creationId xmlns:a16="http://schemas.microsoft.com/office/drawing/2014/main" id="{5DAF9210-6823-624A-B771-1C23580E756F}"/>
-                  </a:ext>
-                </a:extLst>
-              </p:cNvPr>
-              <p:cNvSpPr/>
-              <p:nvPr/>
-            </p:nvSpPr>
-            <p:spPr>
-              <a:xfrm>
-                <a:off x="3452643" y="2277008"/>
-                <a:ext cx="2795748" cy="445939"/>
-              </a:xfrm>
-              <a:prstGeom prst="rect">
-                <a:avLst/>
-              </a:prstGeom>
-              <a:noFill/>
-              <a:ln>
-                <a:solidFill>
-                  <a:schemeClr val="tx1"/>
-                </a:solidFill>
-              </a:ln>
-            </p:spPr>
-            <p:style>
-              <a:lnRef idx="2">
-                <a:schemeClr val="accent1">
-                  <a:shade val="50000"/>
-                </a:schemeClr>
-              </a:lnRef>
-              <a:fillRef idx="1">
-                <a:schemeClr val="accent1"/>
-              </a:fillRef>
-              <a:effectRef idx="0">
-                <a:schemeClr val="accent1"/>
-              </a:effectRef>
-              <a:fontRef idx="minor">
-                <a:schemeClr val="lt1"/>
-              </a:fontRef>
-            </p:style>
-            <p:txBody>
-              <a:bodyPr rtlCol="0" anchor="ctr"/>
-              <a:lstStyle/>
-              <a:p>
-                <a:pPr algn="ctr"/>
-                <a:r>
-                  <a:rPr lang="en-US" altLang="zh-CN" sz="1400">
-                    <a:solidFill>
-                      <a:schemeClr val="tx1"/>
-                    </a:solidFill>
-                  </a:rPr>
-                  <a:t>file 1</a:t>
-                </a:r>
-              </a:p>
-            </p:txBody>
-          </p:sp>
-          <p:sp>
-            <p:nvSpPr>
-              <p:cNvPr id="24" name="矩形 23">
-                <a:extLst>
-                  <a:ext uri="{FF2B5EF4-FFF2-40B4-BE49-F238E27FC236}">
-                    <a16:creationId xmlns:a16="http://schemas.microsoft.com/office/drawing/2014/main" id="{6CC47AE9-9F0F-4742-824E-676DD62A3C96}"/>
-                  </a:ext>
-                </a:extLst>
-              </p:cNvPr>
-              <p:cNvSpPr/>
-              <p:nvPr/>
-            </p:nvSpPr>
-            <p:spPr>
-              <a:xfrm>
-                <a:off x="3452643" y="2722947"/>
-                <a:ext cx="2795748" cy="445939"/>
-              </a:xfrm>
-              <a:prstGeom prst="rect">
-                <a:avLst/>
-              </a:prstGeom>
-              <a:noFill/>
-              <a:ln>
-                <a:solidFill>
-                  <a:schemeClr val="tx1"/>
-                </a:solidFill>
-              </a:ln>
-            </p:spPr>
-            <p:style>
-              <a:lnRef idx="2">
-                <a:schemeClr val="accent1">
-                  <a:shade val="50000"/>
-                </a:schemeClr>
-              </a:lnRef>
-              <a:fillRef idx="1">
-                <a:schemeClr val="accent1"/>
-              </a:fillRef>
-              <a:effectRef idx="0">
-                <a:schemeClr val="accent1"/>
-              </a:effectRef>
-              <a:fontRef idx="minor">
-                <a:schemeClr val="lt1"/>
-              </a:fontRef>
-            </p:style>
-            <p:txBody>
-              <a:bodyPr rtlCol="0" anchor="ctr"/>
-              <a:lstStyle/>
-              <a:p>
-                <a:pPr algn="ctr"/>
-                <a:r>
-                  <a:rPr lang="en-US" altLang="zh-CN" sz="1400">
-                    <a:solidFill>
-                      <a:schemeClr val="tx1"/>
-                    </a:solidFill>
-                  </a:rPr>
-                  <a:t>file 2</a:t>
-                </a:r>
-              </a:p>
-            </p:txBody>
-          </p:sp>
-          <p:sp>
-            <p:nvSpPr>
-              <p:cNvPr id="25" name="矩形 24">
-                <a:extLst>
-                  <a:ext uri="{FF2B5EF4-FFF2-40B4-BE49-F238E27FC236}">
-                    <a16:creationId xmlns:a16="http://schemas.microsoft.com/office/drawing/2014/main" id="{8CDF3490-5F6E-AA4E-9D39-DE8B6946D8EF}"/>
-                  </a:ext>
-                </a:extLst>
-              </p:cNvPr>
-              <p:cNvSpPr/>
-              <p:nvPr/>
-            </p:nvSpPr>
-            <p:spPr>
-              <a:xfrm>
-                <a:off x="3452643" y="3169842"/>
-                <a:ext cx="2795748" cy="445939"/>
-              </a:xfrm>
-              <a:prstGeom prst="rect">
-                <a:avLst/>
-              </a:prstGeom>
-              <a:noFill/>
-              <a:ln>
-                <a:solidFill>
-                  <a:schemeClr val="tx1"/>
-                </a:solidFill>
-              </a:ln>
-            </p:spPr>
-            <p:style>
-              <a:lnRef idx="2">
-                <a:schemeClr val="accent1">
-                  <a:shade val="50000"/>
-                </a:schemeClr>
-              </a:lnRef>
-              <a:fillRef idx="1">
-                <a:schemeClr val="accent1"/>
-              </a:fillRef>
-              <a:effectRef idx="0">
-                <a:schemeClr val="accent1"/>
-              </a:effectRef>
-              <a:fontRef idx="minor">
-                <a:schemeClr val="lt1"/>
-              </a:fontRef>
-            </p:style>
-            <p:txBody>
-              <a:bodyPr rtlCol="0" anchor="ctr"/>
-              <a:lstStyle/>
-              <a:p>
-                <a:pPr algn="ctr"/>
-                <a:r>
-                  <a:rPr lang="en-US" altLang="zh-CN" sz="1400">
-                    <a:solidFill>
-                      <a:schemeClr val="tx1"/>
-                    </a:solidFill>
-                  </a:rPr>
-                  <a:t>file 3</a:t>
-                </a:r>
-              </a:p>
-            </p:txBody>
-          </p:sp>
-          <p:sp>
-            <p:nvSpPr>
-              <p:cNvPr id="31" name="矩形 30">
-                <a:extLst>
-                  <a:ext uri="{FF2B5EF4-FFF2-40B4-BE49-F238E27FC236}">
-                    <a16:creationId xmlns:a16="http://schemas.microsoft.com/office/drawing/2014/main" id="{986043EC-460B-5C4E-9274-FB434F022ACE}"/>
-                  </a:ext>
-                </a:extLst>
-              </p:cNvPr>
-              <p:cNvSpPr/>
-              <p:nvPr/>
-            </p:nvSpPr>
-            <p:spPr>
-              <a:xfrm>
-                <a:off x="3452640" y="3614824"/>
-                <a:ext cx="2795748" cy="445939"/>
-              </a:xfrm>
-              <a:prstGeom prst="rect">
-                <a:avLst/>
-              </a:prstGeom>
-              <a:noFill/>
-              <a:ln>
-                <a:solidFill>
-                  <a:schemeClr val="tx1"/>
-                </a:solidFill>
-              </a:ln>
-            </p:spPr>
-            <p:style>
-              <a:lnRef idx="2">
-                <a:schemeClr val="accent1">
-                  <a:shade val="50000"/>
-                </a:schemeClr>
-              </a:lnRef>
-              <a:fillRef idx="1">
-                <a:schemeClr val="accent1"/>
-              </a:fillRef>
-              <a:effectRef idx="0">
-                <a:schemeClr val="accent1"/>
-              </a:effectRef>
-              <a:fontRef idx="minor">
-                <a:schemeClr val="lt1"/>
-              </a:fontRef>
-            </p:style>
-            <p:txBody>
-              <a:bodyPr rtlCol="0" anchor="ctr"/>
-              <a:lstStyle/>
-              <a:p>
-                <a:pPr algn="ctr"/>
-                <a:r>
-                  <a:rPr lang="en-US" altLang="zh-CN" sz="1400">
-                    <a:solidFill>
-                      <a:schemeClr val="tx1"/>
-                    </a:solidFill>
-                  </a:rPr>
-                  <a:t>file …</a:t>
-                </a:r>
-              </a:p>
-            </p:txBody>
-          </p:sp>
-          <p:cxnSp>
-            <p:nvCxnSpPr>
-              <p:cNvPr id="37" name="曲线连接符 36">
-                <a:extLst>
-                  <a:ext uri="{FF2B5EF4-FFF2-40B4-BE49-F238E27FC236}">
-                    <a16:creationId xmlns:a16="http://schemas.microsoft.com/office/drawing/2014/main" id="{F55A7BDE-5F2D-D445-B1BB-F83C98340D08}"/>
-                  </a:ext>
-                </a:extLst>
-              </p:cNvPr>
-              <p:cNvCxnSpPr>
-                <a:cxnSpLocks/>
-                <a:stCxn id="28" idx="3"/>
-                <a:endCxn id="23" idx="3"/>
-              </p:cNvCxnSpPr>
-              <p:nvPr/>
-            </p:nvCxnSpPr>
-            <p:spPr>
-              <a:xfrm flipH="1">
-                <a:off x="6248391" y="1567273"/>
-                <a:ext cx="1" cy="932705"/>
-              </a:xfrm>
-              <a:prstGeom prst="curvedConnector3">
-                <a:avLst>
-                  <a:gd name="adj1" fmla="val -22860000000"/>
-                </a:avLst>
-              </a:prstGeom>
-              <a:ln>
-                <a:tailEnd type="triangle"/>
-              </a:ln>
-            </p:spPr>
-            <p:style>
-              <a:lnRef idx="1">
-                <a:schemeClr val="accent1"/>
-              </a:lnRef>
-              <a:fillRef idx="0">
-                <a:schemeClr val="accent1"/>
-              </a:fillRef>
-              <a:effectRef idx="0">
-                <a:schemeClr val="accent1"/>
-              </a:effectRef>
-              <a:fontRef idx="minor">
+                </a:rPr>
+                <a:t>inode</a:t>
+              </a:r>
+              <a:r>
+                <a:rPr lang="zh-CN" altLang="en-US" sz="800">
+                  <a:solidFill>
+                    <a:schemeClr val="tx1"/>
+                  </a:solidFill>
+                </a:rPr>
+                <a:t>* </a:t>
+              </a:r>
+              <a:r>
+                <a:rPr lang="en-US" altLang="zh-CN" sz="800">
+                  <a:solidFill>
+                    <a:schemeClr val="tx1"/>
+                  </a:solidFill>
+                </a:rPr>
+                <a:t>pwd</a:t>
+              </a:r>
+            </a:p>
+          </p:txBody>
+        </p:sp>
+        <p:sp>
+          <p:nvSpPr>
+            <p:cNvPr id="28" name="矩形 27">
+              <a:extLst>
+                <a:ext uri="{FF2B5EF4-FFF2-40B4-BE49-F238E27FC236}">
+                  <a16:creationId xmlns:a16="http://schemas.microsoft.com/office/drawing/2014/main" id="{DED8DE0C-8C1E-8142-828B-CC94649B0F12}"/>
+                </a:ext>
+              </a:extLst>
+            </p:cNvPr>
+            <p:cNvSpPr/>
+            <p:nvPr/>
+          </p:nvSpPr>
+          <p:spPr>
+            <a:xfrm>
+              <a:off x="3736505" y="1146158"/>
+              <a:ext cx="1490612" cy="275317"/>
+            </a:xfrm>
+            <a:prstGeom prst="rect">
+              <a:avLst/>
+            </a:prstGeom>
+            <a:noFill/>
+            <a:ln>
+              <a:solidFill>
                 <a:schemeClr val="tx1"/>
-              </a:fontRef>
-            </p:style>
-          </p:cxnSp>
-          <p:sp>
-            <p:nvSpPr>
-              <p:cNvPr id="44" name="矩形 43">
-                <a:extLst>
-                  <a:ext uri="{FF2B5EF4-FFF2-40B4-BE49-F238E27FC236}">
-                    <a16:creationId xmlns:a16="http://schemas.microsoft.com/office/drawing/2014/main" id="{46DDE171-186A-A54E-8A72-03FBB251E517}"/>
-                  </a:ext>
-                </a:extLst>
-              </p:cNvPr>
-              <p:cNvSpPr/>
-              <p:nvPr/>
-            </p:nvSpPr>
-            <p:spPr>
-              <a:xfrm>
-                <a:off x="3452640" y="1157575"/>
-                <a:ext cx="1213942" cy="1118407"/>
-              </a:xfrm>
-              <a:prstGeom prst="rect">
-                <a:avLst/>
-              </a:prstGeom>
-              <a:noFill/>
-              <a:ln>
-                <a:solidFill>
-                  <a:schemeClr val="tx1"/>
-                </a:solidFill>
-              </a:ln>
-            </p:spPr>
-            <p:style>
-              <a:lnRef idx="2">
-                <a:schemeClr val="accent1">
-                  <a:shade val="50000"/>
-                </a:schemeClr>
-              </a:lnRef>
-              <a:fillRef idx="1">
-                <a:schemeClr val="accent1"/>
-              </a:fillRef>
-              <a:effectRef idx="0">
-                <a:schemeClr val="accent1"/>
-              </a:effectRef>
-              <a:fontRef idx="minor">
-                <a:schemeClr val="lt1"/>
-              </a:fontRef>
-            </p:style>
-            <p:txBody>
-              <a:bodyPr rtlCol="0" anchor="ctr"/>
-              <a:lstStyle/>
-              <a:p>
-                <a:pPr algn="ctr"/>
-                <a:r>
-                  <a:rPr lang="en-US" altLang="zh-CN" sz="1400" b="1">
-                    <a:solidFill>
-                      <a:schemeClr val="tx1"/>
-                    </a:solidFill>
-                  </a:rPr>
-                  <a:t>files_struct</a:t>
-                </a:r>
-              </a:p>
-            </p:txBody>
-          </p:sp>
-        </p:grpSp>
+              </a:solidFill>
+            </a:ln>
+          </p:spPr>
+          <p:style>
+            <a:lnRef idx="2">
+              <a:schemeClr val="accent1">
+                <a:shade val="50000"/>
+              </a:schemeClr>
+            </a:lnRef>
+            <a:fillRef idx="1">
+              <a:schemeClr val="accent1"/>
+            </a:fillRef>
+            <a:effectRef idx="0">
+              <a:schemeClr val="accent1"/>
+            </a:effectRef>
+            <a:fontRef idx="minor">
+              <a:schemeClr val="lt1"/>
+            </a:fontRef>
+          </p:style>
+          <p:txBody>
+            <a:bodyPr rtlCol="0" anchor="ctr"/>
+            <a:lstStyle/>
+            <a:p>
+              <a:pPr algn="ctr"/>
+              <a:r>
+                <a:rPr lang="en-US" altLang="zh-CN" sz="800">
+                  <a:solidFill>
+                    <a:schemeClr val="tx1"/>
+                  </a:solidFill>
+                </a:rPr>
+                <a:t>file *fd_array</a:t>
+              </a:r>
+            </a:p>
+          </p:txBody>
+        </p:sp>
+        <p:sp>
+          <p:nvSpPr>
+            <p:cNvPr id="29" name="矩形 28">
+              <a:extLst>
+                <a:ext uri="{FF2B5EF4-FFF2-40B4-BE49-F238E27FC236}">
+                  <a16:creationId xmlns:a16="http://schemas.microsoft.com/office/drawing/2014/main" id="{D327CA6F-6006-E74C-AE40-205E87410F54}"/>
+                </a:ext>
+              </a:extLst>
+            </p:cNvPr>
+            <p:cNvSpPr/>
+            <p:nvPr/>
+          </p:nvSpPr>
+          <p:spPr>
+            <a:xfrm>
+              <a:off x="3736504" y="1415271"/>
+              <a:ext cx="1490612" cy="275317"/>
+            </a:xfrm>
+            <a:prstGeom prst="rect">
+              <a:avLst/>
+            </a:prstGeom>
+            <a:noFill/>
+            <a:ln>
+              <a:solidFill>
+                <a:schemeClr val="tx1"/>
+              </a:solidFill>
+            </a:ln>
+          </p:spPr>
+          <p:style>
+            <a:lnRef idx="2">
+              <a:schemeClr val="accent1">
+                <a:shade val="50000"/>
+              </a:schemeClr>
+            </a:lnRef>
+            <a:fillRef idx="1">
+              <a:schemeClr val="accent1"/>
+            </a:fillRef>
+            <a:effectRef idx="0">
+              <a:schemeClr val="accent1"/>
+            </a:effectRef>
+            <a:fontRef idx="minor">
+              <a:schemeClr val="lt1"/>
+            </a:fontRef>
+          </p:style>
+          <p:txBody>
+            <a:bodyPr rtlCol="0" anchor="ctr"/>
+            <a:lstStyle/>
+            <a:p>
+              <a:pPr algn="ctr"/>
+              <a:r>
+                <a:rPr lang="en-US" altLang="zh-CN" sz="800">
+                  <a:solidFill>
+                    <a:schemeClr val="tx1"/>
+                  </a:solidFill>
+                </a:rPr>
+                <a:t>files_count</a:t>
+              </a:r>
+            </a:p>
+          </p:txBody>
+        </p:sp>
+        <p:sp>
+          <p:nvSpPr>
+            <p:cNvPr id="30" name="矩形 29">
+              <a:extLst>
+                <a:ext uri="{FF2B5EF4-FFF2-40B4-BE49-F238E27FC236}">
+                  <a16:creationId xmlns:a16="http://schemas.microsoft.com/office/drawing/2014/main" id="{5D4BA86B-E750-DC4D-A8B5-5F3B4F75973C}"/>
+                </a:ext>
+              </a:extLst>
+            </p:cNvPr>
+            <p:cNvSpPr/>
+            <p:nvPr/>
+          </p:nvSpPr>
+          <p:spPr>
+            <a:xfrm>
+              <a:off x="3736504" y="1694894"/>
+              <a:ext cx="1490612" cy="298658"/>
+            </a:xfrm>
+            <a:prstGeom prst="rect">
+              <a:avLst/>
+            </a:prstGeom>
+            <a:noFill/>
+            <a:ln>
+              <a:solidFill>
+                <a:schemeClr val="tx1"/>
+              </a:solidFill>
+            </a:ln>
+          </p:spPr>
+          <p:style>
+            <a:lnRef idx="2">
+              <a:schemeClr val="accent1">
+                <a:shade val="50000"/>
+              </a:schemeClr>
+            </a:lnRef>
+            <a:fillRef idx="1">
+              <a:schemeClr val="accent1"/>
+            </a:fillRef>
+            <a:effectRef idx="0">
+              <a:schemeClr val="accent1"/>
+            </a:effectRef>
+            <a:fontRef idx="minor">
+              <a:schemeClr val="lt1"/>
+            </a:fontRef>
+          </p:style>
+          <p:txBody>
+            <a:bodyPr rtlCol="0" anchor="ctr"/>
+            <a:lstStyle/>
+            <a:p>
+              <a:pPr algn="ctr"/>
+              <a:r>
+                <a:rPr lang="en-US" altLang="zh-CN" sz="800">
+                  <a:solidFill>
+                    <a:schemeClr val="tx1"/>
+                  </a:solidFill>
+                </a:rPr>
+                <a:t>files_se</a:t>
+              </a:r>
+            </a:p>
+          </p:txBody>
+        </p:sp>
+        <p:sp>
+          <p:nvSpPr>
+            <p:cNvPr id="23" name="矩形 22">
+              <a:extLst>
+                <a:ext uri="{FF2B5EF4-FFF2-40B4-BE49-F238E27FC236}">
+                  <a16:creationId xmlns:a16="http://schemas.microsoft.com/office/drawing/2014/main" id="{5DAF9210-6823-624A-B771-1C23580E756F}"/>
+                </a:ext>
+              </a:extLst>
+            </p:cNvPr>
+            <p:cNvSpPr/>
+            <p:nvPr/>
+          </p:nvSpPr>
+          <p:spPr>
+            <a:xfrm>
+              <a:off x="2583763" y="1993552"/>
+              <a:ext cx="2643353" cy="445939"/>
+            </a:xfrm>
+            <a:prstGeom prst="rect">
+              <a:avLst/>
+            </a:prstGeom>
+            <a:noFill/>
+            <a:ln>
+              <a:solidFill>
+                <a:schemeClr val="tx1"/>
+              </a:solidFill>
+            </a:ln>
+          </p:spPr>
+          <p:style>
+            <a:lnRef idx="2">
+              <a:schemeClr val="accent1">
+                <a:shade val="50000"/>
+              </a:schemeClr>
+            </a:lnRef>
+            <a:fillRef idx="1">
+              <a:schemeClr val="accent1"/>
+            </a:fillRef>
+            <a:effectRef idx="0">
+              <a:schemeClr val="accent1"/>
+            </a:effectRef>
+            <a:fontRef idx="minor">
+              <a:schemeClr val="lt1"/>
+            </a:fontRef>
+          </p:style>
+          <p:txBody>
+            <a:bodyPr rtlCol="0" anchor="ctr"/>
+            <a:lstStyle/>
+            <a:p>
+              <a:pPr algn="ctr"/>
+              <a:r>
+                <a:rPr lang="en-US" altLang="zh-CN" sz="800">
+                  <a:solidFill>
+                    <a:schemeClr val="tx1"/>
+                  </a:solidFill>
+                </a:rPr>
+                <a:t>stdin</a:t>
+              </a:r>
+            </a:p>
+          </p:txBody>
+        </p:sp>
+        <p:sp>
+          <p:nvSpPr>
+            <p:cNvPr id="24" name="矩形 23">
+              <a:extLst>
+                <a:ext uri="{FF2B5EF4-FFF2-40B4-BE49-F238E27FC236}">
+                  <a16:creationId xmlns:a16="http://schemas.microsoft.com/office/drawing/2014/main" id="{6CC47AE9-9F0F-4742-824E-676DD62A3C96}"/>
+                </a:ext>
+              </a:extLst>
+            </p:cNvPr>
+            <p:cNvSpPr/>
+            <p:nvPr/>
+          </p:nvSpPr>
+          <p:spPr>
+            <a:xfrm>
+              <a:off x="2583763" y="2439491"/>
+              <a:ext cx="2643353" cy="445939"/>
+            </a:xfrm>
+            <a:prstGeom prst="rect">
+              <a:avLst/>
+            </a:prstGeom>
+            <a:noFill/>
+            <a:ln>
+              <a:solidFill>
+                <a:schemeClr val="tx1"/>
+              </a:solidFill>
+            </a:ln>
+          </p:spPr>
+          <p:style>
+            <a:lnRef idx="2">
+              <a:schemeClr val="accent1">
+                <a:shade val="50000"/>
+              </a:schemeClr>
+            </a:lnRef>
+            <a:fillRef idx="1">
+              <a:schemeClr val="accent1"/>
+            </a:fillRef>
+            <a:effectRef idx="0">
+              <a:schemeClr val="accent1"/>
+            </a:effectRef>
+            <a:fontRef idx="minor">
+              <a:schemeClr val="lt1"/>
+            </a:fontRef>
+          </p:style>
+          <p:txBody>
+            <a:bodyPr rtlCol="0" anchor="ctr"/>
+            <a:lstStyle/>
+            <a:p>
+              <a:pPr algn="ctr"/>
+              <a:r>
+                <a:rPr lang="en-US" altLang="zh-CN" sz="800">
+                  <a:solidFill>
+                    <a:schemeClr val="tx1"/>
+                  </a:solidFill>
+                </a:rPr>
+                <a:t>stdout</a:t>
+              </a:r>
+            </a:p>
+          </p:txBody>
+        </p:sp>
+        <p:sp>
+          <p:nvSpPr>
+            <p:cNvPr id="25" name="矩形 24">
+              <a:extLst>
+                <a:ext uri="{FF2B5EF4-FFF2-40B4-BE49-F238E27FC236}">
+                  <a16:creationId xmlns:a16="http://schemas.microsoft.com/office/drawing/2014/main" id="{8CDF3490-5F6E-AA4E-9D39-DE8B6946D8EF}"/>
+                </a:ext>
+              </a:extLst>
+            </p:cNvPr>
+            <p:cNvSpPr/>
+            <p:nvPr/>
+          </p:nvSpPr>
+          <p:spPr>
+            <a:xfrm>
+              <a:off x="2583763" y="2886386"/>
+              <a:ext cx="2643353" cy="445939"/>
+            </a:xfrm>
+            <a:prstGeom prst="rect">
+              <a:avLst/>
+            </a:prstGeom>
+            <a:noFill/>
+            <a:ln>
+              <a:solidFill>
+                <a:schemeClr val="tx1"/>
+              </a:solidFill>
+            </a:ln>
+          </p:spPr>
+          <p:style>
+            <a:lnRef idx="2">
+              <a:schemeClr val="accent1">
+                <a:shade val="50000"/>
+              </a:schemeClr>
+            </a:lnRef>
+            <a:fillRef idx="1">
+              <a:schemeClr val="accent1"/>
+            </a:fillRef>
+            <a:effectRef idx="0">
+              <a:schemeClr val="accent1"/>
+            </a:effectRef>
+            <a:fontRef idx="minor">
+              <a:schemeClr val="lt1"/>
+            </a:fontRef>
+          </p:style>
+          <p:txBody>
+            <a:bodyPr rtlCol="0" anchor="ctr"/>
+            <a:lstStyle/>
+            <a:p>
+              <a:pPr algn="ctr"/>
+              <a:r>
+                <a:rPr lang="en-US" altLang="zh-CN" sz="800">
+                  <a:solidFill>
+                    <a:schemeClr val="tx1"/>
+                  </a:solidFill>
+                </a:rPr>
+                <a:t>stderr</a:t>
+              </a:r>
+            </a:p>
+          </p:txBody>
+        </p:sp>
+        <p:sp>
+          <p:nvSpPr>
+            <p:cNvPr id="31" name="矩形 30">
+              <a:extLst>
+                <a:ext uri="{FF2B5EF4-FFF2-40B4-BE49-F238E27FC236}">
+                  <a16:creationId xmlns:a16="http://schemas.microsoft.com/office/drawing/2014/main" id="{986043EC-460B-5C4E-9274-FB434F022ACE}"/>
+                </a:ext>
+              </a:extLst>
+            </p:cNvPr>
+            <p:cNvSpPr/>
+            <p:nvPr/>
+          </p:nvSpPr>
+          <p:spPr>
+            <a:xfrm>
+              <a:off x="2583760" y="3331368"/>
+              <a:ext cx="2643353" cy="445939"/>
+            </a:xfrm>
+            <a:prstGeom prst="rect">
+              <a:avLst/>
+            </a:prstGeom>
+            <a:noFill/>
+            <a:ln>
+              <a:solidFill>
+                <a:schemeClr val="tx1"/>
+              </a:solidFill>
+            </a:ln>
+          </p:spPr>
+          <p:style>
+            <a:lnRef idx="2">
+              <a:schemeClr val="accent1">
+                <a:shade val="50000"/>
+              </a:schemeClr>
+            </a:lnRef>
+            <a:fillRef idx="1">
+              <a:schemeClr val="accent1"/>
+            </a:fillRef>
+            <a:effectRef idx="0">
+              <a:schemeClr val="accent1"/>
+            </a:effectRef>
+            <a:fontRef idx="minor">
+              <a:schemeClr val="lt1"/>
+            </a:fontRef>
+          </p:style>
+          <p:txBody>
+            <a:bodyPr rtlCol="0" anchor="ctr"/>
+            <a:lstStyle/>
+            <a:p>
+              <a:pPr algn="ctr"/>
+              <a:r>
+                <a:rPr lang="en-US" altLang="zh-CN" sz="800">
+                  <a:solidFill>
+                    <a:schemeClr val="tx1"/>
+                  </a:solidFill>
+                </a:rPr>
+                <a:t>file …</a:t>
+              </a:r>
+            </a:p>
+          </p:txBody>
+        </p:sp>
+        <p:cxnSp>
+          <p:nvCxnSpPr>
+            <p:cNvPr id="37" name="曲线连接符 36">
+              <a:extLst>
+                <a:ext uri="{FF2B5EF4-FFF2-40B4-BE49-F238E27FC236}">
+                  <a16:creationId xmlns:a16="http://schemas.microsoft.com/office/drawing/2014/main" id="{F55A7BDE-5F2D-D445-B1BB-F83C98340D08}"/>
+                </a:ext>
+              </a:extLst>
+            </p:cNvPr>
+            <p:cNvCxnSpPr>
+              <a:cxnSpLocks/>
+              <a:stCxn id="28" idx="3"/>
+              <a:endCxn id="23" idx="3"/>
+            </p:cNvCxnSpPr>
+            <p:nvPr/>
+          </p:nvCxnSpPr>
+          <p:spPr>
+            <a:xfrm flipH="1">
+              <a:off x="5227116" y="1283817"/>
+              <a:ext cx="1" cy="932705"/>
+            </a:xfrm>
+            <a:prstGeom prst="curvedConnector3">
+              <a:avLst>
+                <a:gd name="adj1" fmla="val -22860000000"/>
+              </a:avLst>
+            </a:prstGeom>
+            <a:ln>
+              <a:tailEnd type="triangle"/>
+            </a:ln>
+          </p:spPr>
+          <p:style>
+            <a:lnRef idx="1">
+              <a:schemeClr val="accent1"/>
+            </a:lnRef>
+            <a:fillRef idx="0">
+              <a:schemeClr val="accent1"/>
+            </a:fillRef>
+            <a:effectRef idx="0">
+              <a:schemeClr val="accent1"/>
+            </a:effectRef>
+            <a:fontRef idx="minor">
+              <a:schemeClr val="tx1"/>
+            </a:fontRef>
+          </p:style>
+        </p:cxnSp>
+        <p:sp>
+          <p:nvSpPr>
+            <p:cNvPr id="44" name="矩形 43">
+              <a:extLst>
+                <a:ext uri="{FF2B5EF4-FFF2-40B4-BE49-F238E27FC236}">
+                  <a16:creationId xmlns:a16="http://schemas.microsoft.com/office/drawing/2014/main" id="{46DDE171-186A-A54E-8A72-03FBB251E517}"/>
+                </a:ext>
+              </a:extLst>
+            </p:cNvPr>
+            <p:cNvSpPr/>
+            <p:nvPr/>
+          </p:nvSpPr>
+          <p:spPr>
+            <a:xfrm>
+              <a:off x="2583760" y="874119"/>
+              <a:ext cx="1151053" cy="1118407"/>
+            </a:xfrm>
+            <a:prstGeom prst="rect">
+              <a:avLst/>
+            </a:prstGeom>
+            <a:noFill/>
+            <a:ln>
+              <a:solidFill>
+                <a:schemeClr val="tx1"/>
+              </a:solidFill>
+            </a:ln>
+          </p:spPr>
+          <p:style>
+            <a:lnRef idx="2">
+              <a:schemeClr val="accent1">
+                <a:shade val="50000"/>
+              </a:schemeClr>
+            </a:lnRef>
+            <a:fillRef idx="1">
+              <a:schemeClr val="accent1"/>
+            </a:fillRef>
+            <a:effectRef idx="0">
+              <a:schemeClr val="accent1"/>
+            </a:effectRef>
+            <a:fontRef idx="minor">
+              <a:schemeClr val="lt1"/>
+            </a:fontRef>
+          </p:style>
+          <p:txBody>
+            <a:bodyPr rtlCol="0" anchor="ctr"/>
+            <a:lstStyle/>
+            <a:p>
+              <a:pPr algn="ctr"/>
+              <a:r>
+                <a:rPr lang="en-US" altLang="zh-CN" sz="800" b="1">
+                  <a:solidFill>
+                    <a:schemeClr val="tx1"/>
+                  </a:solidFill>
+                </a:rPr>
+                <a:t>files_struct</a:t>
+              </a:r>
+            </a:p>
+          </p:txBody>
+        </p:sp>
         <p:cxnSp>
           <p:nvCxnSpPr>
             <p:cNvPr id="67" name="直线箭头连接符 66">
@@ -7245,6 +7236,7 @@
               </a:extLst>
             </p:cNvPr>
             <p:cNvCxnSpPr>
+              <a:cxnSpLocks/>
               <a:stCxn id="43" idx="3"/>
               <a:endCxn id="23" idx="1"/>
             </p:cNvCxnSpPr>
@@ -7252,8 +7244,8 @@
           </p:nvCxnSpPr>
           <p:spPr>
             <a:xfrm flipV="1">
-              <a:off x="3245554" y="2499978"/>
-              <a:ext cx="207089" cy="668908"/>
+              <a:off x="2491692" y="2216522"/>
+              <a:ext cx="92072" cy="726026"/>
             </a:xfrm>
             <a:prstGeom prst="straightConnector1">
               <a:avLst/>
@@ -7288,6 +7280,7 @@
               </a:extLst>
             </p:cNvPr>
             <p:cNvCxnSpPr>
+              <a:cxnSpLocks/>
               <a:stCxn id="43" idx="3"/>
               <a:endCxn id="31" idx="1"/>
             </p:cNvCxnSpPr>
@@ -7295,8 +7288,8 @@
           </p:nvCxnSpPr>
           <p:spPr>
             <a:xfrm>
-              <a:off x="3245554" y="3168886"/>
-              <a:ext cx="207086" cy="668908"/>
+              <a:off x="2491692" y="2942547"/>
+              <a:ext cx="92069" cy="611790"/>
             </a:xfrm>
             <a:prstGeom prst="straightConnector1">
               <a:avLst/>
@@ -7321,13 +7314,2387 @@
             </a:fontRef>
           </p:style>
         </p:cxnSp>
+        <p:sp>
+          <p:nvSpPr>
+            <p:cNvPr id="40" name="矩形 39">
+              <a:extLst>
+                <a:ext uri="{FF2B5EF4-FFF2-40B4-BE49-F238E27FC236}">
+                  <a16:creationId xmlns:a16="http://schemas.microsoft.com/office/drawing/2014/main" id="{41076A1D-137C-1A40-8F29-DCC96D82FA66}"/>
+                </a:ext>
+              </a:extLst>
+            </p:cNvPr>
+            <p:cNvSpPr/>
+            <p:nvPr/>
+          </p:nvSpPr>
+          <p:spPr>
+            <a:xfrm>
+              <a:off x="2586360" y="1992790"/>
+              <a:ext cx="440458" cy="445410"/>
+            </a:xfrm>
+            <a:prstGeom prst="rect">
+              <a:avLst/>
+            </a:prstGeom>
+            <a:noFill/>
+            <a:ln>
+              <a:solidFill>
+                <a:schemeClr val="tx1"/>
+              </a:solidFill>
+            </a:ln>
+          </p:spPr>
+          <p:style>
+            <a:lnRef idx="2">
+              <a:schemeClr val="accent1">
+                <a:shade val="50000"/>
+              </a:schemeClr>
+            </a:lnRef>
+            <a:fillRef idx="1">
+              <a:schemeClr val="accent1"/>
+            </a:fillRef>
+            <a:effectRef idx="0">
+              <a:schemeClr val="accent1"/>
+            </a:effectRef>
+            <a:fontRef idx="minor">
+              <a:schemeClr val="lt1"/>
+            </a:fontRef>
+          </p:style>
+          <p:txBody>
+            <a:bodyPr rot="0" spcFirstLastPara="0" vertOverflow="overflow" horzOverflow="overflow" vert="horz" wrap="square" lIns="91440" tIns="45720" rIns="91440" bIns="45720" numCol="1" spcCol="0" rtlCol="0" fromWordArt="0" anchor="ctr" anchorCtr="0" forceAA="0" compatLnSpc="1">
+              <a:prstTxWarp prst="textNoShape">
+                <a:avLst/>
+              </a:prstTxWarp>
+              <a:noAutofit/>
+            </a:bodyPr>
+            <a:lstStyle/>
+            <a:p>
+              <a:pPr algn="ctr"/>
+              <a:r>
+                <a:rPr kumimoji="1" lang="en-US" altLang="zh-CN" sz="800">
+                  <a:solidFill>
+                    <a:schemeClr val="tx1"/>
+                  </a:solidFill>
+                </a:rPr>
+                <a:t>0</a:t>
+              </a:r>
+              <a:endParaRPr kumimoji="1" lang="zh-CN" altLang="en-US" sz="800">
+                <a:solidFill>
+                  <a:schemeClr val="tx1"/>
+                </a:solidFill>
+              </a:endParaRPr>
+            </a:p>
+          </p:txBody>
+        </p:sp>
+        <p:sp>
+          <p:nvSpPr>
+            <p:cNvPr id="41" name="矩形 40">
+              <a:extLst>
+                <a:ext uri="{FF2B5EF4-FFF2-40B4-BE49-F238E27FC236}">
+                  <a16:creationId xmlns:a16="http://schemas.microsoft.com/office/drawing/2014/main" id="{61AC8B5E-64B5-C14E-851D-9672CF068D94}"/>
+                </a:ext>
+              </a:extLst>
+            </p:cNvPr>
+            <p:cNvSpPr/>
+            <p:nvPr/>
+          </p:nvSpPr>
+          <p:spPr>
+            <a:xfrm>
+              <a:off x="2586360" y="2438464"/>
+              <a:ext cx="440458" cy="445410"/>
+            </a:xfrm>
+            <a:prstGeom prst="rect">
+              <a:avLst/>
+            </a:prstGeom>
+            <a:noFill/>
+            <a:ln>
+              <a:solidFill>
+                <a:schemeClr val="tx1"/>
+              </a:solidFill>
+            </a:ln>
+          </p:spPr>
+          <p:style>
+            <a:lnRef idx="2">
+              <a:schemeClr val="accent1">
+                <a:shade val="50000"/>
+              </a:schemeClr>
+            </a:lnRef>
+            <a:fillRef idx="1">
+              <a:schemeClr val="accent1"/>
+            </a:fillRef>
+            <a:effectRef idx="0">
+              <a:schemeClr val="accent1"/>
+            </a:effectRef>
+            <a:fontRef idx="minor">
+              <a:schemeClr val="lt1"/>
+            </a:fontRef>
+          </p:style>
+          <p:txBody>
+            <a:bodyPr rot="0" spcFirstLastPara="0" vertOverflow="overflow" horzOverflow="overflow" vert="horz" wrap="square" lIns="91440" tIns="45720" rIns="91440" bIns="45720" numCol="1" spcCol="0" rtlCol="0" fromWordArt="0" anchor="ctr" anchorCtr="0" forceAA="0" compatLnSpc="1">
+              <a:prstTxWarp prst="textNoShape">
+                <a:avLst/>
+              </a:prstTxWarp>
+              <a:noAutofit/>
+            </a:bodyPr>
+            <a:lstStyle/>
+            <a:p>
+              <a:pPr algn="ctr"/>
+              <a:r>
+                <a:rPr kumimoji="1" lang="en-US" altLang="zh-CN" sz="800">
+                  <a:solidFill>
+                    <a:schemeClr val="tx1"/>
+                  </a:solidFill>
+                </a:rPr>
+                <a:t>1</a:t>
+              </a:r>
+              <a:endParaRPr kumimoji="1" lang="zh-CN" altLang="en-US" sz="800">
+                <a:solidFill>
+                  <a:schemeClr val="tx1"/>
+                </a:solidFill>
+              </a:endParaRPr>
+            </a:p>
+          </p:txBody>
+        </p:sp>
+        <p:sp>
+          <p:nvSpPr>
+            <p:cNvPr id="42" name="矩形 41">
+              <a:extLst>
+                <a:ext uri="{FF2B5EF4-FFF2-40B4-BE49-F238E27FC236}">
+                  <a16:creationId xmlns:a16="http://schemas.microsoft.com/office/drawing/2014/main" id="{38FDC957-386F-AA45-8D7D-3738602D602A}"/>
+                </a:ext>
+              </a:extLst>
+            </p:cNvPr>
+            <p:cNvSpPr/>
+            <p:nvPr/>
+          </p:nvSpPr>
+          <p:spPr>
+            <a:xfrm>
+              <a:off x="2586360" y="2883446"/>
+              <a:ext cx="440458" cy="445410"/>
+            </a:xfrm>
+            <a:prstGeom prst="rect">
+              <a:avLst/>
+            </a:prstGeom>
+            <a:noFill/>
+            <a:ln>
+              <a:solidFill>
+                <a:schemeClr val="tx1"/>
+              </a:solidFill>
+            </a:ln>
+          </p:spPr>
+          <p:style>
+            <a:lnRef idx="2">
+              <a:schemeClr val="accent1">
+                <a:shade val="50000"/>
+              </a:schemeClr>
+            </a:lnRef>
+            <a:fillRef idx="1">
+              <a:schemeClr val="accent1"/>
+            </a:fillRef>
+            <a:effectRef idx="0">
+              <a:schemeClr val="accent1"/>
+            </a:effectRef>
+            <a:fontRef idx="minor">
+              <a:schemeClr val="lt1"/>
+            </a:fontRef>
+          </p:style>
+          <p:txBody>
+            <a:bodyPr rot="0" spcFirstLastPara="0" vertOverflow="overflow" horzOverflow="overflow" vert="horz" wrap="square" lIns="91440" tIns="45720" rIns="91440" bIns="45720" numCol="1" spcCol="0" rtlCol="0" fromWordArt="0" anchor="ctr" anchorCtr="0" forceAA="0" compatLnSpc="1">
+              <a:prstTxWarp prst="textNoShape">
+                <a:avLst/>
+              </a:prstTxWarp>
+              <a:noAutofit/>
+            </a:bodyPr>
+            <a:lstStyle/>
+            <a:p>
+              <a:pPr algn="ctr"/>
+              <a:r>
+                <a:rPr kumimoji="1" lang="en-US" altLang="zh-CN" sz="800">
+                  <a:solidFill>
+                    <a:schemeClr val="tx1"/>
+                  </a:solidFill>
+                </a:rPr>
+                <a:t>2</a:t>
+              </a:r>
+              <a:endParaRPr kumimoji="1" lang="zh-CN" altLang="en-US" sz="800">
+                <a:solidFill>
+                  <a:schemeClr val="tx1"/>
+                </a:solidFill>
+              </a:endParaRPr>
+            </a:p>
+          </p:txBody>
+        </p:sp>
+        <p:sp>
+          <p:nvSpPr>
+            <p:cNvPr id="46" name="矩形 45">
+              <a:extLst>
+                <a:ext uri="{FF2B5EF4-FFF2-40B4-BE49-F238E27FC236}">
+                  <a16:creationId xmlns:a16="http://schemas.microsoft.com/office/drawing/2014/main" id="{48298BC6-326E-5D4F-825E-DD4190998D79}"/>
+                </a:ext>
+              </a:extLst>
+            </p:cNvPr>
+            <p:cNvSpPr/>
+            <p:nvPr/>
+          </p:nvSpPr>
+          <p:spPr>
+            <a:xfrm>
+              <a:off x="2586360" y="3334837"/>
+              <a:ext cx="440458" cy="445410"/>
+            </a:xfrm>
+            <a:prstGeom prst="rect">
+              <a:avLst/>
+            </a:prstGeom>
+            <a:noFill/>
+            <a:ln>
+              <a:solidFill>
+                <a:schemeClr val="tx1"/>
+              </a:solidFill>
+            </a:ln>
+          </p:spPr>
+          <p:style>
+            <a:lnRef idx="2">
+              <a:schemeClr val="accent1">
+                <a:shade val="50000"/>
+              </a:schemeClr>
+            </a:lnRef>
+            <a:fillRef idx="1">
+              <a:schemeClr val="accent1"/>
+            </a:fillRef>
+            <a:effectRef idx="0">
+              <a:schemeClr val="accent1"/>
+            </a:effectRef>
+            <a:fontRef idx="minor">
+              <a:schemeClr val="lt1"/>
+            </a:fontRef>
+          </p:style>
+          <p:txBody>
+            <a:bodyPr rot="0" spcFirstLastPara="0" vertOverflow="overflow" horzOverflow="overflow" vert="horz" wrap="square" lIns="91440" tIns="45720" rIns="91440" bIns="45720" numCol="1" spcCol="0" rtlCol="0" fromWordArt="0" anchor="ctr" anchorCtr="0" forceAA="0" compatLnSpc="1">
+              <a:prstTxWarp prst="textNoShape">
+                <a:avLst/>
+              </a:prstTxWarp>
+              <a:noAutofit/>
+            </a:bodyPr>
+            <a:lstStyle/>
+            <a:p>
+              <a:pPr algn="ctr"/>
+              <a:r>
+                <a:rPr kumimoji="1" lang="en-US" altLang="zh-CN" sz="800">
+                  <a:solidFill>
+                    <a:schemeClr val="tx1"/>
+                  </a:solidFill>
+                </a:rPr>
+                <a:t>…</a:t>
+              </a:r>
+              <a:endParaRPr kumimoji="1" lang="zh-CN" altLang="en-US" sz="800">
+                <a:solidFill>
+                  <a:schemeClr val="tx1"/>
+                </a:solidFill>
+              </a:endParaRPr>
+            </a:p>
+          </p:txBody>
+        </p:sp>
       </p:grpSp>
+      <p:grpSp>
+        <p:nvGrpSpPr>
+          <p:cNvPr id="50" name="组合 49">
+            <a:extLst>
+              <a:ext uri="{FF2B5EF4-FFF2-40B4-BE49-F238E27FC236}">
+                <a16:creationId xmlns:a16="http://schemas.microsoft.com/office/drawing/2014/main" id="{2010CC51-B559-AD43-8A1F-1CDA08FE6B0A}"/>
+              </a:ext>
+            </a:extLst>
+          </p:cNvPr>
+          <p:cNvGrpSpPr/>
+          <p:nvPr/>
+        </p:nvGrpSpPr>
+        <p:grpSpPr>
+          <a:xfrm>
+            <a:off x="1929452" y="2768229"/>
+            <a:ext cx="861026" cy="1538020"/>
+            <a:chOff x="320566" y="403896"/>
+            <a:chExt cx="1213949" cy="3864594"/>
+          </a:xfrm>
+        </p:grpSpPr>
+        <p:sp>
+          <p:nvSpPr>
+            <p:cNvPr id="52" name="矩形 51">
+              <a:extLst>
+                <a:ext uri="{FF2B5EF4-FFF2-40B4-BE49-F238E27FC236}">
+                  <a16:creationId xmlns:a16="http://schemas.microsoft.com/office/drawing/2014/main" id="{90AA2CA2-E80C-5A48-BC02-4E1382169354}"/>
+                </a:ext>
+              </a:extLst>
+            </p:cNvPr>
+            <p:cNvSpPr/>
+            <p:nvPr/>
+          </p:nvSpPr>
+          <p:spPr>
+            <a:xfrm>
+              <a:off x="320573" y="697795"/>
+              <a:ext cx="1213942" cy="3570695"/>
+            </a:xfrm>
+            <a:prstGeom prst="rect">
+              <a:avLst/>
+            </a:prstGeom>
+            <a:noFill/>
+            <a:ln>
+              <a:solidFill>
+                <a:schemeClr val="tx1"/>
+              </a:solidFill>
+            </a:ln>
+          </p:spPr>
+          <p:style>
+            <a:lnRef idx="2">
+              <a:schemeClr val="accent1">
+                <a:shade val="50000"/>
+              </a:schemeClr>
+            </a:lnRef>
+            <a:fillRef idx="1">
+              <a:schemeClr val="accent1"/>
+            </a:fillRef>
+            <a:effectRef idx="0">
+              <a:schemeClr val="accent1"/>
+            </a:effectRef>
+            <a:fontRef idx="minor">
+              <a:schemeClr val="lt1"/>
+            </a:fontRef>
+          </p:style>
+          <p:txBody>
+            <a:bodyPr rtlCol="0" anchor="ctr"/>
+            <a:lstStyle/>
+            <a:p>
+              <a:pPr algn="ctr"/>
+              <a:endParaRPr kumimoji="1" lang="zh-CN" altLang="en-US" sz="800">
+                <a:solidFill>
+                  <a:schemeClr val="tx1"/>
+                </a:solidFill>
+              </a:endParaRPr>
+            </a:p>
+          </p:txBody>
+        </p:sp>
+        <p:sp>
+          <p:nvSpPr>
+            <p:cNvPr id="53" name="矩形 52">
+              <a:extLst>
+                <a:ext uri="{FF2B5EF4-FFF2-40B4-BE49-F238E27FC236}">
+                  <a16:creationId xmlns:a16="http://schemas.microsoft.com/office/drawing/2014/main" id="{695D4147-7697-4145-9C73-042D29D4E0A5}"/>
+                </a:ext>
+              </a:extLst>
+            </p:cNvPr>
+            <p:cNvSpPr/>
+            <p:nvPr/>
+          </p:nvSpPr>
+          <p:spPr>
+            <a:xfrm>
+              <a:off x="320573" y="1375711"/>
+              <a:ext cx="1213942" cy="336331"/>
+            </a:xfrm>
+            <a:prstGeom prst="rect">
+              <a:avLst/>
+            </a:prstGeom>
+            <a:noFill/>
+            <a:ln>
+              <a:solidFill>
+                <a:schemeClr val="tx1"/>
+              </a:solidFill>
+            </a:ln>
+          </p:spPr>
+          <p:style>
+            <a:lnRef idx="2">
+              <a:schemeClr val="accent1">
+                <a:shade val="50000"/>
+              </a:schemeClr>
+            </a:lnRef>
+            <a:fillRef idx="1">
+              <a:schemeClr val="accent1"/>
+            </a:fillRef>
+            <a:effectRef idx="0">
+              <a:schemeClr val="accent1"/>
+            </a:effectRef>
+            <a:fontRef idx="minor">
+              <a:schemeClr val="lt1"/>
+            </a:fontRef>
+          </p:style>
+          <p:txBody>
+            <a:bodyPr rtlCol="0" anchor="ctr"/>
+            <a:lstStyle/>
+            <a:p>
+              <a:pPr algn="ctr"/>
+              <a:r>
+                <a:rPr lang="en-US" altLang="zh-CN" sz="800">
+                  <a:solidFill>
+                    <a:schemeClr val="tx1"/>
+                  </a:solidFill>
+                </a:rPr>
+                <a:t>files_struct *</a:t>
+              </a:r>
+            </a:p>
+          </p:txBody>
+        </p:sp>
+        <p:sp>
+          <p:nvSpPr>
+            <p:cNvPr id="54" name="同侧圆角矩形 53">
+              <a:extLst>
+                <a:ext uri="{FF2B5EF4-FFF2-40B4-BE49-F238E27FC236}">
+                  <a16:creationId xmlns:a16="http://schemas.microsoft.com/office/drawing/2014/main" id="{C4541826-07CB-6044-A5F9-30DE5A4D4A37}"/>
+                </a:ext>
+              </a:extLst>
+            </p:cNvPr>
+            <p:cNvSpPr/>
+            <p:nvPr/>
+          </p:nvSpPr>
+          <p:spPr>
+            <a:xfrm>
+              <a:off x="320566" y="403896"/>
+              <a:ext cx="1213942" cy="293897"/>
+            </a:xfrm>
+            <a:prstGeom prst="round2SameRect">
+              <a:avLst/>
+            </a:prstGeom>
+            <a:noFill/>
+            <a:ln>
+              <a:solidFill>
+                <a:schemeClr val="tx1"/>
+              </a:solidFill>
+            </a:ln>
+          </p:spPr>
+          <p:style>
+            <a:lnRef idx="2">
+              <a:schemeClr val="accent1">
+                <a:shade val="50000"/>
+              </a:schemeClr>
+            </a:lnRef>
+            <a:fillRef idx="1">
+              <a:schemeClr val="accent1"/>
+            </a:fillRef>
+            <a:effectRef idx="0">
+              <a:schemeClr val="accent1"/>
+            </a:effectRef>
+            <a:fontRef idx="minor">
+              <a:schemeClr val="lt1"/>
+            </a:fontRef>
+          </p:style>
+          <p:txBody>
+            <a:bodyPr rot="0" spcFirstLastPara="0" vertOverflow="overflow" horzOverflow="overflow" vert="horz" wrap="square" lIns="91440" tIns="45720" rIns="91440" bIns="45720" numCol="1" spcCol="0" rtlCol="0" fromWordArt="0" anchor="ctr" anchorCtr="0" forceAA="0" compatLnSpc="1">
+              <a:prstTxWarp prst="textNoShape">
+                <a:avLst/>
+              </a:prstTxWarp>
+              <a:noAutofit/>
+            </a:bodyPr>
+            <a:lstStyle/>
+            <a:p>
+              <a:pPr algn="ctr"/>
+              <a:r>
+                <a:rPr kumimoji="1" lang="en-US" altLang="zh-CN" sz="800">
+                  <a:solidFill>
+                    <a:schemeClr val="tx1"/>
+                  </a:solidFill>
+                </a:rPr>
+                <a:t>proc_struct</a:t>
+              </a:r>
+              <a:endParaRPr kumimoji="1" lang="zh-CN" altLang="en-US" sz="800">
+                <a:solidFill>
+                  <a:schemeClr val="tx1"/>
+                </a:solidFill>
+              </a:endParaRPr>
+            </a:p>
+          </p:txBody>
+        </p:sp>
+      </p:grpSp>
+      <p:grpSp>
+        <p:nvGrpSpPr>
+          <p:cNvPr id="55" name="组合 54">
+            <a:extLst>
+              <a:ext uri="{FF2B5EF4-FFF2-40B4-BE49-F238E27FC236}">
+                <a16:creationId xmlns:a16="http://schemas.microsoft.com/office/drawing/2014/main" id="{2F79AF06-A99A-244C-9B2D-502BABE18FFC}"/>
+              </a:ext>
+            </a:extLst>
+          </p:cNvPr>
+          <p:cNvGrpSpPr/>
+          <p:nvPr/>
+        </p:nvGrpSpPr>
+        <p:grpSpPr>
+          <a:xfrm>
+            <a:off x="3057980" y="3718797"/>
+            <a:ext cx="2853677" cy="1509815"/>
+            <a:chOff x="1627814" y="300073"/>
+            <a:chExt cx="3751701" cy="3480174"/>
+          </a:xfrm>
+        </p:grpSpPr>
+        <p:sp>
+          <p:nvSpPr>
+            <p:cNvPr id="56" name="矩形 55">
+              <a:extLst>
+                <a:ext uri="{FF2B5EF4-FFF2-40B4-BE49-F238E27FC236}">
+                  <a16:creationId xmlns:a16="http://schemas.microsoft.com/office/drawing/2014/main" id="{E205051A-2866-3842-8B7A-47BFBBF19102}"/>
+                </a:ext>
+              </a:extLst>
+            </p:cNvPr>
+            <p:cNvSpPr/>
+            <p:nvPr/>
+          </p:nvSpPr>
+          <p:spPr>
+            <a:xfrm>
+              <a:off x="2583763" y="300073"/>
+              <a:ext cx="2795752" cy="575074"/>
+            </a:xfrm>
+            <a:prstGeom prst="rect">
+              <a:avLst/>
+            </a:prstGeom>
+            <a:noFill/>
+            <a:ln>
+              <a:noFill/>
+            </a:ln>
+          </p:spPr>
+          <p:style>
+            <a:lnRef idx="2">
+              <a:schemeClr val="accent1">
+                <a:shade val="50000"/>
+              </a:schemeClr>
+            </a:lnRef>
+            <a:fillRef idx="1">
+              <a:schemeClr val="accent1"/>
+            </a:fillRef>
+            <a:effectRef idx="0">
+              <a:schemeClr val="accent1"/>
+            </a:effectRef>
+            <a:fontRef idx="minor">
+              <a:schemeClr val="lt1"/>
+            </a:fontRef>
+          </p:style>
+          <p:txBody>
+            <a:bodyPr rtlCol="0" anchor="ctr"/>
+            <a:lstStyle/>
+            <a:p>
+              <a:pPr algn="ctr"/>
+              <a:r>
+                <a:rPr kumimoji="1" lang="en-US" altLang="zh-CN" sz="800">
+                  <a:solidFill>
+                    <a:schemeClr val="tx1"/>
+                  </a:solidFill>
+                </a:rPr>
+                <a:t>page</a:t>
+              </a:r>
+              <a:r>
+                <a:rPr kumimoji="1" lang="zh-CN" altLang="en-US" sz="800">
+                  <a:solidFill>
+                    <a:schemeClr val="tx1"/>
+                  </a:solidFill>
+                </a:rPr>
+                <a:t> </a:t>
+              </a:r>
+              <a:r>
+                <a:rPr kumimoji="1" lang="en-US" altLang="zh-CN" sz="800">
+                  <a:solidFill>
+                    <a:schemeClr val="tx1"/>
+                  </a:solidFill>
+                </a:rPr>
+                <a:t>mem</a:t>
+              </a:r>
+              <a:endParaRPr kumimoji="1" lang="zh-CN" altLang="en-US" sz="800">
+                <a:solidFill>
+                  <a:schemeClr val="tx1"/>
+                </a:solidFill>
+              </a:endParaRPr>
+            </a:p>
+          </p:txBody>
+        </p:sp>
+        <p:sp>
+          <p:nvSpPr>
+            <p:cNvPr id="57" name="文本框 56">
+              <a:extLst>
+                <a:ext uri="{FF2B5EF4-FFF2-40B4-BE49-F238E27FC236}">
+                  <a16:creationId xmlns:a16="http://schemas.microsoft.com/office/drawing/2014/main" id="{1E25B546-E872-D845-BAB4-F461D4286E16}"/>
+                </a:ext>
+              </a:extLst>
+            </p:cNvPr>
+            <p:cNvSpPr txBox="1"/>
+            <p:nvPr/>
+          </p:nvSpPr>
+          <p:spPr>
+            <a:xfrm>
+              <a:off x="1627814" y="2731542"/>
+              <a:ext cx="747695" cy="496606"/>
+            </a:xfrm>
+            <a:prstGeom prst="rect">
+              <a:avLst/>
+            </a:prstGeom>
+            <a:noFill/>
+          </p:spPr>
+          <p:txBody>
+            <a:bodyPr wrap="square" rtlCol="0">
+              <a:spAutoFit/>
+            </a:bodyPr>
+            <a:lstStyle/>
+            <a:p>
+              <a:pPr algn="r"/>
+              <a:r>
+                <a:rPr kumimoji="1" lang="en-US" altLang="zh-CN" sz="800"/>
+                <a:t>filemap</a:t>
+              </a:r>
+              <a:endParaRPr kumimoji="1" lang="zh-CN" altLang="en-US" sz="800"/>
+            </a:p>
+          </p:txBody>
+        </p:sp>
+        <p:sp>
+          <p:nvSpPr>
+            <p:cNvPr id="58" name="矩形 57">
+              <a:extLst>
+                <a:ext uri="{FF2B5EF4-FFF2-40B4-BE49-F238E27FC236}">
+                  <a16:creationId xmlns:a16="http://schemas.microsoft.com/office/drawing/2014/main" id="{F08A0E4A-D51A-C147-88D5-5A6D516D3FAF}"/>
+                </a:ext>
+              </a:extLst>
+            </p:cNvPr>
+            <p:cNvSpPr/>
+            <p:nvPr/>
+          </p:nvSpPr>
+          <p:spPr>
+            <a:xfrm>
+              <a:off x="3736508" y="875146"/>
+              <a:ext cx="1490612" cy="1118407"/>
+            </a:xfrm>
+            <a:prstGeom prst="rect">
+              <a:avLst/>
+            </a:prstGeom>
+            <a:noFill/>
+            <a:ln>
+              <a:solidFill>
+                <a:schemeClr val="tx1"/>
+              </a:solidFill>
+            </a:ln>
+          </p:spPr>
+          <p:style>
+            <a:lnRef idx="2">
+              <a:schemeClr val="accent1">
+                <a:shade val="50000"/>
+              </a:schemeClr>
+            </a:lnRef>
+            <a:fillRef idx="1">
+              <a:schemeClr val="accent1"/>
+            </a:fillRef>
+            <a:effectRef idx="0">
+              <a:schemeClr val="accent1"/>
+            </a:effectRef>
+            <a:fontRef idx="minor">
+              <a:schemeClr val="lt1"/>
+            </a:fontRef>
+          </p:style>
+          <p:txBody>
+            <a:bodyPr rtlCol="0" anchor="ctr"/>
+            <a:lstStyle/>
+            <a:p>
+              <a:pPr algn="ctr"/>
+              <a:endParaRPr lang="en-US" altLang="zh-CN" sz="800">
+                <a:solidFill>
+                  <a:schemeClr val="tx1"/>
+                </a:solidFill>
+              </a:endParaRPr>
+            </a:p>
+          </p:txBody>
+        </p:sp>
+        <p:sp>
+          <p:nvSpPr>
+            <p:cNvPr id="59" name="矩形 58">
+              <a:extLst>
+                <a:ext uri="{FF2B5EF4-FFF2-40B4-BE49-F238E27FC236}">
+                  <a16:creationId xmlns:a16="http://schemas.microsoft.com/office/drawing/2014/main" id="{A00B4FFD-9333-774C-AF6C-1D80AF311BE7}"/>
+                </a:ext>
+              </a:extLst>
+            </p:cNvPr>
+            <p:cNvSpPr/>
+            <p:nvPr/>
+          </p:nvSpPr>
+          <p:spPr>
+            <a:xfrm>
+              <a:off x="3736508" y="870841"/>
+              <a:ext cx="1490612" cy="275317"/>
+            </a:xfrm>
+            <a:prstGeom prst="rect">
+              <a:avLst/>
+            </a:prstGeom>
+            <a:noFill/>
+            <a:ln>
+              <a:solidFill>
+                <a:schemeClr val="tx1"/>
+              </a:solidFill>
+            </a:ln>
+          </p:spPr>
+          <p:style>
+            <a:lnRef idx="2">
+              <a:schemeClr val="accent1">
+                <a:shade val="50000"/>
+              </a:schemeClr>
+            </a:lnRef>
+            <a:fillRef idx="1">
+              <a:schemeClr val="accent1"/>
+            </a:fillRef>
+            <a:effectRef idx="0">
+              <a:schemeClr val="accent1"/>
+            </a:effectRef>
+            <a:fontRef idx="minor">
+              <a:schemeClr val="lt1"/>
+            </a:fontRef>
+          </p:style>
+          <p:txBody>
+            <a:bodyPr rtlCol="0" anchor="ctr"/>
+            <a:lstStyle/>
+            <a:p>
+              <a:pPr algn="ctr"/>
+              <a:r>
+                <a:rPr lang="en-US" altLang="zh-CN" sz="800">
+                  <a:solidFill>
+                    <a:schemeClr val="tx1"/>
+                  </a:solidFill>
+                </a:rPr>
+                <a:t>inode</a:t>
+              </a:r>
+              <a:r>
+                <a:rPr lang="zh-CN" altLang="en-US" sz="800">
+                  <a:solidFill>
+                    <a:schemeClr val="tx1"/>
+                  </a:solidFill>
+                </a:rPr>
+                <a:t>* </a:t>
+              </a:r>
+              <a:r>
+                <a:rPr lang="en-US" altLang="zh-CN" sz="800">
+                  <a:solidFill>
+                    <a:schemeClr val="tx1"/>
+                  </a:solidFill>
+                </a:rPr>
+                <a:t>pwd</a:t>
+              </a:r>
+            </a:p>
+          </p:txBody>
+        </p:sp>
+        <p:sp>
+          <p:nvSpPr>
+            <p:cNvPr id="60" name="矩形 59">
+              <a:extLst>
+                <a:ext uri="{FF2B5EF4-FFF2-40B4-BE49-F238E27FC236}">
+                  <a16:creationId xmlns:a16="http://schemas.microsoft.com/office/drawing/2014/main" id="{7F604F89-71FC-3C44-8902-0AC51EB7E226}"/>
+                </a:ext>
+              </a:extLst>
+            </p:cNvPr>
+            <p:cNvSpPr/>
+            <p:nvPr/>
+          </p:nvSpPr>
+          <p:spPr>
+            <a:xfrm>
+              <a:off x="3736505" y="1146158"/>
+              <a:ext cx="1490612" cy="275317"/>
+            </a:xfrm>
+            <a:prstGeom prst="rect">
+              <a:avLst/>
+            </a:prstGeom>
+            <a:noFill/>
+            <a:ln>
+              <a:solidFill>
+                <a:schemeClr val="tx1"/>
+              </a:solidFill>
+            </a:ln>
+          </p:spPr>
+          <p:style>
+            <a:lnRef idx="2">
+              <a:schemeClr val="accent1">
+                <a:shade val="50000"/>
+              </a:schemeClr>
+            </a:lnRef>
+            <a:fillRef idx="1">
+              <a:schemeClr val="accent1"/>
+            </a:fillRef>
+            <a:effectRef idx="0">
+              <a:schemeClr val="accent1"/>
+            </a:effectRef>
+            <a:fontRef idx="minor">
+              <a:schemeClr val="lt1"/>
+            </a:fontRef>
+          </p:style>
+          <p:txBody>
+            <a:bodyPr rtlCol="0" anchor="ctr"/>
+            <a:lstStyle/>
+            <a:p>
+              <a:pPr algn="ctr"/>
+              <a:r>
+                <a:rPr lang="en-US" altLang="zh-CN" sz="800">
+                  <a:solidFill>
+                    <a:schemeClr val="tx1"/>
+                  </a:solidFill>
+                </a:rPr>
+                <a:t>file *fd_array</a:t>
+              </a:r>
+            </a:p>
+          </p:txBody>
+        </p:sp>
+        <p:sp>
+          <p:nvSpPr>
+            <p:cNvPr id="61" name="矩形 60">
+              <a:extLst>
+                <a:ext uri="{FF2B5EF4-FFF2-40B4-BE49-F238E27FC236}">
+                  <a16:creationId xmlns:a16="http://schemas.microsoft.com/office/drawing/2014/main" id="{84EB43C1-83BB-FE4C-861E-DD9DC08B652C}"/>
+                </a:ext>
+              </a:extLst>
+            </p:cNvPr>
+            <p:cNvSpPr/>
+            <p:nvPr/>
+          </p:nvSpPr>
+          <p:spPr>
+            <a:xfrm>
+              <a:off x="3736504" y="1415271"/>
+              <a:ext cx="1490612" cy="275317"/>
+            </a:xfrm>
+            <a:prstGeom prst="rect">
+              <a:avLst/>
+            </a:prstGeom>
+            <a:noFill/>
+            <a:ln>
+              <a:solidFill>
+                <a:schemeClr val="tx1"/>
+              </a:solidFill>
+            </a:ln>
+          </p:spPr>
+          <p:style>
+            <a:lnRef idx="2">
+              <a:schemeClr val="accent1">
+                <a:shade val="50000"/>
+              </a:schemeClr>
+            </a:lnRef>
+            <a:fillRef idx="1">
+              <a:schemeClr val="accent1"/>
+            </a:fillRef>
+            <a:effectRef idx="0">
+              <a:schemeClr val="accent1"/>
+            </a:effectRef>
+            <a:fontRef idx="minor">
+              <a:schemeClr val="lt1"/>
+            </a:fontRef>
+          </p:style>
+          <p:txBody>
+            <a:bodyPr rtlCol="0" anchor="ctr"/>
+            <a:lstStyle/>
+            <a:p>
+              <a:pPr algn="ctr"/>
+              <a:r>
+                <a:rPr lang="en-US" altLang="zh-CN" sz="800">
+                  <a:solidFill>
+                    <a:schemeClr val="tx1"/>
+                  </a:solidFill>
+                </a:rPr>
+                <a:t>files_count</a:t>
+              </a:r>
+            </a:p>
+          </p:txBody>
+        </p:sp>
+        <p:sp>
+          <p:nvSpPr>
+            <p:cNvPr id="62" name="矩形 61">
+              <a:extLst>
+                <a:ext uri="{FF2B5EF4-FFF2-40B4-BE49-F238E27FC236}">
+                  <a16:creationId xmlns:a16="http://schemas.microsoft.com/office/drawing/2014/main" id="{C9A4F7F1-CDDF-7E47-A3B2-54A3856F9AC9}"/>
+                </a:ext>
+              </a:extLst>
+            </p:cNvPr>
+            <p:cNvSpPr/>
+            <p:nvPr/>
+          </p:nvSpPr>
+          <p:spPr>
+            <a:xfrm>
+              <a:off x="3736504" y="1694894"/>
+              <a:ext cx="1490612" cy="298658"/>
+            </a:xfrm>
+            <a:prstGeom prst="rect">
+              <a:avLst/>
+            </a:prstGeom>
+            <a:noFill/>
+            <a:ln>
+              <a:solidFill>
+                <a:schemeClr val="tx1"/>
+              </a:solidFill>
+            </a:ln>
+          </p:spPr>
+          <p:style>
+            <a:lnRef idx="2">
+              <a:schemeClr val="accent1">
+                <a:shade val="50000"/>
+              </a:schemeClr>
+            </a:lnRef>
+            <a:fillRef idx="1">
+              <a:schemeClr val="accent1"/>
+            </a:fillRef>
+            <a:effectRef idx="0">
+              <a:schemeClr val="accent1"/>
+            </a:effectRef>
+            <a:fontRef idx="minor">
+              <a:schemeClr val="lt1"/>
+            </a:fontRef>
+          </p:style>
+          <p:txBody>
+            <a:bodyPr rtlCol="0" anchor="ctr"/>
+            <a:lstStyle/>
+            <a:p>
+              <a:pPr algn="ctr"/>
+              <a:r>
+                <a:rPr lang="en-US" altLang="zh-CN" sz="800">
+                  <a:solidFill>
+                    <a:schemeClr val="tx1"/>
+                  </a:solidFill>
+                </a:rPr>
+                <a:t>files_se</a:t>
+              </a:r>
+            </a:p>
+          </p:txBody>
+        </p:sp>
+        <p:sp>
+          <p:nvSpPr>
+            <p:cNvPr id="63" name="矩形 62">
+              <a:extLst>
+                <a:ext uri="{FF2B5EF4-FFF2-40B4-BE49-F238E27FC236}">
+                  <a16:creationId xmlns:a16="http://schemas.microsoft.com/office/drawing/2014/main" id="{EF90CF6F-2AFC-2145-B1B4-D17D46209BBE}"/>
+                </a:ext>
+              </a:extLst>
+            </p:cNvPr>
+            <p:cNvSpPr/>
+            <p:nvPr/>
+          </p:nvSpPr>
+          <p:spPr>
+            <a:xfrm>
+              <a:off x="2583763" y="1993552"/>
+              <a:ext cx="2643353" cy="445939"/>
+            </a:xfrm>
+            <a:prstGeom prst="rect">
+              <a:avLst/>
+            </a:prstGeom>
+            <a:noFill/>
+            <a:ln>
+              <a:solidFill>
+                <a:schemeClr val="tx1"/>
+              </a:solidFill>
+            </a:ln>
+          </p:spPr>
+          <p:style>
+            <a:lnRef idx="2">
+              <a:schemeClr val="accent1">
+                <a:shade val="50000"/>
+              </a:schemeClr>
+            </a:lnRef>
+            <a:fillRef idx="1">
+              <a:schemeClr val="accent1"/>
+            </a:fillRef>
+            <a:effectRef idx="0">
+              <a:schemeClr val="accent1"/>
+            </a:effectRef>
+            <a:fontRef idx="minor">
+              <a:schemeClr val="lt1"/>
+            </a:fontRef>
+          </p:style>
+          <p:txBody>
+            <a:bodyPr rtlCol="0" anchor="ctr"/>
+            <a:lstStyle/>
+            <a:p>
+              <a:pPr algn="ctr"/>
+              <a:r>
+                <a:rPr lang="en-US" altLang="zh-CN" sz="800">
+                  <a:solidFill>
+                    <a:schemeClr val="tx1"/>
+                  </a:solidFill>
+                </a:rPr>
+                <a:t>stdin</a:t>
+              </a:r>
+            </a:p>
+          </p:txBody>
+        </p:sp>
+        <p:sp>
+          <p:nvSpPr>
+            <p:cNvPr id="64" name="矩形 63">
+              <a:extLst>
+                <a:ext uri="{FF2B5EF4-FFF2-40B4-BE49-F238E27FC236}">
+                  <a16:creationId xmlns:a16="http://schemas.microsoft.com/office/drawing/2014/main" id="{4670FEE7-CCA9-8D49-98FE-EE95E2516E16}"/>
+                </a:ext>
+              </a:extLst>
+            </p:cNvPr>
+            <p:cNvSpPr/>
+            <p:nvPr/>
+          </p:nvSpPr>
+          <p:spPr>
+            <a:xfrm>
+              <a:off x="2583763" y="2439491"/>
+              <a:ext cx="2643353" cy="445939"/>
+            </a:xfrm>
+            <a:prstGeom prst="rect">
+              <a:avLst/>
+            </a:prstGeom>
+            <a:noFill/>
+            <a:ln>
+              <a:solidFill>
+                <a:schemeClr val="tx1"/>
+              </a:solidFill>
+            </a:ln>
+          </p:spPr>
+          <p:style>
+            <a:lnRef idx="2">
+              <a:schemeClr val="accent1">
+                <a:shade val="50000"/>
+              </a:schemeClr>
+            </a:lnRef>
+            <a:fillRef idx="1">
+              <a:schemeClr val="accent1"/>
+            </a:fillRef>
+            <a:effectRef idx="0">
+              <a:schemeClr val="accent1"/>
+            </a:effectRef>
+            <a:fontRef idx="minor">
+              <a:schemeClr val="lt1"/>
+            </a:fontRef>
+          </p:style>
+          <p:txBody>
+            <a:bodyPr rtlCol="0" anchor="ctr"/>
+            <a:lstStyle/>
+            <a:p>
+              <a:pPr algn="ctr"/>
+              <a:r>
+                <a:rPr lang="en-US" altLang="zh-CN" sz="800">
+                  <a:solidFill>
+                    <a:schemeClr val="tx1"/>
+                  </a:solidFill>
+                </a:rPr>
+                <a:t>stdout</a:t>
+              </a:r>
+            </a:p>
+          </p:txBody>
+        </p:sp>
+        <p:sp>
+          <p:nvSpPr>
+            <p:cNvPr id="65" name="矩形 64">
+              <a:extLst>
+                <a:ext uri="{FF2B5EF4-FFF2-40B4-BE49-F238E27FC236}">
+                  <a16:creationId xmlns:a16="http://schemas.microsoft.com/office/drawing/2014/main" id="{E8DDA3BF-0BA7-9243-A7C6-DE75A872C0A9}"/>
+                </a:ext>
+              </a:extLst>
+            </p:cNvPr>
+            <p:cNvSpPr/>
+            <p:nvPr/>
+          </p:nvSpPr>
+          <p:spPr>
+            <a:xfrm>
+              <a:off x="2583763" y="2886386"/>
+              <a:ext cx="2643353" cy="445939"/>
+            </a:xfrm>
+            <a:prstGeom prst="rect">
+              <a:avLst/>
+            </a:prstGeom>
+            <a:noFill/>
+            <a:ln>
+              <a:solidFill>
+                <a:schemeClr val="tx1"/>
+              </a:solidFill>
+            </a:ln>
+          </p:spPr>
+          <p:style>
+            <a:lnRef idx="2">
+              <a:schemeClr val="accent1">
+                <a:shade val="50000"/>
+              </a:schemeClr>
+            </a:lnRef>
+            <a:fillRef idx="1">
+              <a:schemeClr val="accent1"/>
+            </a:fillRef>
+            <a:effectRef idx="0">
+              <a:schemeClr val="accent1"/>
+            </a:effectRef>
+            <a:fontRef idx="minor">
+              <a:schemeClr val="lt1"/>
+            </a:fontRef>
+          </p:style>
+          <p:txBody>
+            <a:bodyPr rtlCol="0" anchor="ctr"/>
+            <a:lstStyle/>
+            <a:p>
+              <a:pPr algn="ctr"/>
+              <a:r>
+                <a:rPr lang="en-US" altLang="zh-CN" sz="800">
+                  <a:solidFill>
+                    <a:schemeClr val="tx1"/>
+                  </a:solidFill>
+                </a:rPr>
+                <a:t>stderr</a:t>
+              </a:r>
+            </a:p>
+          </p:txBody>
+        </p:sp>
+        <p:sp>
+          <p:nvSpPr>
+            <p:cNvPr id="66" name="矩形 65">
+              <a:extLst>
+                <a:ext uri="{FF2B5EF4-FFF2-40B4-BE49-F238E27FC236}">
+                  <a16:creationId xmlns:a16="http://schemas.microsoft.com/office/drawing/2014/main" id="{24807E5A-1148-F840-9F1E-472046AD6273}"/>
+                </a:ext>
+              </a:extLst>
+            </p:cNvPr>
+            <p:cNvSpPr/>
+            <p:nvPr/>
+          </p:nvSpPr>
+          <p:spPr>
+            <a:xfrm>
+              <a:off x="2583760" y="3331368"/>
+              <a:ext cx="2643353" cy="445939"/>
+            </a:xfrm>
+            <a:prstGeom prst="rect">
+              <a:avLst/>
+            </a:prstGeom>
+            <a:noFill/>
+            <a:ln>
+              <a:solidFill>
+                <a:schemeClr val="tx1"/>
+              </a:solidFill>
+            </a:ln>
+          </p:spPr>
+          <p:style>
+            <a:lnRef idx="2">
+              <a:schemeClr val="accent1">
+                <a:shade val="50000"/>
+              </a:schemeClr>
+            </a:lnRef>
+            <a:fillRef idx="1">
+              <a:schemeClr val="accent1"/>
+            </a:fillRef>
+            <a:effectRef idx="0">
+              <a:schemeClr val="accent1"/>
+            </a:effectRef>
+            <a:fontRef idx="minor">
+              <a:schemeClr val="lt1"/>
+            </a:fontRef>
+          </p:style>
+          <p:txBody>
+            <a:bodyPr rtlCol="0" anchor="ctr"/>
+            <a:lstStyle/>
+            <a:p>
+              <a:pPr algn="ctr"/>
+              <a:r>
+                <a:rPr lang="en-US" altLang="zh-CN" sz="800">
+                  <a:solidFill>
+                    <a:schemeClr val="tx1"/>
+                  </a:solidFill>
+                </a:rPr>
+                <a:t>file …</a:t>
+              </a:r>
+            </a:p>
+          </p:txBody>
+        </p:sp>
+        <p:cxnSp>
+          <p:nvCxnSpPr>
+            <p:cNvPr id="68" name="曲线连接符 67">
+              <a:extLst>
+                <a:ext uri="{FF2B5EF4-FFF2-40B4-BE49-F238E27FC236}">
+                  <a16:creationId xmlns:a16="http://schemas.microsoft.com/office/drawing/2014/main" id="{CFBEBCBA-A84F-F442-A54B-DADE69B81B53}"/>
+                </a:ext>
+              </a:extLst>
+            </p:cNvPr>
+            <p:cNvCxnSpPr>
+              <a:cxnSpLocks/>
+              <a:stCxn id="60" idx="3"/>
+              <a:endCxn id="63" idx="3"/>
+            </p:cNvCxnSpPr>
+            <p:nvPr/>
+          </p:nvCxnSpPr>
+          <p:spPr>
+            <a:xfrm flipH="1">
+              <a:off x="5227116" y="1283817"/>
+              <a:ext cx="1" cy="932705"/>
+            </a:xfrm>
+            <a:prstGeom prst="curvedConnector3">
+              <a:avLst>
+                <a:gd name="adj1" fmla="val -22860000000"/>
+              </a:avLst>
+            </a:prstGeom>
+            <a:ln>
+              <a:tailEnd type="triangle"/>
+            </a:ln>
+          </p:spPr>
+          <p:style>
+            <a:lnRef idx="1">
+              <a:schemeClr val="accent1"/>
+            </a:lnRef>
+            <a:fillRef idx="0">
+              <a:schemeClr val="accent1"/>
+            </a:fillRef>
+            <a:effectRef idx="0">
+              <a:schemeClr val="accent1"/>
+            </a:effectRef>
+            <a:fontRef idx="minor">
+              <a:schemeClr val="tx1"/>
+            </a:fontRef>
+          </p:style>
+        </p:cxnSp>
+        <p:sp>
+          <p:nvSpPr>
+            <p:cNvPr id="70" name="矩形 69">
+              <a:extLst>
+                <a:ext uri="{FF2B5EF4-FFF2-40B4-BE49-F238E27FC236}">
+                  <a16:creationId xmlns:a16="http://schemas.microsoft.com/office/drawing/2014/main" id="{6A4839AF-F9B8-6045-ABC4-30990E26E1A2}"/>
+                </a:ext>
+              </a:extLst>
+            </p:cNvPr>
+            <p:cNvSpPr/>
+            <p:nvPr/>
+          </p:nvSpPr>
+          <p:spPr>
+            <a:xfrm>
+              <a:off x="2583760" y="874119"/>
+              <a:ext cx="1151053" cy="1118407"/>
+            </a:xfrm>
+            <a:prstGeom prst="rect">
+              <a:avLst/>
+            </a:prstGeom>
+            <a:noFill/>
+            <a:ln>
+              <a:solidFill>
+                <a:schemeClr val="tx1"/>
+              </a:solidFill>
+            </a:ln>
+          </p:spPr>
+          <p:style>
+            <a:lnRef idx="2">
+              <a:schemeClr val="accent1">
+                <a:shade val="50000"/>
+              </a:schemeClr>
+            </a:lnRef>
+            <a:fillRef idx="1">
+              <a:schemeClr val="accent1"/>
+            </a:fillRef>
+            <a:effectRef idx="0">
+              <a:schemeClr val="accent1"/>
+            </a:effectRef>
+            <a:fontRef idx="minor">
+              <a:schemeClr val="lt1"/>
+            </a:fontRef>
+          </p:style>
+          <p:txBody>
+            <a:bodyPr rtlCol="0" anchor="ctr"/>
+            <a:lstStyle/>
+            <a:p>
+              <a:pPr algn="ctr"/>
+              <a:r>
+                <a:rPr lang="en-US" altLang="zh-CN" sz="800" b="1">
+                  <a:solidFill>
+                    <a:schemeClr val="tx1"/>
+                  </a:solidFill>
+                </a:rPr>
+                <a:t>files_struct</a:t>
+              </a:r>
+            </a:p>
+          </p:txBody>
+        </p:sp>
+        <p:cxnSp>
+          <p:nvCxnSpPr>
+            <p:cNvPr id="71" name="直线箭头连接符 70">
+              <a:extLst>
+                <a:ext uri="{FF2B5EF4-FFF2-40B4-BE49-F238E27FC236}">
+                  <a16:creationId xmlns:a16="http://schemas.microsoft.com/office/drawing/2014/main" id="{FD31BD3C-77CA-E146-A319-21939F57C4CC}"/>
+                </a:ext>
+              </a:extLst>
+            </p:cNvPr>
+            <p:cNvCxnSpPr>
+              <a:cxnSpLocks/>
+              <a:stCxn id="57" idx="3"/>
+              <a:endCxn id="63" idx="1"/>
+            </p:cNvCxnSpPr>
+            <p:nvPr/>
+          </p:nvCxnSpPr>
+          <p:spPr>
+            <a:xfrm flipV="1">
+              <a:off x="2375509" y="2216522"/>
+              <a:ext cx="208255" cy="763323"/>
+            </a:xfrm>
+            <a:prstGeom prst="straightConnector1">
+              <a:avLst/>
+            </a:prstGeom>
+            <a:ln>
+              <a:prstDash val="lgDashDotDot"/>
+              <a:tailEnd type="triangle"/>
+            </a:ln>
+          </p:spPr>
+          <p:style>
+            <a:lnRef idx="1">
+              <a:schemeClr val="accent1"/>
+            </a:lnRef>
+            <a:fillRef idx="0">
+              <a:schemeClr val="accent1"/>
+            </a:fillRef>
+            <a:effectRef idx="0">
+              <a:schemeClr val="accent1"/>
+            </a:effectRef>
+            <a:fontRef idx="minor">
+              <a:schemeClr val="tx1"/>
+            </a:fontRef>
+          </p:style>
+        </p:cxnSp>
+        <p:cxnSp>
+          <p:nvCxnSpPr>
+            <p:cNvPr id="72" name="直线箭头连接符 71">
+              <a:extLst>
+                <a:ext uri="{FF2B5EF4-FFF2-40B4-BE49-F238E27FC236}">
+                  <a16:creationId xmlns:a16="http://schemas.microsoft.com/office/drawing/2014/main" id="{21E8EA88-3B48-CE49-A695-B04BBB0A63C4}"/>
+                </a:ext>
+              </a:extLst>
+            </p:cNvPr>
+            <p:cNvCxnSpPr>
+              <a:cxnSpLocks/>
+              <a:stCxn id="57" idx="3"/>
+              <a:endCxn id="66" idx="1"/>
+            </p:cNvCxnSpPr>
+            <p:nvPr/>
+          </p:nvCxnSpPr>
+          <p:spPr>
+            <a:xfrm>
+              <a:off x="2375509" y="2979845"/>
+              <a:ext cx="208251" cy="574493"/>
+            </a:xfrm>
+            <a:prstGeom prst="straightConnector1">
+              <a:avLst/>
+            </a:prstGeom>
+            <a:ln>
+              <a:prstDash val="lgDashDotDot"/>
+              <a:tailEnd type="triangle"/>
+            </a:ln>
+          </p:spPr>
+          <p:style>
+            <a:lnRef idx="1">
+              <a:schemeClr val="accent1"/>
+            </a:lnRef>
+            <a:fillRef idx="0">
+              <a:schemeClr val="accent1"/>
+            </a:fillRef>
+            <a:effectRef idx="0">
+              <a:schemeClr val="accent1"/>
+            </a:effectRef>
+            <a:fontRef idx="minor">
+              <a:schemeClr val="tx1"/>
+            </a:fontRef>
+          </p:style>
+        </p:cxnSp>
+        <p:sp>
+          <p:nvSpPr>
+            <p:cNvPr id="74" name="矩形 73">
+              <a:extLst>
+                <a:ext uri="{FF2B5EF4-FFF2-40B4-BE49-F238E27FC236}">
+                  <a16:creationId xmlns:a16="http://schemas.microsoft.com/office/drawing/2014/main" id="{B68DD49C-97AF-3A48-AB29-52CD58B091CB}"/>
+                </a:ext>
+              </a:extLst>
+            </p:cNvPr>
+            <p:cNvSpPr/>
+            <p:nvPr/>
+          </p:nvSpPr>
+          <p:spPr>
+            <a:xfrm>
+              <a:off x="2586360" y="1992790"/>
+              <a:ext cx="440458" cy="445410"/>
+            </a:xfrm>
+            <a:prstGeom prst="rect">
+              <a:avLst/>
+            </a:prstGeom>
+            <a:noFill/>
+            <a:ln>
+              <a:solidFill>
+                <a:schemeClr val="tx1"/>
+              </a:solidFill>
+            </a:ln>
+          </p:spPr>
+          <p:style>
+            <a:lnRef idx="2">
+              <a:schemeClr val="accent1">
+                <a:shade val="50000"/>
+              </a:schemeClr>
+            </a:lnRef>
+            <a:fillRef idx="1">
+              <a:schemeClr val="accent1"/>
+            </a:fillRef>
+            <a:effectRef idx="0">
+              <a:schemeClr val="accent1"/>
+            </a:effectRef>
+            <a:fontRef idx="minor">
+              <a:schemeClr val="lt1"/>
+            </a:fontRef>
+          </p:style>
+          <p:txBody>
+            <a:bodyPr rot="0" spcFirstLastPara="0" vertOverflow="overflow" horzOverflow="overflow" vert="horz" wrap="square" lIns="91440" tIns="45720" rIns="91440" bIns="45720" numCol="1" spcCol="0" rtlCol="0" fromWordArt="0" anchor="ctr" anchorCtr="0" forceAA="0" compatLnSpc="1">
+              <a:prstTxWarp prst="textNoShape">
+                <a:avLst/>
+              </a:prstTxWarp>
+              <a:noAutofit/>
+            </a:bodyPr>
+            <a:lstStyle/>
+            <a:p>
+              <a:pPr algn="ctr"/>
+              <a:r>
+                <a:rPr kumimoji="1" lang="en-US" altLang="zh-CN" sz="800">
+                  <a:solidFill>
+                    <a:schemeClr val="tx1"/>
+                  </a:solidFill>
+                </a:rPr>
+                <a:t>0</a:t>
+              </a:r>
+              <a:endParaRPr kumimoji="1" lang="zh-CN" altLang="en-US" sz="800">
+                <a:solidFill>
+                  <a:schemeClr val="tx1"/>
+                </a:solidFill>
+              </a:endParaRPr>
+            </a:p>
+          </p:txBody>
+        </p:sp>
+        <p:sp>
+          <p:nvSpPr>
+            <p:cNvPr id="75" name="矩形 74">
+              <a:extLst>
+                <a:ext uri="{FF2B5EF4-FFF2-40B4-BE49-F238E27FC236}">
+                  <a16:creationId xmlns:a16="http://schemas.microsoft.com/office/drawing/2014/main" id="{A100326B-B6F0-1A4D-AAFF-99839598ECC6}"/>
+                </a:ext>
+              </a:extLst>
+            </p:cNvPr>
+            <p:cNvSpPr/>
+            <p:nvPr/>
+          </p:nvSpPr>
+          <p:spPr>
+            <a:xfrm>
+              <a:off x="2586360" y="2438464"/>
+              <a:ext cx="440458" cy="445410"/>
+            </a:xfrm>
+            <a:prstGeom prst="rect">
+              <a:avLst/>
+            </a:prstGeom>
+            <a:noFill/>
+            <a:ln>
+              <a:solidFill>
+                <a:schemeClr val="tx1"/>
+              </a:solidFill>
+            </a:ln>
+          </p:spPr>
+          <p:style>
+            <a:lnRef idx="2">
+              <a:schemeClr val="accent1">
+                <a:shade val="50000"/>
+              </a:schemeClr>
+            </a:lnRef>
+            <a:fillRef idx="1">
+              <a:schemeClr val="accent1"/>
+            </a:fillRef>
+            <a:effectRef idx="0">
+              <a:schemeClr val="accent1"/>
+            </a:effectRef>
+            <a:fontRef idx="minor">
+              <a:schemeClr val="lt1"/>
+            </a:fontRef>
+          </p:style>
+          <p:txBody>
+            <a:bodyPr rot="0" spcFirstLastPara="0" vertOverflow="overflow" horzOverflow="overflow" vert="horz" wrap="square" lIns="91440" tIns="45720" rIns="91440" bIns="45720" numCol="1" spcCol="0" rtlCol="0" fromWordArt="0" anchor="ctr" anchorCtr="0" forceAA="0" compatLnSpc="1">
+              <a:prstTxWarp prst="textNoShape">
+                <a:avLst/>
+              </a:prstTxWarp>
+              <a:noAutofit/>
+            </a:bodyPr>
+            <a:lstStyle/>
+            <a:p>
+              <a:pPr algn="ctr"/>
+              <a:r>
+                <a:rPr kumimoji="1" lang="en-US" altLang="zh-CN" sz="800">
+                  <a:solidFill>
+                    <a:schemeClr val="tx1"/>
+                  </a:solidFill>
+                </a:rPr>
+                <a:t>1</a:t>
+              </a:r>
+              <a:endParaRPr kumimoji="1" lang="zh-CN" altLang="en-US" sz="800">
+                <a:solidFill>
+                  <a:schemeClr val="tx1"/>
+                </a:solidFill>
+              </a:endParaRPr>
+            </a:p>
+          </p:txBody>
+        </p:sp>
+        <p:sp>
+          <p:nvSpPr>
+            <p:cNvPr id="76" name="矩形 75">
+              <a:extLst>
+                <a:ext uri="{FF2B5EF4-FFF2-40B4-BE49-F238E27FC236}">
+                  <a16:creationId xmlns:a16="http://schemas.microsoft.com/office/drawing/2014/main" id="{9DA7268C-FF63-0D46-8131-27439DF82AA4}"/>
+                </a:ext>
+              </a:extLst>
+            </p:cNvPr>
+            <p:cNvSpPr/>
+            <p:nvPr/>
+          </p:nvSpPr>
+          <p:spPr>
+            <a:xfrm>
+              <a:off x="2586360" y="2883446"/>
+              <a:ext cx="440458" cy="445410"/>
+            </a:xfrm>
+            <a:prstGeom prst="rect">
+              <a:avLst/>
+            </a:prstGeom>
+            <a:noFill/>
+            <a:ln>
+              <a:solidFill>
+                <a:schemeClr val="tx1"/>
+              </a:solidFill>
+            </a:ln>
+          </p:spPr>
+          <p:style>
+            <a:lnRef idx="2">
+              <a:schemeClr val="accent1">
+                <a:shade val="50000"/>
+              </a:schemeClr>
+            </a:lnRef>
+            <a:fillRef idx="1">
+              <a:schemeClr val="accent1"/>
+            </a:fillRef>
+            <a:effectRef idx="0">
+              <a:schemeClr val="accent1"/>
+            </a:effectRef>
+            <a:fontRef idx="minor">
+              <a:schemeClr val="lt1"/>
+            </a:fontRef>
+          </p:style>
+          <p:txBody>
+            <a:bodyPr rot="0" spcFirstLastPara="0" vertOverflow="overflow" horzOverflow="overflow" vert="horz" wrap="square" lIns="91440" tIns="45720" rIns="91440" bIns="45720" numCol="1" spcCol="0" rtlCol="0" fromWordArt="0" anchor="ctr" anchorCtr="0" forceAA="0" compatLnSpc="1">
+              <a:prstTxWarp prst="textNoShape">
+                <a:avLst/>
+              </a:prstTxWarp>
+              <a:noAutofit/>
+            </a:bodyPr>
+            <a:lstStyle/>
+            <a:p>
+              <a:pPr algn="ctr"/>
+              <a:r>
+                <a:rPr kumimoji="1" lang="en-US" altLang="zh-CN" sz="800">
+                  <a:solidFill>
+                    <a:schemeClr val="tx1"/>
+                  </a:solidFill>
+                </a:rPr>
+                <a:t>2</a:t>
+              </a:r>
+              <a:endParaRPr kumimoji="1" lang="zh-CN" altLang="en-US" sz="800">
+                <a:solidFill>
+                  <a:schemeClr val="tx1"/>
+                </a:solidFill>
+              </a:endParaRPr>
+            </a:p>
+          </p:txBody>
+        </p:sp>
+        <p:sp>
+          <p:nvSpPr>
+            <p:cNvPr id="77" name="矩形 76">
+              <a:extLst>
+                <a:ext uri="{FF2B5EF4-FFF2-40B4-BE49-F238E27FC236}">
+                  <a16:creationId xmlns:a16="http://schemas.microsoft.com/office/drawing/2014/main" id="{67E2B6AF-5363-E84B-B0A8-FB9D7770F331}"/>
+                </a:ext>
+              </a:extLst>
+            </p:cNvPr>
+            <p:cNvSpPr/>
+            <p:nvPr/>
+          </p:nvSpPr>
+          <p:spPr>
+            <a:xfrm>
+              <a:off x="2586360" y="3334837"/>
+              <a:ext cx="440458" cy="445410"/>
+            </a:xfrm>
+            <a:prstGeom prst="rect">
+              <a:avLst/>
+            </a:prstGeom>
+            <a:noFill/>
+            <a:ln>
+              <a:solidFill>
+                <a:schemeClr val="tx1"/>
+              </a:solidFill>
+            </a:ln>
+          </p:spPr>
+          <p:style>
+            <a:lnRef idx="2">
+              <a:schemeClr val="accent1">
+                <a:shade val="50000"/>
+              </a:schemeClr>
+            </a:lnRef>
+            <a:fillRef idx="1">
+              <a:schemeClr val="accent1"/>
+            </a:fillRef>
+            <a:effectRef idx="0">
+              <a:schemeClr val="accent1"/>
+            </a:effectRef>
+            <a:fontRef idx="minor">
+              <a:schemeClr val="lt1"/>
+            </a:fontRef>
+          </p:style>
+          <p:txBody>
+            <a:bodyPr rot="0" spcFirstLastPara="0" vertOverflow="overflow" horzOverflow="overflow" vert="horz" wrap="square" lIns="91440" tIns="45720" rIns="91440" bIns="45720" numCol="1" spcCol="0" rtlCol="0" fromWordArt="0" anchor="ctr" anchorCtr="0" forceAA="0" compatLnSpc="1">
+              <a:prstTxWarp prst="textNoShape">
+                <a:avLst/>
+              </a:prstTxWarp>
+              <a:noAutofit/>
+            </a:bodyPr>
+            <a:lstStyle/>
+            <a:p>
+              <a:pPr algn="ctr"/>
+              <a:r>
+                <a:rPr kumimoji="1" lang="en-US" altLang="zh-CN" sz="800">
+                  <a:solidFill>
+                    <a:schemeClr val="tx1"/>
+                  </a:solidFill>
+                </a:rPr>
+                <a:t>…</a:t>
+              </a:r>
+              <a:endParaRPr kumimoji="1" lang="zh-CN" altLang="en-US" sz="800">
+                <a:solidFill>
+                  <a:schemeClr val="tx1"/>
+                </a:solidFill>
+              </a:endParaRPr>
+            </a:p>
+          </p:txBody>
+        </p:sp>
+      </p:grpSp>
+      <p:cxnSp>
+        <p:nvCxnSpPr>
+          <p:cNvPr id="79" name="直线箭头连接符 78">
+            <a:extLst>
+              <a:ext uri="{FF2B5EF4-FFF2-40B4-BE49-F238E27FC236}">
+                <a16:creationId xmlns:a16="http://schemas.microsoft.com/office/drawing/2014/main" id="{C1716DA1-050D-984B-8D07-58868FE095D0}"/>
+              </a:ext>
+            </a:extLst>
+          </p:cNvPr>
+          <p:cNvCxnSpPr>
+            <a:cxnSpLocks/>
+            <a:stCxn id="53" idx="3"/>
+            <a:endCxn id="70" idx="1"/>
+          </p:cNvCxnSpPr>
+          <p:nvPr/>
+        </p:nvCxnSpPr>
+        <p:spPr>
+          <a:xfrm>
+            <a:off x="2790478" y="3221915"/>
+            <a:ext cx="994628" cy="988523"/>
+          </a:xfrm>
+          <a:prstGeom prst="straightConnector1">
+            <a:avLst/>
+          </a:prstGeom>
+          <a:ln>
+            <a:tailEnd type="triangle"/>
+          </a:ln>
+        </p:spPr>
+        <p:style>
+          <a:lnRef idx="1">
+            <a:schemeClr val="accent1"/>
+          </a:lnRef>
+          <a:fillRef idx="0">
+            <a:schemeClr val="accent1"/>
+          </a:fillRef>
+          <a:effectRef idx="0">
+            <a:schemeClr val="accent1"/>
+          </a:effectRef>
+          <a:fontRef idx="minor">
+            <a:schemeClr val="tx1"/>
+          </a:fontRef>
+        </p:style>
+      </p:cxnSp>
+      <p:cxnSp>
+        <p:nvCxnSpPr>
+          <p:cNvPr id="80" name="直线箭头连接符 79">
+            <a:extLst>
+              <a:ext uri="{FF2B5EF4-FFF2-40B4-BE49-F238E27FC236}">
+                <a16:creationId xmlns:a16="http://schemas.microsoft.com/office/drawing/2014/main" id="{3A02A0A0-E4E2-6E4F-BA1F-3CC9BAD0CD46}"/>
+              </a:ext>
+            </a:extLst>
+          </p:cNvPr>
+          <p:cNvCxnSpPr>
+            <a:cxnSpLocks/>
+            <a:stCxn id="64" idx="3"/>
+            <a:endCxn id="98" idx="2"/>
+          </p:cNvCxnSpPr>
+          <p:nvPr/>
+        </p:nvCxnSpPr>
+        <p:spPr>
+          <a:xfrm flipV="1">
+            <a:off x="5795737" y="4229150"/>
+            <a:ext cx="805562" cy="514530"/>
+          </a:xfrm>
+          <a:prstGeom prst="straightConnector1">
+            <a:avLst/>
+          </a:prstGeom>
+          <a:ln>
+            <a:tailEnd type="none"/>
+          </a:ln>
+        </p:spPr>
+        <p:style>
+          <a:lnRef idx="1">
+            <a:schemeClr val="accent1"/>
+          </a:lnRef>
+          <a:fillRef idx="0">
+            <a:schemeClr val="accent1"/>
+          </a:fillRef>
+          <a:effectRef idx="0">
+            <a:schemeClr val="accent1"/>
+          </a:effectRef>
+          <a:fontRef idx="minor">
+            <a:schemeClr val="tx1"/>
+          </a:fontRef>
+        </p:style>
+      </p:cxnSp>
+      <p:cxnSp>
+        <p:nvCxnSpPr>
+          <p:cNvPr id="81" name="直线箭头连接符 80">
+            <a:extLst>
+              <a:ext uri="{FF2B5EF4-FFF2-40B4-BE49-F238E27FC236}">
+                <a16:creationId xmlns:a16="http://schemas.microsoft.com/office/drawing/2014/main" id="{95A8A84C-E471-E848-B091-AC1EB89BDF6B}"/>
+              </a:ext>
+            </a:extLst>
+          </p:cNvPr>
+          <p:cNvCxnSpPr>
+            <a:cxnSpLocks/>
+            <a:stCxn id="24" idx="3"/>
+            <a:endCxn id="36" idx="1"/>
+          </p:cNvCxnSpPr>
+          <p:nvPr/>
+        </p:nvCxnSpPr>
+        <p:spPr>
+          <a:xfrm>
+            <a:off x="5707364" y="986344"/>
+            <a:ext cx="678649" cy="311471"/>
+          </a:xfrm>
+          <a:prstGeom prst="straightConnector1">
+            <a:avLst/>
+          </a:prstGeom>
+          <a:ln>
+            <a:tailEnd type="none"/>
+          </a:ln>
+        </p:spPr>
+        <p:style>
+          <a:lnRef idx="1">
+            <a:schemeClr val="accent1"/>
+          </a:lnRef>
+          <a:fillRef idx="0">
+            <a:schemeClr val="accent1"/>
+          </a:fillRef>
+          <a:effectRef idx="0">
+            <a:schemeClr val="accent1"/>
+          </a:effectRef>
+          <a:fontRef idx="minor">
+            <a:schemeClr val="tx1"/>
+          </a:fontRef>
+        </p:style>
+      </p:cxnSp>
+      <p:grpSp>
+        <p:nvGrpSpPr>
+          <p:cNvPr id="83" name="组合 82">
+            <a:extLst>
+              <a:ext uri="{FF2B5EF4-FFF2-40B4-BE49-F238E27FC236}">
+                <a16:creationId xmlns:a16="http://schemas.microsoft.com/office/drawing/2014/main" id="{202C8557-627E-2E47-919B-7F0C2D22D846}"/>
+              </a:ext>
+            </a:extLst>
+          </p:cNvPr>
+          <p:cNvGrpSpPr/>
+          <p:nvPr/>
+        </p:nvGrpSpPr>
+        <p:grpSpPr>
+          <a:xfrm>
+            <a:off x="8705088" y="1975862"/>
+            <a:ext cx="695857" cy="328157"/>
+            <a:chOff x="7250588" y="2189135"/>
+            <a:chExt cx="1166647" cy="518532"/>
+          </a:xfrm>
+        </p:grpSpPr>
+        <p:sp>
+          <p:nvSpPr>
+            <p:cNvPr id="85" name="矩形 84">
+              <a:extLst>
+                <a:ext uri="{FF2B5EF4-FFF2-40B4-BE49-F238E27FC236}">
+                  <a16:creationId xmlns:a16="http://schemas.microsoft.com/office/drawing/2014/main" id="{CE133A33-DABB-A345-B7A4-14B28F63E0FE}"/>
+                </a:ext>
+              </a:extLst>
+            </p:cNvPr>
+            <p:cNvSpPr/>
+            <p:nvPr/>
+          </p:nvSpPr>
+          <p:spPr>
+            <a:xfrm>
+              <a:off x="7250588" y="2483032"/>
+              <a:ext cx="1166647" cy="224635"/>
+            </a:xfrm>
+            <a:prstGeom prst="rect">
+              <a:avLst/>
+            </a:prstGeom>
+            <a:noFill/>
+            <a:ln>
+              <a:solidFill>
+                <a:schemeClr val="tx1"/>
+              </a:solidFill>
+            </a:ln>
+          </p:spPr>
+          <p:style>
+            <a:lnRef idx="2">
+              <a:schemeClr val="accent1">
+                <a:shade val="50000"/>
+              </a:schemeClr>
+            </a:lnRef>
+            <a:fillRef idx="1">
+              <a:schemeClr val="accent1"/>
+            </a:fillRef>
+            <a:effectRef idx="0">
+              <a:schemeClr val="accent1"/>
+            </a:effectRef>
+            <a:fontRef idx="minor">
+              <a:schemeClr val="lt1"/>
+            </a:fontRef>
+          </p:style>
+          <p:txBody>
+            <a:bodyPr rtlCol="0" anchor="ctr"/>
+            <a:lstStyle/>
+            <a:p>
+              <a:pPr algn="ctr"/>
+              <a:endParaRPr kumimoji="1" lang="zh-CN" altLang="en-US" sz="1200">
+                <a:solidFill>
+                  <a:schemeClr val="tx1"/>
+                </a:solidFill>
+              </a:endParaRPr>
+            </a:p>
+          </p:txBody>
+        </p:sp>
+        <p:sp>
+          <p:nvSpPr>
+            <p:cNvPr id="87" name="同侧圆角矩形 86">
+              <a:extLst>
+                <a:ext uri="{FF2B5EF4-FFF2-40B4-BE49-F238E27FC236}">
+                  <a16:creationId xmlns:a16="http://schemas.microsoft.com/office/drawing/2014/main" id="{8F64F51A-B507-0346-9CEF-4BB727DED7AF}"/>
+                </a:ext>
+              </a:extLst>
+            </p:cNvPr>
+            <p:cNvSpPr/>
+            <p:nvPr/>
+          </p:nvSpPr>
+          <p:spPr>
+            <a:xfrm>
+              <a:off x="7250588" y="2189135"/>
+              <a:ext cx="1166647" cy="293897"/>
+            </a:xfrm>
+            <a:prstGeom prst="round2SameRect">
+              <a:avLst/>
+            </a:prstGeom>
+            <a:noFill/>
+            <a:ln>
+              <a:solidFill>
+                <a:schemeClr val="tx1"/>
+              </a:solidFill>
+            </a:ln>
+          </p:spPr>
+          <p:style>
+            <a:lnRef idx="2">
+              <a:schemeClr val="accent1">
+                <a:shade val="50000"/>
+              </a:schemeClr>
+            </a:lnRef>
+            <a:fillRef idx="1">
+              <a:schemeClr val="accent1"/>
+            </a:fillRef>
+            <a:effectRef idx="0">
+              <a:schemeClr val="accent1"/>
+            </a:effectRef>
+            <a:fontRef idx="minor">
+              <a:schemeClr val="lt1"/>
+            </a:fontRef>
+          </p:style>
+          <p:txBody>
+            <a:bodyPr rot="0" spcFirstLastPara="0" vertOverflow="overflow" horzOverflow="overflow" vert="horz" wrap="square" lIns="91440" tIns="45720" rIns="91440" bIns="45720" numCol="1" spcCol="0" rtlCol="0" fromWordArt="0" anchor="ctr" anchorCtr="0" forceAA="0" compatLnSpc="1">
+              <a:prstTxWarp prst="textNoShape">
+                <a:avLst/>
+              </a:prstTxWarp>
+              <a:noAutofit/>
+            </a:bodyPr>
+            <a:lstStyle/>
+            <a:p>
+              <a:pPr algn="ctr"/>
+              <a:r>
+                <a:rPr kumimoji="1" lang="en-US" altLang="zh-CN" sz="1200">
+                  <a:solidFill>
+                    <a:schemeClr val="tx1"/>
+                  </a:solidFill>
+                </a:rPr>
+                <a:t>inode</a:t>
+              </a:r>
+              <a:endParaRPr kumimoji="1" lang="zh-CN" altLang="en-US" sz="1200">
+                <a:solidFill>
+                  <a:schemeClr val="tx1"/>
+                </a:solidFill>
+              </a:endParaRPr>
+            </a:p>
+          </p:txBody>
+        </p:sp>
+      </p:grpSp>
+      <p:grpSp>
+        <p:nvGrpSpPr>
+          <p:cNvPr id="93" name="组合 92">
+            <a:extLst>
+              <a:ext uri="{FF2B5EF4-FFF2-40B4-BE49-F238E27FC236}">
+                <a16:creationId xmlns:a16="http://schemas.microsoft.com/office/drawing/2014/main" id="{CDBBEA28-95AA-7A4A-8C1C-E07CEFF500E7}"/>
+              </a:ext>
+            </a:extLst>
+          </p:cNvPr>
+          <p:cNvGrpSpPr/>
+          <p:nvPr/>
+        </p:nvGrpSpPr>
+        <p:grpSpPr>
+          <a:xfrm>
+            <a:off x="6600695" y="4155820"/>
+            <a:ext cx="807160" cy="981135"/>
+            <a:chOff x="6325010" y="153125"/>
+            <a:chExt cx="1660637" cy="1966131"/>
+          </a:xfrm>
+        </p:grpSpPr>
+        <p:sp>
+          <p:nvSpPr>
+            <p:cNvPr id="94" name="矩形 93">
+              <a:extLst>
+                <a:ext uri="{FF2B5EF4-FFF2-40B4-BE49-F238E27FC236}">
+                  <a16:creationId xmlns:a16="http://schemas.microsoft.com/office/drawing/2014/main" id="{0C4EAC25-3708-0D43-A308-727607DC46E1}"/>
+                </a:ext>
+              </a:extLst>
+            </p:cNvPr>
+            <p:cNvSpPr/>
+            <p:nvPr/>
+          </p:nvSpPr>
+          <p:spPr>
+            <a:xfrm>
+              <a:off x="6325016" y="446082"/>
+              <a:ext cx="1660631" cy="1673174"/>
+            </a:xfrm>
+            <a:prstGeom prst="rect">
+              <a:avLst/>
+            </a:prstGeom>
+            <a:solidFill>
+              <a:schemeClr val="bg1"/>
+            </a:solidFill>
+            <a:ln>
+              <a:solidFill>
+                <a:schemeClr val="tx1"/>
+              </a:solidFill>
+            </a:ln>
+          </p:spPr>
+          <p:style>
+            <a:lnRef idx="2">
+              <a:schemeClr val="accent1">
+                <a:shade val="50000"/>
+              </a:schemeClr>
+            </a:lnRef>
+            <a:fillRef idx="1">
+              <a:schemeClr val="accent1"/>
+            </a:fillRef>
+            <a:effectRef idx="0">
+              <a:schemeClr val="accent1"/>
+            </a:effectRef>
+            <a:fontRef idx="minor">
+              <a:schemeClr val="lt1"/>
+            </a:fontRef>
+          </p:style>
+          <p:txBody>
+            <a:bodyPr rtlCol="0" anchor="ctr"/>
+            <a:lstStyle/>
+            <a:p>
+              <a:pPr algn="ctr"/>
+              <a:endParaRPr kumimoji="1" lang="zh-CN" altLang="en-US" sz="800">
+                <a:solidFill>
+                  <a:schemeClr val="tx1"/>
+                </a:solidFill>
+              </a:endParaRPr>
+            </a:p>
+          </p:txBody>
+        </p:sp>
+        <p:sp>
+          <p:nvSpPr>
+            <p:cNvPr id="95" name="矩形 94">
+              <a:extLst>
+                <a:ext uri="{FF2B5EF4-FFF2-40B4-BE49-F238E27FC236}">
+                  <a16:creationId xmlns:a16="http://schemas.microsoft.com/office/drawing/2014/main" id="{63A8323C-BE19-7647-AF4D-6E00F2F08E75}"/>
+                </a:ext>
+              </a:extLst>
+            </p:cNvPr>
+            <p:cNvSpPr/>
+            <p:nvPr/>
+          </p:nvSpPr>
+          <p:spPr>
+            <a:xfrm>
+              <a:off x="6325010" y="1556014"/>
+              <a:ext cx="1660631" cy="436391"/>
+            </a:xfrm>
+            <a:prstGeom prst="rect">
+              <a:avLst/>
+            </a:prstGeom>
+            <a:noFill/>
+            <a:ln>
+              <a:solidFill>
+                <a:schemeClr val="tx1"/>
+              </a:solidFill>
+            </a:ln>
+          </p:spPr>
+          <p:style>
+            <a:lnRef idx="2">
+              <a:schemeClr val="accent1">
+                <a:shade val="50000"/>
+              </a:schemeClr>
+            </a:lnRef>
+            <a:fillRef idx="1">
+              <a:schemeClr val="accent1"/>
+            </a:fillRef>
+            <a:effectRef idx="0">
+              <a:schemeClr val="accent1"/>
+            </a:effectRef>
+            <a:fontRef idx="minor">
+              <a:schemeClr val="lt1"/>
+            </a:fontRef>
+          </p:style>
+          <p:txBody>
+            <a:bodyPr rtlCol="0" anchor="ctr"/>
+            <a:lstStyle/>
+            <a:p>
+              <a:pPr algn="ctr"/>
+              <a:r>
+                <a:rPr lang="en-US" altLang="zh-CN" sz="800" b="1">
+                  <a:solidFill>
+                    <a:schemeClr val="tx1"/>
+                  </a:solidFill>
+                </a:rPr>
+                <a:t>inode</a:t>
+              </a:r>
+              <a:r>
+                <a:rPr lang="zh-CN" altLang="en-US" sz="800">
+                  <a:solidFill>
+                    <a:schemeClr val="tx1"/>
+                  </a:solidFill>
+                </a:rPr>
+                <a:t> *</a:t>
+              </a:r>
+              <a:r>
+                <a:rPr lang="en-US" altLang="zh-CN" sz="800">
+                  <a:solidFill>
+                    <a:schemeClr val="tx1"/>
+                  </a:solidFill>
+                </a:rPr>
+                <a:t>node</a:t>
+              </a:r>
+            </a:p>
+          </p:txBody>
+        </p:sp>
+        <p:sp>
+          <p:nvSpPr>
+            <p:cNvPr id="96" name="矩形 95">
+              <a:extLst>
+                <a:ext uri="{FF2B5EF4-FFF2-40B4-BE49-F238E27FC236}">
+                  <a16:creationId xmlns:a16="http://schemas.microsoft.com/office/drawing/2014/main" id="{CDC6DA50-3BD4-4B4E-A0E3-33F5BCD24B77}"/>
+                </a:ext>
+              </a:extLst>
+            </p:cNvPr>
+            <p:cNvSpPr/>
+            <p:nvPr/>
+          </p:nvSpPr>
+          <p:spPr>
+            <a:xfrm>
+              <a:off x="6325012" y="670531"/>
+              <a:ext cx="1660633" cy="336330"/>
+            </a:xfrm>
+            <a:prstGeom prst="rect">
+              <a:avLst/>
+            </a:prstGeom>
+            <a:noFill/>
+            <a:ln>
+              <a:solidFill>
+                <a:schemeClr val="tx1"/>
+              </a:solidFill>
+            </a:ln>
+          </p:spPr>
+          <p:style>
+            <a:lnRef idx="2">
+              <a:schemeClr val="accent1">
+                <a:shade val="50000"/>
+              </a:schemeClr>
+            </a:lnRef>
+            <a:fillRef idx="1">
+              <a:schemeClr val="accent1"/>
+            </a:fillRef>
+            <a:effectRef idx="0">
+              <a:schemeClr val="accent1"/>
+            </a:effectRef>
+            <a:fontRef idx="minor">
+              <a:schemeClr val="lt1"/>
+            </a:fontRef>
+          </p:style>
+          <p:txBody>
+            <a:bodyPr rtlCol="0" anchor="ctr"/>
+            <a:lstStyle/>
+            <a:p>
+              <a:pPr algn="ctr"/>
+              <a:r>
+                <a:rPr lang="en-US" altLang="zh-CN" sz="800" b="1">
+                  <a:solidFill>
+                    <a:schemeClr val="tx1"/>
+                  </a:solidFill>
+                </a:rPr>
+                <a:t>fd</a:t>
+              </a:r>
+            </a:p>
+          </p:txBody>
+        </p:sp>
+        <p:sp>
+          <p:nvSpPr>
+            <p:cNvPr id="97" name="矩形 96">
+              <a:extLst>
+                <a:ext uri="{FF2B5EF4-FFF2-40B4-BE49-F238E27FC236}">
+                  <a16:creationId xmlns:a16="http://schemas.microsoft.com/office/drawing/2014/main" id="{2E0799D7-25EE-0742-BF11-CEF8BADFD54E}"/>
+                </a:ext>
+              </a:extLst>
+            </p:cNvPr>
+            <p:cNvSpPr/>
+            <p:nvPr/>
+          </p:nvSpPr>
+          <p:spPr>
+            <a:xfrm>
+              <a:off x="6325012" y="1128011"/>
+              <a:ext cx="1660633" cy="336330"/>
+            </a:xfrm>
+            <a:prstGeom prst="rect">
+              <a:avLst/>
+            </a:prstGeom>
+            <a:noFill/>
+            <a:ln>
+              <a:solidFill>
+                <a:schemeClr val="tx1"/>
+              </a:solidFill>
+            </a:ln>
+          </p:spPr>
+          <p:style>
+            <a:lnRef idx="2">
+              <a:schemeClr val="accent1">
+                <a:shade val="50000"/>
+              </a:schemeClr>
+            </a:lnRef>
+            <a:fillRef idx="1">
+              <a:schemeClr val="accent1"/>
+            </a:fillRef>
+            <a:effectRef idx="0">
+              <a:schemeClr val="accent1"/>
+            </a:effectRef>
+            <a:fontRef idx="minor">
+              <a:schemeClr val="lt1"/>
+            </a:fontRef>
+          </p:style>
+          <p:txBody>
+            <a:bodyPr rtlCol="0" anchor="ctr"/>
+            <a:lstStyle/>
+            <a:p>
+              <a:pPr algn="ctr"/>
+              <a:r>
+                <a:rPr lang="en-US" altLang="zh-CN" sz="800">
+                  <a:solidFill>
+                    <a:schemeClr val="tx1"/>
+                  </a:solidFill>
+                </a:rPr>
+                <a:t>r/w</a:t>
+              </a:r>
+            </a:p>
+          </p:txBody>
+        </p:sp>
+        <p:sp>
+          <p:nvSpPr>
+            <p:cNvPr id="98" name="同侧圆角矩形 97">
+              <a:extLst>
+                <a:ext uri="{FF2B5EF4-FFF2-40B4-BE49-F238E27FC236}">
+                  <a16:creationId xmlns:a16="http://schemas.microsoft.com/office/drawing/2014/main" id="{5ED7DB9E-101F-D149-8A59-19A22CD5A36C}"/>
+                </a:ext>
+              </a:extLst>
+            </p:cNvPr>
+            <p:cNvSpPr/>
+            <p:nvPr/>
+          </p:nvSpPr>
+          <p:spPr>
+            <a:xfrm>
+              <a:off x="6326252" y="153125"/>
+              <a:ext cx="1659388" cy="293897"/>
+            </a:xfrm>
+            <a:prstGeom prst="round2SameRect">
+              <a:avLst/>
+            </a:prstGeom>
+            <a:noFill/>
+            <a:ln>
+              <a:solidFill>
+                <a:schemeClr val="tx1"/>
+              </a:solidFill>
+            </a:ln>
+          </p:spPr>
+          <p:style>
+            <a:lnRef idx="2">
+              <a:schemeClr val="accent1">
+                <a:shade val="50000"/>
+              </a:schemeClr>
+            </a:lnRef>
+            <a:fillRef idx="1">
+              <a:schemeClr val="accent1"/>
+            </a:fillRef>
+            <a:effectRef idx="0">
+              <a:schemeClr val="accent1"/>
+            </a:effectRef>
+            <a:fontRef idx="minor">
+              <a:schemeClr val="lt1"/>
+            </a:fontRef>
+          </p:style>
+          <p:txBody>
+            <a:bodyPr rot="0" spcFirstLastPara="0" vertOverflow="overflow" horzOverflow="overflow" vert="horz" wrap="square" lIns="91440" tIns="45720" rIns="91440" bIns="45720" numCol="1" spcCol="0" rtlCol="0" fromWordArt="0" anchor="ctr" anchorCtr="0" forceAA="0" compatLnSpc="1">
+              <a:prstTxWarp prst="textNoShape">
+                <a:avLst/>
+              </a:prstTxWarp>
+              <a:noAutofit/>
+            </a:bodyPr>
+            <a:lstStyle/>
+            <a:p>
+              <a:pPr algn="ctr"/>
+              <a:r>
+                <a:rPr kumimoji="1" lang="en-US" altLang="zh-CN" sz="800">
+                  <a:solidFill>
+                    <a:schemeClr val="tx1"/>
+                  </a:solidFill>
+                </a:rPr>
+                <a:t>file</a:t>
+              </a:r>
+              <a:endParaRPr kumimoji="1" lang="zh-CN" altLang="en-US" sz="800">
+                <a:solidFill>
+                  <a:schemeClr val="tx1"/>
+                </a:solidFill>
+              </a:endParaRPr>
+            </a:p>
+          </p:txBody>
+        </p:sp>
+      </p:grpSp>
+      <p:cxnSp>
+        <p:nvCxnSpPr>
+          <p:cNvPr id="100" name="直线箭头连接符 99">
+            <a:extLst>
+              <a:ext uri="{FF2B5EF4-FFF2-40B4-BE49-F238E27FC236}">
+                <a16:creationId xmlns:a16="http://schemas.microsoft.com/office/drawing/2014/main" id="{C5751F1F-3629-5F48-AA24-5607EFBA1BD3}"/>
+              </a:ext>
+            </a:extLst>
+          </p:cNvPr>
+          <p:cNvCxnSpPr>
+            <a:cxnSpLocks/>
+            <a:stCxn id="64" idx="3"/>
+            <a:endCxn id="95" idx="1"/>
+          </p:cNvCxnSpPr>
+          <p:nvPr/>
+        </p:nvCxnSpPr>
+        <p:spPr>
+          <a:xfrm>
+            <a:off x="5795737" y="4743680"/>
+            <a:ext cx="804958" cy="221091"/>
+          </a:xfrm>
+          <a:prstGeom prst="straightConnector1">
+            <a:avLst/>
+          </a:prstGeom>
+          <a:ln>
+            <a:tailEnd type="none"/>
+          </a:ln>
+        </p:spPr>
+        <p:style>
+          <a:lnRef idx="1">
+            <a:schemeClr val="accent1"/>
+          </a:lnRef>
+          <a:fillRef idx="0">
+            <a:schemeClr val="accent1"/>
+          </a:fillRef>
+          <a:effectRef idx="0">
+            <a:schemeClr val="accent1"/>
+          </a:effectRef>
+          <a:fontRef idx="minor">
+            <a:schemeClr val="tx1"/>
+          </a:fontRef>
+        </p:style>
+      </p:cxnSp>
+      <p:cxnSp>
+        <p:nvCxnSpPr>
+          <p:cNvPr id="103" name="直线箭头连接符 102">
+            <a:extLst>
+              <a:ext uri="{FF2B5EF4-FFF2-40B4-BE49-F238E27FC236}">
+                <a16:creationId xmlns:a16="http://schemas.microsoft.com/office/drawing/2014/main" id="{D9B12EC3-7EC9-3849-BB89-DF373AAC406C}"/>
+              </a:ext>
+            </a:extLst>
+          </p:cNvPr>
+          <p:cNvCxnSpPr>
+            <a:cxnSpLocks/>
+            <a:stCxn id="36" idx="3"/>
+            <a:endCxn id="87" idx="2"/>
+          </p:cNvCxnSpPr>
+          <p:nvPr/>
+        </p:nvCxnSpPr>
+        <p:spPr>
+          <a:xfrm>
+            <a:off x="7193170" y="1297815"/>
+            <a:ext cx="1511918" cy="771045"/>
+          </a:xfrm>
+          <a:prstGeom prst="straightConnector1">
+            <a:avLst/>
+          </a:prstGeom>
+          <a:ln>
+            <a:tailEnd type="triangle"/>
+          </a:ln>
+        </p:spPr>
+        <p:style>
+          <a:lnRef idx="1">
+            <a:schemeClr val="accent1"/>
+          </a:lnRef>
+          <a:fillRef idx="0">
+            <a:schemeClr val="accent1"/>
+          </a:fillRef>
+          <a:effectRef idx="0">
+            <a:schemeClr val="accent1"/>
+          </a:effectRef>
+          <a:fontRef idx="minor">
+            <a:schemeClr val="tx1"/>
+          </a:fontRef>
+        </p:style>
+      </p:cxnSp>
+      <p:cxnSp>
+        <p:nvCxnSpPr>
+          <p:cNvPr id="107" name="直线箭头连接符 106">
+            <a:extLst>
+              <a:ext uri="{FF2B5EF4-FFF2-40B4-BE49-F238E27FC236}">
+                <a16:creationId xmlns:a16="http://schemas.microsoft.com/office/drawing/2014/main" id="{AC1AED25-7B12-6246-8186-B032AB5602AB}"/>
+              </a:ext>
+            </a:extLst>
+          </p:cNvPr>
+          <p:cNvCxnSpPr>
+            <a:cxnSpLocks/>
+            <a:stCxn id="95" idx="3"/>
+            <a:endCxn id="87" idx="2"/>
+          </p:cNvCxnSpPr>
+          <p:nvPr/>
+        </p:nvCxnSpPr>
+        <p:spPr>
+          <a:xfrm flipV="1">
+            <a:off x="7407852" y="2068860"/>
+            <a:ext cx="1297236" cy="2895911"/>
+          </a:xfrm>
+          <a:prstGeom prst="straightConnector1">
+            <a:avLst/>
+          </a:prstGeom>
+          <a:ln>
+            <a:tailEnd type="triangle"/>
+          </a:ln>
+        </p:spPr>
+        <p:style>
+          <a:lnRef idx="1">
+            <a:schemeClr val="accent1"/>
+          </a:lnRef>
+          <a:fillRef idx="0">
+            <a:schemeClr val="accent1"/>
+          </a:fillRef>
+          <a:effectRef idx="0">
+            <a:schemeClr val="accent1"/>
+          </a:effectRef>
+          <a:fontRef idx="minor">
+            <a:schemeClr val="tx1"/>
+          </a:fontRef>
+        </p:style>
+      </p:cxnSp>
       <p:sp>
         <p:nvSpPr>
-          <p:cNvPr id="106" name="矩形 105">
-            <a:extLst>
-              <a:ext uri="{FF2B5EF4-FFF2-40B4-BE49-F238E27FC236}">
-                <a16:creationId xmlns:a16="http://schemas.microsoft.com/office/drawing/2014/main" id="{6205DB5A-51FE-954C-82F8-3CC641FECD64}"/>
+          <p:cNvPr id="109" name="下箭头 108">
+            <a:extLst>
+              <a:ext uri="{FF2B5EF4-FFF2-40B4-BE49-F238E27FC236}">
+                <a16:creationId xmlns:a16="http://schemas.microsoft.com/office/drawing/2014/main" id="{F1E17919-7E4B-4F46-911D-C544316E6CA3}"/>
               </a:ext>
             </a:extLst>
           </p:cNvPr>
@@ -7336,10 +9703,10 @@
         </p:nvSpPr>
         <p:spPr>
           <a:xfrm>
-            <a:off x="5955462" y="1724939"/>
-            <a:ext cx="1660633" cy="336331"/>
+            <a:off x="2020253" y="2180136"/>
+            <a:ext cx="739472" cy="458811"/>
           </a:xfrm>
-          <a:prstGeom prst="rect">
+          <a:prstGeom prst="downArrow">
             <a:avLst/>
           </a:prstGeom>
           <a:noFill/>
@@ -7371,13 +9738,18 @@
           <a:p>
             <a:pPr algn="ctr"/>
             <a:r>
-              <a:rPr lang="en-US" altLang="zh-CN" sz="1400">
+              <a:rPr kumimoji="1" lang="en-US" altLang="zh-CN" sz="800">
                 <a:solidFill>
                   <a:schemeClr val="tx1"/>
                 </a:solidFill>
               </a:rPr>
-              <a:t>r/w</a:t>
+              <a:t>fork</a:t>
             </a:r>
+            <a:endParaRPr kumimoji="1" lang="zh-CN" altLang="en-US" sz="800">
+              <a:solidFill>
+                <a:schemeClr val="tx1"/>
+              </a:solidFill>
+            </a:endParaRPr>
           </a:p>
         </p:txBody>
       </p:sp>
@@ -9374,6 +11746,11 @@
             <a:avLst/>
           </a:prstGeom>
           <a:ln>
+            <a:solidFill>
+              <a:schemeClr val="accent4">
+                <a:lumMod val="75000"/>
+              </a:schemeClr>
+            </a:solidFill>
             <a:tailEnd type="triangle"/>
           </a:ln>
         </p:spPr>
@@ -9394,10 +11771,10 @@
       </p:cxnSp>
       <p:cxnSp>
         <p:nvCxnSpPr>
-          <p:cNvPr id="264" name="曲线连接符 263">
-            <a:extLst>
-              <a:ext uri="{FF2B5EF4-FFF2-40B4-BE49-F238E27FC236}">
-                <a16:creationId xmlns:a16="http://schemas.microsoft.com/office/drawing/2014/main" id="{4863928E-928D-894C-8F9F-52DC227CC62C}"/>
+          <p:cNvPr id="36" name="曲线连接符 35">
+            <a:extLst>
+              <a:ext uri="{FF2B5EF4-FFF2-40B4-BE49-F238E27FC236}">
+                <a16:creationId xmlns:a16="http://schemas.microsoft.com/office/drawing/2014/main" id="{AE4D3AE3-F5FC-9C40-92B3-BAD79802D3EC}"/>
               </a:ext>
             </a:extLst>
           </p:cNvPr>
@@ -9417,6 +11794,11 @@
             <a:avLst/>
           </a:prstGeom>
           <a:ln>
+            <a:solidFill>
+              <a:schemeClr val="accent4">
+                <a:lumMod val="75000"/>
+              </a:schemeClr>
+            </a:solidFill>
             <a:tailEnd type="triangle"/>
           </a:ln>
         </p:spPr>
@@ -9437,10 +11819,10 @@
       </p:cxnSp>
       <p:cxnSp>
         <p:nvCxnSpPr>
-          <p:cNvPr id="267" name="曲线连接符 266">
-            <a:extLst>
-              <a:ext uri="{FF2B5EF4-FFF2-40B4-BE49-F238E27FC236}">
-                <a16:creationId xmlns:a16="http://schemas.microsoft.com/office/drawing/2014/main" id="{8D05B4BB-30E7-754E-B05E-5CB7C8DB94EC}"/>
+          <p:cNvPr id="39" name="曲线连接符 38">
+            <a:extLst>
+              <a:ext uri="{FF2B5EF4-FFF2-40B4-BE49-F238E27FC236}">
+                <a16:creationId xmlns:a16="http://schemas.microsoft.com/office/drawing/2014/main" id="{BC9F300F-1328-5843-B8D9-C6ABFD90AF58}"/>
               </a:ext>
             </a:extLst>
           </p:cNvPr>
@@ -9460,6 +11842,11 @@
             <a:avLst/>
           </a:prstGeom>
           <a:ln>
+            <a:solidFill>
+              <a:schemeClr val="accent4">
+                <a:lumMod val="75000"/>
+              </a:schemeClr>
+            </a:solidFill>
             <a:tailEnd type="triangle"/>
           </a:ln>
         </p:spPr>
@@ -9480,10 +11867,10 @@
       </p:cxnSp>
       <p:cxnSp>
         <p:nvCxnSpPr>
-          <p:cNvPr id="270" name="曲线连接符 269">
-            <a:extLst>
-              <a:ext uri="{FF2B5EF4-FFF2-40B4-BE49-F238E27FC236}">
-                <a16:creationId xmlns:a16="http://schemas.microsoft.com/office/drawing/2014/main" id="{5F125E26-EEA3-894B-8267-27A2EF49C822}"/>
+          <p:cNvPr id="42" name="曲线连接符 41">
+            <a:extLst>
+              <a:ext uri="{FF2B5EF4-FFF2-40B4-BE49-F238E27FC236}">
+                <a16:creationId xmlns:a16="http://schemas.microsoft.com/office/drawing/2014/main" id="{5AE584C5-7934-C44D-A26F-7DEAA5CA782E}"/>
               </a:ext>
             </a:extLst>
           </p:cNvPr>
@@ -9503,6 +11890,11 @@
             <a:avLst/>
           </a:prstGeom>
           <a:ln>
+            <a:solidFill>
+              <a:schemeClr val="accent4">
+                <a:lumMod val="75000"/>
+              </a:schemeClr>
+            </a:solidFill>
             <a:tailEnd type="triangle"/>
           </a:ln>
         </p:spPr>
@@ -10128,6 +12520,911 @@
 </p:sld>
 </file>
 
+<file path=ppt/slides/slide5.xml><?xml version="1.0" encoding="utf-8"?>
+<p:sld xmlns:a="http://schemas.openxmlformats.org/drawingml/2006/main" xmlns:r="http://schemas.openxmlformats.org/officeDocument/2006/relationships" xmlns:p="http://schemas.openxmlformats.org/presentationml/2006/main">
+  <p:cSld>
+    <p:spTree>
+      <p:nvGrpSpPr>
+        <p:cNvPr id="1" name=""/>
+        <p:cNvGrpSpPr/>
+        <p:nvPr/>
+      </p:nvGrpSpPr>
+      <p:grpSpPr>
+        <a:xfrm>
+          <a:off x="0" y="0"/>
+          <a:ext cx="0" cy="0"/>
+          <a:chOff x="0" y="0"/>
+          <a:chExt cx="0" cy="0"/>
+        </a:xfrm>
+      </p:grpSpPr>
+      <p:sp>
+        <p:nvSpPr>
+          <p:cNvPr id="33" name="文本框 32">
+            <a:extLst>
+              <a:ext uri="{FF2B5EF4-FFF2-40B4-BE49-F238E27FC236}">
+                <a16:creationId xmlns:a16="http://schemas.microsoft.com/office/drawing/2014/main" id="{A6857824-17A1-CB4D-AE48-796C8F1C4E47}"/>
+              </a:ext>
+            </a:extLst>
+          </p:cNvPr>
+          <p:cNvSpPr txBox="1"/>
+          <p:nvPr/>
+        </p:nvSpPr>
+        <p:spPr>
+          <a:xfrm>
+            <a:off x="477117" y="285867"/>
+            <a:ext cx="1621223" cy="230832"/>
+          </a:xfrm>
+          <a:prstGeom prst="rect">
+            <a:avLst/>
+          </a:prstGeom>
+          <a:noFill/>
+        </p:spPr>
+        <p:txBody>
+          <a:bodyPr wrap="square" rtlCol="0">
+            <a:spAutoFit/>
+          </a:bodyPr>
+          <a:lstStyle/>
+          <a:p>
+            <a:r>
+              <a:rPr kumimoji="1" lang="zh-CN" altLang="en-US" sz="900">
+                <a:latin typeface="+mn-ea"/>
+              </a:rPr>
+              <a:t>进程状态转换</a:t>
+            </a:r>
+            <a:endParaRPr kumimoji="1" lang="en-US" altLang="zh-CN" sz="900">
+              <a:latin typeface="+mn-ea"/>
+            </a:endParaRPr>
+          </a:p>
+        </p:txBody>
+      </p:sp>
+      <p:sp>
+        <p:nvSpPr>
+          <p:cNvPr id="2" name="椭圆 1">
+            <a:extLst>
+              <a:ext uri="{FF2B5EF4-FFF2-40B4-BE49-F238E27FC236}">
+                <a16:creationId xmlns:a16="http://schemas.microsoft.com/office/drawing/2014/main" id="{D6D855B8-9380-254C-993F-0316EF8A88DF}"/>
+              </a:ext>
+            </a:extLst>
+          </p:cNvPr>
+          <p:cNvSpPr/>
+          <p:nvPr/>
+        </p:nvSpPr>
+        <p:spPr>
+          <a:xfrm>
+            <a:off x="1145628" y="2695903"/>
+            <a:ext cx="1024277" cy="289035"/>
+          </a:xfrm>
+          <a:prstGeom prst="ellipse">
+            <a:avLst/>
+          </a:prstGeom>
+          <a:noFill/>
+          <a:ln>
+            <a:solidFill>
+              <a:schemeClr val="tx1"/>
+            </a:solidFill>
+          </a:ln>
+        </p:spPr>
+        <p:style>
+          <a:lnRef idx="2">
+            <a:schemeClr val="accent1">
+              <a:shade val="50000"/>
+            </a:schemeClr>
+          </a:lnRef>
+          <a:fillRef idx="1">
+            <a:schemeClr val="accent1"/>
+          </a:fillRef>
+          <a:effectRef idx="0">
+            <a:schemeClr val="accent1"/>
+          </a:effectRef>
+          <a:fontRef idx="minor">
+            <a:schemeClr val="lt1"/>
+          </a:fontRef>
+        </p:style>
+        <p:txBody>
+          <a:bodyPr rtlCol="0" anchor="ctr"/>
+          <a:lstStyle/>
+          <a:p>
+            <a:pPr algn="ctr"/>
+            <a:r>
+              <a:rPr kumimoji="1" lang="en-US" altLang="zh-CN" sz="900">
+                <a:solidFill>
+                  <a:schemeClr val="tx1"/>
+                </a:solidFill>
+              </a:rPr>
+              <a:t>UNINT</a:t>
+            </a:r>
+            <a:endParaRPr kumimoji="1" lang="zh-CN" altLang="en-US" sz="900">
+              <a:solidFill>
+                <a:schemeClr val="tx1"/>
+              </a:solidFill>
+            </a:endParaRPr>
+          </a:p>
+        </p:txBody>
+      </p:sp>
+      <p:sp>
+        <p:nvSpPr>
+          <p:cNvPr id="6" name="椭圆 5">
+            <a:extLst>
+              <a:ext uri="{FF2B5EF4-FFF2-40B4-BE49-F238E27FC236}">
+                <a16:creationId xmlns:a16="http://schemas.microsoft.com/office/drawing/2014/main" id="{1BC10EC5-7536-2143-AC9F-EE844F123B1A}"/>
+              </a:ext>
+            </a:extLst>
+          </p:cNvPr>
+          <p:cNvSpPr/>
+          <p:nvPr/>
+        </p:nvSpPr>
+        <p:spPr>
+          <a:xfrm>
+            <a:off x="5941563" y="2670886"/>
+            <a:ext cx="1024277" cy="289035"/>
+          </a:xfrm>
+          <a:prstGeom prst="ellipse">
+            <a:avLst/>
+          </a:prstGeom>
+          <a:noFill/>
+          <a:ln>
+            <a:solidFill>
+              <a:schemeClr val="tx1"/>
+            </a:solidFill>
+          </a:ln>
+        </p:spPr>
+        <p:style>
+          <a:lnRef idx="2">
+            <a:schemeClr val="accent1">
+              <a:shade val="50000"/>
+            </a:schemeClr>
+          </a:lnRef>
+          <a:fillRef idx="1">
+            <a:schemeClr val="accent1"/>
+          </a:fillRef>
+          <a:effectRef idx="0">
+            <a:schemeClr val="accent1"/>
+          </a:effectRef>
+          <a:fontRef idx="minor">
+            <a:schemeClr val="lt1"/>
+          </a:fontRef>
+        </p:style>
+        <p:txBody>
+          <a:bodyPr rtlCol="0" anchor="ctr"/>
+          <a:lstStyle/>
+          <a:p>
+            <a:pPr algn="ctr"/>
+            <a:r>
+              <a:rPr kumimoji="1" lang="en-US" altLang="zh-CN" sz="900">
+                <a:solidFill>
+                  <a:schemeClr val="tx1"/>
+                </a:solidFill>
+              </a:rPr>
+              <a:t>SLEEPING</a:t>
+            </a:r>
+            <a:endParaRPr kumimoji="1" lang="zh-CN" altLang="en-US" sz="900">
+              <a:solidFill>
+                <a:schemeClr val="tx1"/>
+              </a:solidFill>
+            </a:endParaRPr>
+          </a:p>
+        </p:txBody>
+      </p:sp>
+      <p:sp>
+        <p:nvSpPr>
+          <p:cNvPr id="7" name="椭圆 6">
+            <a:extLst>
+              <a:ext uri="{FF2B5EF4-FFF2-40B4-BE49-F238E27FC236}">
+                <a16:creationId xmlns:a16="http://schemas.microsoft.com/office/drawing/2014/main" id="{D0268752-431B-2645-9BF2-3571D3936925}"/>
+              </a:ext>
+            </a:extLst>
+          </p:cNvPr>
+          <p:cNvSpPr/>
+          <p:nvPr/>
+        </p:nvSpPr>
+        <p:spPr>
+          <a:xfrm>
+            <a:off x="3395989" y="1386554"/>
+            <a:ext cx="1024277" cy="289035"/>
+          </a:xfrm>
+          <a:prstGeom prst="ellipse">
+            <a:avLst/>
+          </a:prstGeom>
+          <a:noFill/>
+          <a:ln>
+            <a:solidFill>
+              <a:schemeClr val="tx1"/>
+            </a:solidFill>
+          </a:ln>
+        </p:spPr>
+        <p:style>
+          <a:lnRef idx="2">
+            <a:schemeClr val="accent1">
+              <a:shade val="50000"/>
+            </a:schemeClr>
+          </a:lnRef>
+          <a:fillRef idx="1">
+            <a:schemeClr val="accent1"/>
+          </a:fillRef>
+          <a:effectRef idx="0">
+            <a:schemeClr val="accent1"/>
+          </a:effectRef>
+          <a:fontRef idx="minor">
+            <a:schemeClr val="lt1"/>
+          </a:fontRef>
+        </p:style>
+        <p:txBody>
+          <a:bodyPr rtlCol="0" anchor="ctr"/>
+          <a:lstStyle/>
+          <a:p>
+            <a:pPr algn="ctr"/>
+            <a:r>
+              <a:rPr kumimoji="1" lang="en-US" altLang="zh-CN" sz="900">
+                <a:solidFill>
+                  <a:schemeClr val="tx1"/>
+                </a:solidFill>
+              </a:rPr>
+              <a:t>RUNNING</a:t>
+            </a:r>
+            <a:endParaRPr kumimoji="1" lang="zh-CN" altLang="en-US" sz="900">
+              <a:solidFill>
+                <a:schemeClr val="tx1"/>
+              </a:solidFill>
+            </a:endParaRPr>
+          </a:p>
+        </p:txBody>
+      </p:sp>
+      <p:sp>
+        <p:nvSpPr>
+          <p:cNvPr id="8" name="椭圆 7">
+            <a:extLst>
+              <a:ext uri="{FF2B5EF4-FFF2-40B4-BE49-F238E27FC236}">
+                <a16:creationId xmlns:a16="http://schemas.microsoft.com/office/drawing/2014/main" id="{BF7F1873-409B-BA4F-B166-0212F621EB99}"/>
+              </a:ext>
+            </a:extLst>
+          </p:cNvPr>
+          <p:cNvSpPr/>
+          <p:nvPr/>
+        </p:nvSpPr>
+        <p:spPr>
+          <a:xfrm>
+            <a:off x="3454075" y="2645870"/>
+            <a:ext cx="1110701" cy="289035"/>
+          </a:xfrm>
+          <a:prstGeom prst="ellipse">
+            <a:avLst/>
+          </a:prstGeom>
+          <a:noFill/>
+          <a:ln>
+            <a:solidFill>
+              <a:schemeClr val="tx1"/>
+            </a:solidFill>
+          </a:ln>
+        </p:spPr>
+        <p:style>
+          <a:lnRef idx="2">
+            <a:schemeClr val="accent1">
+              <a:shade val="50000"/>
+            </a:schemeClr>
+          </a:lnRef>
+          <a:fillRef idx="1">
+            <a:schemeClr val="accent1"/>
+          </a:fillRef>
+          <a:effectRef idx="0">
+            <a:schemeClr val="accent1"/>
+          </a:effectRef>
+          <a:fontRef idx="minor">
+            <a:schemeClr val="lt1"/>
+          </a:fontRef>
+        </p:style>
+        <p:txBody>
+          <a:bodyPr rtlCol="0" anchor="ctr"/>
+          <a:lstStyle/>
+          <a:p>
+            <a:pPr algn="ctr"/>
+            <a:r>
+              <a:rPr kumimoji="1" lang="en-US" altLang="zh-CN" sz="900">
+                <a:solidFill>
+                  <a:schemeClr val="tx1"/>
+                </a:solidFill>
+              </a:rPr>
+              <a:t>RUNNABLE</a:t>
+            </a:r>
+            <a:endParaRPr kumimoji="1" lang="zh-CN" altLang="en-US" sz="900">
+              <a:solidFill>
+                <a:schemeClr val="tx1"/>
+              </a:solidFill>
+            </a:endParaRPr>
+          </a:p>
+        </p:txBody>
+      </p:sp>
+      <p:sp>
+        <p:nvSpPr>
+          <p:cNvPr id="9" name="椭圆 8">
+            <a:extLst>
+              <a:ext uri="{FF2B5EF4-FFF2-40B4-BE49-F238E27FC236}">
+                <a16:creationId xmlns:a16="http://schemas.microsoft.com/office/drawing/2014/main" id="{459823A4-50CF-BC4A-B22F-81C89112A8C7}"/>
+              </a:ext>
+            </a:extLst>
+          </p:cNvPr>
+          <p:cNvSpPr/>
+          <p:nvPr/>
+        </p:nvSpPr>
+        <p:spPr>
+          <a:xfrm>
+            <a:off x="3469553" y="4295995"/>
+            <a:ext cx="1024277" cy="289035"/>
+          </a:xfrm>
+          <a:prstGeom prst="ellipse">
+            <a:avLst/>
+          </a:prstGeom>
+          <a:noFill/>
+          <a:ln>
+            <a:solidFill>
+              <a:schemeClr val="tx1"/>
+            </a:solidFill>
+          </a:ln>
+        </p:spPr>
+        <p:style>
+          <a:lnRef idx="2">
+            <a:schemeClr val="accent1">
+              <a:shade val="50000"/>
+            </a:schemeClr>
+          </a:lnRef>
+          <a:fillRef idx="1">
+            <a:schemeClr val="accent1"/>
+          </a:fillRef>
+          <a:effectRef idx="0">
+            <a:schemeClr val="accent1"/>
+          </a:effectRef>
+          <a:fontRef idx="minor">
+            <a:schemeClr val="lt1"/>
+          </a:fontRef>
+        </p:style>
+        <p:txBody>
+          <a:bodyPr rtlCol="0" anchor="ctr"/>
+          <a:lstStyle/>
+          <a:p>
+            <a:pPr algn="ctr"/>
+            <a:r>
+              <a:rPr kumimoji="1" lang="en-US" altLang="zh-CN" sz="900">
+                <a:solidFill>
+                  <a:schemeClr val="tx1"/>
+                </a:solidFill>
+              </a:rPr>
+              <a:t>SOMBIE</a:t>
+            </a:r>
+            <a:endParaRPr kumimoji="1" lang="zh-CN" altLang="en-US" sz="900">
+              <a:solidFill>
+                <a:schemeClr val="tx1"/>
+              </a:solidFill>
+            </a:endParaRPr>
+          </a:p>
+        </p:txBody>
+      </p:sp>
+      <p:cxnSp>
+        <p:nvCxnSpPr>
+          <p:cNvPr id="12" name="曲线连接符 11">
+            <a:extLst>
+              <a:ext uri="{FF2B5EF4-FFF2-40B4-BE49-F238E27FC236}">
+                <a16:creationId xmlns:a16="http://schemas.microsoft.com/office/drawing/2014/main" id="{591C432C-6653-D64B-B9F3-D2938E91000C}"/>
+              </a:ext>
+            </a:extLst>
+          </p:cNvPr>
+          <p:cNvCxnSpPr>
+            <a:cxnSpLocks/>
+            <a:endCxn id="2" idx="0"/>
+          </p:cNvCxnSpPr>
+          <p:nvPr/>
+        </p:nvCxnSpPr>
+        <p:spPr>
+          <a:xfrm rot="16200000" flipH="1">
+            <a:off x="632825" y="1670961"/>
+            <a:ext cx="1510988" cy="538896"/>
+          </a:xfrm>
+          <a:prstGeom prst="curvedConnector3">
+            <a:avLst>
+              <a:gd name="adj1" fmla="val 50000"/>
+            </a:avLst>
+          </a:prstGeom>
+          <a:ln>
+            <a:tailEnd type="triangle"/>
+          </a:ln>
+        </p:spPr>
+        <p:style>
+          <a:lnRef idx="1">
+            <a:schemeClr val="accent1"/>
+          </a:lnRef>
+          <a:fillRef idx="0">
+            <a:schemeClr val="accent1"/>
+          </a:fillRef>
+          <a:effectRef idx="0">
+            <a:schemeClr val="accent1"/>
+          </a:effectRef>
+          <a:fontRef idx="minor">
+            <a:schemeClr val="tx1"/>
+          </a:fontRef>
+        </p:style>
+      </p:cxnSp>
+      <p:sp>
+        <p:nvSpPr>
+          <p:cNvPr id="15" name="文本框 14">
+            <a:extLst>
+              <a:ext uri="{FF2B5EF4-FFF2-40B4-BE49-F238E27FC236}">
+                <a16:creationId xmlns:a16="http://schemas.microsoft.com/office/drawing/2014/main" id="{21B3FCD2-D64D-544D-97B6-54F19D51A406}"/>
+              </a:ext>
+            </a:extLst>
+          </p:cNvPr>
+          <p:cNvSpPr txBox="1"/>
+          <p:nvPr/>
+        </p:nvSpPr>
+        <p:spPr>
+          <a:xfrm>
+            <a:off x="1320768" y="1633260"/>
+            <a:ext cx="857832" cy="230832"/>
+          </a:xfrm>
+          <a:prstGeom prst="rect">
+            <a:avLst/>
+          </a:prstGeom>
+          <a:noFill/>
+        </p:spPr>
+        <p:txBody>
+          <a:bodyPr wrap="square" rtlCol="0">
+            <a:spAutoFit/>
+          </a:bodyPr>
+          <a:lstStyle/>
+          <a:p>
+            <a:r>
+              <a:rPr kumimoji="1" lang="en-US" altLang="zh-CN" sz="900"/>
+              <a:t>alloc_proc</a:t>
+            </a:r>
+            <a:endParaRPr kumimoji="1" lang="zh-CN" altLang="en-US" sz="900"/>
+          </a:p>
+        </p:txBody>
+      </p:sp>
+      <p:cxnSp>
+        <p:nvCxnSpPr>
+          <p:cNvPr id="19" name="曲线连接符 18">
+            <a:extLst>
+              <a:ext uri="{FF2B5EF4-FFF2-40B4-BE49-F238E27FC236}">
+                <a16:creationId xmlns:a16="http://schemas.microsoft.com/office/drawing/2014/main" id="{BF806255-30EB-6240-958F-40A29C1CD2DF}"/>
+              </a:ext>
+            </a:extLst>
+          </p:cNvPr>
+          <p:cNvCxnSpPr>
+            <a:cxnSpLocks/>
+            <a:stCxn id="2" idx="6"/>
+            <a:endCxn id="8" idx="2"/>
+          </p:cNvCxnSpPr>
+          <p:nvPr/>
+        </p:nvCxnSpPr>
+        <p:spPr>
+          <a:xfrm flipV="1">
+            <a:off x="2169905" y="2790388"/>
+            <a:ext cx="1284170" cy="50033"/>
+          </a:xfrm>
+          <a:prstGeom prst="curvedConnector3">
+            <a:avLst/>
+          </a:prstGeom>
+          <a:ln>
+            <a:tailEnd type="triangle"/>
+          </a:ln>
+        </p:spPr>
+        <p:style>
+          <a:lnRef idx="1">
+            <a:schemeClr val="accent1"/>
+          </a:lnRef>
+          <a:fillRef idx="0">
+            <a:schemeClr val="accent1"/>
+          </a:fillRef>
+          <a:effectRef idx="0">
+            <a:schemeClr val="accent1"/>
+          </a:effectRef>
+          <a:fontRef idx="minor">
+            <a:schemeClr val="tx1"/>
+          </a:fontRef>
+        </p:style>
+      </p:cxnSp>
+      <p:cxnSp>
+        <p:nvCxnSpPr>
+          <p:cNvPr id="22" name="曲线连接符 21">
+            <a:extLst>
+              <a:ext uri="{FF2B5EF4-FFF2-40B4-BE49-F238E27FC236}">
+                <a16:creationId xmlns:a16="http://schemas.microsoft.com/office/drawing/2014/main" id="{E0B78510-24C4-E045-8802-8B7587E724C8}"/>
+              </a:ext>
+            </a:extLst>
+          </p:cNvPr>
+          <p:cNvCxnSpPr>
+            <a:cxnSpLocks/>
+            <a:stCxn id="8" idx="7"/>
+            <a:endCxn id="6" idx="1"/>
+          </p:cNvCxnSpPr>
+          <p:nvPr/>
+        </p:nvCxnSpPr>
+        <p:spPr>
+          <a:xfrm rot="16200000" flipH="1">
+            <a:off x="5234333" y="1855983"/>
+            <a:ext cx="25016" cy="1689447"/>
+          </a:xfrm>
+          <a:prstGeom prst="curvedConnector3">
+            <a:avLst>
+              <a:gd name="adj1" fmla="val -1083019"/>
+            </a:avLst>
+          </a:prstGeom>
+          <a:ln>
+            <a:tailEnd type="triangle"/>
+          </a:ln>
+        </p:spPr>
+        <p:style>
+          <a:lnRef idx="1">
+            <a:schemeClr val="accent1"/>
+          </a:lnRef>
+          <a:fillRef idx="0">
+            <a:schemeClr val="accent1"/>
+          </a:fillRef>
+          <a:effectRef idx="0">
+            <a:schemeClr val="accent1"/>
+          </a:effectRef>
+          <a:fontRef idx="minor">
+            <a:schemeClr val="tx1"/>
+          </a:fontRef>
+        </p:style>
+      </p:cxnSp>
+      <p:cxnSp>
+        <p:nvCxnSpPr>
+          <p:cNvPr id="25" name="曲线连接符 24">
+            <a:extLst>
+              <a:ext uri="{FF2B5EF4-FFF2-40B4-BE49-F238E27FC236}">
+                <a16:creationId xmlns:a16="http://schemas.microsoft.com/office/drawing/2014/main" id="{58F4C90B-03A7-AC4D-A601-F26E8F597A37}"/>
+              </a:ext>
+            </a:extLst>
+          </p:cNvPr>
+          <p:cNvCxnSpPr>
+            <a:cxnSpLocks/>
+            <a:stCxn id="8" idx="4"/>
+            <a:endCxn id="9" idx="0"/>
+          </p:cNvCxnSpPr>
+          <p:nvPr/>
+        </p:nvCxnSpPr>
+        <p:spPr>
+          <a:xfrm rot="5400000">
+            <a:off x="3315014" y="3601583"/>
+            <a:ext cx="1361090" cy="27734"/>
+          </a:xfrm>
+          <a:prstGeom prst="curvedConnector3">
+            <a:avLst>
+              <a:gd name="adj1" fmla="val 50000"/>
+            </a:avLst>
+          </a:prstGeom>
+          <a:ln>
+            <a:tailEnd type="triangle"/>
+          </a:ln>
+        </p:spPr>
+        <p:style>
+          <a:lnRef idx="1">
+            <a:schemeClr val="accent1"/>
+          </a:lnRef>
+          <a:fillRef idx="0">
+            <a:schemeClr val="accent1"/>
+          </a:fillRef>
+          <a:effectRef idx="0">
+            <a:schemeClr val="accent1"/>
+          </a:effectRef>
+          <a:fontRef idx="minor">
+            <a:schemeClr val="tx1"/>
+          </a:fontRef>
+        </p:style>
+      </p:cxnSp>
+      <p:cxnSp>
+        <p:nvCxnSpPr>
+          <p:cNvPr id="29" name="曲线连接符 28">
+            <a:extLst>
+              <a:ext uri="{FF2B5EF4-FFF2-40B4-BE49-F238E27FC236}">
+                <a16:creationId xmlns:a16="http://schemas.microsoft.com/office/drawing/2014/main" id="{48F894A0-4CB8-9B45-B5C3-C3879250E8BA}"/>
+              </a:ext>
+            </a:extLst>
+          </p:cNvPr>
+          <p:cNvCxnSpPr>
+            <a:cxnSpLocks/>
+            <a:stCxn id="6" idx="3"/>
+            <a:endCxn id="8" idx="5"/>
+          </p:cNvCxnSpPr>
+          <p:nvPr/>
+        </p:nvCxnSpPr>
+        <p:spPr>
+          <a:xfrm rot="5400000" flipH="1">
+            <a:off x="5234334" y="2060362"/>
+            <a:ext cx="25016" cy="1689447"/>
+          </a:xfrm>
+          <a:prstGeom prst="curvedConnector3">
+            <a:avLst>
+              <a:gd name="adj1" fmla="val -1083019"/>
+            </a:avLst>
+          </a:prstGeom>
+          <a:ln>
+            <a:tailEnd type="triangle"/>
+          </a:ln>
+        </p:spPr>
+        <p:style>
+          <a:lnRef idx="1">
+            <a:schemeClr val="accent1"/>
+          </a:lnRef>
+          <a:fillRef idx="0">
+            <a:schemeClr val="accent1"/>
+          </a:fillRef>
+          <a:effectRef idx="0">
+            <a:schemeClr val="accent1"/>
+          </a:effectRef>
+          <a:fontRef idx="minor">
+            <a:schemeClr val="tx1"/>
+          </a:fontRef>
+        </p:style>
+      </p:cxnSp>
+      <p:cxnSp>
+        <p:nvCxnSpPr>
+          <p:cNvPr id="40" name="曲线连接符 39">
+            <a:extLst>
+              <a:ext uri="{FF2B5EF4-FFF2-40B4-BE49-F238E27FC236}">
+                <a16:creationId xmlns:a16="http://schemas.microsoft.com/office/drawing/2014/main" id="{6A2C9A7E-10ED-0243-BD95-CA78A9FDF01C}"/>
+              </a:ext>
+            </a:extLst>
+          </p:cNvPr>
+          <p:cNvCxnSpPr>
+            <a:cxnSpLocks/>
+            <a:stCxn id="8" idx="7"/>
+            <a:endCxn id="7" idx="5"/>
+          </p:cNvCxnSpPr>
+          <p:nvPr/>
+        </p:nvCxnSpPr>
+        <p:spPr>
+          <a:xfrm rot="16200000" flipV="1">
+            <a:off x="3808723" y="2094803"/>
+            <a:ext cx="1054937" cy="131854"/>
+          </a:xfrm>
+          <a:prstGeom prst="curvedConnector3">
+            <a:avLst>
+              <a:gd name="adj1" fmla="val 50000"/>
+            </a:avLst>
+          </a:prstGeom>
+          <a:ln>
+            <a:tailEnd type="triangle"/>
+          </a:ln>
+        </p:spPr>
+        <p:style>
+          <a:lnRef idx="1">
+            <a:schemeClr val="accent1"/>
+          </a:lnRef>
+          <a:fillRef idx="0">
+            <a:schemeClr val="accent1"/>
+          </a:fillRef>
+          <a:effectRef idx="0">
+            <a:schemeClr val="accent1"/>
+          </a:effectRef>
+          <a:fontRef idx="minor">
+            <a:schemeClr val="tx1"/>
+          </a:fontRef>
+        </p:style>
+      </p:cxnSp>
+      <p:cxnSp>
+        <p:nvCxnSpPr>
+          <p:cNvPr id="43" name="曲线连接符 42">
+            <a:extLst>
+              <a:ext uri="{FF2B5EF4-FFF2-40B4-BE49-F238E27FC236}">
+                <a16:creationId xmlns:a16="http://schemas.microsoft.com/office/drawing/2014/main" id="{344C6F1A-987A-0A41-B5A2-6E69106869BB}"/>
+              </a:ext>
+            </a:extLst>
+          </p:cNvPr>
+          <p:cNvCxnSpPr>
+            <a:cxnSpLocks/>
+            <a:stCxn id="7" idx="3"/>
+            <a:endCxn id="8" idx="1"/>
+          </p:cNvCxnSpPr>
+          <p:nvPr/>
+        </p:nvCxnSpPr>
+        <p:spPr>
+          <a:xfrm rot="16200000" flipH="1">
+            <a:off x="3053894" y="2125358"/>
+            <a:ext cx="1054937" cy="70742"/>
+          </a:xfrm>
+          <a:prstGeom prst="curvedConnector3">
+            <a:avLst>
+              <a:gd name="adj1" fmla="val 50000"/>
+            </a:avLst>
+          </a:prstGeom>
+          <a:ln>
+            <a:tailEnd type="triangle"/>
+          </a:ln>
+        </p:spPr>
+        <p:style>
+          <a:lnRef idx="1">
+            <a:schemeClr val="accent1"/>
+          </a:lnRef>
+          <a:fillRef idx="0">
+            <a:schemeClr val="accent1"/>
+          </a:fillRef>
+          <a:effectRef idx="0">
+            <a:schemeClr val="accent1"/>
+          </a:effectRef>
+          <a:fontRef idx="minor">
+            <a:schemeClr val="tx1"/>
+          </a:fontRef>
+        </p:style>
+      </p:cxnSp>
+      <p:sp>
+        <p:nvSpPr>
+          <p:cNvPr id="53" name="文本框 52">
+            <a:extLst>
+              <a:ext uri="{FF2B5EF4-FFF2-40B4-BE49-F238E27FC236}">
+                <a16:creationId xmlns:a16="http://schemas.microsoft.com/office/drawing/2014/main" id="{3A690641-7C55-4146-901D-0DFB35E5D5C0}"/>
+              </a:ext>
+            </a:extLst>
+          </p:cNvPr>
+          <p:cNvSpPr txBox="1"/>
+          <p:nvPr/>
+        </p:nvSpPr>
+        <p:spPr>
+          <a:xfrm>
+            <a:off x="2372781" y="2394507"/>
+            <a:ext cx="1618755" cy="369332"/>
+          </a:xfrm>
+          <a:prstGeom prst="rect">
+            <a:avLst/>
+          </a:prstGeom>
+          <a:noFill/>
+        </p:spPr>
+        <p:txBody>
+          <a:bodyPr wrap="square" rtlCol="0">
+            <a:spAutoFit/>
+          </a:bodyPr>
+          <a:lstStyle/>
+          <a:p>
+            <a:r>
+              <a:rPr lang="en-US" altLang="zh-CN" sz="900"/>
+              <a:t>proc_init/</a:t>
+            </a:r>
+          </a:p>
+          <a:p>
+            <a:r>
+              <a:rPr lang="en-US" altLang="zh-CN" sz="900"/>
+              <a:t>wakeup_proc</a:t>
+            </a:r>
+          </a:p>
+        </p:txBody>
+      </p:sp>
+      <p:sp>
+        <p:nvSpPr>
+          <p:cNvPr id="55" name="文本框 54">
+            <a:extLst>
+              <a:ext uri="{FF2B5EF4-FFF2-40B4-BE49-F238E27FC236}">
+                <a16:creationId xmlns:a16="http://schemas.microsoft.com/office/drawing/2014/main" id="{1EF1980F-C154-544F-B139-B03F7D7AEC08}"/>
+              </a:ext>
+            </a:extLst>
+          </p:cNvPr>
+          <p:cNvSpPr txBox="1"/>
+          <p:nvPr/>
+        </p:nvSpPr>
+        <p:spPr>
+          <a:xfrm>
+            <a:off x="4886928" y="1886676"/>
+            <a:ext cx="1110701" cy="507831"/>
+          </a:xfrm>
+          <a:prstGeom prst="rect">
+            <a:avLst/>
+          </a:prstGeom>
+          <a:noFill/>
+        </p:spPr>
+        <p:txBody>
+          <a:bodyPr wrap="square" rtlCol="0">
+            <a:spAutoFit/>
+          </a:bodyPr>
+          <a:lstStyle/>
+          <a:p>
+            <a:r>
+              <a:rPr lang="en-US" altLang="zh-CN" sz="900"/>
+              <a:t>try_free_pages/</a:t>
+            </a:r>
+          </a:p>
+          <a:p>
+            <a:r>
+              <a:rPr lang="en-US" altLang="zh-CN" sz="900"/>
+              <a:t>do_wait/</a:t>
+            </a:r>
+          </a:p>
+          <a:p>
+            <a:r>
+              <a:rPr lang="en-US" altLang="zh-CN" sz="900"/>
+              <a:t>do_sleep</a:t>
+            </a:r>
+          </a:p>
+        </p:txBody>
+      </p:sp>
+      <p:sp>
+        <p:nvSpPr>
+          <p:cNvPr id="56" name="文本框 55">
+            <a:extLst>
+              <a:ext uri="{FF2B5EF4-FFF2-40B4-BE49-F238E27FC236}">
+                <a16:creationId xmlns:a16="http://schemas.microsoft.com/office/drawing/2014/main" id="{F0D208D4-48EC-C74A-AF58-1430C539FBE1}"/>
+              </a:ext>
+            </a:extLst>
+          </p:cNvPr>
+          <p:cNvSpPr txBox="1"/>
+          <p:nvPr/>
+        </p:nvSpPr>
+        <p:spPr>
+          <a:xfrm>
+            <a:off x="2841046" y="3817297"/>
+            <a:ext cx="1168382" cy="246221"/>
+          </a:xfrm>
+          <a:prstGeom prst="rect">
+            <a:avLst/>
+          </a:prstGeom>
+          <a:noFill/>
+        </p:spPr>
+        <p:txBody>
+          <a:bodyPr wrap="square" rtlCol="0">
+            <a:spAutoFit/>
+          </a:bodyPr>
+          <a:lstStyle/>
+          <a:p>
+            <a:r>
+              <a:rPr lang="en-US" altLang="zh-CN" sz="1000">
+                <a:solidFill>
+                  <a:srgbClr val="FF0000"/>
+                </a:solidFill>
+              </a:rPr>
+              <a:t>SYS_exit-&gt;</a:t>
+            </a:r>
+            <a:r>
+              <a:rPr kumimoji="1" lang="en-US" altLang="zh-CN" sz="1000"/>
+              <a:t>do_exit</a:t>
+            </a:r>
+            <a:endParaRPr kumimoji="1" lang="zh-CN" altLang="en-US" sz="1000"/>
+          </a:p>
+        </p:txBody>
+      </p:sp>
+      <p:sp>
+        <p:nvSpPr>
+          <p:cNvPr id="57" name="文本框 56">
+            <a:extLst>
+              <a:ext uri="{FF2B5EF4-FFF2-40B4-BE49-F238E27FC236}">
+                <a16:creationId xmlns:a16="http://schemas.microsoft.com/office/drawing/2014/main" id="{E0CBB38E-30C2-9945-BB0E-052312684ED4}"/>
+              </a:ext>
+            </a:extLst>
+          </p:cNvPr>
+          <p:cNvSpPr txBox="1"/>
+          <p:nvPr/>
+        </p:nvSpPr>
+        <p:spPr>
+          <a:xfrm>
+            <a:off x="4886928" y="3313584"/>
+            <a:ext cx="928251" cy="230832"/>
+          </a:xfrm>
+          <a:prstGeom prst="rect">
+            <a:avLst/>
+          </a:prstGeom>
+          <a:noFill/>
+        </p:spPr>
+        <p:txBody>
+          <a:bodyPr wrap="square" rtlCol="0">
+            <a:spAutoFit/>
+          </a:bodyPr>
+          <a:lstStyle/>
+          <a:p>
+            <a:r>
+              <a:rPr lang="en-US" altLang="zh-CN" sz="900"/>
+              <a:t>wakeup_proc</a:t>
+            </a:r>
+          </a:p>
+        </p:txBody>
+      </p:sp>
+    </p:spTree>
+    <p:extLst>
+      <p:ext uri="{BB962C8B-B14F-4D97-AF65-F5344CB8AC3E}">
+        <p14:creationId xmlns:p14="http://schemas.microsoft.com/office/powerpoint/2010/main" val="1939329371"/>
+      </p:ext>
+    </p:extLst>
+  </p:cSld>
+  <p:clrMapOvr>
+    <a:masterClrMapping/>
+  </p:clrMapOvr>
+</p:sld>
+</file>
+
 <file path=ppt/theme/theme1.xml><?xml version="1.0" encoding="utf-8"?>
 <a:theme xmlns:a="http://schemas.openxmlformats.org/drawingml/2006/main" name="Office 主题​​">
   <a:themeElements>

--- a/进程.pptx
+++ b/进程.pptx
@@ -274,7 +274,7 @@
           <a:p>
             <a:fld id="{3D71AFD6-832F-764F-A8C5-443411455556}" type="datetimeFigureOut">
               <a:rPr kumimoji="1" lang="zh-CN" altLang="en-US" smtClean="0"/>
-              <a:t>2019/9/22</a:t>
+              <a:t>2019/9/25</a:t>
             </a:fld>
             <a:endParaRPr kumimoji="1" lang="zh-CN" altLang="en-US"/>
           </a:p>
@@ -472,7 +472,7 @@
           <a:p>
             <a:fld id="{3D71AFD6-832F-764F-A8C5-443411455556}" type="datetimeFigureOut">
               <a:rPr kumimoji="1" lang="zh-CN" altLang="en-US" smtClean="0"/>
-              <a:t>2019/9/22</a:t>
+              <a:t>2019/9/25</a:t>
             </a:fld>
             <a:endParaRPr kumimoji="1" lang="zh-CN" altLang="en-US"/>
           </a:p>
@@ -680,7 +680,7 @@
           <a:p>
             <a:fld id="{3D71AFD6-832F-764F-A8C5-443411455556}" type="datetimeFigureOut">
               <a:rPr kumimoji="1" lang="zh-CN" altLang="en-US" smtClean="0"/>
-              <a:t>2019/9/22</a:t>
+              <a:t>2019/9/25</a:t>
             </a:fld>
             <a:endParaRPr kumimoji="1" lang="zh-CN" altLang="en-US"/>
           </a:p>
@@ -878,7 +878,7 @@
           <a:p>
             <a:fld id="{3D71AFD6-832F-764F-A8C5-443411455556}" type="datetimeFigureOut">
               <a:rPr kumimoji="1" lang="zh-CN" altLang="en-US" smtClean="0"/>
-              <a:t>2019/9/22</a:t>
+              <a:t>2019/9/25</a:t>
             </a:fld>
             <a:endParaRPr kumimoji="1" lang="zh-CN" altLang="en-US"/>
           </a:p>
@@ -1153,7 +1153,7 @@
           <a:p>
             <a:fld id="{3D71AFD6-832F-764F-A8C5-443411455556}" type="datetimeFigureOut">
               <a:rPr kumimoji="1" lang="zh-CN" altLang="en-US" smtClean="0"/>
-              <a:t>2019/9/22</a:t>
+              <a:t>2019/9/25</a:t>
             </a:fld>
             <a:endParaRPr kumimoji="1" lang="zh-CN" altLang="en-US"/>
           </a:p>
@@ -1418,7 +1418,7 @@
           <a:p>
             <a:fld id="{3D71AFD6-832F-764F-A8C5-443411455556}" type="datetimeFigureOut">
               <a:rPr kumimoji="1" lang="zh-CN" altLang="en-US" smtClean="0"/>
-              <a:t>2019/9/22</a:t>
+              <a:t>2019/9/25</a:t>
             </a:fld>
             <a:endParaRPr kumimoji="1" lang="zh-CN" altLang="en-US"/>
           </a:p>
@@ -1830,7 +1830,7 @@
           <a:p>
             <a:fld id="{3D71AFD6-832F-764F-A8C5-443411455556}" type="datetimeFigureOut">
               <a:rPr kumimoji="1" lang="zh-CN" altLang="en-US" smtClean="0"/>
-              <a:t>2019/9/22</a:t>
+              <a:t>2019/9/25</a:t>
             </a:fld>
             <a:endParaRPr kumimoji="1" lang="zh-CN" altLang="en-US"/>
           </a:p>
@@ -1971,7 +1971,7 @@
           <a:p>
             <a:fld id="{3D71AFD6-832F-764F-A8C5-443411455556}" type="datetimeFigureOut">
               <a:rPr kumimoji="1" lang="zh-CN" altLang="en-US" smtClean="0"/>
-              <a:t>2019/9/22</a:t>
+              <a:t>2019/9/25</a:t>
             </a:fld>
             <a:endParaRPr kumimoji="1" lang="zh-CN" altLang="en-US"/>
           </a:p>
@@ -2084,7 +2084,7 @@
           <a:p>
             <a:fld id="{3D71AFD6-832F-764F-A8C5-443411455556}" type="datetimeFigureOut">
               <a:rPr kumimoji="1" lang="zh-CN" altLang="en-US" smtClean="0"/>
-              <a:t>2019/9/22</a:t>
+              <a:t>2019/9/25</a:t>
             </a:fld>
             <a:endParaRPr kumimoji="1" lang="zh-CN" altLang="en-US"/>
           </a:p>
@@ -2395,7 +2395,7 @@
           <a:p>
             <a:fld id="{3D71AFD6-832F-764F-A8C5-443411455556}" type="datetimeFigureOut">
               <a:rPr kumimoji="1" lang="zh-CN" altLang="en-US" smtClean="0"/>
-              <a:t>2019/9/22</a:t>
+              <a:t>2019/9/25</a:t>
             </a:fld>
             <a:endParaRPr kumimoji="1" lang="zh-CN" altLang="en-US"/>
           </a:p>
@@ -2683,7 +2683,7 @@
           <a:p>
             <a:fld id="{3D71AFD6-832F-764F-A8C5-443411455556}" type="datetimeFigureOut">
               <a:rPr kumimoji="1" lang="zh-CN" altLang="en-US" smtClean="0"/>
-              <a:t>2019/9/22</a:t>
+              <a:t>2019/9/25</a:t>
             </a:fld>
             <a:endParaRPr kumimoji="1" lang="zh-CN" altLang="en-US"/>
           </a:p>
@@ -2924,7 +2924,7 @@
           <a:p>
             <a:fld id="{3D71AFD6-832F-764F-A8C5-443411455556}" type="datetimeFigureOut">
               <a:rPr kumimoji="1" lang="zh-CN" altLang="en-US" smtClean="0"/>
-              <a:t>2019/9/22</a:t>
+              <a:t>2019/9/25</a:t>
             </a:fld>
             <a:endParaRPr kumimoji="1" lang="zh-CN" altLang="en-US"/>
           </a:p>
@@ -10715,7 +10715,7 @@
         <p:spPr>
           <a:xfrm>
             <a:off x="1076645" y="801274"/>
-            <a:ext cx="6066330" cy="609923"/>
+            <a:ext cx="6135141" cy="390814"/>
           </a:xfrm>
           <a:prstGeom prst="curvedConnector2">
             <a:avLst/>
@@ -11106,7 +11106,7 @@
         </p:nvSpPr>
         <p:spPr>
           <a:xfrm>
-            <a:off x="250277" y="5921821"/>
+            <a:off x="339774" y="5036833"/>
             <a:ext cx="1379912" cy="292731"/>
           </a:xfrm>
           <a:prstGeom prst="ellipse">
@@ -11170,8 +11170,8 @@
         </p:nvSpPr>
         <p:spPr>
           <a:xfrm>
-            <a:off x="10671006" y="5577117"/>
-            <a:ext cx="1379912" cy="292731"/>
+            <a:off x="10594428" y="5329565"/>
+            <a:ext cx="1456490" cy="540284"/>
           </a:xfrm>
           <a:prstGeom prst="ellipse">
             <a:avLst/>
@@ -11216,20 +11216,28 @@
           <a:p>
             <a:pPr algn="ctr"/>
             <a:r>
-              <a:rPr kumimoji="1" lang="en-US" altLang="zh-CN" sz="900">
+              <a:rPr kumimoji="1" lang="zh-CN" altLang="en-US" sz="900">
                 <a:solidFill>
                   <a:schemeClr val="tx1"/>
                 </a:solidFill>
               </a:rPr>
-              <a:t>runnable </a:t>
+              <a:t>或优先队列</a:t>
             </a:r>
+            <a:endParaRPr kumimoji="1" lang="en-US" altLang="zh-CN" sz="900">
+              <a:solidFill>
+                <a:schemeClr val="tx1"/>
+              </a:solidFill>
+            </a:endParaRPr>
+          </a:p>
+          <a:p>
+            <a:pPr algn="ctr"/>
             <a:r>
               <a:rPr kumimoji="1" lang="zh-CN" altLang="en-US" sz="900">
                 <a:solidFill>
                   <a:schemeClr val="tx1"/>
                 </a:solidFill>
               </a:rPr>
-              <a:t>队列</a:t>
+              <a:t>就绪队列</a:t>
             </a:r>
           </a:p>
         </p:txBody>
@@ -11316,8 +11324,8 @@
         </p:nvCxnSpPr>
         <p:spPr>
           <a:xfrm rot="16200000" flipV="1">
-            <a:off x="11286160" y="5944651"/>
-            <a:ext cx="396677" cy="247072"/>
+            <a:off x="11267016" y="5925506"/>
+            <a:ext cx="396676" cy="285361"/>
           </a:xfrm>
           <a:prstGeom prst="curvedConnector3">
             <a:avLst>
@@ -11484,7 +11492,7 @@
         </p:nvSpPr>
         <p:spPr>
           <a:xfrm rot="19800000">
-            <a:off x="5531264" y="1989726"/>
+            <a:off x="5486631" y="1829207"/>
             <a:ext cx="1045851" cy="214194"/>
           </a:xfrm>
           <a:prstGeom prst="rightArrow">
@@ -11548,7 +11556,7 @@
         </p:nvSpPr>
         <p:spPr>
           <a:xfrm>
-            <a:off x="6620049" y="1411197"/>
+            <a:off x="6688860" y="1192088"/>
             <a:ext cx="1045852" cy="629079"/>
           </a:xfrm>
           <a:prstGeom prst="rect">
@@ -11633,8 +11641,8 @@
         </p:nvCxnSpPr>
         <p:spPr>
           <a:xfrm rot="10800000" flipV="1">
-            <a:off x="7142976" y="632791"/>
-            <a:ext cx="3107775" cy="778406"/>
+            <a:off x="7211786" y="632790"/>
+            <a:ext cx="3038964" cy="559297"/>
           </a:xfrm>
           <a:prstGeom prst="curvedConnector2">
             <a:avLst/>
@@ -11732,6 +11740,7 @@
             </a:extLst>
           </p:cNvPr>
           <p:cNvCxnSpPr>
+            <a:cxnSpLocks/>
             <a:stCxn id="114" idx="2"/>
             <a:endCxn id="148" idx="2"/>
           </p:cNvCxnSpPr>
@@ -11740,7 +11749,7 @@
         <p:spPr>
           <a:xfrm rot="10800000">
             <a:off x="9025034" y="3408519"/>
-            <a:ext cx="1645972" cy="2314965"/>
+            <a:ext cx="1569394" cy="2191189"/>
           </a:xfrm>
           <a:prstGeom prst="curvedConnector2">
             <a:avLst/>
@@ -11788,7 +11797,7 @@
         <p:spPr>
           <a:xfrm rot="10800000">
             <a:off x="7142976" y="4165159"/>
-            <a:ext cx="3528031" cy="1558325"/>
+            <a:ext cx="3451453" cy="1434549"/>
           </a:xfrm>
           <a:prstGeom prst="curvedConnector2">
             <a:avLst/>
@@ -11836,7 +11845,7 @@
         <p:spPr>
           <a:xfrm rot="10800000">
             <a:off x="5034198" y="3268233"/>
-            <a:ext cx="5636808" cy="2455251"/>
+            <a:ext cx="5560230" cy="2331475"/>
           </a:xfrm>
           <a:prstGeom prst="curvedConnector2">
             <a:avLst/>
@@ -11884,7 +11893,7 @@
         <p:spPr>
           <a:xfrm rot="10800000">
             <a:off x="3127150" y="3268233"/>
-            <a:ext cx="7543857" cy="2455251"/>
+            <a:ext cx="7467279" cy="2331475"/>
           </a:xfrm>
           <a:prstGeom prst="curvedConnector2">
             <a:avLst/>
@@ -12825,6 +12834,17 @@
               </a:rPr>
               <a:t>RUNNABLE</a:t>
             </a:r>
+          </a:p>
+          <a:p>
+            <a:pPr algn="ctr"/>
+            <a:r>
+              <a:rPr kumimoji="1" lang="en-US" altLang="zh-CN" sz="900">
+                <a:solidFill>
+                  <a:schemeClr val="tx1"/>
+                </a:solidFill>
+              </a:rPr>
+              <a:t>RUNNING</a:t>
+            </a:r>
             <a:endParaRPr kumimoji="1" lang="zh-CN" altLang="en-US" sz="900">
               <a:solidFill>
                 <a:schemeClr val="tx1"/>
@@ -12887,7 +12907,7 @@
                   <a:schemeClr val="tx1"/>
                 </a:solidFill>
               </a:rPr>
-              <a:t>SOMBIE</a:t>
+              <a:t>ZOMBIE</a:t>
             </a:r>
             <a:endParaRPr kumimoji="1" lang="zh-CN" altLang="en-US" sz="900">
               <a:solidFill>
@@ -13391,7 +13411,7 @@
         </p:nvSpPr>
         <p:spPr>
           <a:xfrm>
-            <a:off x="4886928" y="3313584"/>
+            <a:off x="4892963" y="3198168"/>
             <a:ext cx="928251" cy="230832"/>
           </a:xfrm>
           <a:prstGeom prst="rect">

--- a/进程.pptx
+++ b/进程.pptx
@@ -8,8 +8,9 @@
     <p:sldId id="256" r:id="rId2"/>
     <p:sldId id="258" r:id="rId3"/>
     <p:sldId id="265" r:id="rId4"/>
-    <p:sldId id="266" r:id="rId5"/>
-    <p:sldId id="267" r:id="rId6"/>
+    <p:sldId id="268" r:id="rId5"/>
+    <p:sldId id="266" r:id="rId6"/>
+    <p:sldId id="267" r:id="rId7"/>
   </p:sldIdLst>
   <p:sldSz cx="12192000" cy="6858000"/>
   <p:notesSz cx="6858000" cy="9144000"/>
@@ -274,7 +275,7 @@
           <a:p>
             <a:fld id="{3D71AFD6-832F-764F-A8C5-443411455556}" type="datetimeFigureOut">
               <a:rPr kumimoji="1" lang="zh-CN" altLang="en-US" smtClean="0"/>
-              <a:t>2019/9/25</a:t>
+              <a:t>2019/9/30</a:t>
             </a:fld>
             <a:endParaRPr kumimoji="1" lang="zh-CN" altLang="en-US"/>
           </a:p>
@@ -472,7 +473,7 @@
           <a:p>
             <a:fld id="{3D71AFD6-832F-764F-A8C5-443411455556}" type="datetimeFigureOut">
               <a:rPr kumimoji="1" lang="zh-CN" altLang="en-US" smtClean="0"/>
-              <a:t>2019/9/25</a:t>
+              <a:t>2019/9/30</a:t>
             </a:fld>
             <a:endParaRPr kumimoji="1" lang="zh-CN" altLang="en-US"/>
           </a:p>
@@ -680,7 +681,7 @@
           <a:p>
             <a:fld id="{3D71AFD6-832F-764F-A8C5-443411455556}" type="datetimeFigureOut">
               <a:rPr kumimoji="1" lang="zh-CN" altLang="en-US" smtClean="0"/>
-              <a:t>2019/9/25</a:t>
+              <a:t>2019/9/30</a:t>
             </a:fld>
             <a:endParaRPr kumimoji="1" lang="zh-CN" altLang="en-US"/>
           </a:p>
@@ -878,7 +879,7 @@
           <a:p>
             <a:fld id="{3D71AFD6-832F-764F-A8C5-443411455556}" type="datetimeFigureOut">
               <a:rPr kumimoji="1" lang="zh-CN" altLang="en-US" smtClean="0"/>
-              <a:t>2019/9/25</a:t>
+              <a:t>2019/9/30</a:t>
             </a:fld>
             <a:endParaRPr kumimoji="1" lang="zh-CN" altLang="en-US"/>
           </a:p>
@@ -1153,7 +1154,7 @@
           <a:p>
             <a:fld id="{3D71AFD6-832F-764F-A8C5-443411455556}" type="datetimeFigureOut">
               <a:rPr kumimoji="1" lang="zh-CN" altLang="en-US" smtClean="0"/>
-              <a:t>2019/9/25</a:t>
+              <a:t>2019/9/30</a:t>
             </a:fld>
             <a:endParaRPr kumimoji="1" lang="zh-CN" altLang="en-US"/>
           </a:p>
@@ -1418,7 +1419,7 @@
           <a:p>
             <a:fld id="{3D71AFD6-832F-764F-A8C5-443411455556}" type="datetimeFigureOut">
               <a:rPr kumimoji="1" lang="zh-CN" altLang="en-US" smtClean="0"/>
-              <a:t>2019/9/25</a:t>
+              <a:t>2019/9/30</a:t>
             </a:fld>
             <a:endParaRPr kumimoji="1" lang="zh-CN" altLang="en-US"/>
           </a:p>
@@ -1830,7 +1831,7 @@
           <a:p>
             <a:fld id="{3D71AFD6-832F-764F-A8C5-443411455556}" type="datetimeFigureOut">
               <a:rPr kumimoji="1" lang="zh-CN" altLang="en-US" smtClean="0"/>
-              <a:t>2019/9/25</a:t>
+              <a:t>2019/9/30</a:t>
             </a:fld>
             <a:endParaRPr kumimoji="1" lang="zh-CN" altLang="en-US"/>
           </a:p>
@@ -1971,7 +1972,7 @@
           <a:p>
             <a:fld id="{3D71AFD6-832F-764F-A8C5-443411455556}" type="datetimeFigureOut">
               <a:rPr kumimoji="1" lang="zh-CN" altLang="en-US" smtClean="0"/>
-              <a:t>2019/9/25</a:t>
+              <a:t>2019/9/30</a:t>
             </a:fld>
             <a:endParaRPr kumimoji="1" lang="zh-CN" altLang="en-US"/>
           </a:p>
@@ -2084,7 +2085,7 @@
           <a:p>
             <a:fld id="{3D71AFD6-832F-764F-A8C5-443411455556}" type="datetimeFigureOut">
               <a:rPr kumimoji="1" lang="zh-CN" altLang="en-US" smtClean="0"/>
-              <a:t>2019/9/25</a:t>
+              <a:t>2019/9/30</a:t>
             </a:fld>
             <a:endParaRPr kumimoji="1" lang="zh-CN" altLang="en-US"/>
           </a:p>
@@ -2395,7 +2396,7 @@
           <a:p>
             <a:fld id="{3D71AFD6-832F-764F-A8C5-443411455556}" type="datetimeFigureOut">
               <a:rPr kumimoji="1" lang="zh-CN" altLang="en-US" smtClean="0"/>
-              <a:t>2019/9/25</a:t>
+              <a:t>2019/9/30</a:t>
             </a:fld>
             <a:endParaRPr kumimoji="1" lang="zh-CN" altLang="en-US"/>
           </a:p>
@@ -2683,7 +2684,7 @@
           <a:p>
             <a:fld id="{3D71AFD6-832F-764F-A8C5-443411455556}" type="datetimeFigureOut">
               <a:rPr kumimoji="1" lang="zh-CN" altLang="en-US" smtClean="0"/>
-              <a:t>2019/9/25</a:t>
+              <a:t>2019/9/30</a:t>
             </a:fld>
             <a:endParaRPr kumimoji="1" lang="zh-CN" altLang="en-US"/>
           </a:p>
@@ -2924,7 +2925,7 @@
           <a:p>
             <a:fld id="{3D71AFD6-832F-764F-A8C5-443411455556}" type="datetimeFigureOut">
               <a:rPr kumimoji="1" lang="zh-CN" altLang="en-US" smtClean="0"/>
-              <a:t>2019/9/25</a:t>
+              <a:t>2019/9/30</a:t>
             </a:fld>
             <a:endParaRPr kumimoji="1" lang="zh-CN" altLang="en-US"/>
           </a:p>
@@ -9813,7 +9814,7 @@
           <a:p>
             <a:r>
               <a:rPr kumimoji="1" lang="zh-CN" altLang="en-US" sz="900"/>
-              <a:t>内核进程数据结构</a:t>
+              <a:t>进程数据结构</a:t>
             </a:r>
             <a:endParaRPr kumimoji="1" lang="en-US" altLang="zh-CN" sz="900"/>
           </a:p>
@@ -10044,14 +10045,14 @@
           <a:p>
             <a:pPr algn="ctr"/>
             <a:r>
-              <a:rPr kumimoji="1" lang="en-US" altLang="zh-CN" sz="900">
+              <a:rPr kumimoji="1" lang="en-US" altLang="zh-CN" sz="900" b="1">
                 <a:solidFill>
                   <a:schemeClr val="tx1"/>
                 </a:solidFill>
               </a:rPr>
               <a:t>idleproc</a:t>
             </a:r>
-            <a:endParaRPr kumimoji="1" lang="zh-CN" altLang="en-US" sz="900">
+            <a:endParaRPr kumimoji="1" lang="zh-CN" altLang="en-US" sz="900" b="1">
               <a:solidFill>
                 <a:schemeClr val="tx1"/>
               </a:solidFill>
@@ -10188,14 +10189,14 @@
           <a:p>
             <a:pPr algn="ctr"/>
             <a:r>
-              <a:rPr kumimoji="1" lang="en-US" altLang="zh-CN" sz="900">
+              <a:rPr kumimoji="1" lang="en-US" altLang="zh-CN" sz="900" b="1">
                 <a:solidFill>
                   <a:schemeClr val="tx1"/>
                 </a:solidFill>
               </a:rPr>
               <a:t>initproc</a:t>
             </a:r>
-            <a:endParaRPr kumimoji="1" lang="zh-CN" altLang="en-US" sz="900">
+            <a:endParaRPr kumimoji="1" lang="zh-CN" altLang="en-US" sz="900" b="1">
               <a:solidFill>
                 <a:schemeClr val="tx1"/>
               </a:solidFill>
@@ -10338,7 +10339,7 @@
           <a:p>
             <a:pPr algn="ctr"/>
             <a:r>
-              <a:rPr kumimoji="1" lang="en-US" altLang="zh-CN" sz="900">
+              <a:rPr kumimoji="1" lang="en-US" altLang="zh-CN" sz="900" b="1">
                 <a:solidFill>
                   <a:schemeClr val="tx1"/>
                 </a:solidFill>
@@ -10349,7 +10350,7 @@
           <a:p>
             <a:pPr algn="ctr"/>
             <a:r>
-              <a:rPr kumimoji="1" lang="en-US" altLang="zh-CN" sz="900">
+              <a:rPr kumimoji="1" lang="en-US" altLang="zh-CN" sz="900" b="1">
                 <a:solidFill>
                   <a:schemeClr val="tx1"/>
                 </a:solidFill>
@@ -10360,7 +10361,7 @@
           <a:p>
             <a:pPr algn="ctr"/>
             <a:r>
-              <a:rPr kumimoji="1" lang="zh-CN" altLang="en-US" sz="900">
+              <a:rPr kumimoji="1" lang="zh-CN" altLang="en-US" sz="900" b="1">
                 <a:solidFill>
                   <a:schemeClr val="tx1"/>
                 </a:solidFill>
@@ -10368,7 +10369,7 @@
               <a:t>每次</a:t>
             </a:r>
             <a:r>
-              <a:rPr kumimoji="1" lang="en-US" altLang="zh-CN" sz="900">
+              <a:rPr kumimoji="1" lang="en-US" altLang="zh-CN" sz="900" b="1">
                 <a:solidFill>
                   <a:schemeClr val="tx1"/>
                 </a:solidFill>
@@ -10376,14 +10377,14 @@
               <a:t> fork </a:t>
             </a:r>
             <a:r>
-              <a:rPr kumimoji="1" lang="zh-CN" altLang="en-US" sz="900">
+              <a:rPr kumimoji="1" lang="zh-CN" altLang="en-US" sz="900" b="1">
                 <a:solidFill>
                   <a:schemeClr val="tx1"/>
                 </a:solidFill>
               </a:rPr>
               <a:t>都维护进来，</a:t>
             </a:r>
-            <a:endParaRPr kumimoji="1" lang="en-US" altLang="zh-CN" sz="900">
+            <a:endParaRPr kumimoji="1" lang="en-US" altLang="zh-CN" sz="900" b="1">
               <a:solidFill>
                 <a:schemeClr val="tx1"/>
               </a:solidFill>
@@ -10392,7 +10393,7 @@
           <a:p>
             <a:pPr algn="ctr"/>
             <a:r>
-              <a:rPr kumimoji="1" lang="zh-CN" altLang="en-US" sz="900">
+              <a:rPr kumimoji="1" lang="zh-CN" altLang="en-US" sz="900" b="1">
                 <a:solidFill>
                   <a:schemeClr val="tx1"/>
                 </a:solidFill>
@@ -10681,14 +10682,14 @@
           <a:p>
             <a:pPr algn="ctr"/>
             <a:r>
-              <a:rPr kumimoji="1" lang="en-US" altLang="zh-CN" sz="900">
+              <a:rPr kumimoji="1" lang="en-US" altLang="zh-CN" sz="900" b="1">
                 <a:solidFill>
                   <a:schemeClr val="tx1"/>
                 </a:solidFill>
               </a:rPr>
               <a:t>current</a:t>
             </a:r>
-            <a:endParaRPr kumimoji="1" lang="zh-CN" altLang="en-US" sz="900">
+            <a:endParaRPr kumimoji="1" lang="zh-CN" altLang="en-US" sz="900" b="1">
               <a:solidFill>
                 <a:schemeClr val="tx1"/>
               </a:solidFill>
@@ -10740,170 +10741,6 @@
           </a:fontRef>
         </p:style>
       </p:cxnSp>
-      <p:sp>
-        <p:nvSpPr>
-          <p:cNvPr id="49" name="折角形 48">
-            <a:extLst>
-              <a:ext uri="{FF2B5EF4-FFF2-40B4-BE49-F238E27FC236}">
-                <a16:creationId xmlns:a16="http://schemas.microsoft.com/office/drawing/2014/main" id="{80F80097-9629-CE4E-9414-6B4044D6573A}"/>
-              </a:ext>
-            </a:extLst>
-          </p:cNvPr>
-          <p:cNvSpPr/>
-          <p:nvPr/>
-        </p:nvSpPr>
-        <p:spPr>
-          <a:xfrm>
-            <a:off x="250277" y="3691767"/>
-            <a:ext cx="2083948" cy="742273"/>
-          </a:xfrm>
-          <a:prstGeom prst="foldedCorner">
-            <a:avLst>
-              <a:gd name="adj" fmla="val 13781"/>
-            </a:avLst>
-          </a:prstGeom>
-          <a:noFill/>
-          <a:ln>
-            <a:solidFill>
-              <a:schemeClr val="tx1"/>
-            </a:solidFill>
-          </a:ln>
-        </p:spPr>
-        <p:style>
-          <a:lnRef idx="2">
-            <a:schemeClr val="accent1">
-              <a:shade val="50000"/>
-            </a:schemeClr>
-          </a:lnRef>
-          <a:fillRef idx="1">
-            <a:schemeClr val="accent1"/>
-          </a:fillRef>
-          <a:effectRef idx="0">
-            <a:schemeClr val="accent1"/>
-          </a:effectRef>
-          <a:fontRef idx="minor">
-            <a:schemeClr val="lt1"/>
-          </a:fontRef>
-        </p:style>
-        <p:txBody>
-          <a:bodyPr rtlCol="0" anchor="ctr"/>
-          <a:lstStyle/>
-          <a:p>
-            <a:r>
-              <a:rPr lang="en-US" altLang="zh-CN" sz="900">
-                <a:solidFill>
-                  <a:schemeClr val="tx1"/>
-                </a:solidFill>
-              </a:rPr>
-              <a:t>    while (1) {</a:t>
-            </a:r>
-          </a:p>
-          <a:p>
-            <a:r>
-              <a:rPr lang="en-US" altLang="zh-CN" sz="900">
-                <a:solidFill>
-                  <a:schemeClr val="tx1"/>
-                </a:solidFill>
-              </a:rPr>
-              <a:t>        if (current-&gt;need_resched) {</a:t>
-            </a:r>
-          </a:p>
-          <a:p>
-            <a:r>
-              <a:rPr lang="en-US" altLang="zh-CN" sz="900">
-                <a:solidFill>
-                  <a:schemeClr val="tx1"/>
-                </a:solidFill>
-              </a:rPr>
-              <a:t>            schedule();</a:t>
-            </a:r>
-          </a:p>
-          <a:p>
-            <a:r>
-              <a:rPr lang="en-US" altLang="zh-CN" sz="900">
-                <a:solidFill>
-                  <a:schemeClr val="tx1"/>
-                </a:solidFill>
-              </a:rPr>
-              <a:t>        }</a:t>
-            </a:r>
-          </a:p>
-          <a:p>
-            <a:r>
-              <a:rPr lang="en-US" altLang="zh-CN" sz="900">
-                <a:solidFill>
-                  <a:schemeClr val="tx1"/>
-                </a:solidFill>
-              </a:rPr>
-              <a:t>    }</a:t>
-            </a:r>
-          </a:p>
-        </p:txBody>
-      </p:sp>
-      <p:sp>
-        <p:nvSpPr>
-          <p:cNvPr id="52" name="下箭头 51">
-            <a:extLst>
-              <a:ext uri="{FF2B5EF4-FFF2-40B4-BE49-F238E27FC236}">
-                <a16:creationId xmlns:a16="http://schemas.microsoft.com/office/drawing/2014/main" id="{6F8FD2AC-6AFD-4047-BEFD-C9DF0E0D7C31}"/>
-              </a:ext>
-            </a:extLst>
-          </p:cNvPr>
-          <p:cNvSpPr/>
-          <p:nvPr/>
-        </p:nvSpPr>
-        <p:spPr>
-          <a:xfrm>
-            <a:off x="528075" y="3369954"/>
-            <a:ext cx="1379912" cy="214194"/>
-          </a:xfrm>
-          <a:prstGeom prst="downArrow">
-            <a:avLst/>
-          </a:prstGeom>
-          <a:noFill/>
-          <a:ln>
-            <a:solidFill>
-              <a:schemeClr val="tx1"/>
-            </a:solidFill>
-          </a:ln>
-        </p:spPr>
-        <p:style>
-          <a:lnRef idx="2">
-            <a:schemeClr val="accent1">
-              <a:shade val="50000"/>
-            </a:schemeClr>
-          </a:lnRef>
-          <a:fillRef idx="1">
-            <a:schemeClr val="accent1"/>
-          </a:fillRef>
-          <a:effectRef idx="0">
-            <a:schemeClr val="accent1"/>
-          </a:effectRef>
-          <a:fontRef idx="minor">
-            <a:schemeClr val="lt1"/>
-          </a:fontRef>
-        </p:style>
-        <p:txBody>
-          <a:bodyPr rtlCol="0" anchor="ctr"/>
-          <a:lstStyle/>
-          <a:p>
-            <a:pPr algn="ctr"/>
-            <a:r>
-              <a:rPr kumimoji="1" lang="en-US" altLang="zh-CN" sz="700">
-                <a:solidFill>
-                  <a:schemeClr val="tx1"/>
-                </a:solidFill>
-              </a:rPr>
-              <a:t>2.schedule</a:t>
-            </a:r>
-            <a:endParaRPr kumimoji="1" lang="zh-CN" altLang="en-US" sz="700">
-              <a:solidFill>
-                <a:schemeClr val="tx1"/>
-              </a:solidFill>
-            </a:endParaRPr>
-          </a:p>
-        </p:txBody>
-      </p:sp>
       <p:sp>
         <p:nvSpPr>
           <p:cNvPr id="98" name="矩形 97">
@@ -11094,265 +10931,6 @@
       </p:cxnSp>
       <p:sp>
         <p:nvSpPr>
-          <p:cNvPr id="112" name="椭圆 111">
-            <a:extLst>
-              <a:ext uri="{FF2B5EF4-FFF2-40B4-BE49-F238E27FC236}">
-                <a16:creationId xmlns:a16="http://schemas.microsoft.com/office/drawing/2014/main" id="{CB5D2EAD-E18E-D84B-9061-8C01BCDF5C78}"/>
-              </a:ext>
-            </a:extLst>
-          </p:cNvPr>
-          <p:cNvSpPr/>
-          <p:nvPr/>
-        </p:nvSpPr>
-        <p:spPr>
-          <a:xfrm>
-            <a:off x="339774" y="5036833"/>
-            <a:ext cx="1379912" cy="292731"/>
-          </a:xfrm>
-          <a:prstGeom prst="ellipse">
-            <a:avLst/>
-          </a:prstGeom>
-          <a:noFill/>
-          <a:ln>
-            <a:solidFill>
-              <a:schemeClr val="tx1"/>
-            </a:solidFill>
-          </a:ln>
-        </p:spPr>
-        <p:style>
-          <a:lnRef idx="2">
-            <a:schemeClr val="accent1">
-              <a:shade val="50000"/>
-            </a:schemeClr>
-          </a:lnRef>
-          <a:fillRef idx="1">
-            <a:schemeClr val="accent1"/>
-          </a:fillRef>
-          <a:effectRef idx="0">
-            <a:schemeClr val="accent1"/>
-          </a:effectRef>
-          <a:fontRef idx="minor">
-            <a:schemeClr val="lt1"/>
-          </a:fontRef>
-        </p:style>
-        <p:txBody>
-          <a:bodyPr rtlCol="0" anchor="ctr"/>
-          <a:lstStyle/>
-          <a:p>
-            <a:pPr algn="ctr"/>
-            <a:r>
-              <a:rPr kumimoji="1" lang="en-US" altLang="zh-CN" sz="900">
-                <a:solidFill>
-                  <a:schemeClr val="tx1"/>
-                </a:solidFill>
-              </a:rPr>
-              <a:t>timer_list</a:t>
-            </a:r>
-            <a:endParaRPr kumimoji="1" lang="zh-CN" altLang="en-US" sz="900">
-              <a:solidFill>
-                <a:schemeClr val="tx1"/>
-              </a:solidFill>
-            </a:endParaRPr>
-          </a:p>
-        </p:txBody>
-      </p:sp>
-      <p:sp>
-        <p:nvSpPr>
-          <p:cNvPr id="114" name="椭圆 113">
-            <a:extLst>
-              <a:ext uri="{FF2B5EF4-FFF2-40B4-BE49-F238E27FC236}">
-                <a16:creationId xmlns:a16="http://schemas.microsoft.com/office/drawing/2014/main" id="{2A09B240-5244-794C-A430-47BD04E049A0}"/>
-              </a:ext>
-            </a:extLst>
-          </p:cNvPr>
-          <p:cNvSpPr/>
-          <p:nvPr/>
-        </p:nvSpPr>
-        <p:spPr>
-          <a:xfrm>
-            <a:off x="10594428" y="5329565"/>
-            <a:ext cx="1456490" cy="540284"/>
-          </a:xfrm>
-          <a:prstGeom prst="ellipse">
-            <a:avLst/>
-          </a:prstGeom>
-          <a:noFill/>
-          <a:ln>
-            <a:solidFill>
-              <a:schemeClr val="tx1"/>
-            </a:solidFill>
-          </a:ln>
-        </p:spPr>
-        <p:style>
-          <a:lnRef idx="2">
-            <a:schemeClr val="accent1">
-              <a:shade val="50000"/>
-            </a:schemeClr>
-          </a:lnRef>
-          <a:fillRef idx="1">
-            <a:schemeClr val="accent1"/>
-          </a:fillRef>
-          <a:effectRef idx="0">
-            <a:schemeClr val="accent1"/>
-          </a:effectRef>
-          <a:fontRef idx="minor">
-            <a:schemeClr val="lt1"/>
-          </a:fontRef>
-        </p:style>
-        <p:txBody>
-          <a:bodyPr rtlCol="0" anchor="ctr"/>
-          <a:lstStyle/>
-          <a:p>
-            <a:pPr algn="ctr"/>
-            <a:r>
-              <a:rPr kumimoji="1" lang="en-US" altLang="zh-CN" sz="900">
-                <a:solidFill>
-                  <a:schemeClr val="tx1"/>
-                </a:solidFill>
-              </a:rPr>
-              <a:t>run_list</a:t>
-            </a:r>
-          </a:p>
-          <a:p>
-            <a:pPr algn="ctr"/>
-            <a:r>
-              <a:rPr kumimoji="1" lang="zh-CN" altLang="en-US" sz="900">
-                <a:solidFill>
-                  <a:schemeClr val="tx1"/>
-                </a:solidFill>
-              </a:rPr>
-              <a:t>或优先队列</a:t>
-            </a:r>
-            <a:endParaRPr kumimoji="1" lang="en-US" altLang="zh-CN" sz="900">
-              <a:solidFill>
-                <a:schemeClr val="tx1"/>
-              </a:solidFill>
-            </a:endParaRPr>
-          </a:p>
-          <a:p>
-            <a:pPr algn="ctr"/>
-            <a:r>
-              <a:rPr kumimoji="1" lang="zh-CN" altLang="en-US" sz="900">
-                <a:solidFill>
-                  <a:schemeClr val="tx1"/>
-                </a:solidFill>
-              </a:rPr>
-              <a:t>就绪队列</a:t>
-            </a:r>
-          </a:p>
-        </p:txBody>
-      </p:sp>
-      <p:sp>
-        <p:nvSpPr>
-          <p:cNvPr id="115" name="剪去同侧角的矩形 114">
-            <a:extLst>
-              <a:ext uri="{FF2B5EF4-FFF2-40B4-BE49-F238E27FC236}">
-                <a16:creationId xmlns:a16="http://schemas.microsoft.com/office/drawing/2014/main" id="{753D9D38-1EFD-7342-BC14-F60FF6F75A7B}"/>
-              </a:ext>
-            </a:extLst>
-          </p:cNvPr>
-          <p:cNvSpPr/>
-          <p:nvPr/>
-        </p:nvSpPr>
-        <p:spPr>
-          <a:xfrm>
-            <a:off x="11150834" y="6266525"/>
-            <a:ext cx="914400" cy="325820"/>
-          </a:xfrm>
-          <a:prstGeom prst="snip2SameRect">
-            <a:avLst/>
-          </a:prstGeom>
-          <a:noFill/>
-          <a:ln>
-            <a:solidFill>
-              <a:schemeClr val="tx1"/>
-            </a:solidFill>
-          </a:ln>
-        </p:spPr>
-        <p:style>
-          <a:lnRef idx="2">
-            <a:schemeClr val="accent1">
-              <a:shade val="50000"/>
-            </a:schemeClr>
-          </a:lnRef>
-          <a:fillRef idx="1">
-            <a:schemeClr val="accent1"/>
-          </a:fillRef>
-          <a:effectRef idx="0">
-            <a:schemeClr val="accent1"/>
-          </a:effectRef>
-          <a:fontRef idx="minor">
-            <a:schemeClr val="lt1"/>
-          </a:fontRef>
-        </p:style>
-        <p:txBody>
-          <a:bodyPr rtlCol="0" anchor="ctr"/>
-          <a:lstStyle/>
-          <a:p>
-            <a:pPr algn="ctr"/>
-            <a:r>
-              <a:rPr kumimoji="1" lang="en-US" altLang="zh-CN" sz="900">
-                <a:solidFill>
-                  <a:schemeClr val="tx1"/>
-                </a:solidFill>
-              </a:rPr>
-              <a:t>run_queue</a:t>
-            </a:r>
-            <a:endParaRPr kumimoji="1" lang="zh-CN" altLang="en-US" sz="900">
-              <a:solidFill>
-                <a:schemeClr val="tx1"/>
-              </a:solidFill>
-            </a:endParaRPr>
-          </a:p>
-        </p:txBody>
-      </p:sp>
-      <p:cxnSp>
-        <p:nvCxnSpPr>
-          <p:cNvPr id="117" name="曲线连接符 116">
-            <a:extLst>
-              <a:ext uri="{FF2B5EF4-FFF2-40B4-BE49-F238E27FC236}">
-                <a16:creationId xmlns:a16="http://schemas.microsoft.com/office/drawing/2014/main" id="{D6FE4FF1-9F90-7B41-A5DC-3364DFD970D8}"/>
-              </a:ext>
-            </a:extLst>
-          </p:cNvPr>
-          <p:cNvCxnSpPr>
-            <a:cxnSpLocks/>
-            <a:stCxn id="115" idx="3"/>
-            <a:endCxn id="114" idx="4"/>
-          </p:cNvCxnSpPr>
-          <p:nvPr/>
-        </p:nvCxnSpPr>
-        <p:spPr>
-          <a:xfrm rot="16200000" flipV="1">
-            <a:off x="11267016" y="5925506"/>
-            <a:ext cx="396676" cy="285361"/>
-          </a:xfrm>
-          <a:prstGeom prst="curvedConnector3">
-            <a:avLst>
-              <a:gd name="adj1" fmla="val 50000"/>
-            </a:avLst>
-          </a:prstGeom>
-          <a:ln>
-            <a:tailEnd type="triangle"/>
-          </a:ln>
-        </p:spPr>
-        <p:style>
-          <a:lnRef idx="1">
-            <a:schemeClr val="accent1"/>
-          </a:lnRef>
-          <a:fillRef idx="0">
-            <a:schemeClr val="accent1"/>
-          </a:fillRef>
-          <a:effectRef idx="0">
-            <a:schemeClr val="accent1"/>
-          </a:effectRef>
-          <a:fontRef idx="minor">
-            <a:schemeClr val="tx1"/>
-          </a:fontRef>
-        </p:style>
-      </p:cxnSp>
-      <p:sp>
-        <p:nvSpPr>
           <p:cNvPr id="148" name="矩形 147">
             <a:extLst>
               <a:ext uri="{FF2B5EF4-FFF2-40B4-BE49-F238E27FC236}">
@@ -11730,6 +11308,1983 @@
           </a:p>
         </p:txBody>
       </p:sp>
+    </p:spTree>
+    <p:extLst>
+      <p:ext uri="{BB962C8B-B14F-4D97-AF65-F5344CB8AC3E}">
+        <p14:creationId xmlns:p14="http://schemas.microsoft.com/office/powerpoint/2010/main" val="1621398831"/>
+      </p:ext>
+    </p:extLst>
+  </p:cSld>
+  <p:clrMapOvr>
+    <a:masterClrMapping/>
+  </p:clrMapOvr>
+</p:sld>
+</file>
+
+<file path=ppt/slides/slide4.xml><?xml version="1.0" encoding="utf-8"?>
+<p:sld xmlns:a="http://schemas.openxmlformats.org/drawingml/2006/main" xmlns:r="http://schemas.openxmlformats.org/officeDocument/2006/relationships" xmlns:p="http://schemas.openxmlformats.org/presentationml/2006/main">
+  <p:cSld>
+    <p:spTree>
+      <p:nvGrpSpPr>
+        <p:cNvPr id="1" name=""/>
+        <p:cNvGrpSpPr/>
+        <p:nvPr/>
+      </p:nvGrpSpPr>
+      <p:grpSpPr>
+        <a:xfrm>
+          <a:off x="0" y="0"/>
+          <a:ext cx="0" cy="0"/>
+          <a:chOff x="0" y="0"/>
+          <a:chExt cx="0" cy="0"/>
+        </a:xfrm>
+      </p:grpSpPr>
+      <p:sp>
+        <p:nvSpPr>
+          <p:cNvPr id="33" name="文本框 32">
+            <a:extLst>
+              <a:ext uri="{FF2B5EF4-FFF2-40B4-BE49-F238E27FC236}">
+                <a16:creationId xmlns:a16="http://schemas.microsoft.com/office/drawing/2014/main" id="{A6857824-17A1-CB4D-AE48-796C8F1C4E47}"/>
+              </a:ext>
+            </a:extLst>
+          </p:cNvPr>
+          <p:cNvSpPr txBox="1"/>
+          <p:nvPr/>
+        </p:nvSpPr>
+        <p:spPr>
+          <a:xfrm>
+            <a:off x="74510" y="101440"/>
+            <a:ext cx="2377273" cy="230832"/>
+          </a:xfrm>
+          <a:prstGeom prst="rect">
+            <a:avLst/>
+          </a:prstGeom>
+          <a:noFill/>
+        </p:spPr>
+        <p:txBody>
+          <a:bodyPr wrap="square" rtlCol="0">
+            <a:spAutoFit/>
+          </a:bodyPr>
+          <a:lstStyle/>
+          <a:p>
+            <a:r>
+              <a:rPr kumimoji="1" lang="zh-CN" altLang="en-US" sz="900"/>
+              <a:t>进程数据结构</a:t>
+            </a:r>
+            <a:endParaRPr kumimoji="1" lang="en-US" altLang="zh-CN" sz="900"/>
+          </a:p>
+        </p:txBody>
+      </p:sp>
+      <p:sp>
+        <p:nvSpPr>
+          <p:cNvPr id="4" name="矩形 3">
+            <a:extLst>
+              <a:ext uri="{FF2B5EF4-FFF2-40B4-BE49-F238E27FC236}">
+                <a16:creationId xmlns:a16="http://schemas.microsoft.com/office/drawing/2014/main" id="{1D93CA41-7BB1-E540-A34D-F7976BE2DBDC}"/>
+              </a:ext>
+            </a:extLst>
+          </p:cNvPr>
+          <p:cNvSpPr/>
+          <p:nvPr/>
+        </p:nvSpPr>
+        <p:spPr>
+          <a:xfrm>
+            <a:off x="1076903" y="2230006"/>
+            <a:ext cx="502755" cy="1014089"/>
+          </a:xfrm>
+          <a:prstGeom prst="rect">
+            <a:avLst/>
+          </a:prstGeom>
+          <a:noFill/>
+          <a:ln>
+            <a:solidFill>
+              <a:schemeClr val="tx1"/>
+            </a:solidFill>
+          </a:ln>
+        </p:spPr>
+        <p:style>
+          <a:lnRef idx="2">
+            <a:schemeClr val="accent1">
+              <a:shade val="50000"/>
+            </a:schemeClr>
+          </a:lnRef>
+          <a:fillRef idx="1">
+            <a:schemeClr val="accent1"/>
+          </a:fillRef>
+          <a:effectRef idx="0">
+            <a:schemeClr val="accent1"/>
+          </a:effectRef>
+          <a:fontRef idx="minor">
+            <a:schemeClr val="lt1"/>
+          </a:fontRef>
+        </p:style>
+        <p:txBody>
+          <a:bodyPr rtlCol="0" anchor="ctr"/>
+          <a:lstStyle/>
+          <a:p>
+            <a:pPr algn="ctr"/>
+            <a:r>
+              <a:rPr kumimoji="1" lang="zh-CN" altLang="en-US" sz="900">
+                <a:solidFill>
+                  <a:schemeClr val="tx1"/>
+                </a:solidFill>
+              </a:rPr>
+              <a:t>“</a:t>
+            </a:r>
+            <a:r>
+              <a:rPr kumimoji="1" lang="en-US" altLang="zh-CN" sz="900">
+                <a:solidFill>
+                  <a:schemeClr val="tx1"/>
+                </a:solidFill>
+              </a:rPr>
+              <a:t>idle</a:t>
+            </a:r>
+            <a:r>
+              <a:rPr kumimoji="1" lang="zh-CN" altLang="en-US" sz="900">
+                <a:solidFill>
+                  <a:schemeClr val="tx1"/>
+                </a:solidFill>
+              </a:rPr>
+              <a:t>”</a:t>
+            </a:r>
+          </a:p>
+        </p:txBody>
+      </p:sp>
+      <p:sp>
+        <p:nvSpPr>
+          <p:cNvPr id="31" name="矩形 30">
+            <a:extLst>
+              <a:ext uri="{FF2B5EF4-FFF2-40B4-BE49-F238E27FC236}">
+                <a16:creationId xmlns:a16="http://schemas.microsoft.com/office/drawing/2014/main" id="{7CA82458-6AE7-F64D-8C48-2AAD9035B318}"/>
+              </a:ext>
+            </a:extLst>
+          </p:cNvPr>
+          <p:cNvSpPr/>
+          <p:nvPr/>
+        </p:nvSpPr>
+        <p:spPr>
+          <a:xfrm>
+            <a:off x="2749203" y="2254143"/>
+            <a:ext cx="755891" cy="1014089"/>
+          </a:xfrm>
+          <a:prstGeom prst="rect">
+            <a:avLst/>
+          </a:prstGeom>
+          <a:solidFill>
+            <a:schemeClr val="accent4">
+              <a:lumMod val="20000"/>
+              <a:lumOff val="80000"/>
+            </a:schemeClr>
+          </a:solidFill>
+          <a:ln>
+            <a:solidFill>
+              <a:schemeClr val="tx1"/>
+            </a:solidFill>
+          </a:ln>
+        </p:spPr>
+        <p:style>
+          <a:lnRef idx="2">
+            <a:schemeClr val="accent1">
+              <a:shade val="50000"/>
+            </a:schemeClr>
+          </a:lnRef>
+          <a:fillRef idx="1">
+            <a:schemeClr val="accent1"/>
+          </a:fillRef>
+          <a:effectRef idx="0">
+            <a:schemeClr val="accent1"/>
+          </a:effectRef>
+          <a:fontRef idx="minor">
+            <a:schemeClr val="lt1"/>
+          </a:fontRef>
+        </p:style>
+        <p:txBody>
+          <a:bodyPr rtlCol="0" anchor="ctr"/>
+          <a:lstStyle/>
+          <a:p>
+            <a:pPr algn="ctr"/>
+            <a:r>
+              <a:rPr kumimoji="1" lang="zh-CN" altLang="en-US" sz="900">
+                <a:solidFill>
+                  <a:schemeClr val="tx1"/>
+                </a:solidFill>
+              </a:rPr>
+              <a:t>“</a:t>
+            </a:r>
+            <a:r>
+              <a:rPr kumimoji="1" lang="en-US" altLang="zh-CN" sz="900">
+                <a:solidFill>
+                  <a:schemeClr val="tx1"/>
+                </a:solidFill>
+              </a:rPr>
+              <a:t>init</a:t>
+            </a:r>
+            <a:r>
+              <a:rPr kumimoji="1" lang="zh-CN" altLang="en-US" sz="900">
+                <a:solidFill>
+                  <a:schemeClr val="tx1"/>
+                </a:solidFill>
+              </a:rPr>
+              <a:t>”</a:t>
+            </a:r>
+            <a:endParaRPr kumimoji="1" lang="en-US" altLang="zh-CN" sz="900">
+              <a:solidFill>
+                <a:schemeClr val="tx1"/>
+              </a:solidFill>
+            </a:endParaRPr>
+          </a:p>
+          <a:p>
+            <a:pPr algn="ctr"/>
+            <a:r>
+              <a:rPr kumimoji="1" lang="en-US" altLang="zh-CN" sz="900">
+                <a:solidFill>
+                  <a:schemeClr val="tx1"/>
+                </a:solidFill>
+              </a:rPr>
+              <a:t>RUNNABLE</a:t>
+            </a:r>
+            <a:endParaRPr kumimoji="1" lang="zh-CN" altLang="en-US" sz="900">
+              <a:solidFill>
+                <a:schemeClr val="tx1"/>
+              </a:solidFill>
+            </a:endParaRPr>
+          </a:p>
+        </p:txBody>
+      </p:sp>
+      <p:sp>
+        <p:nvSpPr>
+          <p:cNvPr id="2" name="椭圆 1">
+            <a:extLst>
+              <a:ext uri="{FF2B5EF4-FFF2-40B4-BE49-F238E27FC236}">
+                <a16:creationId xmlns:a16="http://schemas.microsoft.com/office/drawing/2014/main" id="{F4450453-7E2B-1C47-98E4-8D35EFF967CD}"/>
+              </a:ext>
+            </a:extLst>
+          </p:cNvPr>
+          <p:cNvSpPr/>
+          <p:nvPr/>
+        </p:nvSpPr>
+        <p:spPr>
+          <a:xfrm>
+            <a:off x="74510" y="1528436"/>
+            <a:ext cx="1058666" cy="292731"/>
+          </a:xfrm>
+          <a:prstGeom prst="ellipse">
+            <a:avLst/>
+          </a:prstGeom>
+          <a:noFill/>
+          <a:ln>
+            <a:solidFill>
+              <a:schemeClr val="tx1"/>
+            </a:solidFill>
+          </a:ln>
+        </p:spPr>
+        <p:style>
+          <a:lnRef idx="2">
+            <a:schemeClr val="accent1">
+              <a:shade val="50000"/>
+            </a:schemeClr>
+          </a:lnRef>
+          <a:fillRef idx="1">
+            <a:schemeClr val="accent1"/>
+          </a:fillRef>
+          <a:effectRef idx="0">
+            <a:schemeClr val="accent1"/>
+          </a:effectRef>
+          <a:fontRef idx="minor">
+            <a:schemeClr val="lt1"/>
+          </a:fontRef>
+        </p:style>
+        <p:txBody>
+          <a:bodyPr rtlCol="0" anchor="ctr"/>
+          <a:lstStyle/>
+          <a:p>
+            <a:pPr algn="ctr"/>
+            <a:r>
+              <a:rPr kumimoji="1" lang="en-US" altLang="zh-CN" sz="900" b="1">
+                <a:solidFill>
+                  <a:schemeClr val="tx1"/>
+                </a:solidFill>
+              </a:rPr>
+              <a:t>idleproc</a:t>
+            </a:r>
+            <a:endParaRPr kumimoji="1" lang="zh-CN" altLang="en-US" sz="900" b="1">
+              <a:solidFill>
+                <a:schemeClr val="tx1"/>
+              </a:solidFill>
+            </a:endParaRPr>
+          </a:p>
+        </p:txBody>
+      </p:sp>
+      <p:sp>
+        <p:nvSpPr>
+          <p:cNvPr id="10" name="右箭头 9">
+            <a:extLst>
+              <a:ext uri="{FF2B5EF4-FFF2-40B4-BE49-F238E27FC236}">
+                <a16:creationId xmlns:a16="http://schemas.microsoft.com/office/drawing/2014/main" id="{2E3C673C-EEEC-114E-A299-586ECFC458CB}"/>
+              </a:ext>
+            </a:extLst>
+          </p:cNvPr>
+          <p:cNvSpPr/>
+          <p:nvPr/>
+        </p:nvSpPr>
+        <p:spPr>
+          <a:xfrm>
+            <a:off x="1685993" y="2654090"/>
+            <a:ext cx="997069" cy="214194"/>
+          </a:xfrm>
+          <a:prstGeom prst="rightArrow">
+            <a:avLst/>
+          </a:prstGeom>
+          <a:noFill/>
+          <a:ln>
+            <a:solidFill>
+              <a:schemeClr val="tx1"/>
+            </a:solidFill>
+          </a:ln>
+        </p:spPr>
+        <p:style>
+          <a:lnRef idx="2">
+            <a:schemeClr val="accent1">
+              <a:shade val="50000"/>
+            </a:schemeClr>
+          </a:lnRef>
+          <a:fillRef idx="1">
+            <a:schemeClr val="accent1"/>
+          </a:fillRef>
+          <a:effectRef idx="0">
+            <a:schemeClr val="accent1"/>
+          </a:effectRef>
+          <a:fontRef idx="minor">
+            <a:schemeClr val="lt1"/>
+          </a:fontRef>
+        </p:style>
+        <p:txBody>
+          <a:bodyPr rtlCol="0" anchor="ctr"/>
+          <a:lstStyle/>
+          <a:p>
+            <a:pPr algn="ctr"/>
+            <a:r>
+              <a:rPr kumimoji="1" lang="en-US" altLang="zh-CN" sz="900">
+                <a:solidFill>
+                  <a:schemeClr val="tx1"/>
+                </a:solidFill>
+              </a:rPr>
+              <a:t>1.</a:t>
+            </a:r>
+            <a:r>
+              <a:rPr kumimoji="1" lang="zh-CN" altLang="en-US" sz="900">
+                <a:solidFill>
+                  <a:schemeClr val="tx1"/>
+                </a:solidFill>
+              </a:rPr>
+              <a:t> </a:t>
+            </a:r>
+            <a:r>
+              <a:rPr kumimoji="1" lang="en-US" altLang="zh-CN" sz="900">
+                <a:solidFill>
+                  <a:schemeClr val="tx1"/>
+                </a:solidFill>
+              </a:rPr>
+              <a:t>fork</a:t>
+            </a:r>
+            <a:endParaRPr kumimoji="1" lang="zh-CN" altLang="en-US" sz="900">
+              <a:solidFill>
+                <a:schemeClr val="tx1"/>
+              </a:solidFill>
+            </a:endParaRPr>
+          </a:p>
+        </p:txBody>
+      </p:sp>
+      <p:sp>
+        <p:nvSpPr>
+          <p:cNvPr id="38" name="椭圆 37">
+            <a:extLst>
+              <a:ext uri="{FF2B5EF4-FFF2-40B4-BE49-F238E27FC236}">
+                <a16:creationId xmlns:a16="http://schemas.microsoft.com/office/drawing/2014/main" id="{46628F6C-36AA-2046-BAC6-762F78F8D6BE}"/>
+              </a:ext>
+            </a:extLst>
+          </p:cNvPr>
+          <p:cNvSpPr/>
+          <p:nvPr/>
+        </p:nvSpPr>
+        <p:spPr>
+          <a:xfrm>
+            <a:off x="52061" y="1118466"/>
+            <a:ext cx="1054017" cy="292731"/>
+          </a:xfrm>
+          <a:prstGeom prst="ellipse">
+            <a:avLst/>
+          </a:prstGeom>
+          <a:noFill/>
+          <a:ln>
+            <a:solidFill>
+              <a:schemeClr val="tx1"/>
+            </a:solidFill>
+          </a:ln>
+        </p:spPr>
+        <p:style>
+          <a:lnRef idx="2">
+            <a:schemeClr val="accent1">
+              <a:shade val="50000"/>
+            </a:schemeClr>
+          </a:lnRef>
+          <a:fillRef idx="1">
+            <a:schemeClr val="accent1"/>
+          </a:fillRef>
+          <a:effectRef idx="0">
+            <a:schemeClr val="accent1"/>
+          </a:effectRef>
+          <a:fontRef idx="minor">
+            <a:schemeClr val="lt1"/>
+          </a:fontRef>
+        </p:style>
+        <p:txBody>
+          <a:bodyPr rtlCol="0" anchor="ctr"/>
+          <a:lstStyle/>
+          <a:p>
+            <a:pPr algn="ctr"/>
+            <a:r>
+              <a:rPr kumimoji="1" lang="en-US" altLang="zh-CN" sz="900" b="1">
+                <a:solidFill>
+                  <a:schemeClr val="tx1"/>
+                </a:solidFill>
+              </a:rPr>
+              <a:t>initproc</a:t>
+            </a:r>
+            <a:endParaRPr kumimoji="1" lang="zh-CN" altLang="en-US" sz="900" b="1">
+              <a:solidFill>
+                <a:schemeClr val="tx1"/>
+              </a:solidFill>
+            </a:endParaRPr>
+          </a:p>
+        </p:txBody>
+      </p:sp>
+      <p:cxnSp>
+        <p:nvCxnSpPr>
+          <p:cNvPr id="12" name="曲线连接符 11">
+            <a:extLst>
+              <a:ext uri="{FF2B5EF4-FFF2-40B4-BE49-F238E27FC236}">
+                <a16:creationId xmlns:a16="http://schemas.microsoft.com/office/drawing/2014/main" id="{CF1AB540-6CBF-984B-B7EF-48C95FD5E92F}"/>
+              </a:ext>
+            </a:extLst>
+          </p:cNvPr>
+          <p:cNvCxnSpPr>
+            <a:cxnSpLocks/>
+            <a:stCxn id="38" idx="6"/>
+            <a:endCxn id="31" idx="0"/>
+          </p:cNvCxnSpPr>
+          <p:nvPr/>
+        </p:nvCxnSpPr>
+        <p:spPr>
+          <a:xfrm>
+            <a:off x="1106078" y="1264832"/>
+            <a:ext cx="2021071" cy="989311"/>
+          </a:xfrm>
+          <a:prstGeom prst="curvedConnector2">
+            <a:avLst/>
+          </a:prstGeom>
+          <a:ln>
+            <a:tailEnd type="triangle"/>
+          </a:ln>
+        </p:spPr>
+        <p:style>
+          <a:lnRef idx="1">
+            <a:schemeClr val="accent1"/>
+          </a:lnRef>
+          <a:fillRef idx="0">
+            <a:schemeClr val="accent1"/>
+          </a:fillRef>
+          <a:effectRef idx="0">
+            <a:schemeClr val="accent1"/>
+          </a:effectRef>
+          <a:fontRef idx="minor">
+            <a:schemeClr val="tx1"/>
+          </a:fontRef>
+        </p:style>
+      </p:cxnSp>
+      <p:cxnSp>
+        <p:nvCxnSpPr>
+          <p:cNvPr id="44" name="曲线连接符 43">
+            <a:extLst>
+              <a:ext uri="{FF2B5EF4-FFF2-40B4-BE49-F238E27FC236}">
+                <a16:creationId xmlns:a16="http://schemas.microsoft.com/office/drawing/2014/main" id="{232EF179-813B-EA46-8AE3-81EF67B3A58C}"/>
+              </a:ext>
+            </a:extLst>
+          </p:cNvPr>
+          <p:cNvCxnSpPr>
+            <a:cxnSpLocks/>
+            <a:stCxn id="2" idx="6"/>
+            <a:endCxn id="4" idx="0"/>
+          </p:cNvCxnSpPr>
+          <p:nvPr/>
+        </p:nvCxnSpPr>
+        <p:spPr>
+          <a:xfrm>
+            <a:off x="1133176" y="1674802"/>
+            <a:ext cx="195105" cy="555204"/>
+          </a:xfrm>
+          <a:prstGeom prst="curvedConnector2">
+            <a:avLst/>
+          </a:prstGeom>
+          <a:ln>
+            <a:tailEnd type="triangle"/>
+          </a:ln>
+        </p:spPr>
+        <p:style>
+          <a:lnRef idx="1">
+            <a:schemeClr val="accent1"/>
+          </a:lnRef>
+          <a:fillRef idx="0">
+            <a:schemeClr val="accent1"/>
+          </a:fillRef>
+          <a:effectRef idx="0">
+            <a:schemeClr val="accent1"/>
+          </a:effectRef>
+          <a:fontRef idx="minor">
+            <a:schemeClr val="tx1"/>
+          </a:fontRef>
+        </p:style>
+      </p:cxnSp>
+      <p:sp>
+        <p:nvSpPr>
+          <p:cNvPr id="47" name="椭圆 46">
+            <a:extLst>
+              <a:ext uri="{FF2B5EF4-FFF2-40B4-BE49-F238E27FC236}">
+                <a16:creationId xmlns:a16="http://schemas.microsoft.com/office/drawing/2014/main" id="{AB1D4EBD-F87D-744C-B7FD-697F7B6BA96F}"/>
+              </a:ext>
+            </a:extLst>
+          </p:cNvPr>
+          <p:cNvSpPr/>
+          <p:nvPr/>
+        </p:nvSpPr>
+        <p:spPr>
+          <a:xfrm>
+            <a:off x="10250750" y="332272"/>
+            <a:ext cx="1800168" cy="601037"/>
+          </a:xfrm>
+          <a:prstGeom prst="ellipse">
+            <a:avLst/>
+          </a:prstGeom>
+          <a:noFill/>
+          <a:ln>
+            <a:solidFill>
+              <a:schemeClr val="tx1"/>
+            </a:solidFill>
+          </a:ln>
+        </p:spPr>
+        <p:style>
+          <a:lnRef idx="2">
+            <a:schemeClr val="accent1">
+              <a:shade val="50000"/>
+            </a:schemeClr>
+          </a:lnRef>
+          <a:fillRef idx="1">
+            <a:schemeClr val="accent1"/>
+          </a:fillRef>
+          <a:effectRef idx="0">
+            <a:schemeClr val="accent1"/>
+          </a:effectRef>
+          <a:fontRef idx="minor">
+            <a:schemeClr val="lt1"/>
+          </a:fontRef>
+        </p:style>
+        <p:txBody>
+          <a:bodyPr rtlCol="0" anchor="ctr"/>
+          <a:lstStyle/>
+          <a:p>
+            <a:pPr algn="ctr"/>
+            <a:r>
+              <a:rPr kumimoji="1" lang="en-US" altLang="zh-CN" sz="900" b="1">
+                <a:solidFill>
+                  <a:schemeClr val="tx1"/>
+                </a:solidFill>
+              </a:rPr>
+              <a:t>proc_list,</a:t>
+            </a:r>
+          </a:p>
+          <a:p>
+            <a:pPr algn="ctr"/>
+            <a:r>
+              <a:rPr kumimoji="1" lang="en-US" altLang="zh-CN" sz="900" b="1">
+                <a:solidFill>
+                  <a:schemeClr val="tx1"/>
+                </a:solidFill>
+              </a:rPr>
+              <a:t>hash_list</a:t>
+            </a:r>
+          </a:p>
+          <a:p>
+            <a:pPr algn="ctr"/>
+            <a:r>
+              <a:rPr kumimoji="1" lang="zh-CN" altLang="en-US" sz="900" b="1">
+                <a:solidFill>
+                  <a:schemeClr val="tx1"/>
+                </a:solidFill>
+              </a:rPr>
+              <a:t>每次</a:t>
+            </a:r>
+            <a:r>
+              <a:rPr kumimoji="1" lang="en-US" altLang="zh-CN" sz="900" b="1">
+                <a:solidFill>
+                  <a:schemeClr val="tx1"/>
+                </a:solidFill>
+              </a:rPr>
+              <a:t> fork </a:t>
+            </a:r>
+            <a:r>
+              <a:rPr kumimoji="1" lang="zh-CN" altLang="en-US" sz="900" b="1">
+                <a:solidFill>
+                  <a:schemeClr val="tx1"/>
+                </a:solidFill>
+              </a:rPr>
+              <a:t>都维护进来，</a:t>
+            </a:r>
+            <a:endParaRPr kumimoji="1" lang="en-US" altLang="zh-CN" sz="900" b="1">
+              <a:solidFill>
+                <a:schemeClr val="tx1"/>
+              </a:solidFill>
+            </a:endParaRPr>
+          </a:p>
+          <a:p>
+            <a:pPr algn="ctr"/>
+            <a:r>
+              <a:rPr kumimoji="1" lang="zh-CN" altLang="en-US" sz="900" b="1">
+                <a:solidFill>
+                  <a:schemeClr val="tx1"/>
+                </a:solidFill>
+              </a:rPr>
+              <a:t>维护所有进程</a:t>
+            </a:r>
+          </a:p>
+        </p:txBody>
+      </p:sp>
+      <p:cxnSp>
+        <p:nvCxnSpPr>
+          <p:cNvPr id="19" name="曲线连接符 18">
+            <a:extLst>
+              <a:ext uri="{FF2B5EF4-FFF2-40B4-BE49-F238E27FC236}">
+                <a16:creationId xmlns:a16="http://schemas.microsoft.com/office/drawing/2014/main" id="{A77C1EF9-EE9E-3E4E-9265-83DE4BCD8AEA}"/>
+              </a:ext>
+            </a:extLst>
+          </p:cNvPr>
+          <p:cNvCxnSpPr>
+            <a:cxnSpLocks/>
+            <a:stCxn id="47" idx="2"/>
+            <a:endCxn id="31" idx="0"/>
+          </p:cNvCxnSpPr>
+          <p:nvPr/>
+        </p:nvCxnSpPr>
+        <p:spPr>
+          <a:xfrm rot="10800000" flipV="1">
+            <a:off x="3127150" y="632791"/>
+            <a:ext cx="7123601" cy="1621352"/>
+          </a:xfrm>
+          <a:prstGeom prst="curvedConnector2">
+            <a:avLst/>
+          </a:prstGeom>
+          <a:ln>
+            <a:tailEnd type="triangle"/>
+          </a:ln>
+        </p:spPr>
+        <p:style>
+          <a:lnRef idx="1">
+            <a:schemeClr val="accent1"/>
+          </a:lnRef>
+          <a:fillRef idx="0">
+            <a:schemeClr val="accent1"/>
+          </a:fillRef>
+          <a:effectRef idx="0">
+            <a:schemeClr val="accent1"/>
+          </a:effectRef>
+          <a:fontRef idx="minor">
+            <a:schemeClr val="tx1"/>
+          </a:fontRef>
+        </p:style>
+      </p:cxnSp>
+      <p:sp>
+        <p:nvSpPr>
+          <p:cNvPr id="60" name="矩形 59">
+            <a:extLst>
+              <a:ext uri="{FF2B5EF4-FFF2-40B4-BE49-F238E27FC236}">
+                <a16:creationId xmlns:a16="http://schemas.microsoft.com/office/drawing/2014/main" id="{08003426-D2F3-734B-9A41-4E76F7A25EF4}"/>
+              </a:ext>
+            </a:extLst>
+          </p:cNvPr>
+          <p:cNvSpPr/>
+          <p:nvPr/>
+        </p:nvSpPr>
+        <p:spPr>
+          <a:xfrm>
+            <a:off x="4648877" y="2254143"/>
+            <a:ext cx="770642" cy="1014089"/>
+          </a:xfrm>
+          <a:prstGeom prst="rect">
+            <a:avLst/>
+          </a:prstGeom>
+          <a:solidFill>
+            <a:schemeClr val="accent4">
+              <a:lumMod val="20000"/>
+              <a:lumOff val="80000"/>
+            </a:schemeClr>
+          </a:solidFill>
+          <a:ln>
+            <a:solidFill>
+              <a:schemeClr val="tx1"/>
+            </a:solidFill>
+          </a:ln>
+        </p:spPr>
+        <p:style>
+          <a:lnRef idx="2">
+            <a:schemeClr val="accent1">
+              <a:shade val="50000"/>
+            </a:schemeClr>
+          </a:lnRef>
+          <a:fillRef idx="1">
+            <a:schemeClr val="accent1"/>
+          </a:fillRef>
+          <a:effectRef idx="0">
+            <a:schemeClr val="accent1"/>
+          </a:effectRef>
+          <a:fontRef idx="minor">
+            <a:schemeClr val="lt1"/>
+          </a:fontRef>
+        </p:style>
+        <p:txBody>
+          <a:bodyPr rtlCol="0" anchor="ctr"/>
+          <a:lstStyle/>
+          <a:p>
+            <a:pPr algn="ctr"/>
+            <a:r>
+              <a:rPr kumimoji="1" lang="en-US" altLang="zh-CN" sz="900">
+                <a:solidFill>
+                  <a:schemeClr val="tx1"/>
+                </a:solidFill>
+              </a:rPr>
+              <a:t>usermain</a:t>
+            </a:r>
+          </a:p>
+          <a:p>
+            <a:pPr algn="ctr"/>
+            <a:r>
+              <a:rPr kumimoji="1" lang="en-US" altLang="zh-CN" sz="900">
+                <a:solidFill>
+                  <a:schemeClr val="tx1"/>
+                </a:solidFill>
+              </a:rPr>
+              <a:t>RUNNABLE</a:t>
+            </a:r>
+            <a:endParaRPr kumimoji="1" lang="zh-CN" altLang="en-US" sz="900">
+              <a:solidFill>
+                <a:schemeClr val="tx1"/>
+              </a:solidFill>
+            </a:endParaRPr>
+          </a:p>
+        </p:txBody>
+      </p:sp>
+      <p:sp>
+        <p:nvSpPr>
+          <p:cNvPr id="61" name="右箭头 60">
+            <a:extLst>
+              <a:ext uri="{FF2B5EF4-FFF2-40B4-BE49-F238E27FC236}">
+                <a16:creationId xmlns:a16="http://schemas.microsoft.com/office/drawing/2014/main" id="{C5B7DD18-3E8E-C445-91D5-8C8C0005B36B}"/>
+              </a:ext>
+            </a:extLst>
+          </p:cNvPr>
+          <p:cNvSpPr/>
+          <p:nvPr/>
+        </p:nvSpPr>
+        <p:spPr>
+          <a:xfrm>
+            <a:off x="3600123" y="2654090"/>
+            <a:ext cx="918876" cy="214194"/>
+          </a:xfrm>
+          <a:prstGeom prst="rightArrow">
+            <a:avLst/>
+          </a:prstGeom>
+          <a:noFill/>
+          <a:ln>
+            <a:solidFill>
+              <a:schemeClr val="tx1"/>
+            </a:solidFill>
+          </a:ln>
+        </p:spPr>
+        <p:style>
+          <a:lnRef idx="2">
+            <a:schemeClr val="accent1">
+              <a:shade val="50000"/>
+            </a:schemeClr>
+          </a:lnRef>
+          <a:fillRef idx="1">
+            <a:schemeClr val="accent1"/>
+          </a:fillRef>
+          <a:effectRef idx="0">
+            <a:schemeClr val="accent1"/>
+          </a:effectRef>
+          <a:fontRef idx="minor">
+            <a:schemeClr val="lt1"/>
+          </a:fontRef>
+        </p:style>
+        <p:txBody>
+          <a:bodyPr rtlCol="0" anchor="ctr"/>
+          <a:lstStyle/>
+          <a:p>
+            <a:pPr algn="ctr"/>
+            <a:r>
+              <a:rPr kumimoji="1" lang="en-US" altLang="zh-CN" sz="900">
+                <a:solidFill>
+                  <a:schemeClr val="tx1"/>
+                </a:solidFill>
+              </a:rPr>
+              <a:t>fork</a:t>
+            </a:r>
+            <a:endParaRPr kumimoji="1" lang="zh-CN" altLang="en-US" sz="900">
+              <a:solidFill>
+                <a:schemeClr val="tx1"/>
+              </a:solidFill>
+            </a:endParaRPr>
+          </a:p>
+        </p:txBody>
+      </p:sp>
+      <p:cxnSp>
+        <p:nvCxnSpPr>
+          <p:cNvPr id="65" name="曲线连接符 64">
+            <a:extLst>
+              <a:ext uri="{FF2B5EF4-FFF2-40B4-BE49-F238E27FC236}">
+                <a16:creationId xmlns:a16="http://schemas.microsoft.com/office/drawing/2014/main" id="{2D2026B2-1F08-F745-B68D-C60DB96E2FF7}"/>
+              </a:ext>
+            </a:extLst>
+          </p:cNvPr>
+          <p:cNvCxnSpPr>
+            <a:cxnSpLocks/>
+            <a:stCxn id="47" idx="2"/>
+            <a:endCxn id="60" idx="0"/>
+          </p:cNvCxnSpPr>
+          <p:nvPr/>
+        </p:nvCxnSpPr>
+        <p:spPr>
+          <a:xfrm rot="10800000" flipV="1">
+            <a:off x="5034198" y="632791"/>
+            <a:ext cx="5216552" cy="1621352"/>
+          </a:xfrm>
+          <a:prstGeom prst="curvedConnector2">
+            <a:avLst/>
+          </a:prstGeom>
+          <a:ln>
+            <a:tailEnd type="triangle"/>
+          </a:ln>
+        </p:spPr>
+        <p:style>
+          <a:lnRef idx="1">
+            <a:schemeClr val="accent1"/>
+          </a:lnRef>
+          <a:fillRef idx="0">
+            <a:schemeClr val="accent1"/>
+          </a:fillRef>
+          <a:effectRef idx="0">
+            <a:schemeClr val="accent1"/>
+          </a:effectRef>
+          <a:fontRef idx="minor">
+            <a:schemeClr val="tx1"/>
+          </a:fontRef>
+        </p:style>
+      </p:cxnSp>
+      <p:sp>
+        <p:nvSpPr>
+          <p:cNvPr id="67" name="椭圆 66">
+            <a:extLst>
+              <a:ext uri="{FF2B5EF4-FFF2-40B4-BE49-F238E27FC236}">
+                <a16:creationId xmlns:a16="http://schemas.microsoft.com/office/drawing/2014/main" id="{60BE9296-3F50-E84F-A291-197DCFE0B8B0}"/>
+              </a:ext>
+            </a:extLst>
+          </p:cNvPr>
+          <p:cNvSpPr/>
+          <p:nvPr/>
+        </p:nvSpPr>
+        <p:spPr>
+          <a:xfrm>
+            <a:off x="69984" y="654908"/>
+            <a:ext cx="1006661" cy="292731"/>
+          </a:xfrm>
+          <a:prstGeom prst="ellipse">
+            <a:avLst/>
+          </a:prstGeom>
+          <a:noFill/>
+          <a:ln>
+            <a:solidFill>
+              <a:schemeClr val="tx1"/>
+            </a:solidFill>
+          </a:ln>
+        </p:spPr>
+        <p:style>
+          <a:lnRef idx="2">
+            <a:schemeClr val="accent1">
+              <a:shade val="50000"/>
+            </a:schemeClr>
+          </a:lnRef>
+          <a:fillRef idx="1">
+            <a:schemeClr val="accent1"/>
+          </a:fillRef>
+          <a:effectRef idx="0">
+            <a:schemeClr val="accent1"/>
+          </a:effectRef>
+          <a:fontRef idx="minor">
+            <a:schemeClr val="lt1"/>
+          </a:fontRef>
+        </p:style>
+        <p:txBody>
+          <a:bodyPr rtlCol="0" anchor="ctr"/>
+          <a:lstStyle/>
+          <a:p>
+            <a:pPr algn="ctr"/>
+            <a:r>
+              <a:rPr kumimoji="1" lang="en-US" altLang="zh-CN" sz="900" b="1">
+                <a:solidFill>
+                  <a:schemeClr val="tx1"/>
+                </a:solidFill>
+              </a:rPr>
+              <a:t>current</a:t>
+            </a:r>
+            <a:endParaRPr kumimoji="1" lang="zh-CN" altLang="en-US" sz="900" b="1">
+              <a:solidFill>
+                <a:schemeClr val="tx1"/>
+              </a:solidFill>
+            </a:endParaRPr>
+          </a:p>
+        </p:txBody>
+      </p:sp>
+      <p:cxnSp>
+        <p:nvCxnSpPr>
+          <p:cNvPr id="43" name="曲线连接符 42">
+            <a:extLst>
+              <a:ext uri="{FF2B5EF4-FFF2-40B4-BE49-F238E27FC236}">
+                <a16:creationId xmlns:a16="http://schemas.microsoft.com/office/drawing/2014/main" id="{08AAD698-B74E-AD4E-82DA-DD4A7C70F3EE}"/>
+              </a:ext>
+            </a:extLst>
+          </p:cNvPr>
+          <p:cNvCxnSpPr>
+            <a:cxnSpLocks/>
+            <a:stCxn id="67" idx="6"/>
+            <a:endCxn id="168" idx="0"/>
+          </p:cNvCxnSpPr>
+          <p:nvPr/>
+        </p:nvCxnSpPr>
+        <p:spPr>
+          <a:xfrm>
+            <a:off x="1076645" y="801274"/>
+            <a:ext cx="6135141" cy="390814"/>
+          </a:xfrm>
+          <a:prstGeom prst="curvedConnector2">
+            <a:avLst/>
+          </a:prstGeom>
+          <a:ln>
+            <a:prstDash val="dash"/>
+            <a:tailEnd type="triangle"/>
+          </a:ln>
+        </p:spPr>
+        <p:style>
+          <a:lnRef idx="1">
+            <a:schemeClr val="accent1"/>
+          </a:lnRef>
+          <a:fillRef idx="0">
+            <a:schemeClr val="accent1"/>
+          </a:fillRef>
+          <a:effectRef idx="0">
+            <a:schemeClr val="accent1"/>
+          </a:effectRef>
+          <a:fontRef idx="minor">
+            <a:schemeClr val="tx1"/>
+          </a:fontRef>
+        </p:style>
+      </p:cxnSp>
+      <p:sp>
+        <p:nvSpPr>
+          <p:cNvPr id="49" name="折角形 48">
+            <a:extLst>
+              <a:ext uri="{FF2B5EF4-FFF2-40B4-BE49-F238E27FC236}">
+                <a16:creationId xmlns:a16="http://schemas.microsoft.com/office/drawing/2014/main" id="{80F80097-9629-CE4E-9414-6B4044D6573A}"/>
+              </a:ext>
+            </a:extLst>
+          </p:cNvPr>
+          <p:cNvSpPr/>
+          <p:nvPr/>
+        </p:nvSpPr>
+        <p:spPr>
+          <a:xfrm>
+            <a:off x="250277" y="3691767"/>
+            <a:ext cx="2083948" cy="742273"/>
+          </a:xfrm>
+          <a:prstGeom prst="foldedCorner">
+            <a:avLst>
+              <a:gd name="adj" fmla="val 13781"/>
+            </a:avLst>
+          </a:prstGeom>
+          <a:noFill/>
+          <a:ln>
+            <a:solidFill>
+              <a:schemeClr val="tx1"/>
+            </a:solidFill>
+          </a:ln>
+        </p:spPr>
+        <p:style>
+          <a:lnRef idx="2">
+            <a:schemeClr val="accent1">
+              <a:shade val="50000"/>
+            </a:schemeClr>
+          </a:lnRef>
+          <a:fillRef idx="1">
+            <a:schemeClr val="accent1"/>
+          </a:fillRef>
+          <a:effectRef idx="0">
+            <a:schemeClr val="accent1"/>
+          </a:effectRef>
+          <a:fontRef idx="minor">
+            <a:schemeClr val="lt1"/>
+          </a:fontRef>
+        </p:style>
+        <p:txBody>
+          <a:bodyPr rtlCol="0" anchor="ctr"/>
+          <a:lstStyle/>
+          <a:p>
+            <a:r>
+              <a:rPr lang="en-US" altLang="zh-CN" sz="900">
+                <a:solidFill>
+                  <a:schemeClr val="tx1"/>
+                </a:solidFill>
+              </a:rPr>
+              <a:t>    while (1) {</a:t>
+            </a:r>
+          </a:p>
+          <a:p>
+            <a:r>
+              <a:rPr lang="en-US" altLang="zh-CN" sz="900">
+                <a:solidFill>
+                  <a:schemeClr val="tx1"/>
+                </a:solidFill>
+              </a:rPr>
+              <a:t>        if (current-&gt;need_resched) {</a:t>
+            </a:r>
+          </a:p>
+          <a:p>
+            <a:r>
+              <a:rPr lang="en-US" altLang="zh-CN" sz="900">
+                <a:solidFill>
+                  <a:schemeClr val="tx1"/>
+                </a:solidFill>
+              </a:rPr>
+              <a:t>            schedule();</a:t>
+            </a:r>
+          </a:p>
+          <a:p>
+            <a:r>
+              <a:rPr lang="en-US" altLang="zh-CN" sz="900">
+                <a:solidFill>
+                  <a:schemeClr val="tx1"/>
+                </a:solidFill>
+              </a:rPr>
+              <a:t>        }</a:t>
+            </a:r>
+          </a:p>
+          <a:p>
+            <a:r>
+              <a:rPr lang="en-US" altLang="zh-CN" sz="900">
+                <a:solidFill>
+                  <a:schemeClr val="tx1"/>
+                </a:solidFill>
+              </a:rPr>
+              <a:t>    }</a:t>
+            </a:r>
+          </a:p>
+        </p:txBody>
+      </p:sp>
+      <p:sp>
+        <p:nvSpPr>
+          <p:cNvPr id="52" name="下箭头 51">
+            <a:extLst>
+              <a:ext uri="{FF2B5EF4-FFF2-40B4-BE49-F238E27FC236}">
+                <a16:creationId xmlns:a16="http://schemas.microsoft.com/office/drawing/2014/main" id="{6F8FD2AC-6AFD-4047-BEFD-C9DF0E0D7C31}"/>
+              </a:ext>
+            </a:extLst>
+          </p:cNvPr>
+          <p:cNvSpPr/>
+          <p:nvPr/>
+        </p:nvSpPr>
+        <p:spPr>
+          <a:xfrm>
+            <a:off x="528075" y="3369954"/>
+            <a:ext cx="1379912" cy="214194"/>
+          </a:xfrm>
+          <a:prstGeom prst="downArrow">
+            <a:avLst/>
+          </a:prstGeom>
+          <a:noFill/>
+          <a:ln>
+            <a:solidFill>
+              <a:schemeClr val="tx1"/>
+            </a:solidFill>
+          </a:ln>
+        </p:spPr>
+        <p:style>
+          <a:lnRef idx="2">
+            <a:schemeClr val="accent1">
+              <a:shade val="50000"/>
+            </a:schemeClr>
+          </a:lnRef>
+          <a:fillRef idx="1">
+            <a:schemeClr val="accent1"/>
+          </a:fillRef>
+          <a:effectRef idx="0">
+            <a:schemeClr val="accent1"/>
+          </a:effectRef>
+          <a:fontRef idx="minor">
+            <a:schemeClr val="lt1"/>
+          </a:fontRef>
+        </p:style>
+        <p:txBody>
+          <a:bodyPr rtlCol="0" anchor="ctr"/>
+          <a:lstStyle/>
+          <a:p>
+            <a:pPr algn="ctr"/>
+            <a:r>
+              <a:rPr kumimoji="1" lang="en-US" altLang="zh-CN" sz="700">
+                <a:solidFill>
+                  <a:schemeClr val="tx1"/>
+                </a:solidFill>
+              </a:rPr>
+              <a:t>2.schedule</a:t>
+            </a:r>
+            <a:endParaRPr kumimoji="1" lang="zh-CN" altLang="en-US" sz="700">
+              <a:solidFill>
+                <a:schemeClr val="tx1"/>
+              </a:solidFill>
+            </a:endParaRPr>
+          </a:p>
+        </p:txBody>
+      </p:sp>
+      <p:sp>
+        <p:nvSpPr>
+          <p:cNvPr id="98" name="矩形 97">
+            <a:extLst>
+              <a:ext uri="{FF2B5EF4-FFF2-40B4-BE49-F238E27FC236}">
+                <a16:creationId xmlns:a16="http://schemas.microsoft.com/office/drawing/2014/main" id="{44BBBA78-E2AF-2449-9731-51A522D3DB43}"/>
+              </a:ext>
+            </a:extLst>
+          </p:cNvPr>
+          <p:cNvSpPr/>
+          <p:nvPr/>
+        </p:nvSpPr>
+        <p:spPr>
+          <a:xfrm>
+            <a:off x="6620049" y="3536079"/>
+            <a:ext cx="1045852" cy="629079"/>
+          </a:xfrm>
+          <a:prstGeom prst="rect">
+            <a:avLst/>
+          </a:prstGeom>
+          <a:solidFill>
+            <a:schemeClr val="accent4">
+              <a:lumMod val="20000"/>
+              <a:lumOff val="80000"/>
+            </a:schemeClr>
+          </a:solidFill>
+          <a:ln>
+            <a:solidFill>
+              <a:schemeClr val="tx1"/>
+            </a:solidFill>
+            <a:prstDash val="sysDash"/>
+          </a:ln>
+        </p:spPr>
+        <p:style>
+          <a:lnRef idx="2">
+            <a:schemeClr val="accent1">
+              <a:shade val="50000"/>
+            </a:schemeClr>
+          </a:lnRef>
+          <a:fillRef idx="1">
+            <a:schemeClr val="accent1"/>
+          </a:fillRef>
+          <a:effectRef idx="0">
+            <a:schemeClr val="accent1"/>
+          </a:effectRef>
+          <a:fontRef idx="minor">
+            <a:schemeClr val="lt1"/>
+          </a:fontRef>
+        </p:style>
+        <p:txBody>
+          <a:bodyPr rtlCol="0" anchor="ctr"/>
+          <a:lstStyle/>
+          <a:p>
+            <a:pPr algn="ctr"/>
+            <a:r>
+              <a:rPr kumimoji="1" lang="en-US" altLang="zh-CN" sz="900">
+                <a:solidFill>
+                  <a:schemeClr val="tx1"/>
+                </a:solidFill>
+              </a:rPr>
+              <a:t>usermain2</a:t>
+            </a:r>
+          </a:p>
+          <a:p>
+            <a:pPr algn="ctr"/>
+            <a:r>
+              <a:rPr kumimoji="1" lang="en-US" altLang="zh-CN" sz="900">
+                <a:solidFill>
+                  <a:schemeClr val="tx1"/>
+                </a:solidFill>
+              </a:rPr>
+              <a:t>RUNNABLE</a:t>
+            </a:r>
+            <a:endParaRPr kumimoji="1" lang="zh-CN" altLang="en-US" sz="900">
+              <a:solidFill>
+                <a:schemeClr val="tx1"/>
+              </a:solidFill>
+            </a:endParaRPr>
+          </a:p>
+        </p:txBody>
+      </p:sp>
+      <p:sp>
+        <p:nvSpPr>
+          <p:cNvPr id="103" name="右箭头 102">
+            <a:extLst>
+              <a:ext uri="{FF2B5EF4-FFF2-40B4-BE49-F238E27FC236}">
+                <a16:creationId xmlns:a16="http://schemas.microsoft.com/office/drawing/2014/main" id="{8C0DFD08-550D-6A48-BCA6-70AD3F0ED785}"/>
+              </a:ext>
+            </a:extLst>
+          </p:cNvPr>
+          <p:cNvSpPr/>
+          <p:nvPr/>
+        </p:nvSpPr>
+        <p:spPr>
+          <a:xfrm rot="1800000">
+            <a:off x="5498037" y="3273128"/>
+            <a:ext cx="1045852" cy="214194"/>
+          </a:xfrm>
+          <a:prstGeom prst="rightArrow">
+            <a:avLst/>
+          </a:prstGeom>
+          <a:noFill/>
+          <a:ln>
+            <a:solidFill>
+              <a:schemeClr val="tx1"/>
+            </a:solidFill>
+          </a:ln>
+        </p:spPr>
+        <p:style>
+          <a:lnRef idx="2">
+            <a:schemeClr val="accent1">
+              <a:shade val="50000"/>
+            </a:schemeClr>
+          </a:lnRef>
+          <a:fillRef idx="1">
+            <a:schemeClr val="accent1"/>
+          </a:fillRef>
+          <a:effectRef idx="0">
+            <a:schemeClr val="accent1"/>
+          </a:effectRef>
+          <a:fontRef idx="minor">
+            <a:schemeClr val="lt1"/>
+          </a:fontRef>
+        </p:style>
+        <p:txBody>
+          <a:bodyPr rtlCol="0" anchor="ctr"/>
+          <a:lstStyle/>
+          <a:p>
+            <a:pPr algn="ctr"/>
+            <a:r>
+              <a:rPr kumimoji="1" lang="en-US" altLang="zh-CN" sz="900">
+                <a:solidFill>
+                  <a:schemeClr val="tx1"/>
+                </a:solidFill>
+              </a:rPr>
+              <a:t>fork</a:t>
+            </a:r>
+            <a:endParaRPr kumimoji="1" lang="zh-CN" altLang="en-US" sz="900">
+              <a:solidFill>
+                <a:schemeClr val="tx1"/>
+              </a:solidFill>
+            </a:endParaRPr>
+          </a:p>
+        </p:txBody>
+      </p:sp>
+      <p:cxnSp>
+        <p:nvCxnSpPr>
+          <p:cNvPr id="109" name="曲线连接符 108">
+            <a:extLst>
+              <a:ext uri="{FF2B5EF4-FFF2-40B4-BE49-F238E27FC236}">
+                <a16:creationId xmlns:a16="http://schemas.microsoft.com/office/drawing/2014/main" id="{46C6444A-8B82-9149-A0F9-7AC1C2B494A2}"/>
+              </a:ext>
+            </a:extLst>
+          </p:cNvPr>
+          <p:cNvCxnSpPr>
+            <a:cxnSpLocks/>
+            <a:stCxn id="47" idx="2"/>
+            <a:endCxn id="98" idx="0"/>
+          </p:cNvCxnSpPr>
+          <p:nvPr/>
+        </p:nvCxnSpPr>
+        <p:spPr>
+          <a:xfrm rot="10800000" flipV="1">
+            <a:off x="7142976" y="632791"/>
+            <a:ext cx="3107775" cy="2903288"/>
+          </a:xfrm>
+          <a:prstGeom prst="curvedConnector2">
+            <a:avLst/>
+          </a:prstGeom>
+          <a:ln>
+            <a:tailEnd type="triangle"/>
+          </a:ln>
+        </p:spPr>
+        <p:style>
+          <a:lnRef idx="1">
+            <a:schemeClr val="accent1"/>
+          </a:lnRef>
+          <a:fillRef idx="0">
+            <a:schemeClr val="accent1"/>
+          </a:fillRef>
+          <a:effectRef idx="0">
+            <a:schemeClr val="accent1"/>
+          </a:effectRef>
+          <a:fontRef idx="minor">
+            <a:schemeClr val="tx1"/>
+          </a:fontRef>
+        </p:style>
+      </p:cxnSp>
+      <p:sp>
+        <p:nvSpPr>
+          <p:cNvPr id="112" name="椭圆 111">
+            <a:extLst>
+              <a:ext uri="{FF2B5EF4-FFF2-40B4-BE49-F238E27FC236}">
+                <a16:creationId xmlns:a16="http://schemas.microsoft.com/office/drawing/2014/main" id="{CB5D2EAD-E18E-D84B-9061-8C01BCDF5C78}"/>
+              </a:ext>
+            </a:extLst>
+          </p:cNvPr>
+          <p:cNvSpPr/>
+          <p:nvPr/>
+        </p:nvSpPr>
+        <p:spPr>
+          <a:xfrm>
+            <a:off x="339774" y="5036833"/>
+            <a:ext cx="1379912" cy="292731"/>
+          </a:xfrm>
+          <a:prstGeom prst="ellipse">
+            <a:avLst/>
+          </a:prstGeom>
+          <a:noFill/>
+          <a:ln>
+            <a:solidFill>
+              <a:schemeClr val="tx1"/>
+            </a:solidFill>
+          </a:ln>
+        </p:spPr>
+        <p:style>
+          <a:lnRef idx="2">
+            <a:schemeClr val="accent1">
+              <a:shade val="50000"/>
+            </a:schemeClr>
+          </a:lnRef>
+          <a:fillRef idx="1">
+            <a:schemeClr val="accent1"/>
+          </a:fillRef>
+          <a:effectRef idx="0">
+            <a:schemeClr val="accent1"/>
+          </a:effectRef>
+          <a:fontRef idx="minor">
+            <a:schemeClr val="lt1"/>
+          </a:fontRef>
+        </p:style>
+        <p:txBody>
+          <a:bodyPr rtlCol="0" anchor="ctr"/>
+          <a:lstStyle/>
+          <a:p>
+            <a:pPr algn="ctr"/>
+            <a:r>
+              <a:rPr kumimoji="1" lang="en-US" altLang="zh-CN" sz="900" b="1">
+                <a:solidFill>
+                  <a:schemeClr val="tx1"/>
+                </a:solidFill>
+              </a:rPr>
+              <a:t>timer_list</a:t>
+            </a:r>
+            <a:endParaRPr kumimoji="1" lang="zh-CN" altLang="en-US" sz="900" b="1">
+              <a:solidFill>
+                <a:schemeClr val="tx1"/>
+              </a:solidFill>
+            </a:endParaRPr>
+          </a:p>
+        </p:txBody>
+      </p:sp>
+      <p:sp>
+        <p:nvSpPr>
+          <p:cNvPr id="114" name="椭圆 113">
+            <a:extLst>
+              <a:ext uri="{FF2B5EF4-FFF2-40B4-BE49-F238E27FC236}">
+                <a16:creationId xmlns:a16="http://schemas.microsoft.com/office/drawing/2014/main" id="{2A09B240-5244-794C-A430-47BD04E049A0}"/>
+              </a:ext>
+            </a:extLst>
+          </p:cNvPr>
+          <p:cNvSpPr/>
+          <p:nvPr/>
+        </p:nvSpPr>
+        <p:spPr>
+          <a:xfrm>
+            <a:off x="10594428" y="5329565"/>
+            <a:ext cx="1456490" cy="540284"/>
+          </a:xfrm>
+          <a:prstGeom prst="ellipse">
+            <a:avLst/>
+          </a:prstGeom>
+          <a:noFill/>
+          <a:ln>
+            <a:solidFill>
+              <a:schemeClr val="tx1"/>
+            </a:solidFill>
+          </a:ln>
+        </p:spPr>
+        <p:style>
+          <a:lnRef idx="2">
+            <a:schemeClr val="accent1">
+              <a:shade val="50000"/>
+            </a:schemeClr>
+          </a:lnRef>
+          <a:fillRef idx="1">
+            <a:schemeClr val="accent1"/>
+          </a:fillRef>
+          <a:effectRef idx="0">
+            <a:schemeClr val="accent1"/>
+          </a:effectRef>
+          <a:fontRef idx="minor">
+            <a:schemeClr val="lt1"/>
+          </a:fontRef>
+        </p:style>
+        <p:txBody>
+          <a:bodyPr rtlCol="0" anchor="ctr"/>
+          <a:lstStyle/>
+          <a:p>
+            <a:pPr algn="ctr"/>
+            <a:r>
+              <a:rPr kumimoji="1" lang="en-US" altLang="zh-CN" sz="900" b="1">
+                <a:solidFill>
+                  <a:schemeClr val="tx1"/>
+                </a:solidFill>
+              </a:rPr>
+              <a:t>run_list</a:t>
+            </a:r>
+          </a:p>
+          <a:p>
+            <a:pPr algn="ctr"/>
+            <a:r>
+              <a:rPr kumimoji="1" lang="zh-CN" altLang="en-US" sz="900" b="1">
+                <a:solidFill>
+                  <a:schemeClr val="tx1"/>
+                </a:solidFill>
+              </a:rPr>
+              <a:t>或优先队列</a:t>
+            </a:r>
+            <a:endParaRPr kumimoji="1" lang="en-US" altLang="zh-CN" sz="900" b="1">
+              <a:solidFill>
+                <a:schemeClr val="tx1"/>
+              </a:solidFill>
+            </a:endParaRPr>
+          </a:p>
+          <a:p>
+            <a:pPr algn="ctr"/>
+            <a:r>
+              <a:rPr kumimoji="1" lang="zh-CN" altLang="en-US" sz="900" b="1">
+                <a:solidFill>
+                  <a:schemeClr val="tx1"/>
+                </a:solidFill>
+              </a:rPr>
+              <a:t>就绪队列</a:t>
+            </a:r>
+          </a:p>
+        </p:txBody>
+      </p:sp>
+      <p:sp>
+        <p:nvSpPr>
+          <p:cNvPr id="115" name="剪去同侧角的矩形 114">
+            <a:extLst>
+              <a:ext uri="{FF2B5EF4-FFF2-40B4-BE49-F238E27FC236}">
+                <a16:creationId xmlns:a16="http://schemas.microsoft.com/office/drawing/2014/main" id="{753D9D38-1EFD-7342-BC14-F60FF6F75A7B}"/>
+              </a:ext>
+            </a:extLst>
+          </p:cNvPr>
+          <p:cNvSpPr/>
+          <p:nvPr/>
+        </p:nvSpPr>
+        <p:spPr>
+          <a:xfrm>
+            <a:off x="11150834" y="6266525"/>
+            <a:ext cx="914400" cy="325820"/>
+          </a:xfrm>
+          <a:prstGeom prst="snip2SameRect">
+            <a:avLst/>
+          </a:prstGeom>
+          <a:noFill/>
+          <a:ln>
+            <a:solidFill>
+              <a:schemeClr val="tx1"/>
+            </a:solidFill>
+          </a:ln>
+        </p:spPr>
+        <p:style>
+          <a:lnRef idx="2">
+            <a:schemeClr val="accent1">
+              <a:shade val="50000"/>
+            </a:schemeClr>
+          </a:lnRef>
+          <a:fillRef idx="1">
+            <a:schemeClr val="accent1"/>
+          </a:fillRef>
+          <a:effectRef idx="0">
+            <a:schemeClr val="accent1"/>
+          </a:effectRef>
+          <a:fontRef idx="minor">
+            <a:schemeClr val="lt1"/>
+          </a:fontRef>
+        </p:style>
+        <p:txBody>
+          <a:bodyPr rtlCol="0" anchor="ctr"/>
+          <a:lstStyle/>
+          <a:p>
+            <a:pPr algn="ctr"/>
+            <a:r>
+              <a:rPr kumimoji="1" lang="en-US" altLang="zh-CN" sz="900" b="1">
+                <a:solidFill>
+                  <a:schemeClr val="tx1"/>
+                </a:solidFill>
+              </a:rPr>
+              <a:t>run_queue</a:t>
+            </a:r>
+            <a:endParaRPr kumimoji="1" lang="zh-CN" altLang="en-US" sz="900" b="1">
+              <a:solidFill>
+                <a:schemeClr val="tx1"/>
+              </a:solidFill>
+            </a:endParaRPr>
+          </a:p>
+        </p:txBody>
+      </p:sp>
+      <p:cxnSp>
+        <p:nvCxnSpPr>
+          <p:cNvPr id="117" name="曲线连接符 116">
+            <a:extLst>
+              <a:ext uri="{FF2B5EF4-FFF2-40B4-BE49-F238E27FC236}">
+                <a16:creationId xmlns:a16="http://schemas.microsoft.com/office/drawing/2014/main" id="{D6FE4FF1-9F90-7B41-A5DC-3364DFD970D8}"/>
+              </a:ext>
+            </a:extLst>
+          </p:cNvPr>
+          <p:cNvCxnSpPr>
+            <a:cxnSpLocks/>
+            <a:stCxn id="115" idx="3"/>
+            <a:endCxn id="114" idx="4"/>
+          </p:cNvCxnSpPr>
+          <p:nvPr/>
+        </p:nvCxnSpPr>
+        <p:spPr>
+          <a:xfrm rot="16200000" flipV="1">
+            <a:off x="11267016" y="5925506"/>
+            <a:ext cx="396676" cy="285361"/>
+          </a:xfrm>
+          <a:prstGeom prst="curvedConnector3">
+            <a:avLst>
+              <a:gd name="adj1" fmla="val 50000"/>
+            </a:avLst>
+          </a:prstGeom>
+          <a:ln>
+            <a:tailEnd type="triangle"/>
+          </a:ln>
+        </p:spPr>
+        <p:style>
+          <a:lnRef idx="1">
+            <a:schemeClr val="accent1"/>
+          </a:lnRef>
+          <a:fillRef idx="0">
+            <a:schemeClr val="accent1"/>
+          </a:fillRef>
+          <a:effectRef idx="0">
+            <a:schemeClr val="accent1"/>
+          </a:effectRef>
+          <a:fontRef idx="minor">
+            <a:schemeClr val="tx1"/>
+          </a:fontRef>
+        </p:style>
+      </p:cxnSp>
+      <p:sp>
+        <p:nvSpPr>
+          <p:cNvPr id="148" name="矩形 147">
+            <a:extLst>
+              <a:ext uri="{FF2B5EF4-FFF2-40B4-BE49-F238E27FC236}">
+                <a16:creationId xmlns:a16="http://schemas.microsoft.com/office/drawing/2014/main" id="{E03ACD7E-CF9E-6048-8CA2-C97390D76AC4}"/>
+              </a:ext>
+            </a:extLst>
+          </p:cNvPr>
+          <p:cNvSpPr/>
+          <p:nvPr/>
+        </p:nvSpPr>
+        <p:spPr>
+          <a:xfrm>
+            <a:off x="8650235" y="2394429"/>
+            <a:ext cx="749597" cy="1014089"/>
+          </a:xfrm>
+          <a:prstGeom prst="rect">
+            <a:avLst/>
+          </a:prstGeom>
+          <a:solidFill>
+            <a:schemeClr val="accent4">
+              <a:lumMod val="20000"/>
+              <a:lumOff val="80000"/>
+            </a:schemeClr>
+          </a:solidFill>
+          <a:ln>
+            <a:solidFill>
+              <a:schemeClr val="tx1"/>
+            </a:solidFill>
+            <a:prstDash val="sysDash"/>
+          </a:ln>
+        </p:spPr>
+        <p:style>
+          <a:lnRef idx="2">
+            <a:schemeClr val="accent1">
+              <a:shade val="50000"/>
+            </a:schemeClr>
+          </a:lnRef>
+          <a:fillRef idx="1">
+            <a:schemeClr val="accent1"/>
+          </a:fillRef>
+          <a:effectRef idx="0">
+            <a:schemeClr val="accent1"/>
+          </a:effectRef>
+          <a:fontRef idx="minor">
+            <a:schemeClr val="lt1"/>
+          </a:fontRef>
+        </p:style>
+        <p:txBody>
+          <a:bodyPr rtlCol="0" anchor="ctr"/>
+          <a:lstStyle/>
+          <a:p>
+            <a:pPr algn="ctr"/>
+            <a:r>
+              <a:rPr kumimoji="1" lang="en-US" altLang="zh-CN" sz="900">
+                <a:solidFill>
+                  <a:schemeClr val="tx1"/>
+                </a:solidFill>
+              </a:rPr>
+              <a:t>usermain2</a:t>
+            </a:r>
+          </a:p>
+          <a:p>
+            <a:pPr algn="ctr"/>
+            <a:r>
+              <a:rPr kumimoji="1" lang="en-US" altLang="zh-CN" sz="900">
+                <a:solidFill>
+                  <a:schemeClr val="tx1"/>
+                </a:solidFill>
+              </a:rPr>
+              <a:t>RUNNABLE</a:t>
+            </a:r>
+          </a:p>
+          <a:p>
+            <a:pPr algn="ctr"/>
+            <a:endParaRPr kumimoji="1" lang="zh-CN" altLang="en-US" sz="900">
+              <a:solidFill>
+                <a:schemeClr val="tx1"/>
+              </a:solidFill>
+            </a:endParaRPr>
+          </a:p>
+        </p:txBody>
+      </p:sp>
+      <p:cxnSp>
+        <p:nvCxnSpPr>
+          <p:cNvPr id="158" name="曲线连接符 157">
+            <a:extLst>
+              <a:ext uri="{FF2B5EF4-FFF2-40B4-BE49-F238E27FC236}">
+                <a16:creationId xmlns:a16="http://schemas.microsoft.com/office/drawing/2014/main" id="{93305373-B5F2-6042-A5C2-758AA6545C7B}"/>
+              </a:ext>
+            </a:extLst>
+          </p:cNvPr>
+          <p:cNvCxnSpPr>
+            <a:cxnSpLocks/>
+            <a:stCxn id="47" idx="2"/>
+            <a:endCxn id="148" idx="0"/>
+          </p:cNvCxnSpPr>
+          <p:nvPr/>
+        </p:nvCxnSpPr>
+        <p:spPr>
+          <a:xfrm rot="10800000" flipV="1">
+            <a:off x="9025034" y="632791"/>
+            <a:ext cx="1225716" cy="1761638"/>
+          </a:xfrm>
+          <a:prstGeom prst="curvedConnector2">
+            <a:avLst/>
+          </a:prstGeom>
+          <a:ln>
+            <a:tailEnd type="triangle"/>
+          </a:ln>
+        </p:spPr>
+        <p:style>
+          <a:lnRef idx="1">
+            <a:schemeClr val="accent1"/>
+          </a:lnRef>
+          <a:fillRef idx="0">
+            <a:schemeClr val="accent1"/>
+          </a:fillRef>
+          <a:effectRef idx="0">
+            <a:schemeClr val="accent1"/>
+          </a:effectRef>
+          <a:fontRef idx="minor">
+            <a:schemeClr val="tx1"/>
+          </a:fontRef>
+        </p:style>
+      </p:cxnSp>
+      <p:sp>
+        <p:nvSpPr>
+          <p:cNvPr id="163" name="右箭头 162">
+            <a:extLst>
+              <a:ext uri="{FF2B5EF4-FFF2-40B4-BE49-F238E27FC236}">
+                <a16:creationId xmlns:a16="http://schemas.microsoft.com/office/drawing/2014/main" id="{4F8C9CD4-93DB-B340-BBCD-EA3E016F3A90}"/>
+              </a:ext>
+            </a:extLst>
+          </p:cNvPr>
+          <p:cNvSpPr/>
+          <p:nvPr/>
+        </p:nvSpPr>
+        <p:spPr>
+          <a:xfrm rot="19800000">
+            <a:off x="5486631" y="1829207"/>
+            <a:ext cx="1045851" cy="214194"/>
+          </a:xfrm>
+          <a:prstGeom prst="rightArrow">
+            <a:avLst/>
+          </a:prstGeom>
+          <a:noFill/>
+          <a:ln>
+            <a:solidFill>
+              <a:schemeClr val="tx1"/>
+            </a:solidFill>
+          </a:ln>
+        </p:spPr>
+        <p:style>
+          <a:lnRef idx="2">
+            <a:schemeClr val="accent1">
+              <a:shade val="50000"/>
+            </a:schemeClr>
+          </a:lnRef>
+          <a:fillRef idx="1">
+            <a:schemeClr val="accent1"/>
+          </a:fillRef>
+          <a:effectRef idx="0">
+            <a:schemeClr val="accent1"/>
+          </a:effectRef>
+          <a:fontRef idx="minor">
+            <a:schemeClr val="lt1"/>
+          </a:fontRef>
+        </p:style>
+        <p:txBody>
+          <a:bodyPr rtlCol="0" anchor="ctr"/>
+          <a:lstStyle/>
+          <a:p>
+            <a:pPr algn="ctr"/>
+            <a:r>
+              <a:rPr kumimoji="1" lang="en-US" altLang="zh-CN" sz="900">
+                <a:solidFill>
+                  <a:schemeClr val="tx1"/>
+                </a:solidFill>
+              </a:rPr>
+              <a:t>fork</a:t>
+            </a:r>
+            <a:endParaRPr kumimoji="1" lang="zh-CN" altLang="en-US" sz="900">
+              <a:solidFill>
+                <a:schemeClr val="tx1"/>
+              </a:solidFill>
+            </a:endParaRPr>
+          </a:p>
+        </p:txBody>
+      </p:sp>
+      <p:sp>
+        <p:nvSpPr>
+          <p:cNvPr id="168" name="矩形 167">
+            <a:extLst>
+              <a:ext uri="{FF2B5EF4-FFF2-40B4-BE49-F238E27FC236}">
+                <a16:creationId xmlns:a16="http://schemas.microsoft.com/office/drawing/2014/main" id="{8C57903D-FD8D-2F4B-87AC-B85D8CB3E733}"/>
+              </a:ext>
+            </a:extLst>
+          </p:cNvPr>
+          <p:cNvSpPr/>
+          <p:nvPr/>
+        </p:nvSpPr>
+        <p:spPr>
+          <a:xfrm>
+            <a:off x="6688860" y="1192088"/>
+            <a:ext cx="1045852" cy="629079"/>
+          </a:xfrm>
+          <a:prstGeom prst="rect">
+            <a:avLst/>
+          </a:prstGeom>
+          <a:solidFill>
+            <a:schemeClr val="accent6">
+              <a:lumMod val="20000"/>
+              <a:lumOff val="80000"/>
+            </a:schemeClr>
+          </a:solidFill>
+          <a:ln>
+            <a:solidFill>
+              <a:schemeClr val="tx1"/>
+            </a:solidFill>
+            <a:prstDash val="sysDash"/>
+          </a:ln>
+        </p:spPr>
+        <p:style>
+          <a:lnRef idx="2">
+            <a:schemeClr val="accent1">
+              <a:shade val="50000"/>
+            </a:schemeClr>
+          </a:lnRef>
+          <a:fillRef idx="1">
+            <a:schemeClr val="accent1"/>
+          </a:fillRef>
+          <a:effectRef idx="0">
+            <a:schemeClr val="accent1"/>
+          </a:effectRef>
+          <a:fontRef idx="minor">
+            <a:schemeClr val="lt1"/>
+          </a:fontRef>
+        </p:style>
+        <p:txBody>
+          <a:bodyPr rtlCol="0" anchor="ctr"/>
+          <a:lstStyle/>
+          <a:p>
+            <a:pPr algn="ctr"/>
+            <a:r>
+              <a:rPr kumimoji="1" lang="en-US" altLang="zh-CN" sz="900">
+                <a:solidFill>
+                  <a:schemeClr val="tx1"/>
+                </a:solidFill>
+              </a:rPr>
+              <a:t>usermain2</a:t>
+            </a:r>
+          </a:p>
+          <a:p>
+            <a:pPr algn="ctr"/>
+            <a:r>
+              <a:rPr kumimoji="1" lang="en-US" altLang="zh-CN" sz="900">
+                <a:solidFill>
+                  <a:schemeClr val="tx1"/>
+                </a:solidFill>
+              </a:rPr>
+              <a:t>RUNNING</a:t>
+            </a:r>
+            <a:endParaRPr kumimoji="1" lang="zh-CN" altLang="en-US" sz="900">
+              <a:solidFill>
+                <a:schemeClr val="tx1"/>
+              </a:solidFill>
+            </a:endParaRPr>
+          </a:p>
+        </p:txBody>
+      </p:sp>
+      <p:cxnSp>
+        <p:nvCxnSpPr>
+          <p:cNvPr id="173" name="曲线连接符 172">
+            <a:extLst>
+              <a:ext uri="{FF2B5EF4-FFF2-40B4-BE49-F238E27FC236}">
+                <a16:creationId xmlns:a16="http://schemas.microsoft.com/office/drawing/2014/main" id="{A89D1C46-16A9-B74F-822B-6E4525F62B95}"/>
+              </a:ext>
+            </a:extLst>
+          </p:cNvPr>
+          <p:cNvCxnSpPr>
+            <a:cxnSpLocks/>
+            <a:stCxn id="47" idx="2"/>
+            <a:endCxn id="168" idx="0"/>
+          </p:cNvCxnSpPr>
+          <p:nvPr/>
+        </p:nvCxnSpPr>
+        <p:spPr>
+          <a:xfrm rot="10800000" flipV="1">
+            <a:off x="7211786" y="632790"/>
+            <a:ext cx="3038964" cy="559297"/>
+          </a:xfrm>
+          <a:prstGeom prst="curvedConnector2">
+            <a:avLst/>
+          </a:prstGeom>
+          <a:ln>
+            <a:tailEnd type="triangle"/>
+          </a:ln>
+        </p:spPr>
+        <p:style>
+          <a:lnRef idx="1">
+            <a:schemeClr val="accent1"/>
+          </a:lnRef>
+          <a:fillRef idx="0">
+            <a:schemeClr val="accent1"/>
+          </a:fillRef>
+          <a:effectRef idx="0">
+            <a:schemeClr val="accent1"/>
+          </a:effectRef>
+          <a:fontRef idx="minor">
+            <a:schemeClr val="tx1"/>
+          </a:fontRef>
+        </p:style>
+      </p:cxnSp>
+      <p:sp>
+        <p:nvSpPr>
+          <p:cNvPr id="235" name="右箭头 234">
+            <a:extLst>
+              <a:ext uri="{FF2B5EF4-FFF2-40B4-BE49-F238E27FC236}">
+                <a16:creationId xmlns:a16="http://schemas.microsoft.com/office/drawing/2014/main" id="{BF774D46-85D5-F84C-B1D0-22715081B62B}"/>
+              </a:ext>
+            </a:extLst>
+          </p:cNvPr>
+          <p:cNvSpPr/>
+          <p:nvPr/>
+        </p:nvSpPr>
+        <p:spPr>
+          <a:xfrm rot="19800000">
+            <a:off x="7639084" y="3207116"/>
+            <a:ext cx="1045852" cy="256112"/>
+          </a:xfrm>
+          <a:prstGeom prst="rightArrow">
+            <a:avLst/>
+          </a:prstGeom>
+          <a:noFill/>
+          <a:ln>
+            <a:solidFill>
+              <a:schemeClr val="tx1"/>
+            </a:solidFill>
+          </a:ln>
+        </p:spPr>
+        <p:style>
+          <a:lnRef idx="2">
+            <a:schemeClr val="accent1">
+              <a:shade val="50000"/>
+            </a:schemeClr>
+          </a:lnRef>
+          <a:fillRef idx="1">
+            <a:schemeClr val="accent1"/>
+          </a:fillRef>
+          <a:effectRef idx="0">
+            <a:schemeClr val="accent1"/>
+          </a:effectRef>
+          <a:fontRef idx="minor">
+            <a:schemeClr val="lt1"/>
+          </a:fontRef>
+        </p:style>
+        <p:txBody>
+          <a:bodyPr rtlCol="0" anchor="ctr"/>
+          <a:lstStyle/>
+          <a:p>
+            <a:pPr algn="ctr"/>
+            <a:r>
+              <a:rPr kumimoji="1" lang="en-US" altLang="zh-CN" sz="900">
+                <a:solidFill>
+                  <a:schemeClr val="tx1"/>
+                </a:solidFill>
+              </a:rPr>
+              <a:t>fork</a:t>
+            </a:r>
+            <a:endParaRPr kumimoji="1" lang="zh-CN" altLang="en-US" sz="900">
+              <a:solidFill>
+                <a:schemeClr val="tx1"/>
+              </a:solidFill>
+            </a:endParaRPr>
+          </a:p>
+        </p:txBody>
+      </p:sp>
       <p:cxnSp>
         <p:nvCxnSpPr>
           <p:cNvPr id="247" name="曲线连接符 246">
@@ -11925,7 +13480,7 @@
     </p:spTree>
     <p:extLst>
       <p:ext uri="{BB962C8B-B14F-4D97-AF65-F5344CB8AC3E}">
-        <p14:creationId xmlns:p14="http://schemas.microsoft.com/office/powerpoint/2010/main" val="1621398831"/>
+        <p14:creationId xmlns:p14="http://schemas.microsoft.com/office/powerpoint/2010/main" val="1546824947"/>
       </p:ext>
     </p:extLst>
   </p:cSld>
@@ -11935,7 +13490,7 @@
 </p:sld>
 </file>
 
-<file path=ppt/slides/slide4.xml><?xml version="1.0" encoding="utf-8"?>
+<file path=ppt/slides/slide5.xml><?xml version="1.0" encoding="utf-8"?>
 <p:sld xmlns:a="http://schemas.openxmlformats.org/drawingml/2006/main" xmlns:r="http://schemas.openxmlformats.org/officeDocument/2006/relationships" xmlns:p="http://schemas.openxmlformats.org/presentationml/2006/main">
   <p:cSld>
     <p:spTree>
@@ -12529,7 +14084,7 @@
 </p:sld>
 </file>
 
-<file path=ppt/slides/slide5.xml><?xml version="1.0" encoding="utf-8"?>
+<file path=ppt/slides/slide6.xml><?xml version="1.0" encoding="utf-8"?>
 <p:sld xmlns:a="http://schemas.openxmlformats.org/drawingml/2006/main" xmlns:r="http://schemas.openxmlformats.org/officeDocument/2006/relationships" xmlns:p="http://schemas.openxmlformats.org/presentationml/2006/main">
   <p:cSld>
     <p:spTree>

--- a/进程.pptx
+++ b/进程.pptx
@@ -275,7 +275,7 @@
           <a:p>
             <a:fld id="{3D71AFD6-832F-764F-A8C5-443411455556}" type="datetimeFigureOut">
               <a:rPr kumimoji="1" lang="zh-CN" altLang="en-US" smtClean="0"/>
-              <a:t>2019/9/30</a:t>
+              <a:t>2019/10/2</a:t>
             </a:fld>
             <a:endParaRPr kumimoji="1" lang="zh-CN" altLang="en-US"/>
           </a:p>
@@ -473,7 +473,7 @@
           <a:p>
             <a:fld id="{3D71AFD6-832F-764F-A8C5-443411455556}" type="datetimeFigureOut">
               <a:rPr kumimoji="1" lang="zh-CN" altLang="en-US" smtClean="0"/>
-              <a:t>2019/9/30</a:t>
+              <a:t>2019/10/2</a:t>
             </a:fld>
             <a:endParaRPr kumimoji="1" lang="zh-CN" altLang="en-US"/>
           </a:p>
@@ -681,7 +681,7 @@
           <a:p>
             <a:fld id="{3D71AFD6-832F-764F-A8C5-443411455556}" type="datetimeFigureOut">
               <a:rPr kumimoji="1" lang="zh-CN" altLang="en-US" smtClean="0"/>
-              <a:t>2019/9/30</a:t>
+              <a:t>2019/10/2</a:t>
             </a:fld>
             <a:endParaRPr kumimoji="1" lang="zh-CN" altLang="en-US"/>
           </a:p>
@@ -879,7 +879,7 @@
           <a:p>
             <a:fld id="{3D71AFD6-832F-764F-A8C5-443411455556}" type="datetimeFigureOut">
               <a:rPr kumimoji="1" lang="zh-CN" altLang="en-US" smtClean="0"/>
-              <a:t>2019/9/30</a:t>
+              <a:t>2019/10/2</a:t>
             </a:fld>
             <a:endParaRPr kumimoji="1" lang="zh-CN" altLang="en-US"/>
           </a:p>
@@ -1154,7 +1154,7 @@
           <a:p>
             <a:fld id="{3D71AFD6-832F-764F-A8C5-443411455556}" type="datetimeFigureOut">
               <a:rPr kumimoji="1" lang="zh-CN" altLang="en-US" smtClean="0"/>
-              <a:t>2019/9/30</a:t>
+              <a:t>2019/10/2</a:t>
             </a:fld>
             <a:endParaRPr kumimoji="1" lang="zh-CN" altLang="en-US"/>
           </a:p>
@@ -1419,7 +1419,7 @@
           <a:p>
             <a:fld id="{3D71AFD6-832F-764F-A8C5-443411455556}" type="datetimeFigureOut">
               <a:rPr kumimoji="1" lang="zh-CN" altLang="en-US" smtClean="0"/>
-              <a:t>2019/9/30</a:t>
+              <a:t>2019/10/2</a:t>
             </a:fld>
             <a:endParaRPr kumimoji="1" lang="zh-CN" altLang="en-US"/>
           </a:p>
@@ -1831,7 +1831,7 @@
           <a:p>
             <a:fld id="{3D71AFD6-832F-764F-A8C5-443411455556}" type="datetimeFigureOut">
               <a:rPr kumimoji="1" lang="zh-CN" altLang="en-US" smtClean="0"/>
-              <a:t>2019/9/30</a:t>
+              <a:t>2019/10/2</a:t>
             </a:fld>
             <a:endParaRPr kumimoji="1" lang="zh-CN" altLang="en-US"/>
           </a:p>
@@ -1972,7 +1972,7 @@
           <a:p>
             <a:fld id="{3D71AFD6-832F-764F-A8C5-443411455556}" type="datetimeFigureOut">
               <a:rPr kumimoji="1" lang="zh-CN" altLang="en-US" smtClean="0"/>
-              <a:t>2019/9/30</a:t>
+              <a:t>2019/10/2</a:t>
             </a:fld>
             <a:endParaRPr kumimoji="1" lang="zh-CN" altLang="en-US"/>
           </a:p>
@@ -2085,7 +2085,7 @@
           <a:p>
             <a:fld id="{3D71AFD6-832F-764F-A8C5-443411455556}" type="datetimeFigureOut">
               <a:rPr kumimoji="1" lang="zh-CN" altLang="en-US" smtClean="0"/>
-              <a:t>2019/9/30</a:t>
+              <a:t>2019/10/2</a:t>
             </a:fld>
             <a:endParaRPr kumimoji="1" lang="zh-CN" altLang="en-US"/>
           </a:p>
@@ -2396,7 +2396,7 @@
           <a:p>
             <a:fld id="{3D71AFD6-832F-764F-A8C5-443411455556}" type="datetimeFigureOut">
               <a:rPr kumimoji="1" lang="zh-CN" altLang="en-US" smtClean="0"/>
-              <a:t>2019/9/30</a:t>
+              <a:t>2019/10/2</a:t>
             </a:fld>
             <a:endParaRPr kumimoji="1" lang="zh-CN" altLang="en-US"/>
           </a:p>
@@ -2684,7 +2684,7 @@
           <a:p>
             <a:fld id="{3D71AFD6-832F-764F-A8C5-443411455556}" type="datetimeFigureOut">
               <a:rPr kumimoji="1" lang="zh-CN" altLang="en-US" smtClean="0"/>
-              <a:t>2019/9/30</a:t>
+              <a:t>2019/10/2</a:t>
             </a:fld>
             <a:endParaRPr kumimoji="1" lang="zh-CN" altLang="en-US"/>
           </a:p>
@@ -2925,7 +2925,7 @@
           <a:p>
             <a:fld id="{3D71AFD6-832F-764F-A8C5-443411455556}" type="datetimeFigureOut">
               <a:rPr kumimoji="1" lang="zh-CN" altLang="en-US" smtClean="0"/>
-              <a:t>2019/9/30</a:t>
+              <a:t>2019/10/2</a:t>
             </a:fld>
             <a:endParaRPr kumimoji="1" lang="zh-CN" altLang="en-US"/>
           </a:p>
@@ -14530,8 +14530,8 @@
         </p:nvSpPr>
         <p:spPr>
           <a:xfrm>
-            <a:off x="1320768" y="1633260"/>
-            <a:ext cx="857832" cy="230832"/>
+            <a:off x="1320767" y="1633260"/>
+            <a:ext cx="1052013" cy="369332"/>
           </a:xfrm>
           <a:prstGeom prst="rect">
             <a:avLst/>
@@ -14546,7 +14546,13 @@
           <a:p>
             <a:r>
               <a:rPr kumimoji="1" lang="en-US" altLang="zh-CN" sz="900"/>
-              <a:t>alloc_proc</a:t>
+              <a:t>sys_fork-&gt;</a:t>
+            </a:r>
+          </a:p>
+          <a:p>
+            <a:r>
+              <a:rPr kumimoji="1" lang="en-US" altLang="zh-CN" sz="900"/>
+              <a:t> ﻿alloc_proc</a:t>
             </a:r>
             <a:endParaRPr kumimoji="1" lang="zh-CN" altLang="en-US" sz="900"/>
           </a:p>
@@ -14741,14 +14747,59 @@
           </p:cNvPr>
           <p:cNvCxnSpPr>
             <a:cxnSpLocks/>
-            <a:stCxn id="8" idx="7"/>
-            <a:endCxn id="7" idx="5"/>
+            <a:stCxn id="8" idx="1"/>
+            <a:endCxn id="7" idx="3"/>
           </p:cNvCxnSpPr>
           <p:nvPr/>
         </p:nvCxnSpPr>
         <p:spPr>
           <a:xfrm rot="16200000" flipV="1">
-            <a:off x="3808723" y="2094803"/>
+            <a:off x="3053894" y="2125359"/>
+            <a:ext cx="1054937" cy="70742"/>
+          </a:xfrm>
+          <a:prstGeom prst="curvedConnector3">
+            <a:avLst>
+              <a:gd name="adj1" fmla="val 50000"/>
+            </a:avLst>
+          </a:prstGeom>
+          <a:ln>
+            <a:tailEnd type="triangle"/>
+          </a:ln>
+        </p:spPr>
+        <p:style>
+          <a:lnRef idx="1">
+            <a:schemeClr val="accent1"/>
+          </a:lnRef>
+          <a:fillRef idx="0">
+            <a:schemeClr val="accent1"/>
+          </a:fillRef>
+          <a:effectRef idx="0">
+            <a:schemeClr val="accent1"/>
+          </a:effectRef>
+          <a:fontRef idx="minor">
+            <a:schemeClr val="tx1"/>
+          </a:fontRef>
+        </p:style>
+      </p:cxnSp>
+      <p:cxnSp>
+        <p:nvCxnSpPr>
+          <p:cNvPr id="43" name="曲线连接符 42">
+            <a:extLst>
+              <a:ext uri="{FF2B5EF4-FFF2-40B4-BE49-F238E27FC236}">
+                <a16:creationId xmlns:a16="http://schemas.microsoft.com/office/drawing/2014/main" id="{344C6F1A-987A-0A41-B5A2-6E69106869BB}"/>
+              </a:ext>
+            </a:extLst>
+          </p:cNvPr>
+          <p:cNvCxnSpPr>
+            <a:cxnSpLocks/>
+            <a:stCxn id="7" idx="5"/>
+            <a:endCxn id="8" idx="7"/>
+          </p:cNvCxnSpPr>
+          <p:nvPr/>
+        </p:nvCxnSpPr>
+        <p:spPr>
+          <a:xfrm rot="16200000" flipH="1">
+            <a:off x="3808723" y="2094802"/>
             <a:ext cx="1054937" cy="131854"/>
           </a:xfrm>
           <a:prstGeom prst="curvedConnector3">
@@ -14775,51 +14826,6 @@
           </a:fontRef>
         </p:style>
       </p:cxnSp>
-      <p:cxnSp>
-        <p:nvCxnSpPr>
-          <p:cNvPr id="43" name="曲线连接符 42">
-            <a:extLst>
-              <a:ext uri="{FF2B5EF4-FFF2-40B4-BE49-F238E27FC236}">
-                <a16:creationId xmlns:a16="http://schemas.microsoft.com/office/drawing/2014/main" id="{344C6F1A-987A-0A41-B5A2-6E69106869BB}"/>
-              </a:ext>
-            </a:extLst>
-          </p:cNvPr>
-          <p:cNvCxnSpPr>
-            <a:cxnSpLocks/>
-            <a:stCxn id="7" idx="3"/>
-            <a:endCxn id="8" idx="1"/>
-          </p:cNvCxnSpPr>
-          <p:nvPr/>
-        </p:nvCxnSpPr>
-        <p:spPr>
-          <a:xfrm rot="16200000" flipH="1">
-            <a:off x="3053894" y="2125358"/>
-            <a:ext cx="1054937" cy="70742"/>
-          </a:xfrm>
-          <a:prstGeom prst="curvedConnector3">
-            <a:avLst>
-              <a:gd name="adj1" fmla="val 50000"/>
-            </a:avLst>
-          </a:prstGeom>
-          <a:ln>
-            <a:tailEnd type="triangle"/>
-          </a:ln>
-        </p:spPr>
-        <p:style>
-          <a:lnRef idx="1">
-            <a:schemeClr val="accent1"/>
-          </a:lnRef>
-          <a:fillRef idx="0">
-            <a:schemeClr val="accent1"/>
-          </a:fillRef>
-          <a:effectRef idx="0">
-            <a:schemeClr val="accent1"/>
-          </a:effectRef>
-          <a:fontRef idx="minor">
-            <a:schemeClr val="tx1"/>
-          </a:fontRef>
-        </p:style>
-      </p:cxnSp>
       <p:sp>
         <p:nvSpPr>
           <p:cNvPr id="53" name="文本框 52">
@@ -14834,8 +14840,8 @@
         </p:nvSpPr>
         <p:spPr>
           <a:xfrm>
-            <a:off x="2372781" y="2394507"/>
-            <a:ext cx="1618755" cy="369332"/>
+            <a:off x="2196663" y="2394507"/>
+            <a:ext cx="962445" cy="369332"/>
           </a:xfrm>
           <a:prstGeom prst="rect">
             <a:avLst/>
@@ -14983,6 +14989,100 @@
             <a:r>
               <a:rPr lang="en-US" altLang="zh-CN" sz="900"/>
               <a:t>wakeup_proc</a:t>
+            </a:r>
+          </a:p>
+        </p:txBody>
+      </p:sp>
+      <p:sp>
+        <p:nvSpPr>
+          <p:cNvPr id="4" name="菱形 3">
+            <a:extLst>
+              <a:ext uri="{FF2B5EF4-FFF2-40B4-BE49-F238E27FC236}">
+                <a16:creationId xmlns:a16="http://schemas.microsoft.com/office/drawing/2014/main" id="{168499A5-6143-2242-A6D7-A43D6604A9EF}"/>
+              </a:ext>
+            </a:extLst>
+          </p:cNvPr>
+          <p:cNvSpPr/>
+          <p:nvPr/>
+        </p:nvSpPr>
+        <p:spPr>
+          <a:xfrm>
+            <a:off x="3033198" y="1807709"/>
+            <a:ext cx="443243" cy="481282"/>
+          </a:xfrm>
+          <a:prstGeom prst="diamond">
+            <a:avLst/>
+          </a:prstGeom>
+          <a:noFill/>
+          <a:ln>
+            <a:solidFill>
+              <a:schemeClr val="tx1"/>
+            </a:solidFill>
+          </a:ln>
+        </p:spPr>
+        <p:style>
+          <a:lnRef idx="2">
+            <a:schemeClr val="accent1">
+              <a:shade val="50000"/>
+            </a:schemeClr>
+          </a:lnRef>
+          <a:fillRef idx="1">
+            <a:schemeClr val="accent1"/>
+          </a:fillRef>
+          <a:effectRef idx="0">
+            <a:schemeClr val="accent1"/>
+          </a:effectRef>
+          <a:fontRef idx="minor">
+            <a:schemeClr val="lt1"/>
+          </a:fontRef>
+        </p:style>
+        <p:txBody>
+          <a:bodyPr rtlCol="0" anchor="ctr"/>
+          <a:lstStyle/>
+          <a:p>
+            <a:pPr algn="ctr"/>
+            <a:r>
+              <a:rPr kumimoji="1" lang="zh-CN" altLang="en-US" sz="900">
+                <a:solidFill>
+                  <a:schemeClr val="tx1"/>
+                </a:solidFill>
+              </a:rPr>
+              <a:t>调度点</a:t>
+            </a:r>
+          </a:p>
+        </p:txBody>
+      </p:sp>
+      <p:sp>
+        <p:nvSpPr>
+          <p:cNvPr id="27" name="文本框 26">
+            <a:extLst>
+              <a:ext uri="{FF2B5EF4-FFF2-40B4-BE49-F238E27FC236}">
+                <a16:creationId xmlns:a16="http://schemas.microsoft.com/office/drawing/2014/main" id="{5B9CA1B8-F925-0D40-A7D4-C06E98854C1D}"/>
+              </a:ext>
+            </a:extLst>
+          </p:cNvPr>
+          <p:cNvSpPr txBox="1"/>
+          <p:nvPr/>
+        </p:nvSpPr>
+        <p:spPr>
+          <a:xfrm>
+            <a:off x="3639643" y="1121854"/>
+            <a:ext cx="762474" cy="230832"/>
+          </a:xfrm>
+          <a:prstGeom prst="rect">
+            <a:avLst/>
+          </a:prstGeom>
+          <a:noFill/>
+        </p:spPr>
+        <p:txBody>
+          <a:bodyPr wrap="square" rtlCol="0">
+            <a:spAutoFit/>
+          </a:bodyPr>
+          <a:lstStyle/>
+          <a:p>
+            <a:r>
+              <a:rPr kumimoji="1" lang="zh-CN" altLang="en-US" sz="900"/>
+              <a:t>入队</a:t>
             </a:r>
           </a:p>
         </p:txBody>

--- a/进程.pptx
+++ b/进程.pptx
@@ -9,8 +9,9 @@
     <p:sldId id="258" r:id="rId3"/>
     <p:sldId id="265" r:id="rId4"/>
     <p:sldId id="268" r:id="rId5"/>
-    <p:sldId id="266" r:id="rId6"/>
-    <p:sldId id="267" r:id="rId7"/>
+    <p:sldId id="269" r:id="rId6"/>
+    <p:sldId id="266" r:id="rId7"/>
+    <p:sldId id="267" r:id="rId8"/>
   </p:sldIdLst>
   <p:sldSz cx="12192000" cy="6858000"/>
   <p:notesSz cx="6858000" cy="9144000"/>
@@ -275,7 +276,7 @@
           <a:p>
             <a:fld id="{3D71AFD6-832F-764F-A8C5-443411455556}" type="datetimeFigureOut">
               <a:rPr kumimoji="1" lang="zh-CN" altLang="en-US" smtClean="0"/>
-              <a:t>2019/10/2</a:t>
+              <a:t>2019/10/5</a:t>
             </a:fld>
             <a:endParaRPr kumimoji="1" lang="zh-CN" altLang="en-US"/>
           </a:p>
@@ -473,7 +474,7 @@
           <a:p>
             <a:fld id="{3D71AFD6-832F-764F-A8C5-443411455556}" type="datetimeFigureOut">
               <a:rPr kumimoji="1" lang="zh-CN" altLang="en-US" smtClean="0"/>
-              <a:t>2019/10/2</a:t>
+              <a:t>2019/10/5</a:t>
             </a:fld>
             <a:endParaRPr kumimoji="1" lang="zh-CN" altLang="en-US"/>
           </a:p>
@@ -681,7 +682,7 @@
           <a:p>
             <a:fld id="{3D71AFD6-832F-764F-A8C5-443411455556}" type="datetimeFigureOut">
               <a:rPr kumimoji="1" lang="zh-CN" altLang="en-US" smtClean="0"/>
-              <a:t>2019/10/2</a:t>
+              <a:t>2019/10/5</a:t>
             </a:fld>
             <a:endParaRPr kumimoji="1" lang="zh-CN" altLang="en-US"/>
           </a:p>
@@ -879,7 +880,7 @@
           <a:p>
             <a:fld id="{3D71AFD6-832F-764F-A8C5-443411455556}" type="datetimeFigureOut">
               <a:rPr kumimoji="1" lang="zh-CN" altLang="en-US" smtClean="0"/>
-              <a:t>2019/10/2</a:t>
+              <a:t>2019/10/5</a:t>
             </a:fld>
             <a:endParaRPr kumimoji="1" lang="zh-CN" altLang="en-US"/>
           </a:p>
@@ -1154,7 +1155,7 @@
           <a:p>
             <a:fld id="{3D71AFD6-832F-764F-A8C5-443411455556}" type="datetimeFigureOut">
               <a:rPr kumimoji="1" lang="zh-CN" altLang="en-US" smtClean="0"/>
-              <a:t>2019/10/2</a:t>
+              <a:t>2019/10/5</a:t>
             </a:fld>
             <a:endParaRPr kumimoji="1" lang="zh-CN" altLang="en-US"/>
           </a:p>
@@ -1419,7 +1420,7 @@
           <a:p>
             <a:fld id="{3D71AFD6-832F-764F-A8C5-443411455556}" type="datetimeFigureOut">
               <a:rPr kumimoji="1" lang="zh-CN" altLang="en-US" smtClean="0"/>
-              <a:t>2019/10/2</a:t>
+              <a:t>2019/10/5</a:t>
             </a:fld>
             <a:endParaRPr kumimoji="1" lang="zh-CN" altLang="en-US"/>
           </a:p>
@@ -1831,7 +1832,7 @@
           <a:p>
             <a:fld id="{3D71AFD6-832F-764F-A8C5-443411455556}" type="datetimeFigureOut">
               <a:rPr kumimoji="1" lang="zh-CN" altLang="en-US" smtClean="0"/>
-              <a:t>2019/10/2</a:t>
+              <a:t>2019/10/5</a:t>
             </a:fld>
             <a:endParaRPr kumimoji="1" lang="zh-CN" altLang="en-US"/>
           </a:p>
@@ -1972,7 +1973,7 @@
           <a:p>
             <a:fld id="{3D71AFD6-832F-764F-A8C5-443411455556}" type="datetimeFigureOut">
               <a:rPr kumimoji="1" lang="zh-CN" altLang="en-US" smtClean="0"/>
-              <a:t>2019/10/2</a:t>
+              <a:t>2019/10/5</a:t>
             </a:fld>
             <a:endParaRPr kumimoji="1" lang="zh-CN" altLang="en-US"/>
           </a:p>
@@ -2085,7 +2086,7 @@
           <a:p>
             <a:fld id="{3D71AFD6-832F-764F-A8C5-443411455556}" type="datetimeFigureOut">
               <a:rPr kumimoji="1" lang="zh-CN" altLang="en-US" smtClean="0"/>
-              <a:t>2019/10/2</a:t>
+              <a:t>2019/10/5</a:t>
             </a:fld>
             <a:endParaRPr kumimoji="1" lang="zh-CN" altLang="en-US"/>
           </a:p>
@@ -2396,7 +2397,7 @@
           <a:p>
             <a:fld id="{3D71AFD6-832F-764F-A8C5-443411455556}" type="datetimeFigureOut">
               <a:rPr kumimoji="1" lang="zh-CN" altLang="en-US" smtClean="0"/>
-              <a:t>2019/10/2</a:t>
+              <a:t>2019/10/5</a:t>
             </a:fld>
             <a:endParaRPr kumimoji="1" lang="zh-CN" altLang="en-US"/>
           </a:p>
@@ -2684,7 +2685,7 @@
           <a:p>
             <a:fld id="{3D71AFD6-832F-764F-A8C5-443411455556}" type="datetimeFigureOut">
               <a:rPr kumimoji="1" lang="zh-CN" altLang="en-US" smtClean="0"/>
-              <a:t>2019/10/2</a:t>
+              <a:t>2019/10/5</a:t>
             </a:fld>
             <a:endParaRPr kumimoji="1" lang="zh-CN" altLang="en-US"/>
           </a:p>
@@ -2925,7 +2926,7 @@
           <a:p>
             <a:fld id="{3D71AFD6-832F-764F-A8C5-443411455556}" type="datetimeFigureOut">
               <a:rPr kumimoji="1" lang="zh-CN" altLang="en-US" smtClean="0"/>
-              <a:t>2019/10/2</a:t>
+              <a:t>2019/10/5</a:t>
             </a:fld>
             <a:endParaRPr kumimoji="1" lang="zh-CN" altLang="en-US"/>
           </a:p>
@@ -12725,7 +12726,7 @@
         </p:nvSpPr>
         <p:spPr>
           <a:xfrm>
-            <a:off x="10594428" y="5329565"/>
+            <a:off x="9216890" y="5329564"/>
             <a:ext cx="1456490" cy="540284"/>
           </a:xfrm>
           <a:prstGeom prst="ellipse">
@@ -12811,7 +12812,7 @@
         </p:nvSpPr>
         <p:spPr>
           <a:xfrm>
-            <a:off x="11150834" y="6266525"/>
+            <a:off x="9773296" y="6266524"/>
             <a:ext cx="914400" cy="325820"/>
           </a:xfrm>
           <a:prstGeom prst="snip2SameRect">
@@ -12879,7 +12880,7 @@
         </p:nvCxnSpPr>
         <p:spPr>
           <a:xfrm rot="16200000" flipV="1">
-            <a:off x="11267016" y="5925506"/>
+            <a:off x="9889478" y="5925505"/>
             <a:ext cx="396676" cy="285361"/>
           </a:xfrm>
           <a:prstGeom prst="curvedConnector3">
@@ -13303,8 +13304,8 @@
         </p:nvCxnSpPr>
         <p:spPr>
           <a:xfrm rot="10800000">
-            <a:off x="9025034" y="3408519"/>
-            <a:ext cx="1569394" cy="2191189"/>
+            <a:off x="9025034" y="3408518"/>
+            <a:ext cx="191856" cy="2191188"/>
           </a:xfrm>
           <a:prstGeom prst="curvedConnector2">
             <a:avLst/>
@@ -13351,8 +13352,8 @@
         </p:nvCxnSpPr>
         <p:spPr>
           <a:xfrm rot="10800000">
-            <a:off x="7142976" y="4165159"/>
-            <a:ext cx="3451453" cy="1434549"/>
+            <a:off x="7142976" y="4165158"/>
+            <a:ext cx="2073915" cy="1434548"/>
           </a:xfrm>
           <a:prstGeom prst="curvedConnector2">
             <a:avLst/>
@@ -13399,8 +13400,8 @@
         </p:nvCxnSpPr>
         <p:spPr>
           <a:xfrm rot="10800000">
-            <a:off x="5034198" y="3268233"/>
-            <a:ext cx="5560230" cy="2331475"/>
+            <a:off x="5034198" y="3268232"/>
+            <a:ext cx="4182692" cy="2331474"/>
           </a:xfrm>
           <a:prstGeom prst="curvedConnector2">
             <a:avLst/>
@@ -13447,8 +13448,8 @@
         </p:nvCxnSpPr>
         <p:spPr>
           <a:xfrm rot="10800000">
-            <a:off x="3127150" y="3268233"/>
-            <a:ext cx="7467279" cy="2331475"/>
+            <a:off x="3127150" y="3268232"/>
+            <a:ext cx="6089741" cy="2331474"/>
           </a:xfrm>
           <a:prstGeom prst="curvedConnector2">
             <a:avLst/>
@@ -13491,6 +13492,1320 @@
 </file>
 
 <file path=ppt/slides/slide5.xml><?xml version="1.0" encoding="utf-8"?>
+<p:sld xmlns:a="http://schemas.openxmlformats.org/drawingml/2006/main" xmlns:r="http://schemas.openxmlformats.org/officeDocument/2006/relationships" xmlns:p="http://schemas.openxmlformats.org/presentationml/2006/main">
+  <p:cSld>
+    <p:spTree>
+      <p:nvGrpSpPr>
+        <p:cNvPr id="1" name=""/>
+        <p:cNvGrpSpPr/>
+        <p:nvPr/>
+      </p:nvGrpSpPr>
+      <p:grpSpPr>
+        <a:xfrm>
+          <a:off x="0" y="0"/>
+          <a:ext cx="0" cy="0"/>
+          <a:chOff x="0" y="0"/>
+          <a:chExt cx="0" cy="0"/>
+        </a:xfrm>
+      </p:grpSpPr>
+      <p:sp>
+        <p:nvSpPr>
+          <p:cNvPr id="40" name="剪去同侧角的矩形 39">
+            <a:extLst>
+              <a:ext uri="{FF2B5EF4-FFF2-40B4-BE49-F238E27FC236}">
+                <a16:creationId xmlns:a16="http://schemas.microsoft.com/office/drawing/2014/main" id="{490A7785-A0F1-254C-87BC-950895448660}"/>
+              </a:ext>
+            </a:extLst>
+          </p:cNvPr>
+          <p:cNvSpPr/>
+          <p:nvPr/>
+        </p:nvSpPr>
+        <p:spPr>
+          <a:xfrm>
+            <a:off x="2435761" y="527450"/>
+            <a:ext cx="914400" cy="325820"/>
+          </a:xfrm>
+          <a:prstGeom prst="snip2SameRect">
+            <a:avLst/>
+          </a:prstGeom>
+          <a:noFill/>
+          <a:ln>
+            <a:solidFill>
+              <a:schemeClr val="tx1"/>
+            </a:solidFill>
+          </a:ln>
+        </p:spPr>
+        <p:style>
+          <a:lnRef idx="2">
+            <a:schemeClr val="accent1">
+              <a:shade val="50000"/>
+            </a:schemeClr>
+          </a:lnRef>
+          <a:fillRef idx="1">
+            <a:schemeClr val="accent1"/>
+          </a:fillRef>
+          <a:effectRef idx="0">
+            <a:schemeClr val="accent1"/>
+          </a:effectRef>
+          <a:fontRef idx="minor">
+            <a:schemeClr val="lt1"/>
+          </a:fontRef>
+        </p:style>
+        <p:txBody>
+          <a:bodyPr rtlCol="0" anchor="ctr"/>
+          <a:lstStyle/>
+          <a:p>
+            <a:pPr algn="ctr"/>
+            <a:r>
+              <a:rPr kumimoji="1" lang="en-US" altLang="zh-CN" sz="900" b="1">
+                <a:solidFill>
+                  <a:schemeClr val="tx1"/>
+                </a:solidFill>
+              </a:rPr>
+              <a:t>run_queue</a:t>
+            </a:r>
+            <a:endParaRPr kumimoji="1" lang="zh-CN" altLang="en-US" sz="900" b="1">
+              <a:solidFill>
+                <a:schemeClr val="tx1"/>
+              </a:solidFill>
+            </a:endParaRPr>
+          </a:p>
+        </p:txBody>
+      </p:sp>
+      <p:cxnSp>
+        <p:nvCxnSpPr>
+          <p:cNvPr id="41" name="曲线连接符 40">
+            <a:extLst>
+              <a:ext uri="{FF2B5EF4-FFF2-40B4-BE49-F238E27FC236}">
+                <a16:creationId xmlns:a16="http://schemas.microsoft.com/office/drawing/2014/main" id="{2CAFF19F-3246-B64D-9C1C-61D5DA9A9387}"/>
+              </a:ext>
+            </a:extLst>
+          </p:cNvPr>
+          <p:cNvCxnSpPr>
+            <a:cxnSpLocks/>
+            <a:stCxn id="40" idx="1"/>
+            <a:endCxn id="57" idx="0"/>
+          </p:cNvCxnSpPr>
+          <p:nvPr/>
+        </p:nvCxnSpPr>
+        <p:spPr>
+          <a:xfrm rot="16200000" flipH="1">
+            <a:off x="3011623" y="734608"/>
+            <a:ext cx="519773" cy="757096"/>
+          </a:xfrm>
+          <a:prstGeom prst="curvedConnector3">
+            <a:avLst>
+              <a:gd name="adj1" fmla="val 50000"/>
+            </a:avLst>
+          </a:prstGeom>
+          <a:ln>
+            <a:tailEnd type="triangle"/>
+          </a:ln>
+        </p:spPr>
+        <p:style>
+          <a:lnRef idx="1">
+            <a:schemeClr val="accent1"/>
+          </a:lnRef>
+          <a:fillRef idx="0">
+            <a:schemeClr val="accent1"/>
+          </a:fillRef>
+          <a:effectRef idx="0">
+            <a:schemeClr val="accent1"/>
+          </a:effectRef>
+          <a:fontRef idx="minor">
+            <a:schemeClr val="tx1"/>
+          </a:fontRef>
+        </p:style>
+      </p:cxnSp>
+      <p:sp>
+        <p:nvSpPr>
+          <p:cNvPr id="46" name="矩形 45">
+            <a:extLst>
+              <a:ext uri="{FF2B5EF4-FFF2-40B4-BE49-F238E27FC236}">
+                <a16:creationId xmlns:a16="http://schemas.microsoft.com/office/drawing/2014/main" id="{2680191E-6E34-F040-B6EE-6A15A1F27BD3}"/>
+              </a:ext>
+            </a:extLst>
+          </p:cNvPr>
+          <p:cNvSpPr/>
+          <p:nvPr/>
+        </p:nvSpPr>
+        <p:spPr>
+          <a:xfrm>
+            <a:off x="676729" y="2128482"/>
+            <a:ext cx="571500" cy="571500"/>
+          </a:xfrm>
+          <a:prstGeom prst="rect">
+            <a:avLst/>
+          </a:prstGeom>
+          <a:noFill/>
+          <a:ln>
+            <a:solidFill>
+              <a:schemeClr val="tx1"/>
+            </a:solidFill>
+          </a:ln>
+        </p:spPr>
+        <p:style>
+          <a:lnRef idx="2">
+            <a:schemeClr val="accent1">
+              <a:shade val="50000"/>
+            </a:schemeClr>
+          </a:lnRef>
+          <a:fillRef idx="1">
+            <a:schemeClr val="accent1"/>
+          </a:fillRef>
+          <a:effectRef idx="0">
+            <a:schemeClr val="accent1"/>
+          </a:effectRef>
+          <a:fontRef idx="minor">
+            <a:schemeClr val="lt1"/>
+          </a:fontRef>
+        </p:style>
+        <p:txBody>
+          <a:bodyPr rot="0" spcFirstLastPara="0" vertOverflow="overflow" horzOverflow="overflow" vert="horz" wrap="square" lIns="91440" tIns="45720" rIns="91440" bIns="45720" numCol="1" spcCol="0" rtlCol="0" fromWordArt="0" anchor="ctr" anchorCtr="0" forceAA="0" compatLnSpc="1">
+            <a:prstTxWarp prst="textNoShape">
+              <a:avLst/>
+            </a:prstTxWarp>
+            <a:noAutofit/>
+          </a:bodyPr>
+          <a:lstStyle/>
+          <a:p>
+            <a:pPr algn="ctr"/>
+            <a:endParaRPr kumimoji="1" lang="zh-CN" altLang="en-US">
+              <a:solidFill>
+                <a:schemeClr val="tx1"/>
+              </a:solidFill>
+            </a:endParaRPr>
+          </a:p>
+        </p:txBody>
+      </p:sp>
+      <p:sp>
+        <p:nvSpPr>
+          <p:cNvPr id="48" name="矩形 47">
+            <a:extLst>
+              <a:ext uri="{FF2B5EF4-FFF2-40B4-BE49-F238E27FC236}">
+                <a16:creationId xmlns:a16="http://schemas.microsoft.com/office/drawing/2014/main" id="{7FD85044-28F6-C14D-B133-03856042C896}"/>
+              </a:ext>
+            </a:extLst>
+          </p:cNvPr>
+          <p:cNvSpPr/>
+          <p:nvPr/>
+        </p:nvSpPr>
+        <p:spPr>
+          <a:xfrm>
+            <a:off x="1425090" y="2128482"/>
+            <a:ext cx="571500" cy="571500"/>
+          </a:xfrm>
+          <a:prstGeom prst="rect">
+            <a:avLst/>
+          </a:prstGeom>
+          <a:noFill/>
+          <a:ln>
+            <a:solidFill>
+              <a:schemeClr val="tx1"/>
+            </a:solidFill>
+          </a:ln>
+        </p:spPr>
+        <p:style>
+          <a:lnRef idx="2">
+            <a:schemeClr val="accent1">
+              <a:shade val="50000"/>
+            </a:schemeClr>
+          </a:lnRef>
+          <a:fillRef idx="1">
+            <a:schemeClr val="accent1"/>
+          </a:fillRef>
+          <a:effectRef idx="0">
+            <a:schemeClr val="accent1"/>
+          </a:effectRef>
+          <a:fontRef idx="minor">
+            <a:schemeClr val="lt1"/>
+          </a:fontRef>
+        </p:style>
+        <p:txBody>
+          <a:bodyPr rot="0" spcFirstLastPara="0" vertOverflow="overflow" horzOverflow="overflow" vert="horz" wrap="square" lIns="91440" tIns="45720" rIns="91440" bIns="45720" numCol="1" spcCol="0" rtlCol="0" fromWordArt="0" anchor="ctr" anchorCtr="0" forceAA="0" compatLnSpc="1">
+            <a:prstTxWarp prst="textNoShape">
+              <a:avLst/>
+            </a:prstTxWarp>
+            <a:noAutofit/>
+          </a:bodyPr>
+          <a:lstStyle/>
+          <a:p>
+            <a:pPr algn="ctr"/>
+            <a:endParaRPr kumimoji="1" lang="zh-CN" altLang="en-US">
+              <a:solidFill>
+                <a:schemeClr val="tx1"/>
+              </a:solidFill>
+            </a:endParaRPr>
+          </a:p>
+        </p:txBody>
+      </p:sp>
+      <p:sp>
+        <p:nvSpPr>
+          <p:cNvPr id="50" name="矩形 49">
+            <a:extLst>
+              <a:ext uri="{FF2B5EF4-FFF2-40B4-BE49-F238E27FC236}">
+                <a16:creationId xmlns:a16="http://schemas.microsoft.com/office/drawing/2014/main" id="{01F42F89-3A15-9D4A-A45B-4F7530C87319}"/>
+              </a:ext>
+            </a:extLst>
+          </p:cNvPr>
+          <p:cNvSpPr/>
+          <p:nvPr/>
+        </p:nvSpPr>
+        <p:spPr>
+          <a:xfrm>
+            <a:off x="2173451" y="2128482"/>
+            <a:ext cx="571500" cy="571500"/>
+          </a:xfrm>
+          <a:prstGeom prst="rect">
+            <a:avLst/>
+          </a:prstGeom>
+          <a:noFill/>
+          <a:ln>
+            <a:solidFill>
+              <a:schemeClr val="tx1"/>
+            </a:solidFill>
+          </a:ln>
+        </p:spPr>
+        <p:style>
+          <a:lnRef idx="2">
+            <a:schemeClr val="accent1">
+              <a:shade val="50000"/>
+            </a:schemeClr>
+          </a:lnRef>
+          <a:fillRef idx="1">
+            <a:schemeClr val="accent1"/>
+          </a:fillRef>
+          <a:effectRef idx="0">
+            <a:schemeClr val="accent1"/>
+          </a:effectRef>
+          <a:fontRef idx="minor">
+            <a:schemeClr val="lt1"/>
+          </a:fontRef>
+        </p:style>
+        <p:txBody>
+          <a:bodyPr rot="0" spcFirstLastPara="0" vertOverflow="overflow" horzOverflow="overflow" vert="horz" wrap="square" lIns="91440" tIns="45720" rIns="91440" bIns="45720" numCol="1" spcCol="0" rtlCol="0" fromWordArt="0" anchor="ctr" anchorCtr="0" forceAA="0" compatLnSpc="1">
+            <a:prstTxWarp prst="textNoShape">
+              <a:avLst/>
+            </a:prstTxWarp>
+            <a:noAutofit/>
+          </a:bodyPr>
+          <a:lstStyle/>
+          <a:p>
+            <a:pPr algn="ctr"/>
+            <a:endParaRPr kumimoji="1" lang="zh-CN" altLang="en-US">
+              <a:solidFill>
+                <a:schemeClr val="tx1"/>
+              </a:solidFill>
+            </a:endParaRPr>
+          </a:p>
+        </p:txBody>
+      </p:sp>
+      <p:sp>
+        <p:nvSpPr>
+          <p:cNvPr id="51" name="矩形 50">
+            <a:extLst>
+              <a:ext uri="{FF2B5EF4-FFF2-40B4-BE49-F238E27FC236}">
+                <a16:creationId xmlns:a16="http://schemas.microsoft.com/office/drawing/2014/main" id="{72FAB3F6-9FAA-5E49-8378-333230CE44FE}"/>
+              </a:ext>
+            </a:extLst>
+          </p:cNvPr>
+          <p:cNvSpPr/>
+          <p:nvPr/>
+        </p:nvSpPr>
+        <p:spPr>
+          <a:xfrm>
+            <a:off x="2921812" y="2128482"/>
+            <a:ext cx="571500" cy="571500"/>
+          </a:xfrm>
+          <a:prstGeom prst="rect">
+            <a:avLst/>
+          </a:prstGeom>
+          <a:noFill/>
+          <a:ln>
+            <a:solidFill>
+              <a:schemeClr val="tx1"/>
+            </a:solidFill>
+          </a:ln>
+        </p:spPr>
+        <p:style>
+          <a:lnRef idx="2">
+            <a:schemeClr val="accent1">
+              <a:shade val="50000"/>
+            </a:schemeClr>
+          </a:lnRef>
+          <a:fillRef idx="1">
+            <a:schemeClr val="accent1"/>
+          </a:fillRef>
+          <a:effectRef idx="0">
+            <a:schemeClr val="accent1"/>
+          </a:effectRef>
+          <a:fontRef idx="minor">
+            <a:schemeClr val="lt1"/>
+          </a:fontRef>
+        </p:style>
+        <p:txBody>
+          <a:bodyPr rot="0" spcFirstLastPara="0" vertOverflow="overflow" horzOverflow="overflow" vert="horz" wrap="square" lIns="91440" tIns="45720" rIns="91440" bIns="45720" numCol="1" spcCol="0" rtlCol="0" fromWordArt="0" anchor="ctr" anchorCtr="0" forceAA="0" compatLnSpc="1">
+            <a:prstTxWarp prst="textNoShape">
+              <a:avLst/>
+            </a:prstTxWarp>
+            <a:noAutofit/>
+          </a:bodyPr>
+          <a:lstStyle/>
+          <a:p>
+            <a:pPr algn="ctr"/>
+            <a:endParaRPr kumimoji="1" lang="zh-CN" altLang="en-US">
+              <a:solidFill>
+                <a:schemeClr val="tx1"/>
+              </a:solidFill>
+            </a:endParaRPr>
+          </a:p>
+        </p:txBody>
+      </p:sp>
+      <p:sp>
+        <p:nvSpPr>
+          <p:cNvPr id="53" name="矩形 52">
+            <a:extLst>
+              <a:ext uri="{FF2B5EF4-FFF2-40B4-BE49-F238E27FC236}">
+                <a16:creationId xmlns:a16="http://schemas.microsoft.com/office/drawing/2014/main" id="{BECC58F8-BC78-524B-9CE9-A03B9C4A0B89}"/>
+              </a:ext>
+            </a:extLst>
+          </p:cNvPr>
+          <p:cNvSpPr/>
+          <p:nvPr/>
+        </p:nvSpPr>
+        <p:spPr>
+          <a:xfrm>
+            <a:off x="3670173" y="2128482"/>
+            <a:ext cx="571500" cy="571500"/>
+          </a:xfrm>
+          <a:prstGeom prst="rect">
+            <a:avLst/>
+          </a:prstGeom>
+          <a:noFill/>
+          <a:ln>
+            <a:solidFill>
+              <a:schemeClr val="tx1"/>
+            </a:solidFill>
+          </a:ln>
+        </p:spPr>
+        <p:style>
+          <a:lnRef idx="2">
+            <a:schemeClr val="accent1">
+              <a:shade val="50000"/>
+            </a:schemeClr>
+          </a:lnRef>
+          <a:fillRef idx="1">
+            <a:schemeClr val="accent1"/>
+          </a:fillRef>
+          <a:effectRef idx="0">
+            <a:schemeClr val="accent1"/>
+          </a:effectRef>
+          <a:fontRef idx="minor">
+            <a:schemeClr val="lt1"/>
+          </a:fontRef>
+        </p:style>
+        <p:txBody>
+          <a:bodyPr rot="0" spcFirstLastPara="0" vertOverflow="overflow" horzOverflow="overflow" vert="horz" wrap="square" lIns="91440" tIns="45720" rIns="91440" bIns="45720" numCol="1" spcCol="0" rtlCol="0" fromWordArt="0" anchor="ctr" anchorCtr="0" forceAA="0" compatLnSpc="1">
+            <a:prstTxWarp prst="textNoShape">
+              <a:avLst/>
+            </a:prstTxWarp>
+            <a:noAutofit/>
+          </a:bodyPr>
+          <a:lstStyle/>
+          <a:p>
+            <a:pPr algn="ctr"/>
+            <a:endParaRPr kumimoji="1" lang="zh-CN" altLang="en-US">
+              <a:solidFill>
+                <a:schemeClr val="tx1"/>
+              </a:solidFill>
+            </a:endParaRPr>
+          </a:p>
+        </p:txBody>
+      </p:sp>
+      <p:sp>
+        <p:nvSpPr>
+          <p:cNvPr id="54" name="矩形 53">
+            <a:extLst>
+              <a:ext uri="{FF2B5EF4-FFF2-40B4-BE49-F238E27FC236}">
+                <a16:creationId xmlns:a16="http://schemas.microsoft.com/office/drawing/2014/main" id="{24F8BDB1-C566-DA4E-87FC-AB21C8064543}"/>
+              </a:ext>
+            </a:extLst>
+          </p:cNvPr>
+          <p:cNvSpPr/>
+          <p:nvPr/>
+        </p:nvSpPr>
+        <p:spPr>
+          <a:xfrm>
+            <a:off x="4418534" y="2128482"/>
+            <a:ext cx="571500" cy="571500"/>
+          </a:xfrm>
+          <a:prstGeom prst="rect">
+            <a:avLst/>
+          </a:prstGeom>
+          <a:noFill/>
+          <a:ln>
+            <a:solidFill>
+              <a:schemeClr val="tx1"/>
+            </a:solidFill>
+          </a:ln>
+        </p:spPr>
+        <p:style>
+          <a:lnRef idx="2">
+            <a:schemeClr val="accent1">
+              <a:shade val="50000"/>
+            </a:schemeClr>
+          </a:lnRef>
+          <a:fillRef idx="1">
+            <a:schemeClr val="accent1"/>
+          </a:fillRef>
+          <a:effectRef idx="0">
+            <a:schemeClr val="accent1"/>
+          </a:effectRef>
+          <a:fontRef idx="minor">
+            <a:schemeClr val="lt1"/>
+          </a:fontRef>
+        </p:style>
+        <p:txBody>
+          <a:bodyPr rot="0" spcFirstLastPara="0" vertOverflow="overflow" horzOverflow="overflow" vert="horz" wrap="square" lIns="91440" tIns="45720" rIns="91440" bIns="45720" numCol="1" spcCol="0" rtlCol="0" fromWordArt="0" anchor="ctr" anchorCtr="0" forceAA="0" compatLnSpc="1">
+            <a:prstTxWarp prst="textNoShape">
+              <a:avLst/>
+            </a:prstTxWarp>
+            <a:noAutofit/>
+          </a:bodyPr>
+          <a:lstStyle/>
+          <a:p>
+            <a:pPr algn="ctr"/>
+            <a:endParaRPr kumimoji="1" lang="zh-CN" altLang="en-US">
+              <a:solidFill>
+                <a:schemeClr val="tx1"/>
+              </a:solidFill>
+            </a:endParaRPr>
+          </a:p>
+        </p:txBody>
+      </p:sp>
+      <p:sp>
+        <p:nvSpPr>
+          <p:cNvPr id="8" name="圆角矩形 7">
+            <a:extLst>
+              <a:ext uri="{FF2B5EF4-FFF2-40B4-BE49-F238E27FC236}">
+                <a16:creationId xmlns:a16="http://schemas.microsoft.com/office/drawing/2014/main" id="{47A1DE4E-3918-2D46-8EC4-2924EEE9E7FA}"/>
+              </a:ext>
+            </a:extLst>
+          </p:cNvPr>
+          <p:cNvSpPr/>
+          <p:nvPr/>
+        </p:nvSpPr>
+        <p:spPr>
+          <a:xfrm>
+            <a:off x="265836" y="1698171"/>
+            <a:ext cx="5399209" cy="1211283"/>
+          </a:xfrm>
+          <a:prstGeom prst="roundRect">
+            <a:avLst/>
+          </a:prstGeom>
+          <a:noFill/>
+          <a:ln>
+            <a:solidFill>
+              <a:schemeClr val="tx1"/>
+            </a:solidFill>
+          </a:ln>
+        </p:spPr>
+        <p:style>
+          <a:lnRef idx="2">
+            <a:schemeClr val="accent1">
+              <a:shade val="50000"/>
+            </a:schemeClr>
+          </a:lnRef>
+          <a:fillRef idx="1">
+            <a:schemeClr val="accent1"/>
+          </a:fillRef>
+          <a:effectRef idx="0">
+            <a:schemeClr val="accent1"/>
+          </a:effectRef>
+          <a:fontRef idx="minor">
+            <a:schemeClr val="lt1"/>
+          </a:fontRef>
+        </p:style>
+        <p:txBody>
+          <a:bodyPr rtlCol="0" anchor="ctr"/>
+          <a:lstStyle/>
+          <a:p>
+            <a:pPr algn="ctr"/>
+            <a:endParaRPr kumimoji="1" lang="zh-CN" altLang="en-US">
+              <a:solidFill>
+                <a:schemeClr val="tx1"/>
+              </a:solidFill>
+            </a:endParaRPr>
+          </a:p>
+        </p:txBody>
+      </p:sp>
+      <p:sp>
+        <p:nvSpPr>
+          <p:cNvPr id="57" name="椭圆 56">
+            <a:extLst>
+              <a:ext uri="{FF2B5EF4-FFF2-40B4-BE49-F238E27FC236}">
+                <a16:creationId xmlns:a16="http://schemas.microsoft.com/office/drawing/2014/main" id="{013B2845-350E-E745-8AFD-88696CBB73F9}"/>
+              </a:ext>
+            </a:extLst>
+          </p:cNvPr>
+          <p:cNvSpPr/>
+          <p:nvPr/>
+        </p:nvSpPr>
+        <p:spPr>
+          <a:xfrm>
+            <a:off x="2921812" y="1373043"/>
+            <a:ext cx="1456490" cy="540284"/>
+          </a:xfrm>
+          <a:prstGeom prst="ellipse">
+            <a:avLst/>
+          </a:prstGeom>
+          <a:solidFill>
+            <a:schemeClr val="bg1"/>
+          </a:solidFill>
+          <a:ln>
+            <a:solidFill>
+              <a:schemeClr val="tx1"/>
+            </a:solidFill>
+          </a:ln>
+        </p:spPr>
+        <p:style>
+          <a:lnRef idx="2">
+            <a:schemeClr val="accent1">
+              <a:shade val="50000"/>
+            </a:schemeClr>
+          </a:lnRef>
+          <a:fillRef idx="1">
+            <a:schemeClr val="accent1"/>
+          </a:fillRef>
+          <a:effectRef idx="0">
+            <a:schemeClr val="accent1"/>
+          </a:effectRef>
+          <a:fontRef idx="minor">
+            <a:schemeClr val="lt1"/>
+          </a:fontRef>
+        </p:style>
+        <p:txBody>
+          <a:bodyPr rtlCol="0" anchor="ctr"/>
+          <a:lstStyle/>
+          <a:p>
+            <a:pPr algn="ctr"/>
+            <a:r>
+              <a:rPr kumimoji="1" lang="en-US" altLang="zh-CN" sz="900" b="1">
+                <a:solidFill>
+                  <a:schemeClr val="tx1"/>
+                </a:solidFill>
+              </a:rPr>
+              <a:t>run_list</a:t>
+            </a:r>
+          </a:p>
+          <a:p>
+            <a:pPr algn="ctr"/>
+            <a:r>
+              <a:rPr kumimoji="1" lang="zh-CN" altLang="en-US" sz="900" b="1">
+                <a:solidFill>
+                  <a:schemeClr val="tx1"/>
+                </a:solidFill>
+              </a:rPr>
+              <a:t>或优先队列</a:t>
+            </a:r>
+            <a:endParaRPr kumimoji="1" lang="en-US" altLang="zh-CN" sz="900" b="1">
+              <a:solidFill>
+                <a:schemeClr val="tx1"/>
+              </a:solidFill>
+            </a:endParaRPr>
+          </a:p>
+          <a:p>
+            <a:pPr algn="ctr"/>
+            <a:r>
+              <a:rPr kumimoji="1" lang="zh-CN" altLang="en-US" sz="900" b="1">
+                <a:solidFill>
+                  <a:schemeClr val="tx1"/>
+                </a:solidFill>
+              </a:rPr>
+              <a:t>就绪队列</a:t>
+            </a:r>
+          </a:p>
+        </p:txBody>
+      </p:sp>
+      <p:sp>
+        <p:nvSpPr>
+          <p:cNvPr id="68" name="矩形 67">
+            <a:extLst>
+              <a:ext uri="{FF2B5EF4-FFF2-40B4-BE49-F238E27FC236}">
+                <a16:creationId xmlns:a16="http://schemas.microsoft.com/office/drawing/2014/main" id="{2D655781-D6DD-8549-8F81-259F86E20DE8}"/>
+              </a:ext>
+            </a:extLst>
+          </p:cNvPr>
+          <p:cNvSpPr/>
+          <p:nvPr/>
+        </p:nvSpPr>
+        <p:spPr>
+          <a:xfrm>
+            <a:off x="6691109" y="2128482"/>
+            <a:ext cx="571500" cy="571500"/>
+          </a:xfrm>
+          <a:prstGeom prst="rect">
+            <a:avLst/>
+          </a:prstGeom>
+          <a:noFill/>
+          <a:ln>
+            <a:solidFill>
+              <a:schemeClr val="tx1"/>
+            </a:solidFill>
+            <a:prstDash val="dash"/>
+          </a:ln>
+        </p:spPr>
+        <p:style>
+          <a:lnRef idx="2">
+            <a:schemeClr val="accent1">
+              <a:shade val="50000"/>
+            </a:schemeClr>
+          </a:lnRef>
+          <a:fillRef idx="1">
+            <a:schemeClr val="accent1"/>
+          </a:fillRef>
+          <a:effectRef idx="0">
+            <a:schemeClr val="accent1"/>
+          </a:effectRef>
+          <a:fontRef idx="minor">
+            <a:schemeClr val="lt1"/>
+          </a:fontRef>
+        </p:style>
+        <p:txBody>
+          <a:bodyPr rot="0" spcFirstLastPara="0" vertOverflow="overflow" horzOverflow="overflow" vert="horz" wrap="square" lIns="91440" tIns="45720" rIns="91440" bIns="45720" numCol="1" spcCol="0" rtlCol="0" fromWordArt="0" anchor="ctr" anchorCtr="0" forceAA="0" compatLnSpc="1">
+            <a:prstTxWarp prst="textNoShape">
+              <a:avLst/>
+            </a:prstTxWarp>
+            <a:noAutofit/>
+          </a:bodyPr>
+          <a:lstStyle/>
+          <a:p>
+            <a:pPr algn="ctr"/>
+            <a:endParaRPr kumimoji="1" lang="zh-CN" altLang="en-US">
+              <a:solidFill>
+                <a:schemeClr val="tx1"/>
+              </a:solidFill>
+            </a:endParaRPr>
+          </a:p>
+        </p:txBody>
+      </p:sp>
+      <p:sp>
+        <p:nvSpPr>
+          <p:cNvPr id="26" name="圆角矩形 25">
+            <a:extLst>
+              <a:ext uri="{FF2B5EF4-FFF2-40B4-BE49-F238E27FC236}">
+                <a16:creationId xmlns:a16="http://schemas.microsoft.com/office/drawing/2014/main" id="{2604A559-A207-9346-B9F7-6AACB9F26DD8}"/>
+              </a:ext>
+            </a:extLst>
+          </p:cNvPr>
+          <p:cNvSpPr/>
+          <p:nvPr/>
+        </p:nvSpPr>
+        <p:spPr>
+          <a:xfrm>
+            <a:off x="146357" y="1045029"/>
+            <a:ext cx="11899075" cy="2529443"/>
+          </a:xfrm>
+          <a:prstGeom prst="roundRect">
+            <a:avLst/>
+          </a:prstGeom>
+          <a:noFill/>
+          <a:ln>
+            <a:solidFill>
+              <a:schemeClr val="tx1"/>
+            </a:solidFill>
+          </a:ln>
+        </p:spPr>
+        <p:style>
+          <a:lnRef idx="2">
+            <a:schemeClr val="accent1">
+              <a:shade val="50000"/>
+            </a:schemeClr>
+          </a:lnRef>
+          <a:fillRef idx="1">
+            <a:schemeClr val="accent1"/>
+          </a:fillRef>
+          <a:effectRef idx="0">
+            <a:schemeClr val="accent1"/>
+          </a:effectRef>
+          <a:fontRef idx="minor">
+            <a:schemeClr val="lt1"/>
+          </a:fontRef>
+        </p:style>
+        <p:txBody>
+          <a:bodyPr rtlCol="0" anchor="ctr"/>
+          <a:lstStyle/>
+          <a:p>
+            <a:pPr algn="ctr"/>
+            <a:endParaRPr kumimoji="1" lang="zh-CN" altLang="en-US">
+              <a:solidFill>
+                <a:schemeClr val="tx1"/>
+              </a:solidFill>
+            </a:endParaRPr>
+          </a:p>
+        </p:txBody>
+      </p:sp>
+      <p:sp>
+        <p:nvSpPr>
+          <p:cNvPr id="69" name="椭圆 68">
+            <a:extLst>
+              <a:ext uri="{FF2B5EF4-FFF2-40B4-BE49-F238E27FC236}">
+                <a16:creationId xmlns:a16="http://schemas.microsoft.com/office/drawing/2014/main" id="{E7E25D20-EFCB-4648-B661-0C87202FE734}"/>
+              </a:ext>
+            </a:extLst>
+          </p:cNvPr>
+          <p:cNvSpPr/>
+          <p:nvPr/>
+        </p:nvSpPr>
+        <p:spPr>
+          <a:xfrm>
+            <a:off x="4980750" y="661385"/>
+            <a:ext cx="1800168" cy="601037"/>
+          </a:xfrm>
+          <a:prstGeom prst="ellipse">
+            <a:avLst/>
+          </a:prstGeom>
+          <a:solidFill>
+            <a:schemeClr val="bg1"/>
+          </a:solidFill>
+          <a:ln>
+            <a:solidFill>
+              <a:schemeClr val="tx1"/>
+            </a:solidFill>
+          </a:ln>
+        </p:spPr>
+        <p:style>
+          <a:lnRef idx="2">
+            <a:schemeClr val="accent1">
+              <a:shade val="50000"/>
+            </a:schemeClr>
+          </a:lnRef>
+          <a:fillRef idx="1">
+            <a:schemeClr val="accent1"/>
+          </a:fillRef>
+          <a:effectRef idx="0">
+            <a:schemeClr val="accent1"/>
+          </a:effectRef>
+          <a:fontRef idx="minor">
+            <a:schemeClr val="lt1"/>
+          </a:fontRef>
+        </p:style>
+        <p:txBody>
+          <a:bodyPr rtlCol="0" anchor="ctr"/>
+          <a:lstStyle/>
+          <a:p>
+            <a:pPr algn="ctr"/>
+            <a:r>
+              <a:rPr kumimoji="1" lang="en-US" altLang="zh-CN" sz="900" b="1">
+                <a:solidFill>
+                  <a:schemeClr val="tx1"/>
+                </a:solidFill>
+              </a:rPr>
+              <a:t>proc_list</a:t>
+            </a:r>
+          </a:p>
+        </p:txBody>
+      </p:sp>
+      <p:sp>
+        <p:nvSpPr>
+          <p:cNvPr id="25" name="左箭头 24">
+            <a:extLst>
+              <a:ext uri="{FF2B5EF4-FFF2-40B4-BE49-F238E27FC236}">
+                <a16:creationId xmlns:a16="http://schemas.microsoft.com/office/drawing/2014/main" id="{6F143D01-AD47-E04F-A633-1D45F2C7BE8D}"/>
+              </a:ext>
+            </a:extLst>
+          </p:cNvPr>
+          <p:cNvSpPr/>
+          <p:nvPr/>
+        </p:nvSpPr>
+        <p:spPr>
+          <a:xfrm>
+            <a:off x="5086161" y="1998689"/>
+            <a:ext cx="1445267" cy="701293"/>
+          </a:xfrm>
+          <a:prstGeom prst="leftArrow">
+            <a:avLst/>
+          </a:prstGeom>
+          <a:solidFill>
+            <a:schemeClr val="bg1"/>
+          </a:solidFill>
+          <a:ln>
+            <a:solidFill>
+              <a:schemeClr val="tx1"/>
+            </a:solidFill>
+            <a:prstDash val="dash"/>
+          </a:ln>
+        </p:spPr>
+        <p:style>
+          <a:lnRef idx="2">
+            <a:schemeClr val="accent1">
+              <a:shade val="50000"/>
+            </a:schemeClr>
+          </a:lnRef>
+          <a:fillRef idx="1">
+            <a:schemeClr val="accent1"/>
+          </a:fillRef>
+          <a:effectRef idx="0">
+            <a:schemeClr val="accent1"/>
+          </a:effectRef>
+          <a:fontRef idx="minor">
+            <a:schemeClr val="lt1"/>
+          </a:fontRef>
+        </p:style>
+        <p:txBody>
+          <a:bodyPr rtlCol="0" anchor="ctr"/>
+          <a:lstStyle/>
+          <a:p>
+            <a:r>
+              <a:rPr lang="en-US" altLang="zh-CN" sz="900">
+                <a:solidFill>
+                  <a:schemeClr val="tx1"/>
+                </a:solidFill>
+              </a:rPr>
+              <a:t>sched_class_enqueue</a:t>
+            </a:r>
+          </a:p>
+        </p:txBody>
+      </p:sp>
+      <p:sp>
+        <p:nvSpPr>
+          <p:cNvPr id="16" name="圆角矩形 15">
+            <a:extLst>
+              <a:ext uri="{FF2B5EF4-FFF2-40B4-BE49-F238E27FC236}">
+                <a16:creationId xmlns:a16="http://schemas.microsoft.com/office/drawing/2014/main" id="{DD68F51F-21B3-0D4A-B8AC-3F2BD530EC25}"/>
+              </a:ext>
+            </a:extLst>
+          </p:cNvPr>
+          <p:cNvSpPr/>
+          <p:nvPr/>
+        </p:nvSpPr>
+        <p:spPr>
+          <a:xfrm>
+            <a:off x="6173034" y="1698170"/>
+            <a:ext cx="3845515" cy="1211283"/>
+          </a:xfrm>
+          <a:prstGeom prst="roundRect">
+            <a:avLst/>
+          </a:prstGeom>
+          <a:noFill/>
+          <a:ln>
+            <a:solidFill>
+              <a:schemeClr val="tx1"/>
+            </a:solidFill>
+          </a:ln>
+        </p:spPr>
+        <p:style>
+          <a:lnRef idx="2">
+            <a:schemeClr val="accent1">
+              <a:shade val="50000"/>
+            </a:schemeClr>
+          </a:lnRef>
+          <a:fillRef idx="1">
+            <a:schemeClr val="accent1"/>
+          </a:fillRef>
+          <a:effectRef idx="0">
+            <a:schemeClr val="accent1"/>
+          </a:effectRef>
+          <a:fontRef idx="minor">
+            <a:schemeClr val="lt1"/>
+          </a:fontRef>
+        </p:style>
+        <p:txBody>
+          <a:bodyPr rtlCol="0" anchor="ctr"/>
+          <a:lstStyle/>
+          <a:p>
+            <a:pPr algn="ctr"/>
+            <a:endParaRPr kumimoji="1" lang="zh-CN" altLang="en-US">
+              <a:solidFill>
+                <a:schemeClr val="tx1"/>
+              </a:solidFill>
+            </a:endParaRPr>
+          </a:p>
+        </p:txBody>
+      </p:sp>
+      <p:sp>
+        <p:nvSpPr>
+          <p:cNvPr id="17" name="椭圆 16">
+            <a:extLst>
+              <a:ext uri="{FF2B5EF4-FFF2-40B4-BE49-F238E27FC236}">
+                <a16:creationId xmlns:a16="http://schemas.microsoft.com/office/drawing/2014/main" id="{C85751FE-9E61-5949-8237-5DFC36EA9D10}"/>
+              </a:ext>
+            </a:extLst>
+          </p:cNvPr>
+          <p:cNvSpPr/>
+          <p:nvPr/>
+        </p:nvSpPr>
+        <p:spPr>
+          <a:xfrm>
+            <a:off x="7561725" y="1373043"/>
+            <a:ext cx="1456490" cy="540284"/>
+          </a:xfrm>
+          <a:prstGeom prst="ellipse">
+            <a:avLst/>
+          </a:prstGeom>
+          <a:solidFill>
+            <a:schemeClr val="bg1"/>
+          </a:solidFill>
+          <a:ln>
+            <a:solidFill>
+              <a:schemeClr val="tx1"/>
+            </a:solidFill>
+          </a:ln>
+        </p:spPr>
+        <p:style>
+          <a:lnRef idx="2">
+            <a:schemeClr val="accent1">
+              <a:shade val="50000"/>
+            </a:schemeClr>
+          </a:lnRef>
+          <a:fillRef idx="1">
+            <a:schemeClr val="accent1"/>
+          </a:fillRef>
+          <a:effectRef idx="0">
+            <a:schemeClr val="accent1"/>
+          </a:effectRef>
+          <a:fontRef idx="minor">
+            <a:schemeClr val="lt1"/>
+          </a:fontRef>
+        </p:style>
+        <p:txBody>
+          <a:bodyPr rtlCol="0" anchor="ctr"/>
+          <a:lstStyle/>
+          <a:p>
+            <a:pPr algn="ctr"/>
+            <a:r>
+              <a:rPr lang="en-US" altLang="zh-CN" sz="900" b="1">
+                <a:solidFill>
+                  <a:schemeClr val="tx1"/>
+                </a:solidFill>
+              </a:rPr>
+              <a:t>wait_queue_t</a:t>
+            </a:r>
+          </a:p>
+          <a:p>
+            <a:pPr algn="ctr"/>
+            <a:r>
+              <a:rPr kumimoji="1" lang="zh-CN" altLang="en-US" sz="900" b="1">
+                <a:solidFill>
+                  <a:schemeClr val="tx1"/>
+                </a:solidFill>
+              </a:rPr>
+              <a:t>等待队列</a:t>
+            </a:r>
+            <a:endParaRPr kumimoji="1" lang="en-US" altLang="zh-CN" sz="900" b="1">
+              <a:solidFill>
+                <a:schemeClr val="tx1"/>
+              </a:solidFill>
+            </a:endParaRPr>
+          </a:p>
+        </p:txBody>
+      </p:sp>
+      <p:sp>
+        <p:nvSpPr>
+          <p:cNvPr id="18" name="矩形 17">
+            <a:extLst>
+              <a:ext uri="{FF2B5EF4-FFF2-40B4-BE49-F238E27FC236}">
+                <a16:creationId xmlns:a16="http://schemas.microsoft.com/office/drawing/2014/main" id="{E641E2B5-71D9-014A-B9F5-AA7D78CB0320}"/>
+              </a:ext>
+            </a:extLst>
+          </p:cNvPr>
+          <p:cNvSpPr/>
+          <p:nvPr/>
+        </p:nvSpPr>
+        <p:spPr>
+          <a:xfrm>
+            <a:off x="7434755" y="2125640"/>
+            <a:ext cx="571500" cy="571500"/>
+          </a:xfrm>
+          <a:prstGeom prst="rect">
+            <a:avLst/>
+          </a:prstGeom>
+          <a:noFill/>
+          <a:ln>
+            <a:solidFill>
+              <a:schemeClr val="tx1"/>
+            </a:solidFill>
+          </a:ln>
+        </p:spPr>
+        <p:style>
+          <a:lnRef idx="2">
+            <a:schemeClr val="accent1">
+              <a:shade val="50000"/>
+            </a:schemeClr>
+          </a:lnRef>
+          <a:fillRef idx="1">
+            <a:schemeClr val="accent1"/>
+          </a:fillRef>
+          <a:effectRef idx="0">
+            <a:schemeClr val="accent1"/>
+          </a:effectRef>
+          <a:fontRef idx="minor">
+            <a:schemeClr val="lt1"/>
+          </a:fontRef>
+        </p:style>
+        <p:txBody>
+          <a:bodyPr rot="0" spcFirstLastPara="0" vertOverflow="overflow" horzOverflow="overflow" vert="horz" wrap="square" lIns="91440" tIns="45720" rIns="91440" bIns="45720" numCol="1" spcCol="0" rtlCol="0" fromWordArt="0" anchor="ctr" anchorCtr="0" forceAA="0" compatLnSpc="1">
+            <a:prstTxWarp prst="textNoShape">
+              <a:avLst/>
+            </a:prstTxWarp>
+            <a:noAutofit/>
+          </a:bodyPr>
+          <a:lstStyle/>
+          <a:p>
+            <a:pPr algn="ctr"/>
+            <a:endParaRPr kumimoji="1" lang="zh-CN" altLang="en-US">
+              <a:solidFill>
+                <a:schemeClr val="tx1"/>
+              </a:solidFill>
+            </a:endParaRPr>
+          </a:p>
+        </p:txBody>
+      </p:sp>
+      <p:sp>
+        <p:nvSpPr>
+          <p:cNvPr id="19" name="矩形 18">
+            <a:extLst>
+              <a:ext uri="{FF2B5EF4-FFF2-40B4-BE49-F238E27FC236}">
+                <a16:creationId xmlns:a16="http://schemas.microsoft.com/office/drawing/2014/main" id="{A95A450B-4E0F-944C-8147-BD3AE30A7237}"/>
+              </a:ext>
+            </a:extLst>
+          </p:cNvPr>
+          <p:cNvSpPr/>
+          <p:nvPr/>
+        </p:nvSpPr>
+        <p:spPr>
+          <a:xfrm>
+            <a:off x="8183116" y="2125640"/>
+            <a:ext cx="571500" cy="571500"/>
+          </a:xfrm>
+          <a:prstGeom prst="rect">
+            <a:avLst/>
+          </a:prstGeom>
+          <a:noFill/>
+          <a:ln>
+            <a:solidFill>
+              <a:schemeClr val="tx1"/>
+            </a:solidFill>
+          </a:ln>
+        </p:spPr>
+        <p:style>
+          <a:lnRef idx="2">
+            <a:schemeClr val="accent1">
+              <a:shade val="50000"/>
+            </a:schemeClr>
+          </a:lnRef>
+          <a:fillRef idx="1">
+            <a:schemeClr val="accent1"/>
+          </a:fillRef>
+          <a:effectRef idx="0">
+            <a:schemeClr val="accent1"/>
+          </a:effectRef>
+          <a:fontRef idx="minor">
+            <a:schemeClr val="lt1"/>
+          </a:fontRef>
+        </p:style>
+        <p:txBody>
+          <a:bodyPr rot="0" spcFirstLastPara="0" vertOverflow="overflow" horzOverflow="overflow" vert="horz" wrap="square" lIns="91440" tIns="45720" rIns="91440" bIns="45720" numCol="1" spcCol="0" rtlCol="0" fromWordArt="0" anchor="ctr" anchorCtr="0" forceAA="0" compatLnSpc="1">
+            <a:prstTxWarp prst="textNoShape">
+              <a:avLst/>
+            </a:prstTxWarp>
+            <a:noAutofit/>
+          </a:bodyPr>
+          <a:lstStyle/>
+          <a:p>
+            <a:pPr algn="ctr"/>
+            <a:endParaRPr kumimoji="1" lang="zh-CN" altLang="en-US">
+              <a:solidFill>
+                <a:schemeClr val="tx1"/>
+              </a:solidFill>
+            </a:endParaRPr>
+          </a:p>
+        </p:txBody>
+      </p:sp>
+      <p:sp>
+        <p:nvSpPr>
+          <p:cNvPr id="20" name="矩形 19">
+            <a:extLst>
+              <a:ext uri="{FF2B5EF4-FFF2-40B4-BE49-F238E27FC236}">
+                <a16:creationId xmlns:a16="http://schemas.microsoft.com/office/drawing/2014/main" id="{6F21C9D8-8EE3-CE42-986D-1ECF2B0D921D}"/>
+              </a:ext>
+            </a:extLst>
+          </p:cNvPr>
+          <p:cNvSpPr/>
+          <p:nvPr/>
+        </p:nvSpPr>
+        <p:spPr>
+          <a:xfrm>
+            <a:off x="8931477" y="2125640"/>
+            <a:ext cx="571500" cy="571500"/>
+          </a:xfrm>
+          <a:prstGeom prst="rect">
+            <a:avLst/>
+          </a:prstGeom>
+          <a:noFill/>
+          <a:ln>
+            <a:solidFill>
+              <a:schemeClr val="tx1"/>
+            </a:solidFill>
+          </a:ln>
+        </p:spPr>
+        <p:style>
+          <a:lnRef idx="2">
+            <a:schemeClr val="accent1">
+              <a:shade val="50000"/>
+            </a:schemeClr>
+          </a:lnRef>
+          <a:fillRef idx="1">
+            <a:schemeClr val="accent1"/>
+          </a:fillRef>
+          <a:effectRef idx="0">
+            <a:schemeClr val="accent1"/>
+          </a:effectRef>
+          <a:fontRef idx="minor">
+            <a:schemeClr val="lt1"/>
+          </a:fontRef>
+        </p:style>
+        <p:txBody>
+          <a:bodyPr rot="0" spcFirstLastPara="0" vertOverflow="overflow" horzOverflow="overflow" vert="horz" wrap="square" lIns="91440" tIns="45720" rIns="91440" bIns="45720" numCol="1" spcCol="0" rtlCol="0" fromWordArt="0" anchor="ctr" anchorCtr="0" forceAA="0" compatLnSpc="1">
+            <a:prstTxWarp prst="textNoShape">
+              <a:avLst/>
+            </a:prstTxWarp>
+            <a:noAutofit/>
+          </a:bodyPr>
+          <a:lstStyle/>
+          <a:p>
+            <a:pPr algn="ctr"/>
+            <a:endParaRPr kumimoji="1" lang="zh-CN" altLang="en-US">
+              <a:solidFill>
+                <a:schemeClr val="tx1"/>
+              </a:solidFill>
+            </a:endParaRPr>
+          </a:p>
+        </p:txBody>
+      </p:sp>
+      <p:sp>
+        <p:nvSpPr>
+          <p:cNvPr id="22" name="剪去同侧角的矩形 21">
+            <a:extLst>
+              <a:ext uri="{FF2B5EF4-FFF2-40B4-BE49-F238E27FC236}">
+                <a16:creationId xmlns:a16="http://schemas.microsoft.com/office/drawing/2014/main" id="{813AF0FB-709E-8541-91F6-4DAC640A34B3}"/>
+              </a:ext>
+            </a:extLst>
+          </p:cNvPr>
+          <p:cNvSpPr/>
+          <p:nvPr/>
+        </p:nvSpPr>
+        <p:spPr>
+          <a:xfrm>
+            <a:off x="7840216" y="561109"/>
+            <a:ext cx="914400" cy="325820"/>
+          </a:xfrm>
+          <a:prstGeom prst="snip2SameRect">
+            <a:avLst/>
+          </a:prstGeom>
+          <a:noFill/>
+          <a:ln>
+            <a:solidFill>
+              <a:schemeClr val="tx1"/>
+            </a:solidFill>
+          </a:ln>
+        </p:spPr>
+        <p:style>
+          <a:lnRef idx="2">
+            <a:schemeClr val="accent1">
+              <a:shade val="50000"/>
+            </a:schemeClr>
+          </a:lnRef>
+          <a:fillRef idx="1">
+            <a:schemeClr val="accent1"/>
+          </a:fillRef>
+          <a:effectRef idx="0">
+            <a:schemeClr val="accent1"/>
+          </a:effectRef>
+          <a:fontRef idx="minor">
+            <a:schemeClr val="lt1"/>
+          </a:fontRef>
+        </p:style>
+        <p:txBody>
+          <a:bodyPr rtlCol="0" anchor="ctr"/>
+          <a:lstStyle/>
+          <a:p>
+            <a:pPr algn="ctr"/>
+            <a:r>
+              <a:rPr kumimoji="1" lang="en-US" altLang="zh-CN" sz="900" b="1">
+                <a:solidFill>
+                  <a:schemeClr val="tx1"/>
+                </a:solidFill>
+              </a:rPr>
+              <a:t>run_queue</a:t>
+            </a:r>
+            <a:endParaRPr kumimoji="1" lang="zh-CN" altLang="en-US" sz="900" b="1">
+              <a:solidFill>
+                <a:schemeClr val="tx1"/>
+              </a:solidFill>
+            </a:endParaRPr>
+          </a:p>
+        </p:txBody>
+      </p:sp>
+      <p:cxnSp>
+        <p:nvCxnSpPr>
+          <p:cNvPr id="23" name="曲线连接符 22">
+            <a:extLst>
+              <a:ext uri="{FF2B5EF4-FFF2-40B4-BE49-F238E27FC236}">
+                <a16:creationId xmlns:a16="http://schemas.microsoft.com/office/drawing/2014/main" id="{4F209678-DF5F-BA4D-A9D2-BF39130C7388}"/>
+              </a:ext>
+            </a:extLst>
+          </p:cNvPr>
+          <p:cNvCxnSpPr>
+            <a:cxnSpLocks/>
+            <a:stCxn id="22" idx="1"/>
+            <a:endCxn id="17" idx="0"/>
+          </p:cNvCxnSpPr>
+          <p:nvPr/>
+        </p:nvCxnSpPr>
+        <p:spPr>
+          <a:xfrm rot="5400000">
+            <a:off x="8050636" y="1126263"/>
+            <a:ext cx="486114" cy="7446"/>
+          </a:xfrm>
+          <a:prstGeom prst="curvedConnector3">
+            <a:avLst>
+              <a:gd name="adj1" fmla="val 50000"/>
+            </a:avLst>
+          </a:prstGeom>
+          <a:ln>
+            <a:tailEnd type="triangle"/>
+          </a:ln>
+        </p:spPr>
+        <p:style>
+          <a:lnRef idx="1">
+            <a:schemeClr val="accent1"/>
+          </a:lnRef>
+          <a:fillRef idx="0">
+            <a:schemeClr val="accent1"/>
+          </a:fillRef>
+          <a:effectRef idx="0">
+            <a:schemeClr val="accent1"/>
+          </a:effectRef>
+          <a:fontRef idx="minor">
+            <a:schemeClr val="tx1"/>
+          </a:fontRef>
+        </p:style>
+      </p:cxnSp>
+    </p:spTree>
+    <p:extLst>
+      <p:ext uri="{BB962C8B-B14F-4D97-AF65-F5344CB8AC3E}">
+        <p14:creationId xmlns:p14="http://schemas.microsoft.com/office/powerpoint/2010/main" val="3039731762"/>
+      </p:ext>
+    </p:extLst>
+  </p:cSld>
+  <p:clrMapOvr>
+    <a:masterClrMapping/>
+  </p:clrMapOvr>
+</p:sld>
+</file>
+
+<file path=ppt/slides/slide6.xml><?xml version="1.0" encoding="utf-8"?>
 <p:sld xmlns:a="http://schemas.openxmlformats.org/drawingml/2006/main" xmlns:r="http://schemas.openxmlformats.org/officeDocument/2006/relationships" xmlns:p="http://schemas.openxmlformats.org/presentationml/2006/main">
   <p:cSld>
     <p:spTree>
@@ -14084,7 +15399,7 @@
 </p:sld>
 </file>
 
-<file path=ppt/slides/slide6.xml><?xml version="1.0" encoding="utf-8"?>
+<file path=ppt/slides/slide7.xml><?xml version="1.0" encoding="utf-8"?>
 <p:sld xmlns:a="http://schemas.openxmlformats.org/drawingml/2006/main" xmlns:r="http://schemas.openxmlformats.org/officeDocument/2006/relationships" xmlns:p="http://schemas.openxmlformats.org/presentationml/2006/main">
   <p:cSld>
     <p:spTree>
